--- a/docs/fsdf-ont-images.pptx
+++ b/docs/fsdf-ont-images.pptx
@@ -9,8 +9,8 @@
     <p:sldId id="257" r:id="rId3"/>
     <p:sldId id="258" r:id="rId4"/>
     <p:sldId id="259" r:id="rId5"/>
-    <p:sldId id="260" r:id="rId6"/>
-    <p:sldId id="261" r:id="rId7"/>
+    <p:sldId id="261" r:id="rId6"/>
+    <p:sldId id="260" r:id="rId7"/>
   </p:sldIdLst>
   <p:sldSz cx="12192000" cy="6858000"/>
   <p:notesSz cx="6858000" cy="9144000"/>
@@ -266,7 +266,7 @@
           <a:p>
             <a:fld id="{8C85DE42-2BBB-4BEC-98E8-2E54C2B244F5}" type="datetimeFigureOut">
               <a:rPr lang="en-AU" smtClean="0"/>
-              <a:t>20/6/18</a:t>
+              <a:t>21/6/18</a:t>
             </a:fld>
             <a:endParaRPr lang="en-AU"/>
           </a:p>
@@ -466,7 +466,7 @@
           <a:p>
             <a:fld id="{8C85DE42-2BBB-4BEC-98E8-2E54C2B244F5}" type="datetimeFigureOut">
               <a:rPr lang="en-AU" smtClean="0"/>
-              <a:t>20/6/18</a:t>
+              <a:t>21/6/18</a:t>
             </a:fld>
             <a:endParaRPr lang="en-AU"/>
           </a:p>
@@ -676,7 +676,7 @@
           <a:p>
             <a:fld id="{8C85DE42-2BBB-4BEC-98E8-2E54C2B244F5}" type="datetimeFigureOut">
               <a:rPr lang="en-AU" smtClean="0"/>
-              <a:t>20/6/18</a:t>
+              <a:t>21/6/18</a:t>
             </a:fld>
             <a:endParaRPr lang="en-AU"/>
           </a:p>
@@ -876,7 +876,7 @@
           <a:p>
             <a:fld id="{8C85DE42-2BBB-4BEC-98E8-2E54C2B244F5}" type="datetimeFigureOut">
               <a:rPr lang="en-AU" smtClean="0"/>
-              <a:t>20/6/18</a:t>
+              <a:t>21/6/18</a:t>
             </a:fld>
             <a:endParaRPr lang="en-AU"/>
           </a:p>
@@ -1152,7 +1152,7 @@
           <a:p>
             <a:fld id="{8C85DE42-2BBB-4BEC-98E8-2E54C2B244F5}" type="datetimeFigureOut">
               <a:rPr lang="en-AU" smtClean="0"/>
-              <a:t>20/6/18</a:t>
+              <a:t>21/6/18</a:t>
             </a:fld>
             <a:endParaRPr lang="en-AU"/>
           </a:p>
@@ -1420,7 +1420,7 @@
           <a:p>
             <a:fld id="{8C85DE42-2BBB-4BEC-98E8-2E54C2B244F5}" type="datetimeFigureOut">
               <a:rPr lang="en-AU" smtClean="0"/>
-              <a:t>20/6/18</a:t>
+              <a:t>21/6/18</a:t>
             </a:fld>
             <a:endParaRPr lang="en-AU"/>
           </a:p>
@@ -1835,7 +1835,7 @@
           <a:p>
             <a:fld id="{8C85DE42-2BBB-4BEC-98E8-2E54C2B244F5}" type="datetimeFigureOut">
               <a:rPr lang="en-AU" smtClean="0"/>
-              <a:t>20/6/18</a:t>
+              <a:t>21/6/18</a:t>
             </a:fld>
             <a:endParaRPr lang="en-AU"/>
           </a:p>
@@ -1977,7 +1977,7 @@
           <a:p>
             <a:fld id="{8C85DE42-2BBB-4BEC-98E8-2E54C2B244F5}" type="datetimeFigureOut">
               <a:rPr lang="en-AU" smtClean="0"/>
-              <a:t>20/6/18</a:t>
+              <a:t>21/6/18</a:t>
             </a:fld>
             <a:endParaRPr lang="en-AU"/>
           </a:p>
@@ -2090,7 +2090,7 @@
           <a:p>
             <a:fld id="{8C85DE42-2BBB-4BEC-98E8-2E54C2B244F5}" type="datetimeFigureOut">
               <a:rPr lang="en-AU" smtClean="0"/>
-              <a:t>20/6/18</a:t>
+              <a:t>21/6/18</a:t>
             </a:fld>
             <a:endParaRPr lang="en-AU"/>
           </a:p>
@@ -2403,7 +2403,7 @@
           <a:p>
             <a:fld id="{8C85DE42-2BBB-4BEC-98E8-2E54C2B244F5}" type="datetimeFigureOut">
               <a:rPr lang="en-AU" smtClean="0"/>
-              <a:t>20/6/18</a:t>
+              <a:t>21/6/18</a:t>
             </a:fld>
             <a:endParaRPr lang="en-AU"/>
           </a:p>
@@ -2692,7 +2692,7 @@
           <a:p>
             <a:fld id="{8C85DE42-2BBB-4BEC-98E8-2E54C2B244F5}" type="datetimeFigureOut">
               <a:rPr lang="en-AU" smtClean="0"/>
-              <a:t>20/6/18</a:t>
+              <a:t>21/6/18</a:t>
             </a:fld>
             <a:endParaRPr lang="en-AU"/>
           </a:p>
@@ -2935,7 +2935,7 @@
           <a:p>
             <a:fld id="{8C85DE42-2BBB-4BEC-98E8-2E54C2B244F5}" type="datetimeFigureOut">
               <a:rPr lang="en-AU" smtClean="0"/>
-              <a:t>20/6/18</a:t>
+              <a:t>21/6/18</a:t>
             </a:fld>
             <a:endParaRPr lang="en-AU"/>
           </a:p>
@@ -13291,6 +13291,196 @@
       </p:grpSpPr>
       <p:sp>
         <p:nvSpPr>
+          <p:cNvPr id="86" name="Rectangle 85">
+            <a:extLst>
+              <a:ext uri="{FF2B5EF4-FFF2-40B4-BE49-F238E27FC236}">
+                <a16:creationId xmlns:a16="http://schemas.microsoft.com/office/drawing/2014/main" id="{1C859CB1-DC9C-9D46-A8C8-4F0488DC02EC}"/>
+              </a:ext>
+            </a:extLst>
+          </p:cNvPr>
+          <p:cNvSpPr/>
+          <p:nvPr/>
+        </p:nvSpPr>
+        <p:spPr>
+          <a:xfrm>
+            <a:off x="5308460" y="5073951"/>
+            <a:ext cx="933012" cy="215444"/>
+          </a:xfrm>
+          <a:prstGeom prst="rect">
+            <a:avLst/>
+          </a:prstGeom>
+          <a:solidFill>
+            <a:schemeClr val="bg1"/>
+          </a:solidFill>
+        </p:spPr>
+        <p:txBody>
+          <a:bodyPr wrap="none" lIns="0" tIns="0" rIns="0" bIns="0">
+            <a:spAutoFit/>
+          </a:bodyPr>
+          <a:lstStyle/>
+          <a:p>
+            <a:r>
+              <a:rPr lang="en-AU" sz="1400" dirty="0" err="1"/>
+              <a:t>geo:sfWithin</a:t>
+            </a:r>
+            <a:endParaRPr lang="en-AU" sz="1400" dirty="0"/>
+          </a:p>
+        </p:txBody>
+      </p:sp>
+      <p:sp>
+        <p:nvSpPr>
+          <p:cNvPr id="87" name="Rectangle 86">
+            <a:extLst>
+              <a:ext uri="{FF2B5EF4-FFF2-40B4-BE49-F238E27FC236}">
+                <a16:creationId xmlns:a16="http://schemas.microsoft.com/office/drawing/2014/main" id="{2B740627-829D-F84B-84E7-759C64551051}"/>
+              </a:ext>
+            </a:extLst>
+          </p:cNvPr>
+          <p:cNvSpPr/>
+          <p:nvPr/>
+        </p:nvSpPr>
+        <p:spPr>
+          <a:xfrm>
+            <a:off x="5308460" y="5885386"/>
+            <a:ext cx="933012" cy="215444"/>
+          </a:xfrm>
+          <a:prstGeom prst="rect">
+            <a:avLst/>
+          </a:prstGeom>
+          <a:solidFill>
+            <a:schemeClr val="bg1"/>
+          </a:solidFill>
+        </p:spPr>
+        <p:txBody>
+          <a:bodyPr wrap="none" lIns="0" tIns="0" rIns="0" bIns="0">
+            <a:spAutoFit/>
+          </a:bodyPr>
+          <a:lstStyle/>
+          <a:p>
+            <a:r>
+              <a:rPr lang="en-AU" sz="1400" dirty="0" err="1"/>
+              <a:t>geo:sfWithin</a:t>
+            </a:r>
+            <a:endParaRPr lang="en-AU" sz="1400" dirty="0"/>
+          </a:p>
+        </p:txBody>
+      </p:sp>
+      <p:sp>
+        <p:nvSpPr>
+          <p:cNvPr id="88" name="Rectangle 87">
+            <a:extLst>
+              <a:ext uri="{FF2B5EF4-FFF2-40B4-BE49-F238E27FC236}">
+                <a16:creationId xmlns:a16="http://schemas.microsoft.com/office/drawing/2014/main" id="{28ACC974-7CAF-AC44-83BF-63038719E12E}"/>
+              </a:ext>
+            </a:extLst>
+          </p:cNvPr>
+          <p:cNvSpPr/>
+          <p:nvPr/>
+        </p:nvSpPr>
+        <p:spPr>
+          <a:xfrm>
+            <a:off x="5305421" y="4238344"/>
+            <a:ext cx="933012" cy="215444"/>
+          </a:xfrm>
+          <a:prstGeom prst="rect">
+            <a:avLst/>
+          </a:prstGeom>
+          <a:solidFill>
+            <a:schemeClr val="bg1"/>
+          </a:solidFill>
+        </p:spPr>
+        <p:txBody>
+          <a:bodyPr wrap="none" lIns="0" tIns="0" rIns="0" bIns="0">
+            <a:spAutoFit/>
+          </a:bodyPr>
+          <a:lstStyle/>
+          <a:p>
+            <a:r>
+              <a:rPr lang="en-AU" sz="1400" dirty="0" err="1"/>
+              <a:t>geo:sfWithin</a:t>
+            </a:r>
+            <a:endParaRPr lang="en-AU" sz="1400" dirty="0"/>
+          </a:p>
+        </p:txBody>
+      </p:sp>
+      <p:sp>
+        <p:nvSpPr>
+          <p:cNvPr id="89" name="Rectangle 88">
+            <a:extLst>
+              <a:ext uri="{FF2B5EF4-FFF2-40B4-BE49-F238E27FC236}">
+                <a16:creationId xmlns:a16="http://schemas.microsoft.com/office/drawing/2014/main" id="{94C99DA5-4199-2B42-AEC4-2C5730848025}"/>
+              </a:ext>
+            </a:extLst>
+          </p:cNvPr>
+          <p:cNvSpPr/>
+          <p:nvPr/>
+        </p:nvSpPr>
+        <p:spPr>
+          <a:xfrm>
+            <a:off x="5305420" y="3436984"/>
+            <a:ext cx="933012" cy="215444"/>
+          </a:xfrm>
+          <a:prstGeom prst="rect">
+            <a:avLst/>
+          </a:prstGeom>
+          <a:solidFill>
+            <a:schemeClr val="bg1"/>
+          </a:solidFill>
+        </p:spPr>
+        <p:txBody>
+          <a:bodyPr wrap="none" lIns="0" tIns="0" rIns="0" bIns="0">
+            <a:spAutoFit/>
+          </a:bodyPr>
+          <a:lstStyle/>
+          <a:p>
+            <a:r>
+              <a:rPr lang="en-AU" sz="1400" dirty="0" err="1"/>
+              <a:t>geo:sfWithin</a:t>
+            </a:r>
+            <a:endParaRPr lang="en-AU" sz="1400" dirty="0"/>
+          </a:p>
+        </p:txBody>
+      </p:sp>
+      <p:sp>
+        <p:nvSpPr>
+          <p:cNvPr id="90" name="Rectangle 89">
+            <a:extLst>
+              <a:ext uri="{FF2B5EF4-FFF2-40B4-BE49-F238E27FC236}">
+                <a16:creationId xmlns:a16="http://schemas.microsoft.com/office/drawing/2014/main" id="{8C55A098-2F2C-CF49-AD98-A29B52B7AA13}"/>
+              </a:ext>
+            </a:extLst>
+          </p:cNvPr>
+          <p:cNvSpPr/>
+          <p:nvPr/>
+        </p:nvSpPr>
+        <p:spPr>
+          <a:xfrm>
+            <a:off x="5305420" y="2599094"/>
+            <a:ext cx="933012" cy="215444"/>
+          </a:xfrm>
+          <a:prstGeom prst="rect">
+            <a:avLst/>
+          </a:prstGeom>
+          <a:solidFill>
+            <a:schemeClr val="bg1"/>
+          </a:solidFill>
+        </p:spPr>
+        <p:txBody>
+          <a:bodyPr wrap="none" lIns="0" tIns="0" rIns="0" bIns="0">
+            <a:spAutoFit/>
+          </a:bodyPr>
+          <a:lstStyle/>
+          <a:p>
+            <a:r>
+              <a:rPr lang="en-AU" sz="1400" dirty="0" err="1"/>
+              <a:t>geo:sfWithin</a:t>
+            </a:r>
+            <a:endParaRPr lang="en-AU" sz="1400" dirty="0"/>
+          </a:p>
+        </p:txBody>
+      </p:sp>
+      <p:sp>
+        <p:nvSpPr>
           <p:cNvPr id="3" name="TextBox 2">
             <a:extLst>
               <a:ext uri="{FF2B5EF4-FFF2-40B4-BE49-F238E27FC236}">
@@ -13304,7 +13494,7 @@
         <p:spPr>
           <a:xfrm>
             <a:off x="4022360" y="23884"/>
-            <a:ext cx="2095958" cy="369332"/>
+            <a:ext cx="1475084" cy="369332"/>
           </a:xfrm>
           <a:prstGeom prst="rect">
             <a:avLst/>
@@ -13319,7 +13509,7 @@
           <a:p>
             <a:r>
               <a:rPr lang="en-US" u="sng" dirty="0"/>
-              <a:t>ASGS / Pgaz / G-NAF</a:t>
+              <a:t>ASGS / G-NAF</a:t>
             </a:r>
           </a:p>
         </p:txBody>
@@ -13338,7 +13528,7 @@
         </p:nvSpPr>
         <p:spPr>
           <a:xfrm>
-            <a:off x="6187493" y="1701094"/>
+            <a:off x="4444188" y="880960"/>
             <a:ext cx="1330778" cy="595993"/>
           </a:xfrm>
           <a:prstGeom prst="ellipse">
@@ -13382,7 +13572,7 @@
                   <a:schemeClr val="tx1"/>
                 </a:solidFill>
               </a:rPr>
-              <a:t>Place Name Gazetteer</a:t>
+              <a:t>ASGS</a:t>
             </a:r>
           </a:p>
         </p:txBody>
@@ -13405,7 +13595,7 @@
         </p:nvCxnSpPr>
         <p:spPr>
           <a:xfrm flipV="1">
-            <a:off x="9816850" y="2297087"/>
+            <a:off x="7915897" y="1476953"/>
             <a:ext cx="0" cy="519554"/>
           </a:xfrm>
           <a:prstGeom prst="straightConnector1">
@@ -13418,6 +13608,52 @@
             <a:prstDash val="dashDot"/>
             <a:headEnd type="none" w="med" len="med"/>
             <a:tailEnd type="arrow" w="med" len="med"/>
+          </a:ln>
+        </p:spPr>
+        <p:style>
+          <a:lnRef idx="1">
+            <a:schemeClr val="accent1"/>
+          </a:lnRef>
+          <a:fillRef idx="0">
+            <a:schemeClr val="accent1"/>
+          </a:fillRef>
+          <a:effectRef idx="0">
+            <a:schemeClr val="accent1"/>
+          </a:effectRef>
+          <a:fontRef idx="minor">
+            <a:schemeClr val="tx1"/>
+          </a:fontRef>
+        </p:style>
+      </p:cxnSp>
+      <p:cxnSp>
+        <p:nvCxnSpPr>
+          <p:cNvPr id="101" name="Straight Arrow Connector 100">
+            <a:extLst>
+              <a:ext uri="{FF2B5EF4-FFF2-40B4-BE49-F238E27FC236}">
+                <a16:creationId xmlns:a16="http://schemas.microsoft.com/office/drawing/2014/main" id="{73A5F1D9-749C-48E6-A302-3D149B04CE5E}"/>
+              </a:ext>
+            </a:extLst>
+          </p:cNvPr>
+          <p:cNvCxnSpPr>
+            <a:cxnSpLocks/>
+            <a:stCxn id="57" idx="2"/>
+            <a:endCxn id="61" idx="0"/>
+          </p:cNvCxnSpPr>
+          <p:nvPr/>
+        </p:nvCxnSpPr>
+        <p:spPr>
+          <a:xfrm>
+            <a:off x="7915897" y="2592500"/>
+            <a:ext cx="0" cy="519554"/>
+          </a:xfrm>
+          <a:prstGeom prst="straightConnector1">
+            <a:avLst/>
+          </a:prstGeom>
+          <a:ln>
+            <a:solidFill>
+              <a:schemeClr val="tx1"/>
+            </a:solidFill>
+            <a:tailEnd type="arrow"/>
           </a:ln>
         </p:spPr>
         <p:style>
@@ -13555,7 +13791,7 @@
         </p:nvSpPr>
         <p:spPr>
           <a:xfrm>
-            <a:off x="9151461" y="1701094"/>
+            <a:off x="7250508" y="880960"/>
             <a:ext cx="1330778" cy="595993"/>
           </a:xfrm>
           <a:prstGeom prst="ellipse">
@@ -13618,363 +13854,7 @@
         </p:nvSpPr>
         <p:spPr>
           <a:xfrm>
-            <a:off x="9151461" y="2816641"/>
-            <a:ext cx="1330778" cy="595993"/>
-          </a:xfrm>
-          <a:prstGeom prst="rect">
-            <a:avLst/>
-          </a:prstGeom>
-          <a:solidFill>
-            <a:schemeClr val="bg1"/>
-          </a:solidFill>
-          <a:ln>
-            <a:solidFill>
-              <a:srgbClr val="C00000"/>
-            </a:solidFill>
-          </a:ln>
-        </p:spPr>
-        <p:style>
-          <a:lnRef idx="2">
-            <a:schemeClr val="accent1">
-              <a:shade val="50000"/>
-            </a:schemeClr>
-          </a:lnRef>
-          <a:fillRef idx="1">
-            <a:schemeClr val="accent1"/>
-          </a:fillRef>
-          <a:effectRef idx="0">
-            <a:schemeClr val="accent1"/>
-          </a:effectRef>
-          <a:fontRef idx="minor">
-            <a:schemeClr val="lt1"/>
-          </a:fontRef>
-        </p:style>
-        <p:txBody>
-          <a:bodyPr rtlCol="0" anchor="ctr"/>
-          <a:lstStyle/>
-          <a:p>
-            <a:pPr algn="ctr"/>
-            <a:r>
-              <a:rPr lang="en-US" sz="1400" dirty="0" err="1">
-                <a:solidFill>
-                  <a:srgbClr val="C00000"/>
-                </a:solidFill>
-              </a:rPr>
-              <a:t>gnaf:Address</a:t>
-            </a:r>
-            <a:endParaRPr lang="en-US" sz="1400" dirty="0">
-              <a:solidFill>
-                <a:srgbClr val="C00000"/>
-              </a:solidFill>
-            </a:endParaRPr>
-          </a:p>
-        </p:txBody>
-      </p:sp>
-      <p:cxnSp>
-        <p:nvCxnSpPr>
-          <p:cNvPr id="68" name="Straight Arrow Connector 67">
-            <a:extLst>
-              <a:ext uri="{FF2B5EF4-FFF2-40B4-BE49-F238E27FC236}">
-                <a16:creationId xmlns:a16="http://schemas.microsoft.com/office/drawing/2014/main" id="{9CCFD714-D81D-4214-B67C-7CE8F91F26E4}"/>
-              </a:ext>
-            </a:extLst>
-          </p:cNvPr>
-          <p:cNvCxnSpPr>
-            <a:cxnSpLocks/>
-            <a:stCxn id="34" idx="3"/>
-            <a:endCxn id="57" idx="1"/>
-          </p:cNvCxnSpPr>
-          <p:nvPr/>
-        </p:nvCxnSpPr>
-        <p:spPr>
-          <a:xfrm>
-            <a:off x="7518271" y="3114637"/>
-            <a:ext cx="1633190" cy="1"/>
-          </a:xfrm>
-          <a:prstGeom prst="straightConnector1">
-            <a:avLst/>
-          </a:prstGeom>
-          <a:ln>
-            <a:solidFill>
-              <a:srgbClr val="C00000"/>
-            </a:solidFill>
-            <a:headEnd type="none"/>
-            <a:tailEnd type="arrow"/>
-          </a:ln>
-        </p:spPr>
-        <p:style>
-          <a:lnRef idx="1">
-            <a:schemeClr val="accent1"/>
-          </a:lnRef>
-          <a:fillRef idx="0">
-            <a:schemeClr val="accent1"/>
-          </a:fillRef>
-          <a:effectRef idx="0">
-            <a:schemeClr val="accent1"/>
-          </a:effectRef>
-          <a:fontRef idx="minor">
-            <a:schemeClr val="tx1"/>
-          </a:fontRef>
-        </p:style>
-      </p:cxnSp>
-      <p:cxnSp>
-        <p:nvCxnSpPr>
-          <p:cNvPr id="22" name="Straight Arrow Connector 21">
-            <a:extLst>
-              <a:ext uri="{FF2B5EF4-FFF2-40B4-BE49-F238E27FC236}">
-                <a16:creationId xmlns:a16="http://schemas.microsoft.com/office/drawing/2014/main" id="{E216A240-2D43-DB41-A9DA-C05839198DAD}"/>
-              </a:ext>
-            </a:extLst>
-          </p:cNvPr>
-          <p:cNvCxnSpPr>
-            <a:cxnSpLocks/>
-            <a:stCxn id="34" idx="0"/>
-            <a:endCxn id="19" idx="4"/>
-          </p:cNvCxnSpPr>
-          <p:nvPr/>
-        </p:nvCxnSpPr>
-        <p:spPr>
-          <a:xfrm flipV="1">
-            <a:off x="6852882" y="2297087"/>
-            <a:ext cx="0" cy="519553"/>
-          </a:xfrm>
-          <a:prstGeom prst="straightConnector1">
-            <a:avLst/>
-          </a:prstGeom>
-          <a:ln>
-            <a:solidFill>
-              <a:schemeClr val="tx1"/>
-            </a:solidFill>
-            <a:prstDash val="dashDot"/>
-            <a:headEnd type="none" w="med" len="med"/>
-            <a:tailEnd type="arrow" w="med" len="med"/>
-          </a:ln>
-        </p:spPr>
-        <p:style>
-          <a:lnRef idx="1">
-            <a:schemeClr val="accent1"/>
-          </a:lnRef>
-          <a:fillRef idx="0">
-            <a:schemeClr val="accent1"/>
-          </a:fillRef>
-          <a:effectRef idx="0">
-            <a:schemeClr val="accent1"/>
-          </a:effectRef>
-          <a:fontRef idx="minor">
-            <a:schemeClr val="tx1"/>
-          </a:fontRef>
-        </p:style>
-      </p:cxnSp>
-      <p:sp>
-        <p:nvSpPr>
-          <p:cNvPr id="26" name="Rectangle 25">
-            <a:extLst>
-              <a:ext uri="{FF2B5EF4-FFF2-40B4-BE49-F238E27FC236}">
-                <a16:creationId xmlns:a16="http://schemas.microsoft.com/office/drawing/2014/main" id="{58FCD938-2FF0-894F-81A0-9DBE1DF01D36}"/>
-              </a:ext>
-            </a:extLst>
-          </p:cNvPr>
-          <p:cNvSpPr/>
-          <p:nvPr/>
-        </p:nvSpPr>
-        <p:spPr>
-          <a:xfrm>
-            <a:off x="332703" y="4055807"/>
-            <a:ext cx="3271921" cy="1815882"/>
-          </a:xfrm>
-          <a:prstGeom prst="rect">
-            <a:avLst/>
-          </a:prstGeom>
-        </p:spPr>
-        <p:txBody>
-          <a:bodyPr wrap="none">
-            <a:spAutoFit/>
-          </a:bodyPr>
-          <a:lstStyle/>
-          <a:p>
-            <a:r>
-              <a:rPr lang="en-AU" sz="1400" u="sng" dirty="0" err="1"/>
-              <a:t>Namespace Prefixes</a:t>
-            </a:r>
-          </a:p>
-          <a:p>
-            <a:endParaRPr lang="en-AU" sz="1400" dirty="0" err="1"/>
-          </a:p>
-          <a:p>
-            <a:r>
-              <a:rPr lang="en-US" sz="1400" dirty="0"/>
-              <a:t>owl:    http://www.w3.org/2002/07/owl#</a:t>
-            </a:r>
-            <a:endParaRPr lang="en-AU" sz="1400" dirty="0" err="1"/>
-          </a:p>
-          <a:p>
-            <a:r>
-              <a:rPr lang="en-AU" sz="1400" dirty="0" err="1"/>
-              <a:t>prov:  https://www.w3.org/TR/prov-o/</a:t>
-            </a:r>
-          </a:p>
-          <a:p>
-            <a:r>
-              <a:rPr lang="en-AU" sz="1400" dirty="0" err="1"/>
-              <a:t>gnaf:   http://linked.data.gov.au/def/gnaf#</a:t>
-            </a:r>
-            <a:br>
-              <a:rPr lang="en-AU" sz="1400" dirty="0" err="1"/>
-            </a:br>
-            <a:r>
-              <a:rPr lang="en-AU" sz="1400" dirty="0" err="1"/>
-              <a:t>pg:      http://linked.data.gov.au/def/pz#</a:t>
-            </a:r>
-          </a:p>
-          <a:p>
-            <a:r>
-              <a:rPr lang="en-AU" sz="1400" dirty="0" err="1"/>
-              <a:t>asgs:   http://linked.data.gov.au/def/asgs#</a:t>
-            </a:r>
-            <a:br>
-              <a:rPr lang="en-AU" sz="1400" dirty="0" err="1"/>
-            </a:br>
-            <a:endParaRPr lang="en-AU" sz="1400" dirty="0"/>
-          </a:p>
-        </p:txBody>
-      </p:sp>
-      <p:sp>
-        <p:nvSpPr>
-          <p:cNvPr id="34" name="Rectangle 33">
-            <a:extLst>
-              <a:ext uri="{FF2B5EF4-FFF2-40B4-BE49-F238E27FC236}">
-                <a16:creationId xmlns:a16="http://schemas.microsoft.com/office/drawing/2014/main" id="{C22D81CE-EDFA-804B-A2F3-9708A1ED312D}"/>
-              </a:ext>
-            </a:extLst>
-          </p:cNvPr>
-          <p:cNvSpPr/>
-          <p:nvPr/>
-        </p:nvSpPr>
-        <p:spPr>
-          <a:xfrm>
-            <a:off x="6187493" y="2816640"/>
-            <a:ext cx="1330778" cy="595993"/>
-          </a:xfrm>
-          <a:prstGeom prst="rect">
-            <a:avLst/>
-          </a:prstGeom>
-          <a:solidFill>
-            <a:schemeClr val="bg1"/>
-          </a:solidFill>
-          <a:ln>
-            <a:solidFill>
-              <a:srgbClr val="C00000"/>
-            </a:solidFill>
-          </a:ln>
-        </p:spPr>
-        <p:style>
-          <a:lnRef idx="2">
-            <a:schemeClr val="accent1">
-              <a:shade val="50000"/>
-            </a:schemeClr>
-          </a:lnRef>
-          <a:fillRef idx="1">
-            <a:schemeClr val="accent1"/>
-          </a:fillRef>
-          <a:effectRef idx="0">
-            <a:schemeClr val="accent1"/>
-          </a:effectRef>
-          <a:fontRef idx="minor">
-            <a:schemeClr val="lt1"/>
-          </a:fontRef>
-        </p:style>
-        <p:txBody>
-          <a:bodyPr rtlCol="0" anchor="ctr"/>
-          <a:lstStyle/>
-          <a:p>
-            <a:pPr algn="ctr"/>
-            <a:r>
-              <a:rPr lang="en-US" sz="1400" dirty="0">
-                <a:solidFill>
-                  <a:srgbClr val="C00000"/>
-                </a:solidFill>
-              </a:rPr>
-              <a:t>pg:</a:t>
-            </a:r>
-            <a:br>
-              <a:rPr lang="en-US" sz="1400" dirty="0">
-                <a:solidFill>
-                  <a:srgbClr val="C00000"/>
-                </a:solidFill>
-              </a:rPr>
-            </a:br>
-            <a:r>
-              <a:rPr lang="en-US" sz="1400" dirty="0">
-                <a:solidFill>
-                  <a:srgbClr val="C00000"/>
-                </a:solidFill>
-              </a:rPr>
-              <a:t>Place</a:t>
-            </a:r>
-          </a:p>
-        </p:txBody>
-      </p:sp>
-      <p:sp>
-        <p:nvSpPr>
-          <p:cNvPr id="7" name="Rectangle 6">
-            <a:extLst>
-              <a:ext uri="{FF2B5EF4-FFF2-40B4-BE49-F238E27FC236}">
-                <a16:creationId xmlns:a16="http://schemas.microsoft.com/office/drawing/2014/main" id="{6EE52F69-BE1B-496F-8DC0-B659859E6F43}"/>
-              </a:ext>
-            </a:extLst>
-          </p:cNvPr>
-          <p:cNvSpPr/>
-          <p:nvPr/>
-        </p:nvSpPr>
-        <p:spPr>
-          <a:xfrm>
-            <a:off x="7811485" y="2821852"/>
-            <a:ext cx="1046761" cy="215444"/>
-          </a:xfrm>
-          <a:prstGeom prst="rect">
-            <a:avLst/>
-          </a:prstGeom>
-          <a:solidFill>
-            <a:schemeClr val="bg1"/>
-          </a:solidFill>
-        </p:spPr>
-        <p:txBody>
-          <a:bodyPr wrap="none" lIns="0" tIns="0" rIns="0" bIns="0">
-            <a:spAutoFit/>
-          </a:bodyPr>
-          <a:lstStyle/>
-          <a:p>
-            <a:r>
-              <a:rPr lang="en-AU" sz="1400" dirty="0" err="1">
-                <a:solidFill>
-                  <a:srgbClr val="C00000"/>
-                </a:solidFill>
-              </a:rPr>
-              <a:t>pz:hasAddress</a:t>
-            </a:r>
-            <a:endParaRPr lang="en-AU" sz="1400" dirty="0">
-              <a:solidFill>
-                <a:srgbClr val="C00000"/>
-              </a:solidFill>
-            </a:endParaRPr>
-          </a:p>
-        </p:txBody>
-      </p:sp>
-      <p:sp>
-        <p:nvSpPr>
-          <p:cNvPr id="50" name="Rectangle 49">
-            <a:extLst>
-              <a:ext uri="{FF2B5EF4-FFF2-40B4-BE49-F238E27FC236}">
-                <a16:creationId xmlns:a16="http://schemas.microsoft.com/office/drawing/2014/main" id="{1D5FC9C8-73F0-B84D-B55B-2CA48DF8DBA0}"/>
-              </a:ext>
-            </a:extLst>
-          </p:cNvPr>
-          <p:cNvSpPr/>
-          <p:nvPr/>
-        </p:nvSpPr>
-        <p:spPr>
-          <a:xfrm>
-            <a:off x="332703" y="2557431"/>
+            <a:off x="7250508" y="1996507"/>
             <a:ext cx="1330778" cy="595993"/>
           </a:xfrm>
           <a:prstGeom prst="rect">
@@ -14018,7 +13898,7 @@
                   <a:schemeClr val="tx1"/>
                 </a:solidFill>
               </a:rPr>
-              <a:t>dataset class</a:t>
+              <a:t>gnaf:Address</a:t>
             </a:r>
             <a:endParaRPr lang="en-US" sz="1400" dirty="0">
               <a:solidFill>
@@ -14028,24 +13908,153 @@
           </a:p>
         </p:txBody>
       </p:sp>
+      <p:sp>
+        <p:nvSpPr>
+          <p:cNvPr id="61" name="Rectangle 60">
+            <a:extLst>
+              <a:ext uri="{FF2B5EF4-FFF2-40B4-BE49-F238E27FC236}">
+                <a16:creationId xmlns:a16="http://schemas.microsoft.com/office/drawing/2014/main" id="{3561B104-A04C-44F6-85A7-FA46231AA6AF}"/>
+              </a:ext>
+            </a:extLst>
+          </p:cNvPr>
+          <p:cNvSpPr/>
+          <p:nvPr/>
+        </p:nvSpPr>
+        <p:spPr>
+          <a:xfrm>
+            <a:off x="7250508" y="3112054"/>
+            <a:ext cx="1330778" cy="595993"/>
+          </a:xfrm>
+          <a:prstGeom prst="rect">
+            <a:avLst/>
+          </a:prstGeom>
+          <a:solidFill>
+            <a:schemeClr val="bg1"/>
+          </a:solidFill>
+          <a:ln>
+            <a:solidFill>
+              <a:schemeClr val="tx1"/>
+            </a:solidFill>
+          </a:ln>
+        </p:spPr>
+        <p:style>
+          <a:lnRef idx="2">
+            <a:schemeClr val="accent1">
+              <a:shade val="50000"/>
+            </a:schemeClr>
+          </a:lnRef>
+          <a:fillRef idx="1">
+            <a:schemeClr val="accent1"/>
+          </a:fillRef>
+          <a:effectRef idx="0">
+            <a:schemeClr val="accent1"/>
+          </a:effectRef>
+          <a:fontRef idx="minor">
+            <a:schemeClr val="lt1"/>
+          </a:fontRef>
+        </p:style>
+        <p:txBody>
+          <a:bodyPr rtlCol="0" anchor="ctr"/>
+          <a:lstStyle/>
+          <a:p>
+            <a:pPr algn="ctr"/>
+            <a:r>
+              <a:rPr lang="en-US" sz="1400" dirty="0" err="1">
+                <a:solidFill>
+                  <a:schemeClr val="tx1"/>
+                </a:solidFill>
+              </a:rPr>
+              <a:t>gnaf</a:t>
+            </a:r>
+            <a:r>
+              <a:rPr lang="en-US" sz="1400" dirty="0">
+                <a:solidFill>
+                  <a:schemeClr val="tx1"/>
+                </a:solidFill>
+              </a:rPr>
+              <a:t>:</a:t>
+            </a:r>
+            <a:br>
+              <a:rPr lang="en-US" sz="1400" dirty="0">
+                <a:solidFill>
+                  <a:schemeClr val="tx1"/>
+                </a:solidFill>
+              </a:rPr>
+            </a:br>
+            <a:r>
+              <a:rPr lang="en-US" sz="1400" dirty="0" err="1">
+                <a:solidFill>
+                  <a:schemeClr val="tx1"/>
+                </a:solidFill>
+              </a:rPr>
+              <a:t>StreetLocality</a:t>
+            </a:r>
+            <a:endParaRPr lang="en-US" sz="1400" dirty="0">
+              <a:solidFill>
+                <a:schemeClr val="tx1"/>
+              </a:solidFill>
+            </a:endParaRPr>
+          </a:p>
+        </p:txBody>
+      </p:sp>
+      <p:sp>
+        <p:nvSpPr>
+          <p:cNvPr id="27" name="TextBox 26">
+            <a:extLst>
+              <a:ext uri="{FF2B5EF4-FFF2-40B4-BE49-F238E27FC236}">
+                <a16:creationId xmlns:a16="http://schemas.microsoft.com/office/drawing/2014/main" id="{BE10EA7E-29CB-454D-80C7-AC677BB17FD8}"/>
+              </a:ext>
+            </a:extLst>
+          </p:cNvPr>
+          <p:cNvSpPr txBox="1"/>
+          <p:nvPr/>
+        </p:nvSpPr>
+        <p:spPr>
+          <a:xfrm>
+            <a:off x="7385078" y="2744555"/>
+            <a:ext cx="1061637" cy="215444"/>
+          </a:xfrm>
+          <a:prstGeom prst="rect">
+            <a:avLst/>
+          </a:prstGeom>
+          <a:solidFill>
+            <a:schemeClr val="bg1"/>
+          </a:solidFill>
+        </p:spPr>
+        <p:txBody>
+          <a:bodyPr wrap="none" lIns="0" tIns="0" rIns="0" bIns="0" rtlCol="0">
+            <a:spAutoFit/>
+          </a:bodyPr>
+          <a:lstStyle/>
+          <a:p>
+            <a:r>
+              <a:rPr lang="en-US" sz="1400" dirty="0" err="1"/>
+              <a:t>gnaf:hasStreet</a:t>
+            </a:r>
+            <a:endParaRPr lang="en-US" sz="1400" dirty="0"/>
+          </a:p>
+        </p:txBody>
+      </p:sp>
       <p:cxnSp>
         <p:nvCxnSpPr>
-          <p:cNvPr id="51" name="Straight Arrow Connector 50">
-            <a:extLst>
-              <a:ext uri="{FF2B5EF4-FFF2-40B4-BE49-F238E27FC236}">
-                <a16:creationId xmlns:a16="http://schemas.microsoft.com/office/drawing/2014/main" id="{5F6B02AB-E6B8-404B-9788-F14A24AEE267}"/>
+          <p:cNvPr id="22" name="Straight Arrow Connector 21">
+            <a:extLst>
+              <a:ext uri="{FF2B5EF4-FFF2-40B4-BE49-F238E27FC236}">
+                <a16:creationId xmlns:a16="http://schemas.microsoft.com/office/drawing/2014/main" id="{E216A240-2D43-DB41-A9DA-C05839198DAD}"/>
               </a:ext>
             </a:extLst>
           </p:cNvPr>
           <p:cNvCxnSpPr>
             <a:cxnSpLocks/>
+            <a:stCxn id="33" idx="0"/>
+            <a:endCxn id="19" idx="4"/>
           </p:cNvCxnSpPr>
           <p:nvPr/>
         </p:nvCxnSpPr>
         <p:spPr>
-          <a:xfrm>
-            <a:off x="478976" y="3750599"/>
-            <a:ext cx="1038233" cy="1"/>
+          <a:xfrm flipV="1">
+            <a:off x="5109577" y="1476953"/>
+            <a:ext cx="0" cy="519553"/>
           </a:xfrm>
           <a:prstGeom prst="straightConnector1">
             <a:avLst/>
@@ -14076,10 +14085,10 @@
       </p:cxnSp>
       <p:sp>
         <p:nvSpPr>
-          <p:cNvPr id="54" name="Rectangle 53">
-            <a:extLst>
-              <a:ext uri="{FF2B5EF4-FFF2-40B4-BE49-F238E27FC236}">
-                <a16:creationId xmlns:a16="http://schemas.microsoft.com/office/drawing/2014/main" id="{ADFF7DDD-5583-CD4B-A1FC-F4BC753F7086}"/>
+          <p:cNvPr id="26" name="Rectangle 25">
+            <a:extLst>
+              <a:ext uri="{FF2B5EF4-FFF2-40B4-BE49-F238E27FC236}">
+                <a16:creationId xmlns:a16="http://schemas.microsoft.com/office/drawing/2014/main" id="{58FCD938-2FF0-894F-81A0-9DBE1DF01D36}"/>
               </a:ext>
             </a:extLst>
           </p:cNvPr>
@@ -14088,8 +14097,78 @@
         </p:nvSpPr>
         <p:spPr>
           <a:xfrm>
-            <a:off x="398353" y="3412634"/>
-            <a:ext cx="1198533" cy="215444"/>
+            <a:off x="332703" y="4055807"/>
+            <a:ext cx="3618683" cy="1600438"/>
+          </a:xfrm>
+          <a:prstGeom prst="rect">
+            <a:avLst/>
+          </a:prstGeom>
+        </p:spPr>
+        <p:txBody>
+          <a:bodyPr wrap="none">
+            <a:spAutoFit/>
+          </a:bodyPr>
+          <a:lstStyle/>
+          <a:p>
+            <a:r>
+              <a:rPr lang="en-AU" sz="1400" u="sng" dirty="0" err="1"/>
+              <a:t>Namespace Prefixes</a:t>
+            </a:r>
+          </a:p>
+          <a:p>
+            <a:endParaRPr lang="en-AU" sz="1400" dirty="0" err="1"/>
+          </a:p>
+          <a:p>
+            <a:r>
+              <a:rPr lang="en-US" sz="1400" dirty="0"/>
+              <a:t>owl:    http://www.w3.org/2002/07/owl#</a:t>
+            </a:r>
+            <a:endParaRPr lang="en-AU" sz="1400" dirty="0" err="1"/>
+          </a:p>
+          <a:p>
+            <a:r>
+              <a:rPr lang="en-AU" sz="1400" dirty="0" err="1"/>
+              <a:t>prov:  https://www.w3.org/TR/prov-o/</a:t>
+            </a:r>
+          </a:p>
+          <a:p>
+            <a:r>
+              <a:rPr lang="en-AU" sz="1400" dirty="0" err="1"/>
+              <a:t>geo:    http://www.opengis.net/ont/geosparql#</a:t>
+            </a:r>
+          </a:p>
+          <a:p>
+            <a:r>
+              <a:rPr lang="en-AU" sz="1400" dirty="0" err="1"/>
+              <a:t>gnaf:   http://linked.data.gov.au/def/gnaf#</a:t>
+            </a:r>
+            <a:br>
+              <a:rPr lang="en-AU" sz="1400" dirty="0" err="1"/>
+            </a:br>
+            <a:r>
+              <a:rPr lang="en-AU" sz="1400" dirty="0" err="1"/>
+              <a:t>asgs:   http://linked.data.gov.au/def/asgs#</a:t>
+            </a:r>
+            <a:endParaRPr lang="en-AU" sz="1400" dirty="0"/>
+          </a:p>
+        </p:txBody>
+      </p:sp>
+      <p:sp>
+        <p:nvSpPr>
+          <p:cNvPr id="50" name="Rectangle 49">
+            <a:extLst>
+              <a:ext uri="{FF2B5EF4-FFF2-40B4-BE49-F238E27FC236}">
+                <a16:creationId xmlns:a16="http://schemas.microsoft.com/office/drawing/2014/main" id="{1D5FC9C8-73F0-B84D-B55B-2CA48DF8DBA0}"/>
+              </a:ext>
+            </a:extLst>
+          </p:cNvPr>
+          <p:cNvSpPr/>
+          <p:nvPr/>
+        </p:nvSpPr>
+        <p:spPr>
+          <a:xfrm>
+            <a:off x="332703" y="2557431"/>
+            <a:ext cx="1330778" cy="595993"/>
           </a:xfrm>
           <a:prstGeom prst="rect">
             <a:avLst/>
@@ -14097,91 +14176,7 @@
           <a:solidFill>
             <a:schemeClr val="bg1"/>
           </a:solidFill>
-        </p:spPr>
-        <p:txBody>
-          <a:bodyPr wrap="none" lIns="0" tIns="0" rIns="0" bIns="0">
-            <a:spAutoFit/>
-          </a:bodyPr>
-          <a:lstStyle/>
-          <a:p>
-            <a:r>
-              <a:rPr lang="en-AU" sz="1400" dirty="0" err="1"/>
-              <a:t>dataset contains</a:t>
-            </a:r>
-            <a:endParaRPr lang="en-AU" sz="1400" dirty="0"/>
-          </a:p>
-        </p:txBody>
-      </p:sp>
-      <p:sp>
-        <p:nvSpPr>
-          <p:cNvPr id="55" name="Rectangle 54">
-            <a:extLst>
-              <a:ext uri="{FF2B5EF4-FFF2-40B4-BE49-F238E27FC236}">
-                <a16:creationId xmlns:a16="http://schemas.microsoft.com/office/drawing/2014/main" id="{6E3B6078-858E-DE48-99AB-3096C3710294}"/>
-              </a:ext>
-            </a:extLst>
-          </p:cNvPr>
-          <p:cNvSpPr/>
-          <p:nvPr/>
-        </p:nvSpPr>
-        <p:spPr>
-          <a:xfrm>
-            <a:off x="398353" y="5961452"/>
-            <a:ext cx="3867277" cy="215444"/>
-          </a:xfrm>
-          <a:prstGeom prst="rect">
-            <a:avLst/>
-          </a:prstGeom>
-          <a:solidFill>
-            <a:schemeClr val="bg1"/>
-          </a:solidFill>
-        </p:spPr>
-        <p:txBody>
-          <a:bodyPr wrap="none" lIns="0" tIns="0" rIns="0" bIns="0">
-            <a:spAutoFit/>
-          </a:bodyPr>
-          <a:lstStyle/>
-          <a:p>
-            <a:r>
-              <a:rPr lang="en-AU" sz="1400" dirty="0" err="1">
-                <a:solidFill>
-                  <a:srgbClr val="C00000"/>
-                </a:solidFill>
-              </a:rPr>
-              <a:t>Colour indicating FSDF Ontology Classes &amp; Properties</a:t>
-            </a:r>
-            <a:endParaRPr lang="en-AU" sz="1400" dirty="0">
-              <a:solidFill>
-                <a:srgbClr val="C00000"/>
-              </a:solidFill>
-            </a:endParaRPr>
-          </a:p>
-        </p:txBody>
-      </p:sp>
-      <p:sp>
-        <p:nvSpPr>
-          <p:cNvPr id="35" name="Oval 34">
-            <a:extLst>
-              <a:ext uri="{FF2B5EF4-FFF2-40B4-BE49-F238E27FC236}">
-                <a16:creationId xmlns:a16="http://schemas.microsoft.com/office/drawing/2014/main" id="{D25FDDF3-78D9-BA45-B514-4A8DDDE39906}"/>
-              </a:ext>
-            </a:extLst>
-          </p:cNvPr>
-          <p:cNvSpPr/>
-          <p:nvPr/>
-        </p:nvSpPr>
-        <p:spPr>
-          <a:xfrm>
-            <a:off x="3223525" y="1698511"/>
-            <a:ext cx="1330778" cy="595993"/>
-          </a:xfrm>
-          <a:prstGeom prst="ellipse">
-            <a:avLst/>
-          </a:prstGeom>
-          <a:solidFill>
-            <a:srgbClr val="FFFFD6"/>
-          </a:solidFill>
-          <a:ln w="12700">
+          <a:ln>
             <a:solidFill>
               <a:schemeClr val="bg1">
                 <a:lumMod val="50000"/>
@@ -14211,36 +14206,39 @@
           <a:p>
             <a:pPr algn="ctr"/>
             <a:r>
-              <a:rPr lang="en-US" sz="1200" dirty="0">
+              <a:rPr lang="en-US" sz="1400" dirty="0" err="1">
                 <a:solidFill>
                   <a:schemeClr val="tx1"/>
                 </a:solidFill>
               </a:rPr>
-              <a:t>ASGS</a:t>
-            </a:r>
+              <a:t>dataset class</a:t>
+            </a:r>
+            <a:endParaRPr lang="en-US" sz="1400" dirty="0">
+              <a:solidFill>
+                <a:schemeClr val="tx1"/>
+              </a:solidFill>
+            </a:endParaRPr>
           </a:p>
         </p:txBody>
       </p:sp>
       <p:cxnSp>
         <p:nvCxnSpPr>
-          <p:cNvPr id="37" name="Straight Arrow Connector 36">
-            <a:extLst>
-              <a:ext uri="{FF2B5EF4-FFF2-40B4-BE49-F238E27FC236}">
-                <a16:creationId xmlns:a16="http://schemas.microsoft.com/office/drawing/2014/main" id="{762AA805-CCB5-5D43-8F31-C1491D08437E}"/>
+          <p:cNvPr id="51" name="Straight Arrow Connector 50">
+            <a:extLst>
+              <a:ext uri="{FF2B5EF4-FFF2-40B4-BE49-F238E27FC236}">
+                <a16:creationId xmlns:a16="http://schemas.microsoft.com/office/drawing/2014/main" id="{5F6B02AB-E6B8-404B-9788-F14A24AEE267}"/>
               </a:ext>
             </a:extLst>
           </p:cNvPr>
           <p:cNvCxnSpPr>
             <a:cxnSpLocks/>
-            <a:stCxn id="38" idx="0"/>
-            <a:endCxn id="35" idx="4"/>
           </p:cNvCxnSpPr>
           <p:nvPr/>
         </p:nvCxnSpPr>
         <p:spPr>
-          <a:xfrm flipV="1">
-            <a:off x="3888914" y="2294504"/>
-            <a:ext cx="0" cy="519553"/>
+          <a:xfrm>
+            <a:off x="478976" y="3750599"/>
+            <a:ext cx="1038233" cy="1"/>
           </a:xfrm>
           <a:prstGeom prst="straightConnector1">
             <a:avLst/>
@@ -14271,10 +14269,10 @@
       </p:cxnSp>
       <p:sp>
         <p:nvSpPr>
-          <p:cNvPr id="38" name="Rectangle 37">
-            <a:extLst>
-              <a:ext uri="{FF2B5EF4-FFF2-40B4-BE49-F238E27FC236}">
-                <a16:creationId xmlns:a16="http://schemas.microsoft.com/office/drawing/2014/main" id="{2078838A-B6DB-764C-96A6-133495B2C356}"/>
+          <p:cNvPr id="54" name="Rectangle 53">
+            <a:extLst>
+              <a:ext uri="{FF2B5EF4-FFF2-40B4-BE49-F238E27FC236}">
+                <a16:creationId xmlns:a16="http://schemas.microsoft.com/office/drawing/2014/main" id="{ADFF7DDD-5583-CD4B-A1FC-F4BC753F7086}"/>
               </a:ext>
             </a:extLst>
           </p:cNvPr>
@@ -14283,7 +14281,91 @@
         </p:nvSpPr>
         <p:spPr>
           <a:xfrm>
-            <a:off x="3223525" y="2814057"/>
+            <a:off x="398353" y="3412634"/>
+            <a:ext cx="1198533" cy="215444"/>
+          </a:xfrm>
+          <a:prstGeom prst="rect">
+            <a:avLst/>
+          </a:prstGeom>
+          <a:solidFill>
+            <a:schemeClr val="bg1"/>
+          </a:solidFill>
+        </p:spPr>
+        <p:txBody>
+          <a:bodyPr wrap="none" lIns="0" tIns="0" rIns="0" bIns="0">
+            <a:spAutoFit/>
+          </a:bodyPr>
+          <a:lstStyle/>
+          <a:p>
+            <a:r>
+              <a:rPr lang="en-AU" sz="1400" dirty="0" err="1"/>
+              <a:t>dataset contains</a:t>
+            </a:r>
+            <a:endParaRPr lang="en-AU" sz="1400" dirty="0"/>
+          </a:p>
+        </p:txBody>
+      </p:sp>
+      <p:sp>
+        <p:nvSpPr>
+          <p:cNvPr id="55" name="Rectangle 54">
+            <a:extLst>
+              <a:ext uri="{FF2B5EF4-FFF2-40B4-BE49-F238E27FC236}">
+                <a16:creationId xmlns:a16="http://schemas.microsoft.com/office/drawing/2014/main" id="{6E3B6078-858E-DE48-99AB-3096C3710294}"/>
+              </a:ext>
+            </a:extLst>
+          </p:cNvPr>
+          <p:cNvSpPr/>
+          <p:nvPr/>
+        </p:nvSpPr>
+        <p:spPr>
+          <a:xfrm>
+            <a:off x="398353" y="5961452"/>
+            <a:ext cx="3864071" cy="215444"/>
+          </a:xfrm>
+          <a:prstGeom prst="rect">
+            <a:avLst/>
+          </a:prstGeom>
+          <a:solidFill>
+            <a:schemeClr val="bg1"/>
+          </a:solidFill>
+        </p:spPr>
+        <p:txBody>
+          <a:bodyPr wrap="none" lIns="0" tIns="0" rIns="0" bIns="0">
+            <a:spAutoFit/>
+          </a:bodyPr>
+          <a:lstStyle/>
+          <a:p>
+            <a:r>
+              <a:rPr lang="en-AU" sz="1400" dirty="0" err="1">
+                <a:solidFill>
+                  <a:srgbClr val="C00000"/>
+                </a:solidFill>
+              </a:rPr>
+              <a:t>Colour indicating FSDF Ontology Classes &amp; Properties</a:t>
+            </a:r>
+            <a:endParaRPr lang="en-AU" sz="1400" dirty="0">
+              <a:solidFill>
+                <a:srgbClr val="C00000"/>
+              </a:solidFill>
+            </a:endParaRPr>
+          </a:p>
+        </p:txBody>
+      </p:sp>
+      <p:sp>
+        <p:nvSpPr>
+          <p:cNvPr id="33" name="Rectangle 32">
+            <a:extLst>
+              <a:ext uri="{FF2B5EF4-FFF2-40B4-BE49-F238E27FC236}">
+                <a16:creationId xmlns:a16="http://schemas.microsoft.com/office/drawing/2014/main" id="{1BD8FE1B-09C9-0B45-9117-F04B93F83731}"/>
+              </a:ext>
+            </a:extLst>
+          </p:cNvPr>
+          <p:cNvSpPr/>
+          <p:nvPr/>
+        </p:nvSpPr>
+        <p:spPr>
+          <a:xfrm>
+            <a:off x="4444188" y="1996506"/>
             <a:ext cx="1330778" cy="595993"/>
           </a:xfrm>
           <a:prstGeom prst="rect">
@@ -14330,35 +14412,123 @@
           </a:p>
         </p:txBody>
       </p:sp>
-      <p:cxnSp>
-        <p:nvCxnSpPr>
-          <p:cNvPr id="39" name="Straight Arrow Connector 38">
-            <a:extLst>
-              <a:ext uri="{FF2B5EF4-FFF2-40B4-BE49-F238E27FC236}">
-                <a16:creationId xmlns:a16="http://schemas.microsoft.com/office/drawing/2014/main" id="{E5688F37-BC8D-2143-9110-F3328BB333DA}"/>
-              </a:ext>
-            </a:extLst>
-          </p:cNvPr>
-          <p:cNvCxnSpPr>
-            <a:cxnSpLocks/>
-            <a:stCxn id="34" idx="1"/>
-            <a:endCxn id="38" idx="3"/>
-          </p:cNvCxnSpPr>
-          <p:nvPr/>
-        </p:nvCxnSpPr>
-        <p:spPr>
-          <a:xfrm flipH="1" flipV="1">
-            <a:off x="4554303" y="3112054"/>
-            <a:ext cx="1633190" cy="2583"/>
-          </a:xfrm>
-          <a:prstGeom prst="straightConnector1">
-            <a:avLst/>
-          </a:prstGeom>
+      <p:sp>
+        <p:nvSpPr>
+          <p:cNvPr id="35" name="Rectangle 34">
+            <a:extLst>
+              <a:ext uri="{FF2B5EF4-FFF2-40B4-BE49-F238E27FC236}">
+                <a16:creationId xmlns:a16="http://schemas.microsoft.com/office/drawing/2014/main" id="{84D5B378-3183-974A-90D3-814F86D535D6}"/>
+              </a:ext>
+            </a:extLst>
+          </p:cNvPr>
+          <p:cNvSpPr/>
+          <p:nvPr/>
+        </p:nvSpPr>
+        <p:spPr>
+          <a:xfrm>
+            <a:off x="7250507" y="4227601"/>
+            <a:ext cx="1330778" cy="595993"/>
+          </a:xfrm>
+          <a:prstGeom prst="rect">
+            <a:avLst/>
+          </a:prstGeom>
+          <a:solidFill>
+            <a:schemeClr val="bg1"/>
+          </a:solidFill>
           <a:ln>
             <a:solidFill>
               <a:srgbClr val="C00000"/>
             </a:solidFill>
-            <a:headEnd type="none"/>
+          </a:ln>
+        </p:spPr>
+        <p:style>
+          <a:lnRef idx="2">
+            <a:schemeClr val="accent1">
+              <a:shade val="50000"/>
+            </a:schemeClr>
+          </a:lnRef>
+          <a:fillRef idx="1">
+            <a:schemeClr val="accent1"/>
+          </a:fillRef>
+          <a:effectRef idx="0">
+            <a:schemeClr val="accent1"/>
+          </a:effectRef>
+          <a:fontRef idx="minor">
+            <a:schemeClr val="lt1"/>
+          </a:fontRef>
+        </p:style>
+        <p:txBody>
+          <a:bodyPr rtlCol="0" anchor="ctr"/>
+          <a:lstStyle/>
+          <a:p>
+            <a:pPr algn="ctr"/>
+            <a:r>
+              <a:rPr lang="en-US" sz="1400" dirty="0" err="1">
+                <a:solidFill>
+                  <a:srgbClr val="C00000"/>
+                </a:solidFill>
+              </a:rPr>
+              <a:t>gnaf</a:t>
+            </a:r>
+            <a:r>
+              <a:rPr lang="en-US" sz="1400" dirty="0">
+                <a:solidFill>
+                  <a:srgbClr val="C00000"/>
+                </a:solidFill>
+              </a:rPr>
+              <a:t>:</a:t>
+            </a:r>
+            <a:br>
+              <a:rPr lang="en-US" sz="1400" dirty="0">
+                <a:solidFill>
+                  <a:srgbClr val="C00000"/>
+                </a:solidFill>
+              </a:rPr>
+            </a:br>
+            <a:r>
+              <a:rPr lang="en-US" sz="1400" dirty="0" err="1">
+                <a:solidFill>
+                  <a:srgbClr val="C00000"/>
+                </a:solidFill>
+              </a:rPr>
+              <a:t>Locality</a:t>
+            </a:r>
+            <a:endParaRPr lang="en-US" sz="1400" dirty="0">
+              <a:solidFill>
+                <a:srgbClr val="C00000"/>
+              </a:solidFill>
+            </a:endParaRPr>
+          </a:p>
+        </p:txBody>
+      </p:sp>
+      <p:cxnSp>
+        <p:nvCxnSpPr>
+          <p:cNvPr id="37" name="Straight Arrow Connector 36">
+            <a:extLst>
+              <a:ext uri="{FF2B5EF4-FFF2-40B4-BE49-F238E27FC236}">
+                <a16:creationId xmlns:a16="http://schemas.microsoft.com/office/drawing/2014/main" id="{D34DB2D4-5B2B-3648-AD98-4222BEF666A8}"/>
+              </a:ext>
+            </a:extLst>
+          </p:cNvPr>
+          <p:cNvCxnSpPr>
+            <a:cxnSpLocks/>
+            <a:stCxn id="61" idx="2"/>
+            <a:endCxn id="35" idx="0"/>
+          </p:cNvCxnSpPr>
+          <p:nvPr/>
+        </p:nvCxnSpPr>
+        <p:spPr>
+          <a:xfrm flipH="1">
+            <a:off x="7915896" y="3708047"/>
+            <a:ext cx="1" cy="519554"/>
+          </a:xfrm>
+          <a:prstGeom prst="straightConnector1">
+            <a:avLst/>
+          </a:prstGeom>
+          <a:ln>
+            <a:solidFill>
+              <a:schemeClr val="tx1"/>
+            </a:solidFill>
             <a:tailEnd type="arrow"/>
           </a:ln>
         </p:spPr>
@@ -14379,20 +14549,20 @@
       </p:cxnSp>
       <p:sp>
         <p:nvSpPr>
-          <p:cNvPr id="41" name="Rectangle 40">
-            <a:extLst>
-              <a:ext uri="{FF2B5EF4-FFF2-40B4-BE49-F238E27FC236}">
-                <a16:creationId xmlns:a16="http://schemas.microsoft.com/office/drawing/2014/main" id="{18A0FD44-826B-494C-8082-D6A606683C06}"/>
-              </a:ext>
-            </a:extLst>
-          </p:cNvPr>
-          <p:cNvSpPr/>
+          <p:cNvPr id="38" name="TextBox 37">
+            <a:extLst>
+              <a:ext uri="{FF2B5EF4-FFF2-40B4-BE49-F238E27FC236}">
+                <a16:creationId xmlns:a16="http://schemas.microsoft.com/office/drawing/2014/main" id="{7DDF7094-887B-2B4F-B055-AD364389B1AE}"/>
+              </a:ext>
+            </a:extLst>
+          </p:cNvPr>
+          <p:cNvSpPr txBox="1"/>
           <p:nvPr/>
         </p:nvSpPr>
         <p:spPr>
           <a:xfrm>
-            <a:off x="4782211" y="2814057"/>
-            <a:ext cx="1177374" cy="215444"/>
+            <a:off x="7470710" y="3839328"/>
+            <a:ext cx="890372" cy="215444"/>
           </a:xfrm>
           <a:prstGeom prst="rect">
             <a:avLst/>
@@ -14402,6 +14572,622 @@
           </a:solidFill>
         </p:spPr>
         <p:txBody>
+          <a:bodyPr wrap="none" lIns="0" tIns="0" rIns="0" bIns="0" rtlCol="0">
+            <a:spAutoFit/>
+          </a:bodyPr>
+          <a:lstStyle/>
+          <a:p>
+            <a:r>
+              <a:rPr lang="en-US" sz="1400" dirty="0" err="1"/>
+              <a:t>gnaf:locality</a:t>
+            </a:r>
+            <a:endParaRPr lang="en-US" sz="1400" dirty="0"/>
+          </a:p>
+        </p:txBody>
+      </p:sp>
+      <p:cxnSp>
+        <p:nvCxnSpPr>
+          <p:cNvPr id="10" name="Elbow Connector 9">
+            <a:extLst>
+              <a:ext uri="{FF2B5EF4-FFF2-40B4-BE49-F238E27FC236}">
+                <a16:creationId xmlns:a16="http://schemas.microsoft.com/office/drawing/2014/main" id="{D02147D6-BB00-2040-BCEE-6394A26F21D7}"/>
+              </a:ext>
+            </a:extLst>
+          </p:cNvPr>
+          <p:cNvCxnSpPr>
+            <a:cxnSpLocks/>
+            <a:stCxn id="35" idx="1"/>
+            <a:endCxn id="33" idx="3"/>
+          </p:cNvCxnSpPr>
+          <p:nvPr/>
+        </p:nvCxnSpPr>
+        <p:spPr>
+          <a:xfrm rot="10800000">
+            <a:off x="5774967" y="2294504"/>
+            <a:ext cx="1475541" cy="2231095"/>
+          </a:xfrm>
+          <a:prstGeom prst="bentConnector3">
+            <a:avLst>
+              <a:gd name="adj1" fmla="val 50000"/>
+            </a:avLst>
+          </a:prstGeom>
+          <a:ln>
+            <a:solidFill>
+              <a:srgbClr val="C00000"/>
+            </a:solidFill>
+            <a:tailEnd type="triangle"/>
+          </a:ln>
+        </p:spPr>
+        <p:style>
+          <a:lnRef idx="1">
+            <a:schemeClr val="accent1"/>
+          </a:lnRef>
+          <a:fillRef idx="0">
+            <a:schemeClr val="accent1"/>
+          </a:fillRef>
+          <a:effectRef idx="0">
+            <a:schemeClr val="accent1"/>
+          </a:effectRef>
+          <a:fontRef idx="minor">
+            <a:schemeClr val="tx1"/>
+          </a:fontRef>
+        </p:style>
+      </p:cxnSp>
+      <p:sp>
+        <p:nvSpPr>
+          <p:cNvPr id="40" name="Rectangle 39">
+            <a:extLst>
+              <a:ext uri="{FF2B5EF4-FFF2-40B4-BE49-F238E27FC236}">
+                <a16:creationId xmlns:a16="http://schemas.microsoft.com/office/drawing/2014/main" id="{DB6FE932-0437-3945-B243-F4716BB73BC0}"/>
+              </a:ext>
+            </a:extLst>
+          </p:cNvPr>
+          <p:cNvSpPr/>
+          <p:nvPr/>
+        </p:nvSpPr>
+        <p:spPr>
+          <a:xfrm>
+            <a:off x="4446623" y="3642951"/>
+            <a:ext cx="1330778" cy="595993"/>
+          </a:xfrm>
+          <a:prstGeom prst="rect">
+            <a:avLst/>
+          </a:prstGeom>
+          <a:solidFill>
+            <a:schemeClr val="bg1"/>
+          </a:solidFill>
+          <a:ln>
+            <a:solidFill>
+              <a:schemeClr val="tx1"/>
+            </a:solidFill>
+          </a:ln>
+        </p:spPr>
+        <p:style>
+          <a:lnRef idx="2">
+            <a:schemeClr val="accent1">
+              <a:shade val="50000"/>
+            </a:schemeClr>
+          </a:lnRef>
+          <a:fillRef idx="1">
+            <a:schemeClr val="accent1"/>
+          </a:fillRef>
+          <a:effectRef idx="0">
+            <a:schemeClr val="accent1"/>
+          </a:effectRef>
+          <a:fontRef idx="minor">
+            <a:schemeClr val="lt1"/>
+          </a:fontRef>
+        </p:style>
+        <p:txBody>
+          <a:bodyPr rtlCol="0" anchor="ctr"/>
+          <a:lstStyle/>
+          <a:p>
+            <a:pPr algn="ctr"/>
+            <a:r>
+              <a:rPr lang="en-US" sz="1400" dirty="0">
+                <a:solidFill>
+                  <a:schemeClr val="tx1"/>
+                </a:solidFill>
+              </a:rPr>
+              <a:t>asgs:</a:t>
+            </a:r>
+            <a:br>
+              <a:rPr lang="en-US" sz="1400" dirty="0">
+                <a:solidFill>
+                  <a:schemeClr val="tx1"/>
+                </a:solidFill>
+              </a:rPr>
+            </a:br>
+            <a:r>
+              <a:rPr lang="en-US" sz="1400" dirty="0">
+                <a:solidFill>
+                  <a:schemeClr val="tx1"/>
+                </a:solidFill>
+              </a:rPr>
+              <a:t>SA3</a:t>
+            </a:r>
+          </a:p>
+        </p:txBody>
+      </p:sp>
+      <p:sp>
+        <p:nvSpPr>
+          <p:cNvPr id="41" name="Rectangle 40">
+            <a:extLst>
+              <a:ext uri="{FF2B5EF4-FFF2-40B4-BE49-F238E27FC236}">
+                <a16:creationId xmlns:a16="http://schemas.microsoft.com/office/drawing/2014/main" id="{2766E37E-9E71-354F-8A9E-B4F1DFFCF8F2}"/>
+              </a:ext>
+            </a:extLst>
+          </p:cNvPr>
+          <p:cNvSpPr/>
+          <p:nvPr/>
+        </p:nvSpPr>
+        <p:spPr>
+          <a:xfrm>
+            <a:off x="4446623" y="2817835"/>
+            <a:ext cx="1330778" cy="595993"/>
+          </a:xfrm>
+          <a:prstGeom prst="rect">
+            <a:avLst/>
+          </a:prstGeom>
+          <a:solidFill>
+            <a:schemeClr val="bg1"/>
+          </a:solidFill>
+          <a:ln>
+            <a:solidFill>
+              <a:schemeClr val="tx1"/>
+            </a:solidFill>
+          </a:ln>
+        </p:spPr>
+        <p:style>
+          <a:lnRef idx="2">
+            <a:schemeClr val="accent1">
+              <a:shade val="50000"/>
+            </a:schemeClr>
+          </a:lnRef>
+          <a:fillRef idx="1">
+            <a:schemeClr val="accent1"/>
+          </a:fillRef>
+          <a:effectRef idx="0">
+            <a:schemeClr val="accent1"/>
+          </a:effectRef>
+          <a:fontRef idx="minor">
+            <a:schemeClr val="lt1"/>
+          </a:fontRef>
+        </p:style>
+        <p:txBody>
+          <a:bodyPr rtlCol="0" anchor="ctr"/>
+          <a:lstStyle/>
+          <a:p>
+            <a:pPr algn="ctr"/>
+            <a:r>
+              <a:rPr lang="en-US" sz="1400" dirty="0">
+                <a:solidFill>
+                  <a:schemeClr val="tx1"/>
+                </a:solidFill>
+              </a:rPr>
+              <a:t>asgs:</a:t>
+            </a:r>
+            <a:br>
+              <a:rPr lang="en-US" sz="1400" dirty="0">
+                <a:solidFill>
+                  <a:schemeClr val="tx1"/>
+                </a:solidFill>
+              </a:rPr>
+            </a:br>
+            <a:r>
+              <a:rPr lang="en-US" sz="1400" dirty="0">
+                <a:solidFill>
+                  <a:schemeClr val="tx1"/>
+                </a:solidFill>
+              </a:rPr>
+              <a:t>SA4</a:t>
+            </a:r>
+          </a:p>
+        </p:txBody>
+      </p:sp>
+      <p:sp>
+        <p:nvSpPr>
+          <p:cNvPr id="43" name="Rectangle 42">
+            <a:extLst>
+              <a:ext uri="{FF2B5EF4-FFF2-40B4-BE49-F238E27FC236}">
+                <a16:creationId xmlns:a16="http://schemas.microsoft.com/office/drawing/2014/main" id="{FB4426F7-3DA8-3542-8D91-6833A977E80B}"/>
+              </a:ext>
+            </a:extLst>
+          </p:cNvPr>
+          <p:cNvSpPr/>
+          <p:nvPr/>
+        </p:nvSpPr>
+        <p:spPr>
+          <a:xfrm>
+            <a:off x="4444188" y="4468067"/>
+            <a:ext cx="1330778" cy="595993"/>
+          </a:xfrm>
+          <a:prstGeom prst="rect">
+            <a:avLst/>
+          </a:prstGeom>
+          <a:solidFill>
+            <a:schemeClr val="bg1"/>
+          </a:solidFill>
+          <a:ln>
+            <a:solidFill>
+              <a:schemeClr val="tx1"/>
+            </a:solidFill>
+          </a:ln>
+        </p:spPr>
+        <p:style>
+          <a:lnRef idx="2">
+            <a:schemeClr val="accent1">
+              <a:shade val="50000"/>
+            </a:schemeClr>
+          </a:lnRef>
+          <a:fillRef idx="1">
+            <a:schemeClr val="accent1"/>
+          </a:fillRef>
+          <a:effectRef idx="0">
+            <a:schemeClr val="accent1"/>
+          </a:effectRef>
+          <a:fontRef idx="minor">
+            <a:schemeClr val="lt1"/>
+          </a:fontRef>
+        </p:style>
+        <p:txBody>
+          <a:bodyPr rtlCol="0" anchor="ctr"/>
+          <a:lstStyle/>
+          <a:p>
+            <a:pPr algn="ctr"/>
+            <a:r>
+              <a:rPr lang="en-US" sz="1400" dirty="0">
+                <a:solidFill>
+                  <a:schemeClr val="tx1"/>
+                </a:solidFill>
+              </a:rPr>
+              <a:t>asgs:</a:t>
+            </a:r>
+            <a:br>
+              <a:rPr lang="en-US" sz="1400" dirty="0">
+                <a:solidFill>
+                  <a:schemeClr val="tx1"/>
+                </a:solidFill>
+              </a:rPr>
+            </a:br>
+            <a:r>
+              <a:rPr lang="en-US" sz="1400" dirty="0">
+                <a:solidFill>
+                  <a:schemeClr val="tx1"/>
+                </a:solidFill>
+              </a:rPr>
+              <a:t>SA2</a:t>
+            </a:r>
+          </a:p>
+        </p:txBody>
+      </p:sp>
+      <p:sp>
+        <p:nvSpPr>
+          <p:cNvPr id="44" name="Rectangle 43">
+            <a:extLst>
+              <a:ext uri="{FF2B5EF4-FFF2-40B4-BE49-F238E27FC236}">
+                <a16:creationId xmlns:a16="http://schemas.microsoft.com/office/drawing/2014/main" id="{A5CCF7FD-DC7F-074B-A081-DAEB5CB65A00}"/>
+              </a:ext>
+            </a:extLst>
+          </p:cNvPr>
+          <p:cNvSpPr/>
+          <p:nvPr/>
+        </p:nvSpPr>
+        <p:spPr>
+          <a:xfrm>
+            <a:off x="4446623" y="5289396"/>
+            <a:ext cx="1330778" cy="595993"/>
+          </a:xfrm>
+          <a:prstGeom prst="rect">
+            <a:avLst/>
+          </a:prstGeom>
+          <a:solidFill>
+            <a:schemeClr val="bg1"/>
+          </a:solidFill>
+          <a:ln>
+            <a:solidFill>
+              <a:schemeClr val="tx1"/>
+            </a:solidFill>
+          </a:ln>
+        </p:spPr>
+        <p:style>
+          <a:lnRef idx="2">
+            <a:schemeClr val="accent1">
+              <a:shade val="50000"/>
+            </a:schemeClr>
+          </a:lnRef>
+          <a:fillRef idx="1">
+            <a:schemeClr val="accent1"/>
+          </a:fillRef>
+          <a:effectRef idx="0">
+            <a:schemeClr val="accent1"/>
+          </a:effectRef>
+          <a:fontRef idx="minor">
+            <a:schemeClr val="lt1"/>
+          </a:fontRef>
+        </p:style>
+        <p:txBody>
+          <a:bodyPr rtlCol="0" anchor="ctr"/>
+          <a:lstStyle/>
+          <a:p>
+            <a:pPr algn="ctr"/>
+            <a:r>
+              <a:rPr lang="en-US" sz="1400" dirty="0">
+                <a:solidFill>
+                  <a:schemeClr val="tx1"/>
+                </a:solidFill>
+              </a:rPr>
+              <a:t>asgs:</a:t>
+            </a:r>
+            <a:br>
+              <a:rPr lang="en-US" sz="1400" dirty="0">
+                <a:solidFill>
+                  <a:schemeClr val="tx1"/>
+                </a:solidFill>
+              </a:rPr>
+            </a:br>
+            <a:r>
+              <a:rPr lang="en-US" sz="1400" dirty="0">
+                <a:solidFill>
+                  <a:schemeClr val="tx1"/>
+                </a:solidFill>
+              </a:rPr>
+              <a:t>SA1</a:t>
+            </a:r>
+          </a:p>
+        </p:txBody>
+      </p:sp>
+      <p:sp>
+        <p:nvSpPr>
+          <p:cNvPr id="45" name="Rectangle 44">
+            <a:extLst>
+              <a:ext uri="{FF2B5EF4-FFF2-40B4-BE49-F238E27FC236}">
+                <a16:creationId xmlns:a16="http://schemas.microsoft.com/office/drawing/2014/main" id="{A92DF28F-7C90-774C-9F14-6A642DEEC69A}"/>
+              </a:ext>
+            </a:extLst>
+          </p:cNvPr>
+          <p:cNvSpPr/>
+          <p:nvPr/>
+        </p:nvSpPr>
+        <p:spPr>
+          <a:xfrm>
+            <a:off x="4446623" y="6115112"/>
+            <a:ext cx="1330778" cy="595993"/>
+          </a:xfrm>
+          <a:prstGeom prst="rect">
+            <a:avLst/>
+          </a:prstGeom>
+          <a:solidFill>
+            <a:schemeClr val="bg1"/>
+          </a:solidFill>
+          <a:ln>
+            <a:solidFill>
+              <a:srgbClr val="C00000"/>
+            </a:solidFill>
+          </a:ln>
+        </p:spPr>
+        <p:style>
+          <a:lnRef idx="2">
+            <a:schemeClr val="accent1">
+              <a:shade val="50000"/>
+            </a:schemeClr>
+          </a:lnRef>
+          <a:fillRef idx="1">
+            <a:schemeClr val="accent1"/>
+          </a:fillRef>
+          <a:effectRef idx="0">
+            <a:schemeClr val="accent1"/>
+          </a:effectRef>
+          <a:fontRef idx="minor">
+            <a:schemeClr val="lt1"/>
+          </a:fontRef>
+        </p:style>
+        <p:txBody>
+          <a:bodyPr rtlCol="0" anchor="ctr"/>
+          <a:lstStyle/>
+          <a:p>
+            <a:pPr algn="ctr"/>
+            <a:r>
+              <a:rPr lang="en-US" sz="1400" dirty="0">
+                <a:solidFill>
+                  <a:srgbClr val="C00000"/>
+                </a:solidFill>
+              </a:rPr>
+              <a:t>asgs:</a:t>
+            </a:r>
+            <a:br>
+              <a:rPr lang="en-US" sz="1400" dirty="0">
+                <a:solidFill>
+                  <a:srgbClr val="C00000"/>
+                </a:solidFill>
+              </a:rPr>
+            </a:br>
+            <a:r>
+              <a:rPr lang="en-US" sz="1400" dirty="0">
+                <a:solidFill>
+                  <a:srgbClr val="C00000"/>
+                </a:solidFill>
+              </a:rPr>
+              <a:t>MeshBlock</a:t>
+            </a:r>
+          </a:p>
+        </p:txBody>
+      </p:sp>
+      <p:cxnSp>
+        <p:nvCxnSpPr>
+          <p:cNvPr id="46" name="Elbow Connector 45">
+            <a:extLst>
+              <a:ext uri="{FF2B5EF4-FFF2-40B4-BE49-F238E27FC236}">
+                <a16:creationId xmlns:a16="http://schemas.microsoft.com/office/drawing/2014/main" id="{C52EFC82-6661-6743-9958-336F2A46BE2C}"/>
+              </a:ext>
+            </a:extLst>
+          </p:cNvPr>
+          <p:cNvCxnSpPr>
+            <a:cxnSpLocks/>
+            <a:stCxn id="49" idx="2"/>
+            <a:endCxn id="45" idx="3"/>
+          </p:cNvCxnSpPr>
+          <p:nvPr/>
+        </p:nvCxnSpPr>
+        <p:spPr>
+          <a:xfrm rot="5400000">
+            <a:off x="5863882" y="2506018"/>
+            <a:ext cx="3820611" cy="3993571"/>
+          </a:xfrm>
+          <a:prstGeom prst="bentConnector2">
+            <a:avLst/>
+          </a:prstGeom>
+          <a:ln>
+            <a:solidFill>
+              <a:srgbClr val="C00000"/>
+            </a:solidFill>
+            <a:tailEnd type="triangle"/>
+          </a:ln>
+        </p:spPr>
+        <p:style>
+          <a:lnRef idx="1">
+            <a:schemeClr val="accent1"/>
+          </a:lnRef>
+          <a:fillRef idx="0">
+            <a:schemeClr val="accent1"/>
+          </a:fillRef>
+          <a:effectRef idx="0">
+            <a:schemeClr val="accent1"/>
+          </a:effectRef>
+          <a:fontRef idx="minor">
+            <a:schemeClr val="tx1"/>
+          </a:fontRef>
+        </p:style>
+      </p:cxnSp>
+      <p:sp>
+        <p:nvSpPr>
+          <p:cNvPr id="49" name="Rectangle 48">
+            <a:extLst>
+              <a:ext uri="{FF2B5EF4-FFF2-40B4-BE49-F238E27FC236}">
+                <a16:creationId xmlns:a16="http://schemas.microsoft.com/office/drawing/2014/main" id="{30C6D8C8-A726-3743-999B-3C9BBE3C479A}"/>
+              </a:ext>
+            </a:extLst>
+          </p:cNvPr>
+          <p:cNvSpPr/>
+          <p:nvPr/>
+        </p:nvSpPr>
+        <p:spPr>
+          <a:xfrm>
+            <a:off x="9105583" y="1996505"/>
+            <a:ext cx="1330778" cy="595993"/>
+          </a:xfrm>
+          <a:prstGeom prst="rect">
+            <a:avLst/>
+          </a:prstGeom>
+          <a:solidFill>
+            <a:schemeClr val="bg1"/>
+          </a:solidFill>
+          <a:ln>
+            <a:solidFill>
+              <a:srgbClr val="C00000"/>
+            </a:solidFill>
+          </a:ln>
+        </p:spPr>
+        <p:style>
+          <a:lnRef idx="2">
+            <a:schemeClr val="accent1">
+              <a:shade val="50000"/>
+            </a:schemeClr>
+          </a:lnRef>
+          <a:fillRef idx="1">
+            <a:schemeClr val="accent1"/>
+          </a:fillRef>
+          <a:effectRef idx="0">
+            <a:schemeClr val="accent1"/>
+          </a:effectRef>
+          <a:fontRef idx="minor">
+            <a:schemeClr val="lt1"/>
+          </a:fontRef>
+        </p:style>
+        <p:txBody>
+          <a:bodyPr rtlCol="0" anchor="ctr"/>
+          <a:lstStyle/>
+          <a:p>
+            <a:pPr algn="ctr"/>
+            <a:r>
+              <a:rPr lang="en-US" sz="1400" dirty="0" err="1">
+                <a:solidFill>
+                  <a:srgbClr val="C00000"/>
+                </a:solidFill>
+              </a:rPr>
+              <a:t>gnaf</a:t>
+            </a:r>
+            <a:r>
+              <a:rPr lang="en-US" sz="1400" dirty="0">
+                <a:solidFill>
+                  <a:srgbClr val="C00000"/>
+                </a:solidFill>
+              </a:rPr>
+              <a:t>:</a:t>
+            </a:r>
+            <a:br>
+              <a:rPr lang="en-US" sz="1400" dirty="0">
+                <a:solidFill>
+                  <a:srgbClr val="C00000"/>
+                </a:solidFill>
+              </a:rPr>
+            </a:br>
+            <a:r>
+              <a:rPr lang="en-US" sz="1400" dirty="0" err="1">
+                <a:solidFill>
+                  <a:srgbClr val="C00000"/>
+                </a:solidFill>
+              </a:rPr>
+              <a:t>MeshBlock</a:t>
+            </a:r>
+            <a:br>
+              <a:rPr lang="en-US" sz="1400" dirty="0" err="1">
+                <a:solidFill>
+                  <a:srgbClr val="C00000"/>
+                </a:solidFill>
+              </a:rPr>
+            </a:br>
+            <a:r>
+              <a:rPr lang="en-US" sz="1400" dirty="0" err="1">
+                <a:solidFill>
+                  <a:srgbClr val="C00000"/>
+                </a:solidFill>
+              </a:rPr>
+              <a:t>Match</a:t>
+            </a:r>
+            <a:endParaRPr lang="en-US" sz="1400" dirty="0">
+              <a:solidFill>
+                <a:srgbClr val="C00000"/>
+              </a:solidFill>
+            </a:endParaRPr>
+          </a:p>
+        </p:txBody>
+      </p:sp>
+      <p:sp>
+        <p:nvSpPr>
+          <p:cNvPr id="52" name="Rectangle 51">
+            <a:extLst>
+              <a:ext uri="{FF2B5EF4-FFF2-40B4-BE49-F238E27FC236}">
+                <a16:creationId xmlns:a16="http://schemas.microsoft.com/office/drawing/2014/main" id="{DDC8A6E5-B47D-524A-BF5E-6A107FF92176}"/>
+              </a:ext>
+            </a:extLst>
+          </p:cNvPr>
+          <p:cNvSpPr/>
+          <p:nvPr/>
+        </p:nvSpPr>
+        <p:spPr>
+          <a:xfrm>
+            <a:off x="8521801" y="6115112"/>
+            <a:ext cx="1167564" cy="215444"/>
+          </a:xfrm>
+          <a:prstGeom prst="rect">
+            <a:avLst/>
+          </a:prstGeom>
+          <a:solidFill>
+            <a:schemeClr val="bg1"/>
+          </a:solidFill>
+        </p:spPr>
+        <p:txBody>
           <a:bodyPr wrap="none" lIns="0" tIns="0" rIns="0" bIns="0">
             <a:spAutoFit/>
           </a:bodyPr>
@@ -14413,7 +15199,7 @@
                   <a:srgbClr val="C00000"/>
                 </a:solidFill>
               </a:rPr>
-              <a:t>pz:inJurisdiction</a:t>
+              <a:t>gnaf:MeshBlock</a:t>
             </a:r>
             <a:endParaRPr lang="en-AU" sz="1400" dirty="0">
               <a:solidFill>
@@ -14423,10 +15209,372 @@
           </a:p>
         </p:txBody>
       </p:sp>
+      <p:cxnSp>
+        <p:nvCxnSpPr>
+          <p:cNvPr id="53" name="Elbow Connector 52">
+            <a:extLst>
+              <a:ext uri="{FF2B5EF4-FFF2-40B4-BE49-F238E27FC236}">
+                <a16:creationId xmlns:a16="http://schemas.microsoft.com/office/drawing/2014/main" id="{7EB2BF0A-9428-5A4B-B02B-3C0D65B2452F}"/>
+              </a:ext>
+            </a:extLst>
+          </p:cNvPr>
+          <p:cNvCxnSpPr>
+            <a:cxnSpLocks/>
+            <a:stCxn id="57" idx="3"/>
+            <a:endCxn id="49" idx="1"/>
+          </p:cNvCxnSpPr>
+          <p:nvPr/>
+        </p:nvCxnSpPr>
+        <p:spPr>
+          <a:xfrm flipV="1">
+            <a:off x="8581286" y="2294502"/>
+            <a:ext cx="524297" cy="2"/>
+          </a:xfrm>
+          <a:prstGeom prst="bentConnector3">
+            <a:avLst>
+              <a:gd name="adj1" fmla="val 50000"/>
+            </a:avLst>
+          </a:prstGeom>
+          <a:ln>
+            <a:solidFill>
+              <a:schemeClr val="tx1"/>
+            </a:solidFill>
+            <a:tailEnd type="arrow"/>
+          </a:ln>
+        </p:spPr>
+        <p:style>
+          <a:lnRef idx="1">
+            <a:schemeClr val="accent1"/>
+          </a:lnRef>
+          <a:fillRef idx="0">
+            <a:schemeClr val="accent1"/>
+          </a:fillRef>
+          <a:effectRef idx="0">
+            <a:schemeClr val="accent1"/>
+          </a:effectRef>
+          <a:fontRef idx="minor">
+            <a:schemeClr val="tx1"/>
+          </a:fontRef>
+        </p:style>
+      </p:cxnSp>
+      <p:sp>
+        <p:nvSpPr>
+          <p:cNvPr id="58" name="Rectangle 57">
+            <a:extLst>
+              <a:ext uri="{FF2B5EF4-FFF2-40B4-BE49-F238E27FC236}">
+                <a16:creationId xmlns:a16="http://schemas.microsoft.com/office/drawing/2014/main" id="{C0F2235D-9793-BF40-97E9-7C343731DDD0}"/>
+              </a:ext>
+            </a:extLst>
+          </p:cNvPr>
+          <p:cNvSpPr/>
+          <p:nvPr/>
+        </p:nvSpPr>
+        <p:spPr>
+          <a:xfrm rot="5400000">
+            <a:off x="8214383" y="2186779"/>
+            <a:ext cx="1167564" cy="215444"/>
+          </a:xfrm>
+          <a:prstGeom prst="rect">
+            <a:avLst/>
+          </a:prstGeom>
+          <a:solidFill>
+            <a:schemeClr val="bg1"/>
+          </a:solidFill>
+        </p:spPr>
+        <p:txBody>
+          <a:bodyPr wrap="none" lIns="0" tIns="0" rIns="0" bIns="0">
+            <a:spAutoFit/>
+          </a:bodyPr>
+          <a:lstStyle/>
+          <a:p>
+            <a:r>
+              <a:rPr lang="en-AU" sz="1400" dirty="0" err="1"/>
+              <a:t>gnaf:MeshBlock</a:t>
+            </a:r>
+            <a:endParaRPr lang="en-AU" sz="1400" dirty="0"/>
+          </a:p>
+        </p:txBody>
+      </p:sp>
+      <p:cxnSp>
+        <p:nvCxnSpPr>
+          <p:cNvPr id="63" name="Straight Arrow Connector 62">
+            <a:extLst>
+              <a:ext uri="{FF2B5EF4-FFF2-40B4-BE49-F238E27FC236}">
+                <a16:creationId xmlns:a16="http://schemas.microsoft.com/office/drawing/2014/main" id="{9BF74A05-BDCD-614D-8FEB-7DBB10591036}"/>
+              </a:ext>
+            </a:extLst>
+          </p:cNvPr>
+          <p:cNvCxnSpPr>
+            <a:cxnSpLocks/>
+            <a:stCxn id="41" idx="0"/>
+            <a:endCxn id="33" idx="2"/>
+          </p:cNvCxnSpPr>
+          <p:nvPr/>
+        </p:nvCxnSpPr>
+        <p:spPr>
+          <a:xfrm flipH="1" flipV="1">
+            <a:off x="5109577" y="2592499"/>
+            <a:ext cx="2435" cy="225336"/>
+          </a:xfrm>
+          <a:prstGeom prst="straightConnector1">
+            <a:avLst/>
+          </a:prstGeom>
+          <a:ln>
+            <a:solidFill>
+              <a:schemeClr val="tx1"/>
+            </a:solidFill>
+            <a:tailEnd type="arrow"/>
+          </a:ln>
+        </p:spPr>
+        <p:style>
+          <a:lnRef idx="1">
+            <a:schemeClr val="accent1"/>
+          </a:lnRef>
+          <a:fillRef idx="0">
+            <a:schemeClr val="accent1"/>
+          </a:fillRef>
+          <a:effectRef idx="0">
+            <a:schemeClr val="accent1"/>
+          </a:effectRef>
+          <a:fontRef idx="minor">
+            <a:schemeClr val="tx1"/>
+          </a:fontRef>
+        </p:style>
+      </p:cxnSp>
+      <p:cxnSp>
+        <p:nvCxnSpPr>
+          <p:cNvPr id="64" name="Straight Arrow Connector 63">
+            <a:extLst>
+              <a:ext uri="{FF2B5EF4-FFF2-40B4-BE49-F238E27FC236}">
+                <a16:creationId xmlns:a16="http://schemas.microsoft.com/office/drawing/2014/main" id="{8AD410C8-CC8B-8C4E-8A52-15480D0C0C27}"/>
+              </a:ext>
+            </a:extLst>
+          </p:cNvPr>
+          <p:cNvCxnSpPr>
+            <a:cxnSpLocks/>
+            <a:stCxn id="40" idx="0"/>
+            <a:endCxn id="41" idx="2"/>
+          </p:cNvCxnSpPr>
+          <p:nvPr/>
+        </p:nvCxnSpPr>
+        <p:spPr>
+          <a:xfrm flipV="1">
+            <a:off x="5112012" y="3413828"/>
+            <a:ext cx="0" cy="229123"/>
+          </a:xfrm>
+          <a:prstGeom prst="straightConnector1">
+            <a:avLst/>
+          </a:prstGeom>
+          <a:ln>
+            <a:solidFill>
+              <a:schemeClr val="tx1"/>
+            </a:solidFill>
+            <a:tailEnd type="arrow"/>
+          </a:ln>
+        </p:spPr>
+        <p:style>
+          <a:lnRef idx="1">
+            <a:schemeClr val="accent1"/>
+          </a:lnRef>
+          <a:fillRef idx="0">
+            <a:schemeClr val="accent1"/>
+          </a:fillRef>
+          <a:effectRef idx="0">
+            <a:schemeClr val="accent1"/>
+          </a:effectRef>
+          <a:fontRef idx="minor">
+            <a:schemeClr val="tx1"/>
+          </a:fontRef>
+        </p:style>
+      </p:cxnSp>
+      <p:cxnSp>
+        <p:nvCxnSpPr>
+          <p:cNvPr id="65" name="Straight Arrow Connector 64">
+            <a:extLst>
+              <a:ext uri="{FF2B5EF4-FFF2-40B4-BE49-F238E27FC236}">
+                <a16:creationId xmlns:a16="http://schemas.microsoft.com/office/drawing/2014/main" id="{5B47A777-795F-B64D-9508-0A694E4BEC86}"/>
+              </a:ext>
+            </a:extLst>
+          </p:cNvPr>
+          <p:cNvCxnSpPr>
+            <a:cxnSpLocks/>
+            <a:stCxn id="43" idx="0"/>
+            <a:endCxn id="40" idx="2"/>
+          </p:cNvCxnSpPr>
+          <p:nvPr/>
+        </p:nvCxnSpPr>
+        <p:spPr>
+          <a:xfrm flipV="1">
+            <a:off x="5109577" y="4238944"/>
+            <a:ext cx="2435" cy="229123"/>
+          </a:xfrm>
+          <a:prstGeom prst="straightConnector1">
+            <a:avLst/>
+          </a:prstGeom>
+          <a:ln>
+            <a:solidFill>
+              <a:schemeClr val="tx1"/>
+            </a:solidFill>
+            <a:tailEnd type="arrow"/>
+          </a:ln>
+        </p:spPr>
+        <p:style>
+          <a:lnRef idx="1">
+            <a:schemeClr val="accent1"/>
+          </a:lnRef>
+          <a:fillRef idx="0">
+            <a:schemeClr val="accent1"/>
+          </a:fillRef>
+          <a:effectRef idx="0">
+            <a:schemeClr val="accent1"/>
+          </a:effectRef>
+          <a:fontRef idx="minor">
+            <a:schemeClr val="tx1"/>
+          </a:fontRef>
+        </p:style>
+      </p:cxnSp>
+      <p:cxnSp>
+        <p:nvCxnSpPr>
+          <p:cNvPr id="69" name="Straight Arrow Connector 68">
+            <a:extLst>
+              <a:ext uri="{FF2B5EF4-FFF2-40B4-BE49-F238E27FC236}">
+                <a16:creationId xmlns:a16="http://schemas.microsoft.com/office/drawing/2014/main" id="{9B8237BC-9DE6-8A46-A26C-122C5D7371C3}"/>
+              </a:ext>
+            </a:extLst>
+          </p:cNvPr>
+          <p:cNvCxnSpPr>
+            <a:cxnSpLocks/>
+            <a:stCxn id="44" idx="0"/>
+            <a:endCxn id="43" idx="2"/>
+          </p:cNvCxnSpPr>
+          <p:nvPr/>
+        </p:nvCxnSpPr>
+        <p:spPr>
+          <a:xfrm flipH="1" flipV="1">
+            <a:off x="5109577" y="5064060"/>
+            <a:ext cx="2435" cy="225336"/>
+          </a:xfrm>
+          <a:prstGeom prst="straightConnector1">
+            <a:avLst/>
+          </a:prstGeom>
+          <a:ln>
+            <a:solidFill>
+              <a:schemeClr val="tx1"/>
+            </a:solidFill>
+            <a:tailEnd type="arrow"/>
+          </a:ln>
+        </p:spPr>
+        <p:style>
+          <a:lnRef idx="1">
+            <a:schemeClr val="accent1"/>
+          </a:lnRef>
+          <a:fillRef idx="0">
+            <a:schemeClr val="accent1"/>
+          </a:fillRef>
+          <a:effectRef idx="0">
+            <a:schemeClr val="accent1"/>
+          </a:effectRef>
+          <a:fontRef idx="minor">
+            <a:schemeClr val="tx1"/>
+          </a:fontRef>
+        </p:style>
+      </p:cxnSp>
+      <p:cxnSp>
+        <p:nvCxnSpPr>
+          <p:cNvPr id="71" name="Straight Arrow Connector 70">
+            <a:extLst>
+              <a:ext uri="{FF2B5EF4-FFF2-40B4-BE49-F238E27FC236}">
+                <a16:creationId xmlns:a16="http://schemas.microsoft.com/office/drawing/2014/main" id="{7B5805C8-72C4-3C41-BD80-A7C00E90A49D}"/>
+              </a:ext>
+            </a:extLst>
+          </p:cNvPr>
+          <p:cNvCxnSpPr>
+            <a:cxnSpLocks/>
+            <a:stCxn id="45" idx="0"/>
+            <a:endCxn id="44" idx="2"/>
+          </p:cNvCxnSpPr>
+          <p:nvPr/>
+        </p:nvCxnSpPr>
+        <p:spPr>
+          <a:xfrm flipV="1">
+            <a:off x="5112012" y="5885389"/>
+            <a:ext cx="0" cy="229723"/>
+          </a:xfrm>
+          <a:prstGeom prst="straightConnector1">
+            <a:avLst/>
+          </a:prstGeom>
+          <a:ln>
+            <a:solidFill>
+              <a:schemeClr val="tx1"/>
+            </a:solidFill>
+            <a:tailEnd type="arrow"/>
+          </a:ln>
+        </p:spPr>
+        <p:style>
+          <a:lnRef idx="1">
+            <a:schemeClr val="accent1"/>
+          </a:lnRef>
+          <a:fillRef idx="0">
+            <a:schemeClr val="accent1"/>
+          </a:fillRef>
+          <a:effectRef idx="0">
+            <a:schemeClr val="accent1"/>
+          </a:effectRef>
+          <a:fontRef idx="minor">
+            <a:schemeClr val="tx1"/>
+          </a:fontRef>
+        </p:style>
+      </p:cxnSp>
+      <p:sp>
+        <p:nvSpPr>
+          <p:cNvPr id="7" name="Rectangle 6">
+            <a:extLst>
+              <a:ext uri="{FF2B5EF4-FFF2-40B4-BE49-F238E27FC236}">
+                <a16:creationId xmlns:a16="http://schemas.microsoft.com/office/drawing/2014/main" id="{6EE52F69-BE1B-496F-8DC0-B659859E6F43}"/>
+              </a:ext>
+            </a:extLst>
+          </p:cNvPr>
+          <p:cNvSpPr/>
+          <p:nvPr/>
+        </p:nvSpPr>
+        <p:spPr>
+          <a:xfrm>
+            <a:off x="5991621" y="3045702"/>
+            <a:ext cx="993477" cy="215444"/>
+          </a:xfrm>
+          <a:prstGeom prst="rect">
+            <a:avLst/>
+          </a:prstGeom>
+          <a:solidFill>
+            <a:schemeClr val="bg1"/>
+          </a:solidFill>
+        </p:spPr>
+        <p:txBody>
+          <a:bodyPr wrap="none" lIns="0" tIns="0" rIns="0" bIns="0">
+            <a:spAutoFit/>
+          </a:bodyPr>
+          <a:lstStyle/>
+          <a:p>
+            <a:r>
+              <a:rPr lang="en-AU" sz="1400" dirty="0" err="1">
+                <a:solidFill>
+                  <a:srgbClr val="C00000"/>
+                </a:solidFill>
+              </a:rPr>
+              <a:t>gnaf:hasState</a:t>
+            </a:r>
+            <a:endParaRPr lang="en-AU" sz="1400" dirty="0">
+              <a:solidFill>
+                <a:srgbClr val="C00000"/>
+              </a:solidFill>
+            </a:endParaRPr>
+          </a:p>
+        </p:txBody>
+      </p:sp>
     </p:spTree>
     <p:extLst>
       <p:ext uri="{BB962C8B-B14F-4D97-AF65-F5344CB8AC3E}">
-        <p14:creationId xmlns:p14="http://schemas.microsoft.com/office/powerpoint/2010/main" val="1087305740"/>
+        <p14:creationId xmlns:p14="http://schemas.microsoft.com/office/powerpoint/2010/main" val="1274729475"/>
       </p:ext>
     </p:extLst>
   </p:cSld>
@@ -14455,196 +15603,6 @@
       </p:grpSpPr>
       <p:sp>
         <p:nvSpPr>
-          <p:cNvPr id="86" name="Rectangle 85">
-            <a:extLst>
-              <a:ext uri="{FF2B5EF4-FFF2-40B4-BE49-F238E27FC236}">
-                <a16:creationId xmlns:a16="http://schemas.microsoft.com/office/drawing/2014/main" id="{1C859CB1-DC9C-9D46-A8C8-4F0488DC02EC}"/>
-              </a:ext>
-            </a:extLst>
-          </p:cNvPr>
-          <p:cNvSpPr/>
-          <p:nvPr/>
-        </p:nvSpPr>
-        <p:spPr>
-          <a:xfrm>
-            <a:off x="5308460" y="5073951"/>
-            <a:ext cx="933012" cy="215444"/>
-          </a:xfrm>
-          <a:prstGeom prst="rect">
-            <a:avLst/>
-          </a:prstGeom>
-          <a:solidFill>
-            <a:schemeClr val="bg1"/>
-          </a:solidFill>
-        </p:spPr>
-        <p:txBody>
-          <a:bodyPr wrap="none" lIns="0" tIns="0" rIns="0" bIns="0">
-            <a:spAutoFit/>
-          </a:bodyPr>
-          <a:lstStyle/>
-          <a:p>
-            <a:r>
-              <a:rPr lang="en-AU" sz="1400" dirty="0" err="1"/>
-              <a:t>geo:sfWithin</a:t>
-            </a:r>
-            <a:endParaRPr lang="en-AU" sz="1400" dirty="0"/>
-          </a:p>
-        </p:txBody>
-      </p:sp>
-      <p:sp>
-        <p:nvSpPr>
-          <p:cNvPr id="87" name="Rectangle 86">
-            <a:extLst>
-              <a:ext uri="{FF2B5EF4-FFF2-40B4-BE49-F238E27FC236}">
-                <a16:creationId xmlns:a16="http://schemas.microsoft.com/office/drawing/2014/main" id="{2B740627-829D-F84B-84E7-759C64551051}"/>
-              </a:ext>
-            </a:extLst>
-          </p:cNvPr>
-          <p:cNvSpPr/>
-          <p:nvPr/>
-        </p:nvSpPr>
-        <p:spPr>
-          <a:xfrm>
-            <a:off x="5308460" y="5885386"/>
-            <a:ext cx="933012" cy="215444"/>
-          </a:xfrm>
-          <a:prstGeom prst="rect">
-            <a:avLst/>
-          </a:prstGeom>
-          <a:solidFill>
-            <a:schemeClr val="bg1"/>
-          </a:solidFill>
-        </p:spPr>
-        <p:txBody>
-          <a:bodyPr wrap="none" lIns="0" tIns="0" rIns="0" bIns="0">
-            <a:spAutoFit/>
-          </a:bodyPr>
-          <a:lstStyle/>
-          <a:p>
-            <a:r>
-              <a:rPr lang="en-AU" sz="1400" dirty="0" err="1"/>
-              <a:t>geo:sfWithin</a:t>
-            </a:r>
-            <a:endParaRPr lang="en-AU" sz="1400" dirty="0"/>
-          </a:p>
-        </p:txBody>
-      </p:sp>
-      <p:sp>
-        <p:nvSpPr>
-          <p:cNvPr id="88" name="Rectangle 87">
-            <a:extLst>
-              <a:ext uri="{FF2B5EF4-FFF2-40B4-BE49-F238E27FC236}">
-                <a16:creationId xmlns:a16="http://schemas.microsoft.com/office/drawing/2014/main" id="{28ACC974-7CAF-AC44-83BF-63038719E12E}"/>
-              </a:ext>
-            </a:extLst>
-          </p:cNvPr>
-          <p:cNvSpPr/>
-          <p:nvPr/>
-        </p:nvSpPr>
-        <p:spPr>
-          <a:xfrm>
-            <a:off x="5305421" y="4238344"/>
-            <a:ext cx="933012" cy="215444"/>
-          </a:xfrm>
-          <a:prstGeom prst="rect">
-            <a:avLst/>
-          </a:prstGeom>
-          <a:solidFill>
-            <a:schemeClr val="bg1"/>
-          </a:solidFill>
-        </p:spPr>
-        <p:txBody>
-          <a:bodyPr wrap="none" lIns="0" tIns="0" rIns="0" bIns="0">
-            <a:spAutoFit/>
-          </a:bodyPr>
-          <a:lstStyle/>
-          <a:p>
-            <a:r>
-              <a:rPr lang="en-AU" sz="1400" dirty="0" err="1"/>
-              <a:t>geo:sfWithin</a:t>
-            </a:r>
-            <a:endParaRPr lang="en-AU" sz="1400" dirty="0"/>
-          </a:p>
-        </p:txBody>
-      </p:sp>
-      <p:sp>
-        <p:nvSpPr>
-          <p:cNvPr id="89" name="Rectangle 88">
-            <a:extLst>
-              <a:ext uri="{FF2B5EF4-FFF2-40B4-BE49-F238E27FC236}">
-                <a16:creationId xmlns:a16="http://schemas.microsoft.com/office/drawing/2014/main" id="{94C99DA5-4199-2B42-AEC4-2C5730848025}"/>
-              </a:ext>
-            </a:extLst>
-          </p:cNvPr>
-          <p:cNvSpPr/>
-          <p:nvPr/>
-        </p:nvSpPr>
-        <p:spPr>
-          <a:xfrm>
-            <a:off x="5305420" y="3436984"/>
-            <a:ext cx="933012" cy="215444"/>
-          </a:xfrm>
-          <a:prstGeom prst="rect">
-            <a:avLst/>
-          </a:prstGeom>
-          <a:solidFill>
-            <a:schemeClr val="bg1"/>
-          </a:solidFill>
-        </p:spPr>
-        <p:txBody>
-          <a:bodyPr wrap="none" lIns="0" tIns="0" rIns="0" bIns="0">
-            <a:spAutoFit/>
-          </a:bodyPr>
-          <a:lstStyle/>
-          <a:p>
-            <a:r>
-              <a:rPr lang="en-AU" sz="1400" dirty="0" err="1"/>
-              <a:t>geo:sfWithin</a:t>
-            </a:r>
-            <a:endParaRPr lang="en-AU" sz="1400" dirty="0"/>
-          </a:p>
-        </p:txBody>
-      </p:sp>
-      <p:sp>
-        <p:nvSpPr>
-          <p:cNvPr id="90" name="Rectangle 89">
-            <a:extLst>
-              <a:ext uri="{FF2B5EF4-FFF2-40B4-BE49-F238E27FC236}">
-                <a16:creationId xmlns:a16="http://schemas.microsoft.com/office/drawing/2014/main" id="{8C55A098-2F2C-CF49-AD98-A29B52B7AA13}"/>
-              </a:ext>
-            </a:extLst>
-          </p:cNvPr>
-          <p:cNvSpPr/>
-          <p:nvPr/>
-        </p:nvSpPr>
-        <p:spPr>
-          <a:xfrm>
-            <a:off x="5305420" y="2599094"/>
-            <a:ext cx="933012" cy="215444"/>
-          </a:xfrm>
-          <a:prstGeom prst="rect">
-            <a:avLst/>
-          </a:prstGeom>
-          <a:solidFill>
-            <a:schemeClr val="bg1"/>
-          </a:solidFill>
-        </p:spPr>
-        <p:txBody>
-          <a:bodyPr wrap="none" lIns="0" tIns="0" rIns="0" bIns="0">
-            <a:spAutoFit/>
-          </a:bodyPr>
-          <a:lstStyle/>
-          <a:p>
-            <a:r>
-              <a:rPr lang="en-AU" sz="1400" dirty="0" err="1"/>
-              <a:t>geo:sfWithin</a:t>
-            </a:r>
-            <a:endParaRPr lang="en-AU" sz="1400" dirty="0"/>
-          </a:p>
-        </p:txBody>
-      </p:sp>
-      <p:sp>
-        <p:nvSpPr>
           <p:cNvPr id="3" name="TextBox 2">
             <a:extLst>
               <a:ext uri="{FF2B5EF4-FFF2-40B4-BE49-F238E27FC236}">
@@ -14658,7 +15616,7 @@
         <p:spPr>
           <a:xfrm>
             <a:off x="4022360" y="23884"/>
-            <a:ext cx="1475084" cy="369332"/>
+            <a:ext cx="2095958" cy="369332"/>
           </a:xfrm>
           <a:prstGeom prst="rect">
             <a:avLst/>
@@ -14673,7 +15631,7 @@
           <a:p>
             <a:r>
               <a:rPr lang="en-US" u="sng" dirty="0"/>
-              <a:t>ASGS / G-NAF</a:t>
+              <a:t>ASGS / Pgaz / G-NAF</a:t>
             </a:r>
           </a:p>
         </p:txBody>
@@ -14692,7 +15650,7 @@
         </p:nvSpPr>
         <p:spPr>
           <a:xfrm>
-            <a:off x="4444188" y="880960"/>
+            <a:off x="6187493" y="1701094"/>
             <a:ext cx="1330778" cy="595993"/>
           </a:xfrm>
           <a:prstGeom prst="ellipse">
@@ -14736,7 +15694,7 @@
                   <a:schemeClr val="tx1"/>
                 </a:solidFill>
               </a:rPr>
-              <a:t>ASGS</a:t>
+              <a:t>Place Name Gazetteer</a:t>
             </a:r>
           </a:p>
         </p:txBody>
@@ -14759,7 +15717,7 @@
         </p:nvCxnSpPr>
         <p:spPr>
           <a:xfrm flipV="1">
-            <a:off x="7915897" y="1476953"/>
+            <a:off x="9816850" y="2297087"/>
             <a:ext cx="0" cy="519554"/>
           </a:xfrm>
           <a:prstGeom prst="straightConnector1">
@@ -14772,52 +15730,6 @@
             <a:prstDash val="dashDot"/>
             <a:headEnd type="none" w="med" len="med"/>
             <a:tailEnd type="arrow" w="med" len="med"/>
-          </a:ln>
-        </p:spPr>
-        <p:style>
-          <a:lnRef idx="1">
-            <a:schemeClr val="accent1"/>
-          </a:lnRef>
-          <a:fillRef idx="0">
-            <a:schemeClr val="accent1"/>
-          </a:fillRef>
-          <a:effectRef idx="0">
-            <a:schemeClr val="accent1"/>
-          </a:effectRef>
-          <a:fontRef idx="minor">
-            <a:schemeClr val="tx1"/>
-          </a:fontRef>
-        </p:style>
-      </p:cxnSp>
-      <p:cxnSp>
-        <p:nvCxnSpPr>
-          <p:cNvPr id="101" name="Straight Arrow Connector 100">
-            <a:extLst>
-              <a:ext uri="{FF2B5EF4-FFF2-40B4-BE49-F238E27FC236}">
-                <a16:creationId xmlns:a16="http://schemas.microsoft.com/office/drawing/2014/main" id="{73A5F1D9-749C-48E6-A302-3D149B04CE5E}"/>
-              </a:ext>
-            </a:extLst>
-          </p:cNvPr>
-          <p:cNvCxnSpPr>
-            <a:cxnSpLocks/>
-            <a:stCxn id="57" idx="2"/>
-            <a:endCxn id="61" idx="0"/>
-          </p:cNvCxnSpPr>
-          <p:nvPr/>
-        </p:nvCxnSpPr>
-        <p:spPr>
-          <a:xfrm>
-            <a:off x="7915897" y="2592500"/>
-            <a:ext cx="0" cy="519554"/>
-          </a:xfrm>
-          <a:prstGeom prst="straightConnector1">
-            <a:avLst/>
-          </a:prstGeom>
-          <a:ln>
-            <a:solidFill>
-              <a:schemeClr val="tx1"/>
-            </a:solidFill>
-            <a:tailEnd type="arrow"/>
           </a:ln>
         </p:spPr>
         <p:style>
@@ -14955,7 +15867,7 @@
         </p:nvSpPr>
         <p:spPr>
           <a:xfrm>
-            <a:off x="7250508" y="880960"/>
+            <a:off x="9151461" y="1701094"/>
             <a:ext cx="1330778" cy="595993"/>
           </a:xfrm>
           <a:prstGeom prst="ellipse">
@@ -15018,7 +15930,363 @@
         </p:nvSpPr>
         <p:spPr>
           <a:xfrm>
-            <a:off x="7250508" y="1996507"/>
+            <a:off x="9151461" y="2816641"/>
+            <a:ext cx="1330778" cy="595993"/>
+          </a:xfrm>
+          <a:prstGeom prst="rect">
+            <a:avLst/>
+          </a:prstGeom>
+          <a:solidFill>
+            <a:schemeClr val="bg1"/>
+          </a:solidFill>
+          <a:ln>
+            <a:solidFill>
+              <a:srgbClr val="C00000"/>
+            </a:solidFill>
+          </a:ln>
+        </p:spPr>
+        <p:style>
+          <a:lnRef idx="2">
+            <a:schemeClr val="accent1">
+              <a:shade val="50000"/>
+            </a:schemeClr>
+          </a:lnRef>
+          <a:fillRef idx="1">
+            <a:schemeClr val="accent1"/>
+          </a:fillRef>
+          <a:effectRef idx="0">
+            <a:schemeClr val="accent1"/>
+          </a:effectRef>
+          <a:fontRef idx="minor">
+            <a:schemeClr val="lt1"/>
+          </a:fontRef>
+        </p:style>
+        <p:txBody>
+          <a:bodyPr rtlCol="0" anchor="ctr"/>
+          <a:lstStyle/>
+          <a:p>
+            <a:pPr algn="ctr"/>
+            <a:r>
+              <a:rPr lang="en-US" sz="1400" dirty="0" err="1">
+                <a:solidFill>
+                  <a:srgbClr val="C00000"/>
+                </a:solidFill>
+              </a:rPr>
+              <a:t>gnaf:Address</a:t>
+            </a:r>
+            <a:endParaRPr lang="en-US" sz="1400" dirty="0">
+              <a:solidFill>
+                <a:srgbClr val="C00000"/>
+              </a:solidFill>
+            </a:endParaRPr>
+          </a:p>
+        </p:txBody>
+      </p:sp>
+      <p:cxnSp>
+        <p:nvCxnSpPr>
+          <p:cNvPr id="68" name="Straight Arrow Connector 67">
+            <a:extLst>
+              <a:ext uri="{FF2B5EF4-FFF2-40B4-BE49-F238E27FC236}">
+                <a16:creationId xmlns:a16="http://schemas.microsoft.com/office/drawing/2014/main" id="{9CCFD714-D81D-4214-B67C-7CE8F91F26E4}"/>
+              </a:ext>
+            </a:extLst>
+          </p:cNvPr>
+          <p:cNvCxnSpPr>
+            <a:cxnSpLocks/>
+            <a:stCxn id="34" idx="3"/>
+            <a:endCxn id="57" idx="1"/>
+          </p:cNvCxnSpPr>
+          <p:nvPr/>
+        </p:nvCxnSpPr>
+        <p:spPr>
+          <a:xfrm>
+            <a:off x="7518271" y="3114637"/>
+            <a:ext cx="1633190" cy="1"/>
+          </a:xfrm>
+          <a:prstGeom prst="straightConnector1">
+            <a:avLst/>
+          </a:prstGeom>
+          <a:ln>
+            <a:solidFill>
+              <a:srgbClr val="C00000"/>
+            </a:solidFill>
+            <a:headEnd type="none"/>
+            <a:tailEnd type="arrow"/>
+          </a:ln>
+        </p:spPr>
+        <p:style>
+          <a:lnRef idx="1">
+            <a:schemeClr val="accent1"/>
+          </a:lnRef>
+          <a:fillRef idx="0">
+            <a:schemeClr val="accent1"/>
+          </a:fillRef>
+          <a:effectRef idx="0">
+            <a:schemeClr val="accent1"/>
+          </a:effectRef>
+          <a:fontRef idx="minor">
+            <a:schemeClr val="tx1"/>
+          </a:fontRef>
+        </p:style>
+      </p:cxnSp>
+      <p:cxnSp>
+        <p:nvCxnSpPr>
+          <p:cNvPr id="22" name="Straight Arrow Connector 21">
+            <a:extLst>
+              <a:ext uri="{FF2B5EF4-FFF2-40B4-BE49-F238E27FC236}">
+                <a16:creationId xmlns:a16="http://schemas.microsoft.com/office/drawing/2014/main" id="{E216A240-2D43-DB41-A9DA-C05839198DAD}"/>
+              </a:ext>
+            </a:extLst>
+          </p:cNvPr>
+          <p:cNvCxnSpPr>
+            <a:cxnSpLocks/>
+            <a:stCxn id="34" idx="0"/>
+            <a:endCxn id="19" idx="4"/>
+          </p:cNvCxnSpPr>
+          <p:nvPr/>
+        </p:nvCxnSpPr>
+        <p:spPr>
+          <a:xfrm flipV="1">
+            <a:off x="6852882" y="2297087"/>
+            <a:ext cx="0" cy="519553"/>
+          </a:xfrm>
+          <a:prstGeom prst="straightConnector1">
+            <a:avLst/>
+          </a:prstGeom>
+          <a:ln>
+            <a:solidFill>
+              <a:schemeClr val="tx1"/>
+            </a:solidFill>
+            <a:prstDash val="dashDot"/>
+            <a:headEnd type="none" w="med" len="med"/>
+            <a:tailEnd type="arrow" w="med" len="med"/>
+          </a:ln>
+        </p:spPr>
+        <p:style>
+          <a:lnRef idx="1">
+            <a:schemeClr val="accent1"/>
+          </a:lnRef>
+          <a:fillRef idx="0">
+            <a:schemeClr val="accent1"/>
+          </a:fillRef>
+          <a:effectRef idx="0">
+            <a:schemeClr val="accent1"/>
+          </a:effectRef>
+          <a:fontRef idx="minor">
+            <a:schemeClr val="tx1"/>
+          </a:fontRef>
+        </p:style>
+      </p:cxnSp>
+      <p:sp>
+        <p:nvSpPr>
+          <p:cNvPr id="26" name="Rectangle 25">
+            <a:extLst>
+              <a:ext uri="{FF2B5EF4-FFF2-40B4-BE49-F238E27FC236}">
+                <a16:creationId xmlns:a16="http://schemas.microsoft.com/office/drawing/2014/main" id="{58FCD938-2FF0-894F-81A0-9DBE1DF01D36}"/>
+              </a:ext>
+            </a:extLst>
+          </p:cNvPr>
+          <p:cNvSpPr/>
+          <p:nvPr/>
+        </p:nvSpPr>
+        <p:spPr>
+          <a:xfrm>
+            <a:off x="332703" y="4055807"/>
+            <a:ext cx="3271921" cy="1815882"/>
+          </a:xfrm>
+          <a:prstGeom prst="rect">
+            <a:avLst/>
+          </a:prstGeom>
+        </p:spPr>
+        <p:txBody>
+          <a:bodyPr wrap="none">
+            <a:spAutoFit/>
+          </a:bodyPr>
+          <a:lstStyle/>
+          <a:p>
+            <a:r>
+              <a:rPr lang="en-AU" sz="1400" u="sng" dirty="0" err="1"/>
+              <a:t>Namespace Prefixes</a:t>
+            </a:r>
+          </a:p>
+          <a:p>
+            <a:endParaRPr lang="en-AU" sz="1400" dirty="0" err="1"/>
+          </a:p>
+          <a:p>
+            <a:r>
+              <a:rPr lang="en-US" sz="1400" dirty="0"/>
+              <a:t>owl:    http://www.w3.org/2002/07/owl#</a:t>
+            </a:r>
+            <a:endParaRPr lang="en-AU" sz="1400" dirty="0" err="1"/>
+          </a:p>
+          <a:p>
+            <a:r>
+              <a:rPr lang="en-AU" sz="1400" dirty="0" err="1"/>
+              <a:t>prov:  https://www.w3.org/TR/prov-o/</a:t>
+            </a:r>
+          </a:p>
+          <a:p>
+            <a:r>
+              <a:rPr lang="en-AU" sz="1400" dirty="0" err="1"/>
+              <a:t>gnaf:   http://linked.data.gov.au/def/gnaf#</a:t>
+            </a:r>
+            <a:br>
+              <a:rPr lang="en-AU" sz="1400" dirty="0" err="1"/>
+            </a:br>
+            <a:r>
+              <a:rPr lang="en-AU" sz="1400" dirty="0" err="1"/>
+              <a:t>png:      http://linked.data.gov.au/def/pz#</a:t>
+            </a:r>
+          </a:p>
+          <a:p>
+            <a:r>
+              <a:rPr lang="en-AU" sz="1400" dirty="0" err="1"/>
+              <a:t>asgs:   http://linked.data.gov.au/def/asgs#</a:t>
+            </a:r>
+            <a:br>
+              <a:rPr lang="en-AU" sz="1400" dirty="0" err="1"/>
+            </a:br>
+            <a:endParaRPr lang="en-AU" sz="1400" dirty="0"/>
+          </a:p>
+        </p:txBody>
+      </p:sp>
+      <p:sp>
+        <p:nvSpPr>
+          <p:cNvPr id="34" name="Rectangle 33">
+            <a:extLst>
+              <a:ext uri="{FF2B5EF4-FFF2-40B4-BE49-F238E27FC236}">
+                <a16:creationId xmlns:a16="http://schemas.microsoft.com/office/drawing/2014/main" id="{C22D81CE-EDFA-804B-A2F3-9708A1ED312D}"/>
+              </a:ext>
+            </a:extLst>
+          </p:cNvPr>
+          <p:cNvSpPr/>
+          <p:nvPr/>
+        </p:nvSpPr>
+        <p:spPr>
+          <a:xfrm>
+            <a:off x="6187493" y="2816640"/>
+            <a:ext cx="1330778" cy="595993"/>
+          </a:xfrm>
+          <a:prstGeom prst="rect">
+            <a:avLst/>
+          </a:prstGeom>
+          <a:solidFill>
+            <a:schemeClr val="bg1"/>
+          </a:solidFill>
+          <a:ln>
+            <a:solidFill>
+              <a:srgbClr val="C00000"/>
+            </a:solidFill>
+          </a:ln>
+        </p:spPr>
+        <p:style>
+          <a:lnRef idx="2">
+            <a:schemeClr val="accent1">
+              <a:shade val="50000"/>
+            </a:schemeClr>
+          </a:lnRef>
+          <a:fillRef idx="1">
+            <a:schemeClr val="accent1"/>
+          </a:fillRef>
+          <a:effectRef idx="0">
+            <a:schemeClr val="accent1"/>
+          </a:effectRef>
+          <a:fontRef idx="minor">
+            <a:schemeClr val="lt1"/>
+          </a:fontRef>
+        </p:style>
+        <p:txBody>
+          <a:bodyPr rtlCol="0" anchor="ctr"/>
+          <a:lstStyle/>
+          <a:p>
+            <a:pPr algn="ctr"/>
+            <a:r>
+              <a:rPr lang="en-US" sz="1400" dirty="0">
+                <a:solidFill>
+                  <a:srgbClr val="C00000"/>
+                </a:solidFill>
+              </a:rPr>
+              <a:t>png:</a:t>
+            </a:r>
+            <a:br>
+              <a:rPr lang="en-US" sz="1400" dirty="0">
+                <a:solidFill>
+                  <a:srgbClr val="C00000"/>
+                </a:solidFill>
+              </a:rPr>
+            </a:br>
+            <a:r>
+              <a:rPr lang="en-US" sz="1400" dirty="0">
+                <a:solidFill>
+                  <a:srgbClr val="C00000"/>
+                </a:solidFill>
+              </a:rPr>
+              <a:t>Place</a:t>
+            </a:r>
+          </a:p>
+        </p:txBody>
+      </p:sp>
+      <p:sp>
+        <p:nvSpPr>
+          <p:cNvPr id="7" name="Rectangle 6">
+            <a:extLst>
+              <a:ext uri="{FF2B5EF4-FFF2-40B4-BE49-F238E27FC236}">
+                <a16:creationId xmlns:a16="http://schemas.microsoft.com/office/drawing/2014/main" id="{6EE52F69-BE1B-496F-8DC0-B659859E6F43}"/>
+              </a:ext>
+            </a:extLst>
+          </p:cNvPr>
+          <p:cNvSpPr/>
+          <p:nvPr/>
+        </p:nvSpPr>
+        <p:spPr>
+          <a:xfrm>
+            <a:off x="7811485" y="2821852"/>
+            <a:ext cx="1158202" cy="215444"/>
+          </a:xfrm>
+          <a:prstGeom prst="rect">
+            <a:avLst/>
+          </a:prstGeom>
+          <a:solidFill>
+            <a:schemeClr val="bg1"/>
+          </a:solidFill>
+        </p:spPr>
+        <p:txBody>
+          <a:bodyPr wrap="none" lIns="0" tIns="0" rIns="0" bIns="0">
+            <a:spAutoFit/>
+          </a:bodyPr>
+          <a:lstStyle/>
+          <a:p>
+            <a:r>
+              <a:rPr lang="en-AU" sz="1400" dirty="0" err="1">
+                <a:solidFill>
+                  <a:srgbClr val="C00000"/>
+                </a:solidFill>
+              </a:rPr>
+              <a:t>png:hasAddress</a:t>
+            </a:r>
+            <a:endParaRPr lang="en-AU" sz="1400" dirty="0">
+              <a:solidFill>
+                <a:srgbClr val="C00000"/>
+              </a:solidFill>
+            </a:endParaRPr>
+          </a:p>
+        </p:txBody>
+      </p:sp>
+      <p:sp>
+        <p:nvSpPr>
+          <p:cNvPr id="50" name="Rectangle 49">
+            <a:extLst>
+              <a:ext uri="{FF2B5EF4-FFF2-40B4-BE49-F238E27FC236}">
+                <a16:creationId xmlns:a16="http://schemas.microsoft.com/office/drawing/2014/main" id="{1D5FC9C8-73F0-B84D-B55B-2CA48DF8DBA0}"/>
+              </a:ext>
+            </a:extLst>
+          </p:cNvPr>
+          <p:cNvSpPr/>
+          <p:nvPr/>
+        </p:nvSpPr>
+        <p:spPr>
+          <a:xfrm>
+            <a:off x="332703" y="2557431"/>
             <a:ext cx="1330778" cy="595993"/>
           </a:xfrm>
           <a:prstGeom prst="rect">
@@ -15062,7 +16330,7 @@
                   <a:schemeClr val="tx1"/>
                 </a:solidFill>
               </a:rPr>
-              <a:t>gnaf:Address</a:t>
+              <a:t>dataset class</a:t>
             </a:r>
             <a:endParaRPr lang="en-US" sz="1400" dirty="0">
               <a:solidFill>
@@ -15072,153 +16340,24 @@
           </a:p>
         </p:txBody>
       </p:sp>
-      <p:sp>
-        <p:nvSpPr>
-          <p:cNvPr id="61" name="Rectangle 60">
-            <a:extLst>
-              <a:ext uri="{FF2B5EF4-FFF2-40B4-BE49-F238E27FC236}">
-                <a16:creationId xmlns:a16="http://schemas.microsoft.com/office/drawing/2014/main" id="{3561B104-A04C-44F6-85A7-FA46231AA6AF}"/>
-              </a:ext>
-            </a:extLst>
-          </p:cNvPr>
-          <p:cNvSpPr/>
-          <p:nvPr/>
-        </p:nvSpPr>
-        <p:spPr>
-          <a:xfrm>
-            <a:off x="7250508" y="3112054"/>
-            <a:ext cx="1330778" cy="595993"/>
-          </a:xfrm>
-          <a:prstGeom prst="rect">
-            <a:avLst/>
-          </a:prstGeom>
-          <a:solidFill>
-            <a:schemeClr val="bg1"/>
-          </a:solidFill>
-          <a:ln>
-            <a:solidFill>
-              <a:schemeClr val="tx1"/>
-            </a:solidFill>
-          </a:ln>
-        </p:spPr>
-        <p:style>
-          <a:lnRef idx="2">
-            <a:schemeClr val="accent1">
-              <a:shade val="50000"/>
-            </a:schemeClr>
-          </a:lnRef>
-          <a:fillRef idx="1">
-            <a:schemeClr val="accent1"/>
-          </a:fillRef>
-          <a:effectRef idx="0">
-            <a:schemeClr val="accent1"/>
-          </a:effectRef>
-          <a:fontRef idx="minor">
-            <a:schemeClr val="lt1"/>
-          </a:fontRef>
-        </p:style>
-        <p:txBody>
-          <a:bodyPr rtlCol="0" anchor="ctr"/>
-          <a:lstStyle/>
-          <a:p>
-            <a:pPr algn="ctr"/>
-            <a:r>
-              <a:rPr lang="en-US" sz="1400" dirty="0" err="1">
-                <a:solidFill>
-                  <a:schemeClr val="tx1"/>
-                </a:solidFill>
-              </a:rPr>
-              <a:t>gnaf</a:t>
-            </a:r>
-            <a:r>
-              <a:rPr lang="en-US" sz="1400" dirty="0">
-                <a:solidFill>
-                  <a:schemeClr val="tx1"/>
-                </a:solidFill>
-              </a:rPr>
-              <a:t>:</a:t>
-            </a:r>
-            <a:br>
-              <a:rPr lang="en-US" sz="1400" dirty="0">
-                <a:solidFill>
-                  <a:schemeClr val="tx1"/>
-                </a:solidFill>
-              </a:rPr>
-            </a:br>
-            <a:r>
-              <a:rPr lang="en-US" sz="1400" dirty="0" err="1">
-                <a:solidFill>
-                  <a:schemeClr val="tx1"/>
-                </a:solidFill>
-              </a:rPr>
-              <a:t>StreetLocality</a:t>
-            </a:r>
-            <a:endParaRPr lang="en-US" sz="1400" dirty="0">
-              <a:solidFill>
-                <a:schemeClr val="tx1"/>
-              </a:solidFill>
-            </a:endParaRPr>
-          </a:p>
-        </p:txBody>
-      </p:sp>
-      <p:sp>
-        <p:nvSpPr>
-          <p:cNvPr id="27" name="TextBox 26">
-            <a:extLst>
-              <a:ext uri="{FF2B5EF4-FFF2-40B4-BE49-F238E27FC236}">
-                <a16:creationId xmlns:a16="http://schemas.microsoft.com/office/drawing/2014/main" id="{BE10EA7E-29CB-454D-80C7-AC677BB17FD8}"/>
-              </a:ext>
-            </a:extLst>
-          </p:cNvPr>
-          <p:cNvSpPr txBox="1"/>
-          <p:nvPr/>
-        </p:nvSpPr>
-        <p:spPr>
-          <a:xfrm>
-            <a:off x="7385078" y="2744555"/>
-            <a:ext cx="1061637" cy="215444"/>
-          </a:xfrm>
-          <a:prstGeom prst="rect">
-            <a:avLst/>
-          </a:prstGeom>
-          <a:solidFill>
-            <a:schemeClr val="bg1"/>
-          </a:solidFill>
-        </p:spPr>
-        <p:txBody>
-          <a:bodyPr wrap="none" lIns="0" tIns="0" rIns="0" bIns="0" rtlCol="0">
-            <a:spAutoFit/>
-          </a:bodyPr>
-          <a:lstStyle/>
-          <a:p>
-            <a:r>
-              <a:rPr lang="en-US" sz="1400" dirty="0" err="1"/>
-              <a:t>gnaf:hasStreet</a:t>
-            </a:r>
-            <a:endParaRPr lang="en-US" sz="1400" dirty="0"/>
-          </a:p>
-        </p:txBody>
-      </p:sp>
       <p:cxnSp>
         <p:nvCxnSpPr>
-          <p:cNvPr id="22" name="Straight Arrow Connector 21">
-            <a:extLst>
-              <a:ext uri="{FF2B5EF4-FFF2-40B4-BE49-F238E27FC236}">
-                <a16:creationId xmlns:a16="http://schemas.microsoft.com/office/drawing/2014/main" id="{E216A240-2D43-DB41-A9DA-C05839198DAD}"/>
+          <p:cNvPr id="51" name="Straight Arrow Connector 50">
+            <a:extLst>
+              <a:ext uri="{FF2B5EF4-FFF2-40B4-BE49-F238E27FC236}">
+                <a16:creationId xmlns:a16="http://schemas.microsoft.com/office/drawing/2014/main" id="{5F6B02AB-E6B8-404B-9788-F14A24AEE267}"/>
               </a:ext>
             </a:extLst>
           </p:cNvPr>
           <p:cNvCxnSpPr>
             <a:cxnSpLocks/>
-            <a:stCxn id="33" idx="0"/>
-            <a:endCxn id="19" idx="4"/>
           </p:cNvCxnSpPr>
           <p:nvPr/>
         </p:nvCxnSpPr>
         <p:spPr>
-          <a:xfrm flipV="1">
-            <a:off x="5109577" y="1476953"/>
-            <a:ext cx="0" cy="519553"/>
+          <a:xfrm>
+            <a:off x="478976" y="3750599"/>
+            <a:ext cx="1038233" cy="1"/>
           </a:xfrm>
           <a:prstGeom prst="straightConnector1">
             <a:avLst/>
@@ -15249,10 +16388,10 @@
       </p:cxnSp>
       <p:sp>
         <p:nvSpPr>
-          <p:cNvPr id="26" name="Rectangle 25">
-            <a:extLst>
-              <a:ext uri="{FF2B5EF4-FFF2-40B4-BE49-F238E27FC236}">
-                <a16:creationId xmlns:a16="http://schemas.microsoft.com/office/drawing/2014/main" id="{58FCD938-2FF0-894F-81A0-9DBE1DF01D36}"/>
+          <p:cNvPr id="54" name="Rectangle 53">
+            <a:extLst>
+              <a:ext uri="{FF2B5EF4-FFF2-40B4-BE49-F238E27FC236}">
+                <a16:creationId xmlns:a16="http://schemas.microsoft.com/office/drawing/2014/main" id="{ADFF7DDD-5583-CD4B-A1FC-F4BC753F7086}"/>
               </a:ext>
             </a:extLst>
           </p:cNvPr>
@@ -15261,78 +16400,8 @@
         </p:nvSpPr>
         <p:spPr>
           <a:xfrm>
-            <a:off x="332703" y="4055807"/>
-            <a:ext cx="3618683" cy="1600438"/>
-          </a:xfrm>
-          <a:prstGeom prst="rect">
-            <a:avLst/>
-          </a:prstGeom>
-        </p:spPr>
-        <p:txBody>
-          <a:bodyPr wrap="none">
-            <a:spAutoFit/>
-          </a:bodyPr>
-          <a:lstStyle/>
-          <a:p>
-            <a:r>
-              <a:rPr lang="en-AU" sz="1400" u="sng" dirty="0" err="1"/>
-              <a:t>Namespace Prefixes</a:t>
-            </a:r>
-          </a:p>
-          <a:p>
-            <a:endParaRPr lang="en-AU" sz="1400" dirty="0" err="1"/>
-          </a:p>
-          <a:p>
-            <a:r>
-              <a:rPr lang="en-US" sz="1400" dirty="0"/>
-              <a:t>owl:    http://www.w3.org/2002/07/owl#</a:t>
-            </a:r>
-            <a:endParaRPr lang="en-AU" sz="1400" dirty="0" err="1"/>
-          </a:p>
-          <a:p>
-            <a:r>
-              <a:rPr lang="en-AU" sz="1400" dirty="0" err="1"/>
-              <a:t>prov:  https://www.w3.org/TR/prov-o/</a:t>
-            </a:r>
-          </a:p>
-          <a:p>
-            <a:r>
-              <a:rPr lang="en-AU" sz="1400" dirty="0" err="1"/>
-              <a:t>geo:    http://www.opengis.net/ont/geosparql#</a:t>
-            </a:r>
-          </a:p>
-          <a:p>
-            <a:r>
-              <a:rPr lang="en-AU" sz="1400" dirty="0" err="1"/>
-              <a:t>gnaf:   http://linked.data.gov.au/def/gnaf#</a:t>
-            </a:r>
-            <a:br>
-              <a:rPr lang="en-AU" sz="1400" dirty="0" err="1"/>
-            </a:br>
-            <a:r>
-              <a:rPr lang="en-AU" sz="1400" dirty="0" err="1"/>
-              <a:t>asgs:   http://linked.data.gov.au/def/asgs#</a:t>
-            </a:r>
-            <a:endParaRPr lang="en-AU" sz="1400" dirty="0"/>
-          </a:p>
-        </p:txBody>
-      </p:sp>
-      <p:sp>
-        <p:nvSpPr>
-          <p:cNvPr id="50" name="Rectangle 49">
-            <a:extLst>
-              <a:ext uri="{FF2B5EF4-FFF2-40B4-BE49-F238E27FC236}">
-                <a16:creationId xmlns:a16="http://schemas.microsoft.com/office/drawing/2014/main" id="{1D5FC9C8-73F0-B84D-B55B-2CA48DF8DBA0}"/>
-              </a:ext>
-            </a:extLst>
-          </p:cNvPr>
-          <p:cNvSpPr/>
-          <p:nvPr/>
-        </p:nvSpPr>
-        <p:spPr>
-          <a:xfrm>
-            <a:off x="332703" y="2557431"/>
-            <a:ext cx="1330778" cy="595993"/>
+            <a:off x="398353" y="3412634"/>
+            <a:ext cx="1198533" cy="215444"/>
           </a:xfrm>
           <a:prstGeom prst="rect">
             <a:avLst/>
@@ -15340,7 +16409,91 @@
           <a:solidFill>
             <a:schemeClr val="bg1"/>
           </a:solidFill>
-          <a:ln>
+        </p:spPr>
+        <p:txBody>
+          <a:bodyPr wrap="none" lIns="0" tIns="0" rIns="0" bIns="0">
+            <a:spAutoFit/>
+          </a:bodyPr>
+          <a:lstStyle/>
+          <a:p>
+            <a:r>
+              <a:rPr lang="en-AU" sz="1400" dirty="0" err="1"/>
+              <a:t>dataset contains</a:t>
+            </a:r>
+            <a:endParaRPr lang="en-AU" sz="1400" dirty="0"/>
+          </a:p>
+        </p:txBody>
+      </p:sp>
+      <p:sp>
+        <p:nvSpPr>
+          <p:cNvPr id="55" name="Rectangle 54">
+            <a:extLst>
+              <a:ext uri="{FF2B5EF4-FFF2-40B4-BE49-F238E27FC236}">
+                <a16:creationId xmlns:a16="http://schemas.microsoft.com/office/drawing/2014/main" id="{6E3B6078-858E-DE48-99AB-3096C3710294}"/>
+              </a:ext>
+            </a:extLst>
+          </p:cNvPr>
+          <p:cNvSpPr/>
+          <p:nvPr/>
+        </p:nvSpPr>
+        <p:spPr>
+          <a:xfrm>
+            <a:off x="398353" y="5961452"/>
+            <a:ext cx="3867277" cy="215444"/>
+          </a:xfrm>
+          <a:prstGeom prst="rect">
+            <a:avLst/>
+          </a:prstGeom>
+          <a:solidFill>
+            <a:schemeClr val="bg1"/>
+          </a:solidFill>
+        </p:spPr>
+        <p:txBody>
+          <a:bodyPr wrap="none" lIns="0" tIns="0" rIns="0" bIns="0">
+            <a:spAutoFit/>
+          </a:bodyPr>
+          <a:lstStyle/>
+          <a:p>
+            <a:r>
+              <a:rPr lang="en-AU" sz="1400" dirty="0" err="1">
+                <a:solidFill>
+                  <a:srgbClr val="C00000"/>
+                </a:solidFill>
+              </a:rPr>
+              <a:t>Colour indicating FSDF Ontology Classes &amp; Properties</a:t>
+            </a:r>
+            <a:endParaRPr lang="en-AU" sz="1400" dirty="0">
+              <a:solidFill>
+                <a:srgbClr val="C00000"/>
+              </a:solidFill>
+            </a:endParaRPr>
+          </a:p>
+        </p:txBody>
+      </p:sp>
+      <p:sp>
+        <p:nvSpPr>
+          <p:cNvPr id="35" name="Oval 34">
+            <a:extLst>
+              <a:ext uri="{FF2B5EF4-FFF2-40B4-BE49-F238E27FC236}">
+                <a16:creationId xmlns:a16="http://schemas.microsoft.com/office/drawing/2014/main" id="{D25FDDF3-78D9-BA45-B514-4A8DDDE39906}"/>
+              </a:ext>
+            </a:extLst>
+          </p:cNvPr>
+          <p:cNvSpPr/>
+          <p:nvPr/>
+        </p:nvSpPr>
+        <p:spPr>
+          <a:xfrm>
+            <a:off x="3223525" y="1698511"/>
+            <a:ext cx="1330778" cy="595993"/>
+          </a:xfrm>
+          <a:prstGeom prst="ellipse">
+            <a:avLst/>
+          </a:prstGeom>
+          <a:solidFill>
+            <a:srgbClr val="FFFFD6"/>
+          </a:solidFill>
+          <a:ln w="12700">
             <a:solidFill>
               <a:schemeClr val="bg1">
                 <a:lumMod val="50000"/>
@@ -15370,39 +16523,36 @@
           <a:p>
             <a:pPr algn="ctr"/>
             <a:r>
-              <a:rPr lang="en-US" sz="1400" dirty="0" err="1">
+              <a:rPr lang="en-US" sz="1200" dirty="0">
                 <a:solidFill>
                   <a:schemeClr val="tx1"/>
                 </a:solidFill>
               </a:rPr>
-              <a:t>dataset class</a:t>
-            </a:r>
-            <a:endParaRPr lang="en-US" sz="1400" dirty="0">
-              <a:solidFill>
-                <a:schemeClr val="tx1"/>
-              </a:solidFill>
-            </a:endParaRPr>
+              <a:t>ASGS</a:t>
+            </a:r>
           </a:p>
         </p:txBody>
       </p:sp>
       <p:cxnSp>
         <p:nvCxnSpPr>
-          <p:cNvPr id="51" name="Straight Arrow Connector 50">
-            <a:extLst>
-              <a:ext uri="{FF2B5EF4-FFF2-40B4-BE49-F238E27FC236}">
-                <a16:creationId xmlns:a16="http://schemas.microsoft.com/office/drawing/2014/main" id="{5F6B02AB-E6B8-404B-9788-F14A24AEE267}"/>
+          <p:cNvPr id="37" name="Straight Arrow Connector 36">
+            <a:extLst>
+              <a:ext uri="{FF2B5EF4-FFF2-40B4-BE49-F238E27FC236}">
+                <a16:creationId xmlns:a16="http://schemas.microsoft.com/office/drawing/2014/main" id="{762AA805-CCB5-5D43-8F31-C1491D08437E}"/>
               </a:ext>
             </a:extLst>
           </p:cNvPr>
           <p:cNvCxnSpPr>
             <a:cxnSpLocks/>
+            <a:stCxn id="38" idx="0"/>
+            <a:endCxn id="35" idx="4"/>
           </p:cNvCxnSpPr>
           <p:nvPr/>
         </p:nvCxnSpPr>
         <p:spPr>
-          <a:xfrm>
-            <a:off x="478976" y="3750599"/>
-            <a:ext cx="1038233" cy="1"/>
+          <a:xfrm flipV="1">
+            <a:off x="3888914" y="2294504"/>
+            <a:ext cx="0" cy="519553"/>
           </a:xfrm>
           <a:prstGeom prst="straightConnector1">
             <a:avLst/>
@@ -15433,10 +16583,10 @@
       </p:cxnSp>
       <p:sp>
         <p:nvSpPr>
-          <p:cNvPr id="54" name="Rectangle 53">
-            <a:extLst>
-              <a:ext uri="{FF2B5EF4-FFF2-40B4-BE49-F238E27FC236}">
-                <a16:creationId xmlns:a16="http://schemas.microsoft.com/office/drawing/2014/main" id="{ADFF7DDD-5583-CD4B-A1FC-F4BC753F7086}"/>
+          <p:cNvPr id="38" name="Rectangle 37">
+            <a:extLst>
+              <a:ext uri="{FF2B5EF4-FFF2-40B4-BE49-F238E27FC236}">
+                <a16:creationId xmlns:a16="http://schemas.microsoft.com/office/drawing/2014/main" id="{2078838A-B6DB-764C-96A6-133495B2C356}"/>
               </a:ext>
             </a:extLst>
           </p:cNvPr>
@@ -15445,91 +16595,7 @@
         </p:nvSpPr>
         <p:spPr>
           <a:xfrm>
-            <a:off x="398353" y="3412634"/>
-            <a:ext cx="1198533" cy="215444"/>
-          </a:xfrm>
-          <a:prstGeom prst="rect">
-            <a:avLst/>
-          </a:prstGeom>
-          <a:solidFill>
-            <a:schemeClr val="bg1"/>
-          </a:solidFill>
-        </p:spPr>
-        <p:txBody>
-          <a:bodyPr wrap="none" lIns="0" tIns="0" rIns="0" bIns="0">
-            <a:spAutoFit/>
-          </a:bodyPr>
-          <a:lstStyle/>
-          <a:p>
-            <a:r>
-              <a:rPr lang="en-AU" sz="1400" dirty="0" err="1"/>
-              <a:t>dataset contains</a:t>
-            </a:r>
-            <a:endParaRPr lang="en-AU" sz="1400" dirty="0"/>
-          </a:p>
-        </p:txBody>
-      </p:sp>
-      <p:sp>
-        <p:nvSpPr>
-          <p:cNvPr id="55" name="Rectangle 54">
-            <a:extLst>
-              <a:ext uri="{FF2B5EF4-FFF2-40B4-BE49-F238E27FC236}">
-                <a16:creationId xmlns:a16="http://schemas.microsoft.com/office/drawing/2014/main" id="{6E3B6078-858E-DE48-99AB-3096C3710294}"/>
-              </a:ext>
-            </a:extLst>
-          </p:cNvPr>
-          <p:cNvSpPr/>
-          <p:nvPr/>
-        </p:nvSpPr>
-        <p:spPr>
-          <a:xfrm>
-            <a:off x="398353" y="5961452"/>
-            <a:ext cx="3864071" cy="215444"/>
-          </a:xfrm>
-          <a:prstGeom prst="rect">
-            <a:avLst/>
-          </a:prstGeom>
-          <a:solidFill>
-            <a:schemeClr val="bg1"/>
-          </a:solidFill>
-        </p:spPr>
-        <p:txBody>
-          <a:bodyPr wrap="none" lIns="0" tIns="0" rIns="0" bIns="0">
-            <a:spAutoFit/>
-          </a:bodyPr>
-          <a:lstStyle/>
-          <a:p>
-            <a:r>
-              <a:rPr lang="en-AU" sz="1400" dirty="0" err="1">
-                <a:solidFill>
-                  <a:srgbClr val="C00000"/>
-                </a:solidFill>
-              </a:rPr>
-              <a:t>Colour indicating FSDF Ontology Classes &amp; Properties</a:t>
-            </a:r>
-            <a:endParaRPr lang="en-AU" sz="1400" dirty="0">
-              <a:solidFill>
-                <a:srgbClr val="C00000"/>
-              </a:solidFill>
-            </a:endParaRPr>
-          </a:p>
-        </p:txBody>
-      </p:sp>
-      <p:sp>
-        <p:nvSpPr>
-          <p:cNvPr id="33" name="Rectangle 32">
-            <a:extLst>
-              <a:ext uri="{FF2B5EF4-FFF2-40B4-BE49-F238E27FC236}">
-                <a16:creationId xmlns:a16="http://schemas.microsoft.com/office/drawing/2014/main" id="{1BD8FE1B-09C9-0B45-9117-F04B93F83731}"/>
-              </a:ext>
-            </a:extLst>
-          </p:cNvPr>
-          <p:cNvSpPr/>
-          <p:nvPr/>
-        </p:nvSpPr>
-        <p:spPr>
-          <a:xfrm>
-            <a:off x="4444188" y="1996506"/>
+            <a:off x="3223525" y="2814057"/>
             <a:ext cx="1330778" cy="595993"/>
           </a:xfrm>
           <a:prstGeom prst="rect">
@@ -15576,123 +16642,35 @@
           </a:p>
         </p:txBody>
       </p:sp>
-      <p:sp>
-        <p:nvSpPr>
-          <p:cNvPr id="35" name="Rectangle 34">
-            <a:extLst>
-              <a:ext uri="{FF2B5EF4-FFF2-40B4-BE49-F238E27FC236}">
-                <a16:creationId xmlns:a16="http://schemas.microsoft.com/office/drawing/2014/main" id="{84D5B378-3183-974A-90D3-814F86D535D6}"/>
-              </a:ext>
-            </a:extLst>
-          </p:cNvPr>
-          <p:cNvSpPr/>
-          <p:nvPr/>
-        </p:nvSpPr>
-        <p:spPr>
-          <a:xfrm>
-            <a:off x="7250507" y="4227601"/>
-            <a:ext cx="1330778" cy="595993"/>
-          </a:xfrm>
-          <a:prstGeom prst="rect">
-            <a:avLst/>
-          </a:prstGeom>
-          <a:solidFill>
-            <a:schemeClr val="bg1"/>
-          </a:solidFill>
+      <p:cxnSp>
+        <p:nvCxnSpPr>
+          <p:cNvPr id="39" name="Straight Arrow Connector 38">
+            <a:extLst>
+              <a:ext uri="{FF2B5EF4-FFF2-40B4-BE49-F238E27FC236}">
+                <a16:creationId xmlns:a16="http://schemas.microsoft.com/office/drawing/2014/main" id="{E5688F37-BC8D-2143-9110-F3328BB333DA}"/>
+              </a:ext>
+            </a:extLst>
+          </p:cNvPr>
+          <p:cNvCxnSpPr>
+            <a:cxnSpLocks/>
+            <a:stCxn id="34" idx="1"/>
+            <a:endCxn id="38" idx="3"/>
+          </p:cNvCxnSpPr>
+          <p:nvPr/>
+        </p:nvCxnSpPr>
+        <p:spPr>
+          <a:xfrm flipH="1" flipV="1">
+            <a:off x="4554303" y="3112054"/>
+            <a:ext cx="1633190" cy="2583"/>
+          </a:xfrm>
+          <a:prstGeom prst="straightConnector1">
+            <a:avLst/>
+          </a:prstGeom>
           <a:ln>
             <a:solidFill>
               <a:srgbClr val="C00000"/>
             </a:solidFill>
-          </a:ln>
-        </p:spPr>
-        <p:style>
-          <a:lnRef idx="2">
-            <a:schemeClr val="accent1">
-              <a:shade val="50000"/>
-            </a:schemeClr>
-          </a:lnRef>
-          <a:fillRef idx="1">
-            <a:schemeClr val="accent1"/>
-          </a:fillRef>
-          <a:effectRef idx="0">
-            <a:schemeClr val="accent1"/>
-          </a:effectRef>
-          <a:fontRef idx="minor">
-            <a:schemeClr val="lt1"/>
-          </a:fontRef>
-        </p:style>
-        <p:txBody>
-          <a:bodyPr rtlCol="0" anchor="ctr"/>
-          <a:lstStyle/>
-          <a:p>
-            <a:pPr algn="ctr"/>
-            <a:r>
-              <a:rPr lang="en-US" sz="1400" dirty="0" err="1">
-                <a:solidFill>
-                  <a:srgbClr val="C00000"/>
-                </a:solidFill>
-              </a:rPr>
-              <a:t>gnaf</a:t>
-            </a:r>
-            <a:r>
-              <a:rPr lang="en-US" sz="1400" dirty="0">
-                <a:solidFill>
-                  <a:srgbClr val="C00000"/>
-                </a:solidFill>
-              </a:rPr>
-              <a:t>:</a:t>
-            </a:r>
-            <a:br>
-              <a:rPr lang="en-US" sz="1400" dirty="0">
-                <a:solidFill>
-                  <a:srgbClr val="C00000"/>
-                </a:solidFill>
-              </a:rPr>
-            </a:br>
-            <a:r>
-              <a:rPr lang="en-US" sz="1400" dirty="0" err="1">
-                <a:solidFill>
-                  <a:srgbClr val="C00000"/>
-                </a:solidFill>
-              </a:rPr>
-              <a:t>Locality</a:t>
-            </a:r>
-            <a:endParaRPr lang="en-US" sz="1400" dirty="0">
-              <a:solidFill>
-                <a:srgbClr val="C00000"/>
-              </a:solidFill>
-            </a:endParaRPr>
-          </a:p>
-        </p:txBody>
-      </p:sp>
-      <p:cxnSp>
-        <p:nvCxnSpPr>
-          <p:cNvPr id="37" name="Straight Arrow Connector 36">
-            <a:extLst>
-              <a:ext uri="{FF2B5EF4-FFF2-40B4-BE49-F238E27FC236}">
-                <a16:creationId xmlns:a16="http://schemas.microsoft.com/office/drawing/2014/main" id="{D34DB2D4-5B2B-3648-AD98-4222BEF666A8}"/>
-              </a:ext>
-            </a:extLst>
-          </p:cNvPr>
-          <p:cNvCxnSpPr>
-            <a:cxnSpLocks/>
-            <a:stCxn id="61" idx="2"/>
-            <a:endCxn id="35" idx="0"/>
-          </p:cNvCxnSpPr>
-          <p:nvPr/>
-        </p:nvCxnSpPr>
-        <p:spPr>
-          <a:xfrm flipH="1">
-            <a:off x="7915896" y="3708047"/>
-            <a:ext cx="1" cy="519554"/>
-          </a:xfrm>
-          <a:prstGeom prst="straightConnector1">
-            <a:avLst/>
-          </a:prstGeom>
-          <a:ln>
-            <a:solidFill>
-              <a:schemeClr val="tx1"/>
-            </a:solidFill>
+            <a:headEnd type="none"/>
             <a:tailEnd type="arrow"/>
           </a:ln>
         </p:spPr>
@@ -15713,20 +16691,20 @@
       </p:cxnSp>
       <p:sp>
         <p:nvSpPr>
-          <p:cNvPr id="38" name="TextBox 37">
-            <a:extLst>
-              <a:ext uri="{FF2B5EF4-FFF2-40B4-BE49-F238E27FC236}">
-                <a16:creationId xmlns:a16="http://schemas.microsoft.com/office/drawing/2014/main" id="{7DDF7094-887B-2B4F-B055-AD364389B1AE}"/>
-              </a:ext>
-            </a:extLst>
-          </p:cNvPr>
-          <p:cNvSpPr txBox="1"/>
+          <p:cNvPr id="41" name="Rectangle 40">
+            <a:extLst>
+              <a:ext uri="{FF2B5EF4-FFF2-40B4-BE49-F238E27FC236}">
+                <a16:creationId xmlns:a16="http://schemas.microsoft.com/office/drawing/2014/main" id="{18A0FD44-826B-494C-8082-D6A606683C06}"/>
+              </a:ext>
+            </a:extLst>
+          </p:cNvPr>
+          <p:cNvSpPr/>
           <p:nvPr/>
         </p:nvSpPr>
         <p:spPr>
           <a:xfrm>
-            <a:off x="7470710" y="3839328"/>
-            <a:ext cx="890372" cy="215444"/>
+            <a:off x="4782211" y="2814057"/>
+            <a:ext cx="1288814" cy="215444"/>
           </a:xfrm>
           <a:prstGeom prst="rect">
             <a:avLst/>
@@ -15736,622 +16714,6 @@
           </a:solidFill>
         </p:spPr>
         <p:txBody>
-          <a:bodyPr wrap="none" lIns="0" tIns="0" rIns="0" bIns="0" rtlCol="0">
-            <a:spAutoFit/>
-          </a:bodyPr>
-          <a:lstStyle/>
-          <a:p>
-            <a:r>
-              <a:rPr lang="en-US" sz="1400" dirty="0" err="1"/>
-              <a:t>gnaf:locality</a:t>
-            </a:r>
-            <a:endParaRPr lang="en-US" sz="1400" dirty="0"/>
-          </a:p>
-        </p:txBody>
-      </p:sp>
-      <p:cxnSp>
-        <p:nvCxnSpPr>
-          <p:cNvPr id="10" name="Elbow Connector 9">
-            <a:extLst>
-              <a:ext uri="{FF2B5EF4-FFF2-40B4-BE49-F238E27FC236}">
-                <a16:creationId xmlns:a16="http://schemas.microsoft.com/office/drawing/2014/main" id="{D02147D6-BB00-2040-BCEE-6394A26F21D7}"/>
-              </a:ext>
-            </a:extLst>
-          </p:cNvPr>
-          <p:cNvCxnSpPr>
-            <a:cxnSpLocks/>
-            <a:stCxn id="35" idx="1"/>
-            <a:endCxn id="33" idx="3"/>
-          </p:cNvCxnSpPr>
-          <p:nvPr/>
-        </p:nvCxnSpPr>
-        <p:spPr>
-          <a:xfrm rot="10800000">
-            <a:off x="5774967" y="2294504"/>
-            <a:ext cx="1475541" cy="2231095"/>
-          </a:xfrm>
-          <a:prstGeom prst="bentConnector3">
-            <a:avLst>
-              <a:gd name="adj1" fmla="val 50000"/>
-            </a:avLst>
-          </a:prstGeom>
-          <a:ln>
-            <a:solidFill>
-              <a:srgbClr val="C00000"/>
-            </a:solidFill>
-            <a:tailEnd type="triangle"/>
-          </a:ln>
-        </p:spPr>
-        <p:style>
-          <a:lnRef idx="1">
-            <a:schemeClr val="accent1"/>
-          </a:lnRef>
-          <a:fillRef idx="0">
-            <a:schemeClr val="accent1"/>
-          </a:fillRef>
-          <a:effectRef idx="0">
-            <a:schemeClr val="accent1"/>
-          </a:effectRef>
-          <a:fontRef idx="minor">
-            <a:schemeClr val="tx1"/>
-          </a:fontRef>
-        </p:style>
-      </p:cxnSp>
-      <p:sp>
-        <p:nvSpPr>
-          <p:cNvPr id="40" name="Rectangle 39">
-            <a:extLst>
-              <a:ext uri="{FF2B5EF4-FFF2-40B4-BE49-F238E27FC236}">
-                <a16:creationId xmlns:a16="http://schemas.microsoft.com/office/drawing/2014/main" id="{DB6FE932-0437-3945-B243-F4716BB73BC0}"/>
-              </a:ext>
-            </a:extLst>
-          </p:cNvPr>
-          <p:cNvSpPr/>
-          <p:nvPr/>
-        </p:nvSpPr>
-        <p:spPr>
-          <a:xfrm>
-            <a:off x="4446623" y="3642951"/>
-            <a:ext cx="1330778" cy="595993"/>
-          </a:xfrm>
-          <a:prstGeom prst="rect">
-            <a:avLst/>
-          </a:prstGeom>
-          <a:solidFill>
-            <a:schemeClr val="bg1"/>
-          </a:solidFill>
-          <a:ln>
-            <a:solidFill>
-              <a:schemeClr val="tx1"/>
-            </a:solidFill>
-          </a:ln>
-        </p:spPr>
-        <p:style>
-          <a:lnRef idx="2">
-            <a:schemeClr val="accent1">
-              <a:shade val="50000"/>
-            </a:schemeClr>
-          </a:lnRef>
-          <a:fillRef idx="1">
-            <a:schemeClr val="accent1"/>
-          </a:fillRef>
-          <a:effectRef idx="0">
-            <a:schemeClr val="accent1"/>
-          </a:effectRef>
-          <a:fontRef idx="minor">
-            <a:schemeClr val="lt1"/>
-          </a:fontRef>
-        </p:style>
-        <p:txBody>
-          <a:bodyPr rtlCol="0" anchor="ctr"/>
-          <a:lstStyle/>
-          <a:p>
-            <a:pPr algn="ctr"/>
-            <a:r>
-              <a:rPr lang="en-US" sz="1400" dirty="0">
-                <a:solidFill>
-                  <a:schemeClr val="tx1"/>
-                </a:solidFill>
-              </a:rPr>
-              <a:t>asgs:</a:t>
-            </a:r>
-            <a:br>
-              <a:rPr lang="en-US" sz="1400" dirty="0">
-                <a:solidFill>
-                  <a:schemeClr val="tx1"/>
-                </a:solidFill>
-              </a:rPr>
-            </a:br>
-            <a:r>
-              <a:rPr lang="en-US" sz="1400" dirty="0">
-                <a:solidFill>
-                  <a:schemeClr val="tx1"/>
-                </a:solidFill>
-              </a:rPr>
-              <a:t>SA3</a:t>
-            </a:r>
-          </a:p>
-        </p:txBody>
-      </p:sp>
-      <p:sp>
-        <p:nvSpPr>
-          <p:cNvPr id="41" name="Rectangle 40">
-            <a:extLst>
-              <a:ext uri="{FF2B5EF4-FFF2-40B4-BE49-F238E27FC236}">
-                <a16:creationId xmlns:a16="http://schemas.microsoft.com/office/drawing/2014/main" id="{2766E37E-9E71-354F-8A9E-B4F1DFFCF8F2}"/>
-              </a:ext>
-            </a:extLst>
-          </p:cNvPr>
-          <p:cNvSpPr/>
-          <p:nvPr/>
-        </p:nvSpPr>
-        <p:spPr>
-          <a:xfrm>
-            <a:off x="4446623" y="2817835"/>
-            <a:ext cx="1330778" cy="595993"/>
-          </a:xfrm>
-          <a:prstGeom prst="rect">
-            <a:avLst/>
-          </a:prstGeom>
-          <a:solidFill>
-            <a:schemeClr val="bg1"/>
-          </a:solidFill>
-          <a:ln>
-            <a:solidFill>
-              <a:schemeClr val="tx1"/>
-            </a:solidFill>
-          </a:ln>
-        </p:spPr>
-        <p:style>
-          <a:lnRef idx="2">
-            <a:schemeClr val="accent1">
-              <a:shade val="50000"/>
-            </a:schemeClr>
-          </a:lnRef>
-          <a:fillRef idx="1">
-            <a:schemeClr val="accent1"/>
-          </a:fillRef>
-          <a:effectRef idx="0">
-            <a:schemeClr val="accent1"/>
-          </a:effectRef>
-          <a:fontRef idx="minor">
-            <a:schemeClr val="lt1"/>
-          </a:fontRef>
-        </p:style>
-        <p:txBody>
-          <a:bodyPr rtlCol="0" anchor="ctr"/>
-          <a:lstStyle/>
-          <a:p>
-            <a:pPr algn="ctr"/>
-            <a:r>
-              <a:rPr lang="en-US" sz="1400" dirty="0">
-                <a:solidFill>
-                  <a:schemeClr val="tx1"/>
-                </a:solidFill>
-              </a:rPr>
-              <a:t>asgs:</a:t>
-            </a:r>
-            <a:br>
-              <a:rPr lang="en-US" sz="1400" dirty="0">
-                <a:solidFill>
-                  <a:schemeClr val="tx1"/>
-                </a:solidFill>
-              </a:rPr>
-            </a:br>
-            <a:r>
-              <a:rPr lang="en-US" sz="1400" dirty="0">
-                <a:solidFill>
-                  <a:schemeClr val="tx1"/>
-                </a:solidFill>
-              </a:rPr>
-              <a:t>SA4</a:t>
-            </a:r>
-          </a:p>
-        </p:txBody>
-      </p:sp>
-      <p:sp>
-        <p:nvSpPr>
-          <p:cNvPr id="43" name="Rectangle 42">
-            <a:extLst>
-              <a:ext uri="{FF2B5EF4-FFF2-40B4-BE49-F238E27FC236}">
-                <a16:creationId xmlns:a16="http://schemas.microsoft.com/office/drawing/2014/main" id="{FB4426F7-3DA8-3542-8D91-6833A977E80B}"/>
-              </a:ext>
-            </a:extLst>
-          </p:cNvPr>
-          <p:cNvSpPr/>
-          <p:nvPr/>
-        </p:nvSpPr>
-        <p:spPr>
-          <a:xfrm>
-            <a:off x="4444188" y="4468067"/>
-            <a:ext cx="1330778" cy="595993"/>
-          </a:xfrm>
-          <a:prstGeom prst="rect">
-            <a:avLst/>
-          </a:prstGeom>
-          <a:solidFill>
-            <a:schemeClr val="bg1"/>
-          </a:solidFill>
-          <a:ln>
-            <a:solidFill>
-              <a:schemeClr val="tx1"/>
-            </a:solidFill>
-          </a:ln>
-        </p:spPr>
-        <p:style>
-          <a:lnRef idx="2">
-            <a:schemeClr val="accent1">
-              <a:shade val="50000"/>
-            </a:schemeClr>
-          </a:lnRef>
-          <a:fillRef idx="1">
-            <a:schemeClr val="accent1"/>
-          </a:fillRef>
-          <a:effectRef idx="0">
-            <a:schemeClr val="accent1"/>
-          </a:effectRef>
-          <a:fontRef idx="minor">
-            <a:schemeClr val="lt1"/>
-          </a:fontRef>
-        </p:style>
-        <p:txBody>
-          <a:bodyPr rtlCol="0" anchor="ctr"/>
-          <a:lstStyle/>
-          <a:p>
-            <a:pPr algn="ctr"/>
-            <a:r>
-              <a:rPr lang="en-US" sz="1400" dirty="0">
-                <a:solidFill>
-                  <a:schemeClr val="tx1"/>
-                </a:solidFill>
-              </a:rPr>
-              <a:t>asgs:</a:t>
-            </a:r>
-            <a:br>
-              <a:rPr lang="en-US" sz="1400" dirty="0">
-                <a:solidFill>
-                  <a:schemeClr val="tx1"/>
-                </a:solidFill>
-              </a:rPr>
-            </a:br>
-            <a:r>
-              <a:rPr lang="en-US" sz="1400" dirty="0">
-                <a:solidFill>
-                  <a:schemeClr val="tx1"/>
-                </a:solidFill>
-              </a:rPr>
-              <a:t>SA2</a:t>
-            </a:r>
-          </a:p>
-        </p:txBody>
-      </p:sp>
-      <p:sp>
-        <p:nvSpPr>
-          <p:cNvPr id="44" name="Rectangle 43">
-            <a:extLst>
-              <a:ext uri="{FF2B5EF4-FFF2-40B4-BE49-F238E27FC236}">
-                <a16:creationId xmlns:a16="http://schemas.microsoft.com/office/drawing/2014/main" id="{A5CCF7FD-DC7F-074B-A081-DAEB5CB65A00}"/>
-              </a:ext>
-            </a:extLst>
-          </p:cNvPr>
-          <p:cNvSpPr/>
-          <p:nvPr/>
-        </p:nvSpPr>
-        <p:spPr>
-          <a:xfrm>
-            <a:off x="4446623" y="5289396"/>
-            <a:ext cx="1330778" cy="595993"/>
-          </a:xfrm>
-          <a:prstGeom prst="rect">
-            <a:avLst/>
-          </a:prstGeom>
-          <a:solidFill>
-            <a:schemeClr val="bg1"/>
-          </a:solidFill>
-          <a:ln>
-            <a:solidFill>
-              <a:schemeClr val="tx1"/>
-            </a:solidFill>
-          </a:ln>
-        </p:spPr>
-        <p:style>
-          <a:lnRef idx="2">
-            <a:schemeClr val="accent1">
-              <a:shade val="50000"/>
-            </a:schemeClr>
-          </a:lnRef>
-          <a:fillRef idx="1">
-            <a:schemeClr val="accent1"/>
-          </a:fillRef>
-          <a:effectRef idx="0">
-            <a:schemeClr val="accent1"/>
-          </a:effectRef>
-          <a:fontRef idx="minor">
-            <a:schemeClr val="lt1"/>
-          </a:fontRef>
-        </p:style>
-        <p:txBody>
-          <a:bodyPr rtlCol="0" anchor="ctr"/>
-          <a:lstStyle/>
-          <a:p>
-            <a:pPr algn="ctr"/>
-            <a:r>
-              <a:rPr lang="en-US" sz="1400" dirty="0">
-                <a:solidFill>
-                  <a:schemeClr val="tx1"/>
-                </a:solidFill>
-              </a:rPr>
-              <a:t>asgs:</a:t>
-            </a:r>
-            <a:br>
-              <a:rPr lang="en-US" sz="1400" dirty="0">
-                <a:solidFill>
-                  <a:schemeClr val="tx1"/>
-                </a:solidFill>
-              </a:rPr>
-            </a:br>
-            <a:r>
-              <a:rPr lang="en-US" sz="1400" dirty="0">
-                <a:solidFill>
-                  <a:schemeClr val="tx1"/>
-                </a:solidFill>
-              </a:rPr>
-              <a:t>SA1</a:t>
-            </a:r>
-          </a:p>
-        </p:txBody>
-      </p:sp>
-      <p:sp>
-        <p:nvSpPr>
-          <p:cNvPr id="45" name="Rectangle 44">
-            <a:extLst>
-              <a:ext uri="{FF2B5EF4-FFF2-40B4-BE49-F238E27FC236}">
-                <a16:creationId xmlns:a16="http://schemas.microsoft.com/office/drawing/2014/main" id="{A92DF28F-7C90-774C-9F14-6A642DEEC69A}"/>
-              </a:ext>
-            </a:extLst>
-          </p:cNvPr>
-          <p:cNvSpPr/>
-          <p:nvPr/>
-        </p:nvSpPr>
-        <p:spPr>
-          <a:xfrm>
-            <a:off x="4446623" y="6115112"/>
-            <a:ext cx="1330778" cy="595993"/>
-          </a:xfrm>
-          <a:prstGeom prst="rect">
-            <a:avLst/>
-          </a:prstGeom>
-          <a:solidFill>
-            <a:schemeClr val="bg1"/>
-          </a:solidFill>
-          <a:ln>
-            <a:solidFill>
-              <a:srgbClr val="C00000"/>
-            </a:solidFill>
-          </a:ln>
-        </p:spPr>
-        <p:style>
-          <a:lnRef idx="2">
-            <a:schemeClr val="accent1">
-              <a:shade val="50000"/>
-            </a:schemeClr>
-          </a:lnRef>
-          <a:fillRef idx="1">
-            <a:schemeClr val="accent1"/>
-          </a:fillRef>
-          <a:effectRef idx="0">
-            <a:schemeClr val="accent1"/>
-          </a:effectRef>
-          <a:fontRef idx="minor">
-            <a:schemeClr val="lt1"/>
-          </a:fontRef>
-        </p:style>
-        <p:txBody>
-          <a:bodyPr rtlCol="0" anchor="ctr"/>
-          <a:lstStyle/>
-          <a:p>
-            <a:pPr algn="ctr"/>
-            <a:r>
-              <a:rPr lang="en-US" sz="1400" dirty="0">
-                <a:solidFill>
-                  <a:srgbClr val="C00000"/>
-                </a:solidFill>
-              </a:rPr>
-              <a:t>asgs:</a:t>
-            </a:r>
-            <a:br>
-              <a:rPr lang="en-US" sz="1400" dirty="0">
-                <a:solidFill>
-                  <a:srgbClr val="C00000"/>
-                </a:solidFill>
-              </a:rPr>
-            </a:br>
-            <a:r>
-              <a:rPr lang="en-US" sz="1400" dirty="0">
-                <a:solidFill>
-                  <a:srgbClr val="C00000"/>
-                </a:solidFill>
-              </a:rPr>
-              <a:t>MeshBlock</a:t>
-            </a:r>
-          </a:p>
-        </p:txBody>
-      </p:sp>
-      <p:cxnSp>
-        <p:nvCxnSpPr>
-          <p:cNvPr id="46" name="Elbow Connector 45">
-            <a:extLst>
-              <a:ext uri="{FF2B5EF4-FFF2-40B4-BE49-F238E27FC236}">
-                <a16:creationId xmlns:a16="http://schemas.microsoft.com/office/drawing/2014/main" id="{C52EFC82-6661-6743-9958-336F2A46BE2C}"/>
-              </a:ext>
-            </a:extLst>
-          </p:cNvPr>
-          <p:cNvCxnSpPr>
-            <a:cxnSpLocks/>
-            <a:stCxn id="49" idx="2"/>
-            <a:endCxn id="45" idx="3"/>
-          </p:cNvCxnSpPr>
-          <p:nvPr/>
-        </p:nvCxnSpPr>
-        <p:spPr>
-          <a:xfrm rot="5400000">
-            <a:off x="5863882" y="2506018"/>
-            <a:ext cx="3820611" cy="3993571"/>
-          </a:xfrm>
-          <a:prstGeom prst="bentConnector2">
-            <a:avLst/>
-          </a:prstGeom>
-          <a:ln>
-            <a:solidFill>
-              <a:srgbClr val="C00000"/>
-            </a:solidFill>
-            <a:tailEnd type="triangle"/>
-          </a:ln>
-        </p:spPr>
-        <p:style>
-          <a:lnRef idx="1">
-            <a:schemeClr val="accent1"/>
-          </a:lnRef>
-          <a:fillRef idx="0">
-            <a:schemeClr val="accent1"/>
-          </a:fillRef>
-          <a:effectRef idx="0">
-            <a:schemeClr val="accent1"/>
-          </a:effectRef>
-          <a:fontRef idx="minor">
-            <a:schemeClr val="tx1"/>
-          </a:fontRef>
-        </p:style>
-      </p:cxnSp>
-      <p:sp>
-        <p:nvSpPr>
-          <p:cNvPr id="49" name="Rectangle 48">
-            <a:extLst>
-              <a:ext uri="{FF2B5EF4-FFF2-40B4-BE49-F238E27FC236}">
-                <a16:creationId xmlns:a16="http://schemas.microsoft.com/office/drawing/2014/main" id="{30C6D8C8-A726-3743-999B-3C9BBE3C479A}"/>
-              </a:ext>
-            </a:extLst>
-          </p:cNvPr>
-          <p:cNvSpPr/>
-          <p:nvPr/>
-        </p:nvSpPr>
-        <p:spPr>
-          <a:xfrm>
-            <a:off x="9105583" y="1996505"/>
-            <a:ext cx="1330778" cy="595993"/>
-          </a:xfrm>
-          <a:prstGeom prst="rect">
-            <a:avLst/>
-          </a:prstGeom>
-          <a:solidFill>
-            <a:schemeClr val="bg1"/>
-          </a:solidFill>
-          <a:ln>
-            <a:solidFill>
-              <a:srgbClr val="C00000"/>
-            </a:solidFill>
-          </a:ln>
-        </p:spPr>
-        <p:style>
-          <a:lnRef idx="2">
-            <a:schemeClr val="accent1">
-              <a:shade val="50000"/>
-            </a:schemeClr>
-          </a:lnRef>
-          <a:fillRef idx="1">
-            <a:schemeClr val="accent1"/>
-          </a:fillRef>
-          <a:effectRef idx="0">
-            <a:schemeClr val="accent1"/>
-          </a:effectRef>
-          <a:fontRef idx="minor">
-            <a:schemeClr val="lt1"/>
-          </a:fontRef>
-        </p:style>
-        <p:txBody>
-          <a:bodyPr rtlCol="0" anchor="ctr"/>
-          <a:lstStyle/>
-          <a:p>
-            <a:pPr algn="ctr"/>
-            <a:r>
-              <a:rPr lang="en-US" sz="1400" dirty="0" err="1">
-                <a:solidFill>
-                  <a:srgbClr val="C00000"/>
-                </a:solidFill>
-              </a:rPr>
-              <a:t>gnaf</a:t>
-            </a:r>
-            <a:r>
-              <a:rPr lang="en-US" sz="1400" dirty="0">
-                <a:solidFill>
-                  <a:srgbClr val="C00000"/>
-                </a:solidFill>
-              </a:rPr>
-              <a:t>:</a:t>
-            </a:r>
-            <a:br>
-              <a:rPr lang="en-US" sz="1400" dirty="0">
-                <a:solidFill>
-                  <a:srgbClr val="C00000"/>
-                </a:solidFill>
-              </a:rPr>
-            </a:br>
-            <a:r>
-              <a:rPr lang="en-US" sz="1400" dirty="0" err="1">
-                <a:solidFill>
-                  <a:srgbClr val="C00000"/>
-                </a:solidFill>
-              </a:rPr>
-              <a:t>MeshBlock</a:t>
-            </a:r>
-            <a:br>
-              <a:rPr lang="en-US" sz="1400" dirty="0" err="1">
-                <a:solidFill>
-                  <a:srgbClr val="C00000"/>
-                </a:solidFill>
-              </a:rPr>
-            </a:br>
-            <a:r>
-              <a:rPr lang="en-US" sz="1400" dirty="0" err="1">
-                <a:solidFill>
-                  <a:srgbClr val="C00000"/>
-                </a:solidFill>
-              </a:rPr>
-              <a:t>Match</a:t>
-            </a:r>
-            <a:endParaRPr lang="en-US" sz="1400" dirty="0">
-              <a:solidFill>
-                <a:srgbClr val="C00000"/>
-              </a:solidFill>
-            </a:endParaRPr>
-          </a:p>
-        </p:txBody>
-      </p:sp>
-      <p:sp>
-        <p:nvSpPr>
-          <p:cNvPr id="52" name="Rectangle 51">
-            <a:extLst>
-              <a:ext uri="{FF2B5EF4-FFF2-40B4-BE49-F238E27FC236}">
-                <a16:creationId xmlns:a16="http://schemas.microsoft.com/office/drawing/2014/main" id="{DDC8A6E5-B47D-524A-BF5E-6A107FF92176}"/>
-              </a:ext>
-            </a:extLst>
-          </p:cNvPr>
-          <p:cNvSpPr/>
-          <p:nvPr/>
-        </p:nvSpPr>
-        <p:spPr>
-          <a:xfrm>
-            <a:off x="8521801" y="6115112"/>
-            <a:ext cx="1167564" cy="215444"/>
-          </a:xfrm>
-          <a:prstGeom prst="rect">
-            <a:avLst/>
-          </a:prstGeom>
-          <a:solidFill>
-            <a:schemeClr val="bg1"/>
-          </a:solidFill>
-        </p:spPr>
-        <p:txBody>
           <a:bodyPr wrap="none" lIns="0" tIns="0" rIns="0" bIns="0">
             <a:spAutoFit/>
           </a:bodyPr>
@@ -16363,7 +16725,7 @@
                   <a:srgbClr val="C00000"/>
                 </a:solidFill>
               </a:rPr>
-              <a:t>gnaf:MeshBlock</a:t>
+              <a:t>png:inJurisdiction</a:t>
             </a:r>
             <a:endParaRPr lang="en-AU" sz="1400" dirty="0">
               <a:solidFill>
@@ -16373,372 +16735,10 @@
           </a:p>
         </p:txBody>
       </p:sp>
-      <p:cxnSp>
-        <p:nvCxnSpPr>
-          <p:cNvPr id="53" name="Elbow Connector 52">
-            <a:extLst>
-              <a:ext uri="{FF2B5EF4-FFF2-40B4-BE49-F238E27FC236}">
-                <a16:creationId xmlns:a16="http://schemas.microsoft.com/office/drawing/2014/main" id="{7EB2BF0A-9428-5A4B-B02B-3C0D65B2452F}"/>
-              </a:ext>
-            </a:extLst>
-          </p:cNvPr>
-          <p:cNvCxnSpPr>
-            <a:cxnSpLocks/>
-            <a:stCxn id="57" idx="3"/>
-            <a:endCxn id="49" idx="1"/>
-          </p:cNvCxnSpPr>
-          <p:nvPr/>
-        </p:nvCxnSpPr>
-        <p:spPr>
-          <a:xfrm flipV="1">
-            <a:off x="8581286" y="2294502"/>
-            <a:ext cx="524297" cy="2"/>
-          </a:xfrm>
-          <a:prstGeom prst="bentConnector3">
-            <a:avLst>
-              <a:gd name="adj1" fmla="val 50000"/>
-            </a:avLst>
-          </a:prstGeom>
-          <a:ln>
-            <a:solidFill>
-              <a:schemeClr val="tx1"/>
-            </a:solidFill>
-            <a:tailEnd type="arrow"/>
-          </a:ln>
-        </p:spPr>
-        <p:style>
-          <a:lnRef idx="1">
-            <a:schemeClr val="accent1"/>
-          </a:lnRef>
-          <a:fillRef idx="0">
-            <a:schemeClr val="accent1"/>
-          </a:fillRef>
-          <a:effectRef idx="0">
-            <a:schemeClr val="accent1"/>
-          </a:effectRef>
-          <a:fontRef idx="minor">
-            <a:schemeClr val="tx1"/>
-          </a:fontRef>
-        </p:style>
-      </p:cxnSp>
-      <p:sp>
-        <p:nvSpPr>
-          <p:cNvPr id="58" name="Rectangle 57">
-            <a:extLst>
-              <a:ext uri="{FF2B5EF4-FFF2-40B4-BE49-F238E27FC236}">
-                <a16:creationId xmlns:a16="http://schemas.microsoft.com/office/drawing/2014/main" id="{C0F2235D-9793-BF40-97E9-7C343731DDD0}"/>
-              </a:ext>
-            </a:extLst>
-          </p:cNvPr>
-          <p:cNvSpPr/>
-          <p:nvPr/>
-        </p:nvSpPr>
-        <p:spPr>
-          <a:xfrm rot="5400000">
-            <a:off x="8214383" y="2186779"/>
-            <a:ext cx="1167564" cy="215444"/>
-          </a:xfrm>
-          <a:prstGeom prst="rect">
-            <a:avLst/>
-          </a:prstGeom>
-          <a:solidFill>
-            <a:schemeClr val="bg1"/>
-          </a:solidFill>
-        </p:spPr>
-        <p:txBody>
-          <a:bodyPr wrap="none" lIns="0" tIns="0" rIns="0" bIns="0">
-            <a:spAutoFit/>
-          </a:bodyPr>
-          <a:lstStyle/>
-          <a:p>
-            <a:r>
-              <a:rPr lang="en-AU" sz="1400" dirty="0" err="1"/>
-              <a:t>gnaf:MeshBlock</a:t>
-            </a:r>
-            <a:endParaRPr lang="en-AU" sz="1400" dirty="0"/>
-          </a:p>
-        </p:txBody>
-      </p:sp>
-      <p:cxnSp>
-        <p:nvCxnSpPr>
-          <p:cNvPr id="63" name="Straight Arrow Connector 62">
-            <a:extLst>
-              <a:ext uri="{FF2B5EF4-FFF2-40B4-BE49-F238E27FC236}">
-                <a16:creationId xmlns:a16="http://schemas.microsoft.com/office/drawing/2014/main" id="{9BF74A05-BDCD-614D-8FEB-7DBB10591036}"/>
-              </a:ext>
-            </a:extLst>
-          </p:cNvPr>
-          <p:cNvCxnSpPr>
-            <a:cxnSpLocks/>
-            <a:stCxn id="41" idx="0"/>
-            <a:endCxn id="33" idx="2"/>
-          </p:cNvCxnSpPr>
-          <p:nvPr/>
-        </p:nvCxnSpPr>
-        <p:spPr>
-          <a:xfrm flipH="1" flipV="1">
-            <a:off x="5109577" y="2592499"/>
-            <a:ext cx="2435" cy="225336"/>
-          </a:xfrm>
-          <a:prstGeom prst="straightConnector1">
-            <a:avLst/>
-          </a:prstGeom>
-          <a:ln>
-            <a:solidFill>
-              <a:schemeClr val="tx1"/>
-            </a:solidFill>
-            <a:tailEnd type="arrow"/>
-          </a:ln>
-        </p:spPr>
-        <p:style>
-          <a:lnRef idx="1">
-            <a:schemeClr val="accent1"/>
-          </a:lnRef>
-          <a:fillRef idx="0">
-            <a:schemeClr val="accent1"/>
-          </a:fillRef>
-          <a:effectRef idx="0">
-            <a:schemeClr val="accent1"/>
-          </a:effectRef>
-          <a:fontRef idx="minor">
-            <a:schemeClr val="tx1"/>
-          </a:fontRef>
-        </p:style>
-      </p:cxnSp>
-      <p:cxnSp>
-        <p:nvCxnSpPr>
-          <p:cNvPr id="64" name="Straight Arrow Connector 63">
-            <a:extLst>
-              <a:ext uri="{FF2B5EF4-FFF2-40B4-BE49-F238E27FC236}">
-                <a16:creationId xmlns:a16="http://schemas.microsoft.com/office/drawing/2014/main" id="{8AD410C8-CC8B-8C4E-8A52-15480D0C0C27}"/>
-              </a:ext>
-            </a:extLst>
-          </p:cNvPr>
-          <p:cNvCxnSpPr>
-            <a:cxnSpLocks/>
-            <a:stCxn id="40" idx="0"/>
-            <a:endCxn id="41" idx="2"/>
-          </p:cNvCxnSpPr>
-          <p:nvPr/>
-        </p:nvCxnSpPr>
-        <p:spPr>
-          <a:xfrm flipV="1">
-            <a:off x="5112012" y="3413828"/>
-            <a:ext cx="0" cy="229123"/>
-          </a:xfrm>
-          <a:prstGeom prst="straightConnector1">
-            <a:avLst/>
-          </a:prstGeom>
-          <a:ln>
-            <a:solidFill>
-              <a:schemeClr val="tx1"/>
-            </a:solidFill>
-            <a:tailEnd type="arrow"/>
-          </a:ln>
-        </p:spPr>
-        <p:style>
-          <a:lnRef idx="1">
-            <a:schemeClr val="accent1"/>
-          </a:lnRef>
-          <a:fillRef idx="0">
-            <a:schemeClr val="accent1"/>
-          </a:fillRef>
-          <a:effectRef idx="0">
-            <a:schemeClr val="accent1"/>
-          </a:effectRef>
-          <a:fontRef idx="minor">
-            <a:schemeClr val="tx1"/>
-          </a:fontRef>
-        </p:style>
-      </p:cxnSp>
-      <p:cxnSp>
-        <p:nvCxnSpPr>
-          <p:cNvPr id="65" name="Straight Arrow Connector 64">
-            <a:extLst>
-              <a:ext uri="{FF2B5EF4-FFF2-40B4-BE49-F238E27FC236}">
-                <a16:creationId xmlns:a16="http://schemas.microsoft.com/office/drawing/2014/main" id="{5B47A777-795F-B64D-9508-0A694E4BEC86}"/>
-              </a:ext>
-            </a:extLst>
-          </p:cNvPr>
-          <p:cNvCxnSpPr>
-            <a:cxnSpLocks/>
-            <a:stCxn id="43" idx="0"/>
-            <a:endCxn id="40" idx="2"/>
-          </p:cNvCxnSpPr>
-          <p:nvPr/>
-        </p:nvCxnSpPr>
-        <p:spPr>
-          <a:xfrm flipV="1">
-            <a:off x="5109577" y="4238944"/>
-            <a:ext cx="2435" cy="229123"/>
-          </a:xfrm>
-          <a:prstGeom prst="straightConnector1">
-            <a:avLst/>
-          </a:prstGeom>
-          <a:ln>
-            <a:solidFill>
-              <a:schemeClr val="tx1"/>
-            </a:solidFill>
-            <a:tailEnd type="arrow"/>
-          </a:ln>
-        </p:spPr>
-        <p:style>
-          <a:lnRef idx="1">
-            <a:schemeClr val="accent1"/>
-          </a:lnRef>
-          <a:fillRef idx="0">
-            <a:schemeClr val="accent1"/>
-          </a:fillRef>
-          <a:effectRef idx="0">
-            <a:schemeClr val="accent1"/>
-          </a:effectRef>
-          <a:fontRef idx="minor">
-            <a:schemeClr val="tx1"/>
-          </a:fontRef>
-        </p:style>
-      </p:cxnSp>
-      <p:cxnSp>
-        <p:nvCxnSpPr>
-          <p:cNvPr id="69" name="Straight Arrow Connector 68">
-            <a:extLst>
-              <a:ext uri="{FF2B5EF4-FFF2-40B4-BE49-F238E27FC236}">
-                <a16:creationId xmlns:a16="http://schemas.microsoft.com/office/drawing/2014/main" id="{9B8237BC-9DE6-8A46-A26C-122C5D7371C3}"/>
-              </a:ext>
-            </a:extLst>
-          </p:cNvPr>
-          <p:cNvCxnSpPr>
-            <a:cxnSpLocks/>
-            <a:stCxn id="44" idx="0"/>
-            <a:endCxn id="43" idx="2"/>
-          </p:cNvCxnSpPr>
-          <p:nvPr/>
-        </p:nvCxnSpPr>
-        <p:spPr>
-          <a:xfrm flipH="1" flipV="1">
-            <a:off x="5109577" y="5064060"/>
-            <a:ext cx="2435" cy="225336"/>
-          </a:xfrm>
-          <a:prstGeom prst="straightConnector1">
-            <a:avLst/>
-          </a:prstGeom>
-          <a:ln>
-            <a:solidFill>
-              <a:schemeClr val="tx1"/>
-            </a:solidFill>
-            <a:tailEnd type="arrow"/>
-          </a:ln>
-        </p:spPr>
-        <p:style>
-          <a:lnRef idx="1">
-            <a:schemeClr val="accent1"/>
-          </a:lnRef>
-          <a:fillRef idx="0">
-            <a:schemeClr val="accent1"/>
-          </a:fillRef>
-          <a:effectRef idx="0">
-            <a:schemeClr val="accent1"/>
-          </a:effectRef>
-          <a:fontRef idx="minor">
-            <a:schemeClr val="tx1"/>
-          </a:fontRef>
-        </p:style>
-      </p:cxnSp>
-      <p:cxnSp>
-        <p:nvCxnSpPr>
-          <p:cNvPr id="71" name="Straight Arrow Connector 70">
-            <a:extLst>
-              <a:ext uri="{FF2B5EF4-FFF2-40B4-BE49-F238E27FC236}">
-                <a16:creationId xmlns:a16="http://schemas.microsoft.com/office/drawing/2014/main" id="{7B5805C8-72C4-3C41-BD80-A7C00E90A49D}"/>
-              </a:ext>
-            </a:extLst>
-          </p:cNvPr>
-          <p:cNvCxnSpPr>
-            <a:cxnSpLocks/>
-            <a:stCxn id="45" idx="0"/>
-            <a:endCxn id="44" idx="2"/>
-          </p:cNvCxnSpPr>
-          <p:nvPr/>
-        </p:nvCxnSpPr>
-        <p:spPr>
-          <a:xfrm flipV="1">
-            <a:off x="5112012" y="5885389"/>
-            <a:ext cx="0" cy="229723"/>
-          </a:xfrm>
-          <a:prstGeom prst="straightConnector1">
-            <a:avLst/>
-          </a:prstGeom>
-          <a:ln>
-            <a:solidFill>
-              <a:schemeClr val="tx1"/>
-            </a:solidFill>
-            <a:tailEnd type="arrow"/>
-          </a:ln>
-        </p:spPr>
-        <p:style>
-          <a:lnRef idx="1">
-            <a:schemeClr val="accent1"/>
-          </a:lnRef>
-          <a:fillRef idx="0">
-            <a:schemeClr val="accent1"/>
-          </a:fillRef>
-          <a:effectRef idx="0">
-            <a:schemeClr val="accent1"/>
-          </a:effectRef>
-          <a:fontRef idx="minor">
-            <a:schemeClr val="tx1"/>
-          </a:fontRef>
-        </p:style>
-      </p:cxnSp>
-      <p:sp>
-        <p:nvSpPr>
-          <p:cNvPr id="7" name="Rectangle 6">
-            <a:extLst>
-              <a:ext uri="{FF2B5EF4-FFF2-40B4-BE49-F238E27FC236}">
-                <a16:creationId xmlns:a16="http://schemas.microsoft.com/office/drawing/2014/main" id="{6EE52F69-BE1B-496F-8DC0-B659859E6F43}"/>
-              </a:ext>
-            </a:extLst>
-          </p:cNvPr>
-          <p:cNvSpPr/>
-          <p:nvPr/>
-        </p:nvSpPr>
-        <p:spPr>
-          <a:xfrm>
-            <a:off x="5991621" y="3045702"/>
-            <a:ext cx="993477" cy="215444"/>
-          </a:xfrm>
-          <a:prstGeom prst="rect">
-            <a:avLst/>
-          </a:prstGeom>
-          <a:solidFill>
-            <a:schemeClr val="bg1"/>
-          </a:solidFill>
-        </p:spPr>
-        <p:txBody>
-          <a:bodyPr wrap="none" lIns="0" tIns="0" rIns="0" bIns="0">
-            <a:spAutoFit/>
-          </a:bodyPr>
-          <a:lstStyle/>
-          <a:p>
-            <a:r>
-              <a:rPr lang="en-AU" sz="1400" dirty="0" err="1">
-                <a:solidFill>
-                  <a:srgbClr val="C00000"/>
-                </a:solidFill>
-              </a:rPr>
-              <a:t>gnaf:hasState</a:t>
-            </a:r>
-            <a:endParaRPr lang="en-AU" sz="1400" dirty="0">
-              <a:solidFill>
-                <a:srgbClr val="C00000"/>
-              </a:solidFill>
-            </a:endParaRPr>
-          </a:p>
-        </p:txBody>
-      </p:sp>
     </p:spTree>
     <p:extLst>
       <p:ext uri="{BB962C8B-B14F-4D97-AF65-F5344CB8AC3E}">
-        <p14:creationId xmlns:p14="http://schemas.microsoft.com/office/powerpoint/2010/main" val="1274729475"/>
+        <p14:creationId xmlns:p14="http://schemas.microsoft.com/office/powerpoint/2010/main" val="1087305740"/>
       </p:ext>
     </p:extLst>
   </p:cSld>

--- a/docs/fsdf-ont-images.pptx
+++ b/docs/fsdf-ont-images.pptx
@@ -11,6 +11,7 @@
     <p:sldId id="259" r:id="rId5"/>
     <p:sldId id="261" r:id="rId6"/>
     <p:sldId id="260" r:id="rId7"/>
+    <p:sldId id="262" r:id="rId8"/>
   </p:sldIdLst>
   <p:sldSz cx="12192000" cy="6858000"/>
   <p:notesSz cx="6858000" cy="9144000"/>
@@ -11673,7 +11674,10 @@
             <a:avLst/>
           </a:prstGeom>
           <a:solidFill>
-            <a:srgbClr val="FFFFD6"/>
+            <a:schemeClr val="accent2">
+              <a:lumMod val="20000"/>
+              <a:lumOff val="80000"/>
+            </a:schemeClr>
           </a:solidFill>
           <a:ln w="12700">
             <a:solidFill>
@@ -11732,24 +11736,24 @@
       </p:sp>
       <p:cxnSp>
         <p:nvCxnSpPr>
-          <p:cNvPr id="66" name="Straight Arrow Connector 65">
-            <a:extLst>
-              <a:ext uri="{FF2B5EF4-FFF2-40B4-BE49-F238E27FC236}">
-                <a16:creationId xmlns:a16="http://schemas.microsoft.com/office/drawing/2014/main" id="{0C2C2368-0299-4574-9D1E-5E6288F989A1}"/>
+          <p:cNvPr id="101" name="Straight Arrow Connector 100">
+            <a:extLst>
+              <a:ext uri="{FF2B5EF4-FFF2-40B4-BE49-F238E27FC236}">
+                <a16:creationId xmlns:a16="http://schemas.microsoft.com/office/drawing/2014/main" id="{73A5F1D9-749C-48E6-A302-3D149B04CE5E}"/>
               </a:ext>
             </a:extLst>
           </p:cNvPr>
           <p:cNvCxnSpPr>
             <a:cxnSpLocks/>
-            <a:stCxn id="57" idx="0"/>
-            <a:endCxn id="56" idx="4"/>
+            <a:stCxn id="57" idx="2"/>
+            <a:endCxn id="61" idx="0"/>
           </p:cNvCxnSpPr>
           <p:nvPr/>
         </p:nvCxnSpPr>
         <p:spPr>
-          <a:xfrm flipV="1">
-            <a:off x="8612968" y="2297088"/>
-            <a:ext cx="0" cy="519554"/>
+          <a:xfrm>
+            <a:off x="8612968" y="3412635"/>
+            <a:ext cx="0" cy="1443391"/>
           </a:xfrm>
           <a:prstGeom prst="straightConnector1">
             <a:avLst/>
@@ -11758,9 +11762,7 @@
             <a:solidFill>
               <a:schemeClr val="tx1"/>
             </a:solidFill>
-            <a:prstDash val="dashDot"/>
-            <a:headEnd type="none" w="med" len="med"/>
-            <a:tailEnd type="arrow" w="med" len="med"/>
+            <a:tailEnd type="arrow"/>
           </a:ln>
         </p:spPr>
         <p:style>
@@ -11778,52 +11780,6 @@
           </a:fontRef>
         </p:style>
       </p:cxnSp>
-      <p:cxnSp>
-        <p:nvCxnSpPr>
-          <p:cNvPr id="101" name="Straight Arrow Connector 100">
-            <a:extLst>
-              <a:ext uri="{FF2B5EF4-FFF2-40B4-BE49-F238E27FC236}">
-                <a16:creationId xmlns:a16="http://schemas.microsoft.com/office/drawing/2014/main" id="{73A5F1D9-749C-48E6-A302-3D149B04CE5E}"/>
-              </a:ext>
-            </a:extLst>
-          </p:cNvPr>
-          <p:cNvCxnSpPr>
-            <a:cxnSpLocks/>
-            <a:stCxn id="57" idx="2"/>
-            <a:endCxn id="61" idx="0"/>
-          </p:cNvCxnSpPr>
-          <p:nvPr/>
-        </p:nvCxnSpPr>
-        <p:spPr>
-          <a:xfrm>
-            <a:off x="8612968" y="3412635"/>
-            <a:ext cx="0" cy="1443391"/>
-          </a:xfrm>
-          <a:prstGeom prst="straightConnector1">
-            <a:avLst/>
-          </a:prstGeom>
-          <a:ln>
-            <a:solidFill>
-              <a:schemeClr val="tx1"/>
-            </a:solidFill>
-            <a:tailEnd type="arrow"/>
-          </a:ln>
-        </p:spPr>
-        <p:style>
-          <a:lnRef idx="1">
-            <a:schemeClr val="accent1"/>
-          </a:lnRef>
-          <a:fillRef idx="0">
-            <a:schemeClr val="accent1"/>
-          </a:fillRef>
-          <a:effectRef idx="0">
-            <a:schemeClr val="accent1"/>
-          </a:effectRef>
-          <a:fontRef idx="minor">
-            <a:schemeClr val="tx1"/>
-          </a:fontRef>
-        </p:style>
-      </p:cxnSp>
       <p:sp>
         <p:nvSpPr>
           <p:cNvPr id="76" name="Oval 75">
@@ -11845,7 +11801,10 @@
             <a:avLst/>
           </a:prstGeom>
           <a:solidFill>
-            <a:srgbClr val="FFFFD6"/>
+            <a:schemeClr val="accent2">
+              <a:lumMod val="20000"/>
+              <a:lumOff val="80000"/>
+            </a:schemeClr>
           </a:solidFill>
           <a:ln>
             <a:solidFill>
@@ -11882,7 +11841,7 @@
                   <a:schemeClr val="tx1"/>
                 </a:solidFill>
               </a:rPr>
-              <a:t>prov: </a:t>
+              <a:t>dcat: </a:t>
             </a:r>
             <a:r>
               <a:rPr lang="en-US" sz="1400">
@@ -11890,7 +11849,7 @@
                   <a:schemeClr val="tx1"/>
                 </a:solidFill>
               </a:rPr>
-              <a:t>Entity</a:t>
+              <a:t>Dataset</a:t>
             </a:r>
           </a:p>
         </p:txBody>
@@ -11951,7 +11910,10 @@
             <a:avLst/>
           </a:prstGeom>
           <a:solidFill>
-            <a:srgbClr val="FFFFD6"/>
+            <a:schemeClr val="accent2">
+              <a:lumMod val="20000"/>
+              <a:lumOff val="80000"/>
+            </a:schemeClr>
           </a:solidFill>
           <a:ln w="12700">
             <a:solidFill>
@@ -12319,54 +12281,6 @@
           </a:fontRef>
         </p:style>
       </p:cxnSp>
-      <p:cxnSp>
-        <p:nvCxnSpPr>
-          <p:cNvPr id="22" name="Straight Arrow Connector 21">
-            <a:extLst>
-              <a:ext uri="{FF2B5EF4-FFF2-40B4-BE49-F238E27FC236}">
-                <a16:creationId xmlns:a16="http://schemas.microsoft.com/office/drawing/2014/main" id="{E216A240-2D43-DB41-A9DA-C05839198DAD}"/>
-              </a:ext>
-            </a:extLst>
-          </p:cNvPr>
-          <p:cNvCxnSpPr>
-            <a:cxnSpLocks/>
-            <a:stCxn id="60" idx="0"/>
-            <a:endCxn id="19" idx="4"/>
-          </p:cNvCxnSpPr>
-          <p:nvPr/>
-        </p:nvCxnSpPr>
-        <p:spPr>
-          <a:xfrm flipV="1">
-            <a:off x="4687749" y="2297088"/>
-            <a:ext cx="0" cy="519553"/>
-          </a:xfrm>
-          <a:prstGeom prst="straightConnector1">
-            <a:avLst/>
-          </a:prstGeom>
-          <a:ln>
-            <a:solidFill>
-              <a:schemeClr val="tx1"/>
-            </a:solidFill>
-            <a:prstDash val="dashDot"/>
-            <a:headEnd type="none" w="med" len="med"/>
-            <a:tailEnd type="arrow" w="med" len="med"/>
-          </a:ln>
-        </p:spPr>
-        <p:style>
-          <a:lnRef idx="1">
-            <a:schemeClr val="accent1"/>
-          </a:lnRef>
-          <a:fillRef idx="0">
-            <a:schemeClr val="accent1"/>
-          </a:fillRef>
-          <a:effectRef idx="0">
-            <a:schemeClr val="accent1"/>
-          </a:effectRef>
-          <a:fontRef idx="minor">
-            <a:schemeClr val="tx1"/>
-          </a:fontRef>
-        </p:style>
-      </p:cxnSp>
       <p:sp>
         <p:nvSpPr>
           <p:cNvPr id="26" name="Rectangle 25">
@@ -12381,8 +12295,8 @@
         </p:nvSpPr>
         <p:spPr>
           <a:xfrm>
-            <a:off x="332703" y="4055807"/>
-            <a:ext cx="3632854" cy="1600438"/>
+            <a:off x="330107" y="3412633"/>
+            <a:ext cx="3632854" cy="1815882"/>
           </a:xfrm>
           <a:prstGeom prst="rect">
             <a:avLst/>
@@ -12405,15 +12319,26 @@
           <a:p>
             <a:r>
               <a:rPr lang="en-US" sz="1400" dirty="0"/>
+              <a:t>dcat:   https://www.w3.org/ns/dcat#</a:t>
+            </a:r>
+          </a:p>
+          <a:p>
+            <a:r>
+              <a:rPr lang="en-US" sz="1400" dirty="0"/>
+              <a:t>dct:     </a:t>
+            </a:r>
+            <a:r>
+              <a:rPr lang="en-AU" sz="1400"/>
+              <a:t>http://purl.org/dc/terms/</a:t>
+            </a:r>
+            <a:br>
+              <a:rPr lang="en-US" sz="1400" dirty="0"/>
+            </a:br>
+            <a:r>
+              <a:rPr lang="en-US" sz="1400" dirty="0"/>
               <a:t>owl:    http://www.w3.org/2002/07/owl#</a:t>
             </a:r>
             <a:endParaRPr lang="en-AU" sz="1400" dirty="0" err="1"/>
-          </a:p>
-          <a:p>
-            <a:r>
-              <a:rPr lang="en-AU" sz="1400" dirty="0" err="1"/>
-              <a:t>prov:  https://www.w3.org/TR/prov-o/</a:t>
-            </a:r>
           </a:p>
           <a:p>
             <a:r>
@@ -12870,105 +12795,21 @@
           </a:p>
         </p:txBody>
       </p:sp>
-      <p:cxnSp>
-        <p:nvCxnSpPr>
-          <p:cNvPr id="51" name="Straight Arrow Connector 50">
-            <a:extLst>
-              <a:ext uri="{FF2B5EF4-FFF2-40B4-BE49-F238E27FC236}">
-                <a16:creationId xmlns:a16="http://schemas.microsoft.com/office/drawing/2014/main" id="{5F6B02AB-E6B8-404B-9788-F14A24AEE267}"/>
-              </a:ext>
-            </a:extLst>
-          </p:cNvPr>
-          <p:cNvCxnSpPr>
-            <a:cxnSpLocks/>
-          </p:cNvCxnSpPr>
-          <p:nvPr/>
-        </p:nvCxnSpPr>
+      <p:sp>
+        <p:nvSpPr>
+          <p:cNvPr id="55" name="Rectangle 54">
+            <a:extLst>
+              <a:ext uri="{FF2B5EF4-FFF2-40B4-BE49-F238E27FC236}">
+                <a16:creationId xmlns:a16="http://schemas.microsoft.com/office/drawing/2014/main" id="{6E3B6078-858E-DE48-99AB-3096C3710294}"/>
+              </a:ext>
+            </a:extLst>
+          </p:cNvPr>
+          <p:cNvSpPr/>
+          <p:nvPr/>
+        </p:nvSpPr>
         <p:spPr>
           <a:xfrm>
-            <a:off x="478976" y="3750599"/>
-            <a:ext cx="1038233" cy="1"/>
-          </a:xfrm>
-          <a:prstGeom prst="straightConnector1">
-            <a:avLst/>
-          </a:prstGeom>
-          <a:ln>
-            <a:solidFill>
-              <a:schemeClr val="tx1"/>
-            </a:solidFill>
-            <a:prstDash val="dashDot"/>
-            <a:headEnd type="none" w="med" len="med"/>
-            <a:tailEnd type="arrow" w="med" len="med"/>
-          </a:ln>
-        </p:spPr>
-        <p:style>
-          <a:lnRef idx="1">
-            <a:schemeClr val="accent1"/>
-          </a:lnRef>
-          <a:fillRef idx="0">
-            <a:schemeClr val="accent1"/>
-          </a:fillRef>
-          <a:effectRef idx="0">
-            <a:schemeClr val="accent1"/>
-          </a:effectRef>
-          <a:fontRef idx="minor">
-            <a:schemeClr val="tx1"/>
-          </a:fontRef>
-        </p:style>
-      </p:cxnSp>
-      <p:sp>
-        <p:nvSpPr>
-          <p:cNvPr id="54" name="Rectangle 53">
-            <a:extLst>
-              <a:ext uri="{FF2B5EF4-FFF2-40B4-BE49-F238E27FC236}">
-                <a16:creationId xmlns:a16="http://schemas.microsoft.com/office/drawing/2014/main" id="{ADFF7DDD-5583-CD4B-A1FC-F4BC753F7086}"/>
-              </a:ext>
-            </a:extLst>
-          </p:cNvPr>
-          <p:cNvSpPr/>
-          <p:nvPr/>
-        </p:nvSpPr>
-        <p:spPr>
-          <a:xfrm>
-            <a:off x="398353" y="3412634"/>
-            <a:ext cx="1198533" cy="215444"/>
-          </a:xfrm>
-          <a:prstGeom prst="rect">
-            <a:avLst/>
-          </a:prstGeom>
-          <a:solidFill>
-            <a:schemeClr val="bg1"/>
-          </a:solidFill>
-        </p:spPr>
-        <p:txBody>
-          <a:bodyPr wrap="none" lIns="0" tIns="0" rIns="0" bIns="0">
-            <a:spAutoFit/>
-          </a:bodyPr>
-          <a:lstStyle/>
-          <a:p>
-            <a:r>
-              <a:rPr lang="en-AU" sz="1400" dirty="0" err="1"/>
-              <a:t>dataset contains</a:t>
-            </a:r>
-            <a:endParaRPr lang="en-AU" sz="1400" dirty="0"/>
-          </a:p>
-        </p:txBody>
-      </p:sp>
-      <p:sp>
-        <p:nvSpPr>
-          <p:cNvPr id="55" name="Rectangle 54">
-            <a:extLst>
-              <a:ext uri="{FF2B5EF4-FFF2-40B4-BE49-F238E27FC236}">
-                <a16:creationId xmlns:a16="http://schemas.microsoft.com/office/drawing/2014/main" id="{6E3B6078-858E-DE48-99AB-3096C3710294}"/>
-              </a:ext>
-            </a:extLst>
-          </p:cNvPr>
-          <p:cNvSpPr/>
-          <p:nvPr/>
-        </p:nvSpPr>
-        <p:spPr>
-          <a:xfrm>
-            <a:off x="398353" y="5961452"/>
+            <a:off x="395757" y="5612744"/>
             <a:ext cx="3908955" cy="215444"/>
           </a:xfrm>
           <a:prstGeom prst="rect">
@@ -13118,7 +12959,7 @@
                   <a:srgbClr val="C00000"/>
                 </a:solidFill>
               </a:rPr>
-              <a:t>GeocodePoint</a:t>
+              <a:t>GeocodedPoint</a:t>
             </a:r>
             <a:endParaRPr lang="en-US" sz="1400" dirty="0">
               <a:solidFill>
@@ -13250,6 +13091,194 @@
                 </a:solidFill>
               </a:rPr>
               <a:t>geo:sfWithin</a:t>
+            </a:r>
+            <a:endParaRPr lang="en-AU" sz="1400" dirty="0">
+              <a:solidFill>
+                <a:srgbClr val="C00000"/>
+              </a:solidFill>
+            </a:endParaRPr>
+          </a:p>
+        </p:txBody>
+      </p:sp>
+      <p:cxnSp>
+        <p:nvCxnSpPr>
+          <p:cNvPr id="32" name="Straight Arrow Connector 31">
+            <a:extLst>
+              <a:ext uri="{FF2B5EF4-FFF2-40B4-BE49-F238E27FC236}">
+                <a16:creationId xmlns:a16="http://schemas.microsoft.com/office/drawing/2014/main" id="{C6E3AD55-722B-C946-8BA8-9CD319E0F9CE}"/>
+              </a:ext>
+            </a:extLst>
+          </p:cNvPr>
+          <p:cNvCxnSpPr>
+            <a:cxnSpLocks/>
+            <a:stCxn id="57" idx="0"/>
+            <a:endCxn id="56" idx="4"/>
+          </p:cNvCxnSpPr>
+          <p:nvPr/>
+        </p:nvCxnSpPr>
+        <p:spPr>
+          <a:xfrm flipV="1">
+            <a:off x="8612968" y="2297088"/>
+            <a:ext cx="0" cy="519554"/>
+          </a:xfrm>
+          <a:prstGeom prst="straightConnector1">
+            <a:avLst/>
+          </a:prstGeom>
+          <a:ln>
+            <a:solidFill>
+              <a:srgbClr val="C00000"/>
+            </a:solidFill>
+            <a:prstDash val="solid"/>
+            <a:headEnd type="arrow" w="med" len="med"/>
+            <a:tailEnd type="none" w="med" len="med"/>
+          </a:ln>
+        </p:spPr>
+        <p:style>
+          <a:lnRef idx="1">
+            <a:schemeClr val="accent1"/>
+          </a:lnRef>
+          <a:fillRef idx="0">
+            <a:schemeClr val="accent1"/>
+          </a:fillRef>
+          <a:effectRef idx="0">
+            <a:schemeClr val="accent1"/>
+          </a:effectRef>
+          <a:fontRef idx="minor">
+            <a:schemeClr val="tx1"/>
+          </a:fontRef>
+        </p:style>
+      </p:cxnSp>
+      <p:cxnSp>
+        <p:nvCxnSpPr>
+          <p:cNvPr id="35" name="Straight Arrow Connector 34">
+            <a:extLst>
+              <a:ext uri="{FF2B5EF4-FFF2-40B4-BE49-F238E27FC236}">
+                <a16:creationId xmlns:a16="http://schemas.microsoft.com/office/drawing/2014/main" id="{3C9C5198-1CF7-FD4E-907F-C1DC0FEFCF45}"/>
+              </a:ext>
+            </a:extLst>
+          </p:cNvPr>
+          <p:cNvCxnSpPr>
+            <a:cxnSpLocks/>
+            <a:stCxn id="60" idx="0"/>
+            <a:endCxn id="19" idx="4"/>
+          </p:cNvCxnSpPr>
+          <p:nvPr/>
+        </p:nvCxnSpPr>
+        <p:spPr>
+          <a:xfrm flipV="1">
+            <a:off x="4687749" y="2297088"/>
+            <a:ext cx="0" cy="519553"/>
+          </a:xfrm>
+          <a:prstGeom prst="straightConnector1">
+            <a:avLst/>
+          </a:prstGeom>
+          <a:ln>
+            <a:solidFill>
+              <a:srgbClr val="C00000"/>
+            </a:solidFill>
+            <a:prstDash val="solid"/>
+            <a:headEnd type="arrow" w="med" len="med"/>
+            <a:tailEnd type="none" w="med" len="med"/>
+          </a:ln>
+        </p:spPr>
+        <p:style>
+          <a:lnRef idx="1">
+            <a:schemeClr val="accent1"/>
+          </a:lnRef>
+          <a:fillRef idx="0">
+            <a:schemeClr val="accent1"/>
+          </a:fillRef>
+          <a:effectRef idx="0">
+            <a:schemeClr val="accent1"/>
+          </a:effectRef>
+          <a:fontRef idx="minor">
+            <a:schemeClr val="tx1"/>
+          </a:fontRef>
+        </p:style>
+      </p:cxnSp>
+      <p:sp>
+        <p:nvSpPr>
+          <p:cNvPr id="37" name="Rectangle 36">
+            <a:extLst>
+              <a:ext uri="{FF2B5EF4-FFF2-40B4-BE49-F238E27FC236}">
+                <a16:creationId xmlns:a16="http://schemas.microsoft.com/office/drawing/2014/main" id="{12C88FD3-7B3D-194A-905E-7D5C6DBA4B06}"/>
+              </a:ext>
+            </a:extLst>
+          </p:cNvPr>
+          <p:cNvSpPr/>
+          <p:nvPr/>
+        </p:nvSpPr>
+        <p:spPr>
+          <a:xfrm>
+            <a:off x="4781876" y="2398584"/>
+            <a:ext cx="829714" cy="215444"/>
+          </a:xfrm>
+          <a:prstGeom prst="rect">
+            <a:avLst/>
+          </a:prstGeom>
+          <a:solidFill>
+            <a:schemeClr val="bg1"/>
+          </a:solidFill>
+        </p:spPr>
+        <p:txBody>
+          <a:bodyPr wrap="none" lIns="0" tIns="0" rIns="0" bIns="0">
+            <a:spAutoFit/>
+          </a:bodyPr>
+          <a:lstStyle/>
+          <a:p>
+            <a:r>
+              <a:rPr lang="en-AU" sz="1400" dirty="0" err="1">
+                <a:solidFill>
+                  <a:srgbClr val="C00000"/>
+                </a:solidFill>
+              </a:rPr>
+              <a:t>dct:hasPart</a:t>
+            </a:r>
+            <a:endParaRPr lang="en-AU" sz="1400" dirty="0">
+              <a:solidFill>
+                <a:srgbClr val="C00000"/>
+              </a:solidFill>
+            </a:endParaRPr>
+          </a:p>
+        </p:txBody>
+      </p:sp>
+      <p:sp>
+        <p:nvSpPr>
+          <p:cNvPr id="39" name="Rectangle 38">
+            <a:extLst>
+              <a:ext uri="{FF2B5EF4-FFF2-40B4-BE49-F238E27FC236}">
+                <a16:creationId xmlns:a16="http://schemas.microsoft.com/office/drawing/2014/main" id="{88D44C99-EE09-854F-9764-A311EFB004D2}"/>
+              </a:ext>
+            </a:extLst>
+          </p:cNvPr>
+          <p:cNvSpPr/>
+          <p:nvPr/>
+        </p:nvSpPr>
+        <p:spPr>
+          <a:xfrm>
+            <a:off x="8711585" y="2439313"/>
+            <a:ext cx="829714" cy="215444"/>
+          </a:xfrm>
+          <a:prstGeom prst="rect">
+            <a:avLst/>
+          </a:prstGeom>
+          <a:solidFill>
+            <a:schemeClr val="bg1"/>
+          </a:solidFill>
+        </p:spPr>
+        <p:txBody>
+          <a:bodyPr wrap="none" lIns="0" tIns="0" rIns="0" bIns="0">
+            <a:spAutoFit/>
+          </a:bodyPr>
+          <a:lstStyle/>
+          <a:p>
+            <a:r>
+              <a:rPr lang="en-AU" sz="1400" dirty="0" err="1">
+                <a:solidFill>
+                  <a:srgbClr val="C00000"/>
+                </a:solidFill>
+              </a:rPr>
+              <a:t>dct:hasPart</a:t>
             </a:r>
             <a:endParaRPr lang="en-AU" sz="1400" dirty="0">
               <a:solidFill>
@@ -13535,7 +13564,10 @@
             <a:avLst/>
           </a:prstGeom>
           <a:solidFill>
-            <a:srgbClr val="FFFFD6"/>
+            <a:schemeClr val="accent2">
+              <a:lumMod val="20000"/>
+              <a:lumOff val="80000"/>
+            </a:schemeClr>
           </a:solidFill>
           <a:ln w="12700">
             <a:solidFill>
@@ -13579,23 +13611,23 @@
       </p:sp>
       <p:cxnSp>
         <p:nvCxnSpPr>
-          <p:cNvPr id="66" name="Straight Arrow Connector 65">
-            <a:extLst>
-              <a:ext uri="{FF2B5EF4-FFF2-40B4-BE49-F238E27FC236}">
-                <a16:creationId xmlns:a16="http://schemas.microsoft.com/office/drawing/2014/main" id="{0C2C2368-0299-4574-9D1E-5E6288F989A1}"/>
+          <p:cNvPr id="101" name="Straight Arrow Connector 100">
+            <a:extLst>
+              <a:ext uri="{FF2B5EF4-FFF2-40B4-BE49-F238E27FC236}">
+                <a16:creationId xmlns:a16="http://schemas.microsoft.com/office/drawing/2014/main" id="{73A5F1D9-749C-48E6-A302-3D149B04CE5E}"/>
               </a:ext>
             </a:extLst>
           </p:cNvPr>
           <p:cNvCxnSpPr>
             <a:cxnSpLocks/>
-            <a:stCxn id="57" idx="0"/>
-            <a:endCxn id="56" idx="4"/>
+            <a:stCxn id="57" idx="2"/>
+            <a:endCxn id="61" idx="0"/>
           </p:cNvCxnSpPr>
           <p:nvPr/>
         </p:nvCxnSpPr>
         <p:spPr>
-          <a:xfrm flipV="1">
-            <a:off x="7915897" y="1476953"/>
+          <a:xfrm>
+            <a:off x="7915897" y="2592500"/>
             <a:ext cx="0" cy="519554"/>
           </a:xfrm>
           <a:prstGeom prst="straightConnector1">
@@ -13605,9 +13637,7 @@
             <a:solidFill>
               <a:schemeClr val="tx1"/>
             </a:solidFill>
-            <a:prstDash val="dashDot"/>
-            <a:headEnd type="none" w="med" len="med"/>
-            <a:tailEnd type="arrow" w="med" len="med"/>
+            <a:tailEnd type="arrow"/>
           </a:ln>
         </p:spPr>
         <p:style>
@@ -13625,52 +13655,6 @@
           </a:fontRef>
         </p:style>
       </p:cxnSp>
-      <p:cxnSp>
-        <p:nvCxnSpPr>
-          <p:cNvPr id="101" name="Straight Arrow Connector 100">
-            <a:extLst>
-              <a:ext uri="{FF2B5EF4-FFF2-40B4-BE49-F238E27FC236}">
-                <a16:creationId xmlns:a16="http://schemas.microsoft.com/office/drawing/2014/main" id="{73A5F1D9-749C-48E6-A302-3D149B04CE5E}"/>
-              </a:ext>
-            </a:extLst>
-          </p:cNvPr>
-          <p:cNvCxnSpPr>
-            <a:cxnSpLocks/>
-            <a:stCxn id="57" idx="2"/>
-            <a:endCxn id="61" idx="0"/>
-          </p:cNvCxnSpPr>
-          <p:nvPr/>
-        </p:nvCxnSpPr>
-        <p:spPr>
-          <a:xfrm>
-            <a:off x="7915897" y="2592500"/>
-            <a:ext cx="0" cy="519554"/>
-          </a:xfrm>
-          <a:prstGeom prst="straightConnector1">
-            <a:avLst/>
-          </a:prstGeom>
-          <a:ln>
-            <a:solidFill>
-              <a:schemeClr val="tx1"/>
-            </a:solidFill>
-            <a:tailEnd type="arrow"/>
-          </a:ln>
-        </p:spPr>
-        <p:style>
-          <a:lnRef idx="1">
-            <a:schemeClr val="accent1"/>
-          </a:lnRef>
-          <a:fillRef idx="0">
-            <a:schemeClr val="accent1"/>
-          </a:fillRef>
-          <a:effectRef idx="0">
-            <a:schemeClr val="accent1"/>
-          </a:effectRef>
-          <a:fontRef idx="minor">
-            <a:schemeClr val="tx1"/>
-          </a:fontRef>
-        </p:style>
-      </p:cxnSp>
       <p:sp>
         <p:nvSpPr>
           <p:cNvPr id="76" name="Oval 75">
@@ -13692,7 +13676,10 @@
             <a:avLst/>
           </a:prstGeom>
           <a:solidFill>
-            <a:srgbClr val="FFFFD6"/>
+            <a:schemeClr val="accent2">
+              <a:lumMod val="20000"/>
+              <a:lumOff val="80000"/>
+            </a:schemeClr>
           </a:solidFill>
           <a:ln>
             <a:solidFill>
@@ -13729,16 +13716,28 @@
                   <a:schemeClr val="tx1"/>
                 </a:solidFill>
               </a:rPr>
-              <a:t>prov: </a:t>
-            </a:r>
-            <a:r>
-              <a:rPr lang="en-US" sz="1400">
+              <a:t>dcat:</a:t>
+            </a:r>
+            <a:br>
+              <a:rPr lang="en-US" sz="1400" dirty="0">
                 <a:solidFill>
                   <a:schemeClr val="tx1"/>
                 </a:solidFill>
               </a:rPr>
-              <a:t>Entity</a:t>
-            </a:r>
+            </a:br>
+            <a:r>
+              <a:rPr lang="en-US" sz="1400" dirty="0">
+                <a:solidFill>
+                  <a:schemeClr val="tx1"/>
+                </a:solidFill>
+              </a:rPr>
+              <a:t>Dataset</a:t>
+            </a:r>
+            <a:endParaRPr lang="en-US" sz="1400">
+              <a:solidFill>
+                <a:schemeClr val="tx1"/>
+              </a:solidFill>
+            </a:endParaRPr>
           </a:p>
         </p:txBody>
       </p:sp>
@@ -13798,7 +13797,10 @@
             <a:avLst/>
           </a:prstGeom>
           <a:solidFill>
-            <a:srgbClr val="FFFFD6"/>
+            <a:schemeClr val="accent2">
+              <a:lumMod val="20000"/>
+              <a:lumOff val="80000"/>
+            </a:schemeClr>
           </a:solidFill>
           <a:ln w="12700">
             <a:solidFill>
@@ -14035,54 +14037,6 @@
           </a:p>
         </p:txBody>
       </p:sp>
-      <p:cxnSp>
-        <p:nvCxnSpPr>
-          <p:cNvPr id="22" name="Straight Arrow Connector 21">
-            <a:extLst>
-              <a:ext uri="{FF2B5EF4-FFF2-40B4-BE49-F238E27FC236}">
-                <a16:creationId xmlns:a16="http://schemas.microsoft.com/office/drawing/2014/main" id="{E216A240-2D43-DB41-A9DA-C05839198DAD}"/>
-              </a:ext>
-            </a:extLst>
-          </p:cNvPr>
-          <p:cNvCxnSpPr>
-            <a:cxnSpLocks/>
-            <a:stCxn id="33" idx="0"/>
-            <a:endCxn id="19" idx="4"/>
-          </p:cNvCxnSpPr>
-          <p:nvPr/>
-        </p:nvCxnSpPr>
-        <p:spPr>
-          <a:xfrm flipV="1">
-            <a:off x="5109577" y="1476953"/>
-            <a:ext cx="0" cy="519553"/>
-          </a:xfrm>
-          <a:prstGeom prst="straightConnector1">
-            <a:avLst/>
-          </a:prstGeom>
-          <a:ln>
-            <a:solidFill>
-              <a:schemeClr val="tx1"/>
-            </a:solidFill>
-            <a:prstDash val="dashDot"/>
-            <a:headEnd type="none" w="med" len="med"/>
-            <a:tailEnd type="arrow" w="med" len="med"/>
-          </a:ln>
-        </p:spPr>
-        <p:style>
-          <a:lnRef idx="1">
-            <a:schemeClr val="accent1"/>
-          </a:lnRef>
-          <a:fillRef idx="0">
-            <a:schemeClr val="accent1"/>
-          </a:fillRef>
-          <a:effectRef idx="0">
-            <a:schemeClr val="accent1"/>
-          </a:effectRef>
-          <a:fontRef idx="minor">
-            <a:schemeClr val="tx1"/>
-          </a:fontRef>
-        </p:style>
-      </p:cxnSp>
       <p:sp>
         <p:nvSpPr>
           <p:cNvPr id="26" name="Rectangle 25">
@@ -14097,8 +14051,8 @@
         </p:nvSpPr>
         <p:spPr>
           <a:xfrm>
-            <a:off x="332703" y="4055807"/>
-            <a:ext cx="3618683" cy="1600438"/>
+            <a:off x="337291" y="3413828"/>
+            <a:ext cx="3618683" cy="1815882"/>
           </a:xfrm>
           <a:prstGeom prst="rect">
             <a:avLst/>
@@ -14121,15 +14075,26 @@
           <a:p>
             <a:r>
               <a:rPr lang="en-US" sz="1400" dirty="0"/>
+              <a:t>dcat:   https://www.w3.org/ns/dcat#</a:t>
+            </a:r>
+          </a:p>
+          <a:p>
+            <a:r>
+              <a:rPr lang="en-US" sz="1400" dirty="0"/>
+              <a:t>dct:     </a:t>
+            </a:r>
+            <a:r>
+              <a:rPr lang="en-AU" sz="1400"/>
+              <a:t>http://purl.org/dc/terms/</a:t>
+            </a:r>
+            <a:endParaRPr lang="en-US" sz="1400" dirty="0"/>
+          </a:p>
+          <a:p>
+            <a:r>
+              <a:rPr lang="en-US" sz="1400" dirty="0"/>
               <a:t>owl:    http://www.w3.org/2002/07/owl#</a:t>
             </a:r>
             <a:endParaRPr lang="en-AU" sz="1400" dirty="0" err="1"/>
-          </a:p>
-          <a:p>
-            <a:r>
-              <a:rPr lang="en-AU" sz="1400" dirty="0" err="1"/>
-              <a:t>prov:  https://www.w3.org/TR/prov-o/</a:t>
-            </a:r>
           </a:p>
           <a:p>
             <a:r>
@@ -14221,105 +14186,21 @@
           </a:p>
         </p:txBody>
       </p:sp>
-      <p:cxnSp>
-        <p:nvCxnSpPr>
-          <p:cNvPr id="51" name="Straight Arrow Connector 50">
-            <a:extLst>
-              <a:ext uri="{FF2B5EF4-FFF2-40B4-BE49-F238E27FC236}">
-                <a16:creationId xmlns:a16="http://schemas.microsoft.com/office/drawing/2014/main" id="{5F6B02AB-E6B8-404B-9788-F14A24AEE267}"/>
-              </a:ext>
-            </a:extLst>
-          </p:cNvPr>
-          <p:cNvCxnSpPr>
-            <a:cxnSpLocks/>
-          </p:cNvCxnSpPr>
-          <p:nvPr/>
-        </p:nvCxnSpPr>
+      <p:sp>
+        <p:nvSpPr>
+          <p:cNvPr id="55" name="Rectangle 54">
+            <a:extLst>
+              <a:ext uri="{FF2B5EF4-FFF2-40B4-BE49-F238E27FC236}">
+                <a16:creationId xmlns:a16="http://schemas.microsoft.com/office/drawing/2014/main" id="{6E3B6078-858E-DE48-99AB-3096C3710294}"/>
+              </a:ext>
+            </a:extLst>
+          </p:cNvPr>
+          <p:cNvSpPr/>
+          <p:nvPr/>
+        </p:nvSpPr>
         <p:spPr>
           <a:xfrm>
-            <a:off x="478976" y="3750599"/>
-            <a:ext cx="1038233" cy="1"/>
-          </a:xfrm>
-          <a:prstGeom prst="straightConnector1">
-            <a:avLst/>
-          </a:prstGeom>
-          <a:ln>
-            <a:solidFill>
-              <a:schemeClr val="tx1"/>
-            </a:solidFill>
-            <a:prstDash val="dashDot"/>
-            <a:headEnd type="none" w="med" len="med"/>
-            <a:tailEnd type="arrow" w="med" len="med"/>
-          </a:ln>
-        </p:spPr>
-        <p:style>
-          <a:lnRef idx="1">
-            <a:schemeClr val="accent1"/>
-          </a:lnRef>
-          <a:fillRef idx="0">
-            <a:schemeClr val="accent1"/>
-          </a:fillRef>
-          <a:effectRef idx="0">
-            <a:schemeClr val="accent1"/>
-          </a:effectRef>
-          <a:fontRef idx="minor">
-            <a:schemeClr val="tx1"/>
-          </a:fontRef>
-        </p:style>
-      </p:cxnSp>
-      <p:sp>
-        <p:nvSpPr>
-          <p:cNvPr id="54" name="Rectangle 53">
-            <a:extLst>
-              <a:ext uri="{FF2B5EF4-FFF2-40B4-BE49-F238E27FC236}">
-                <a16:creationId xmlns:a16="http://schemas.microsoft.com/office/drawing/2014/main" id="{ADFF7DDD-5583-CD4B-A1FC-F4BC753F7086}"/>
-              </a:ext>
-            </a:extLst>
-          </p:cNvPr>
-          <p:cNvSpPr/>
-          <p:nvPr/>
-        </p:nvSpPr>
-        <p:spPr>
-          <a:xfrm>
-            <a:off x="398353" y="3412634"/>
-            <a:ext cx="1198533" cy="215444"/>
-          </a:xfrm>
-          <a:prstGeom prst="rect">
-            <a:avLst/>
-          </a:prstGeom>
-          <a:solidFill>
-            <a:schemeClr val="bg1"/>
-          </a:solidFill>
-        </p:spPr>
-        <p:txBody>
-          <a:bodyPr wrap="none" lIns="0" tIns="0" rIns="0" bIns="0">
-            <a:spAutoFit/>
-          </a:bodyPr>
-          <a:lstStyle/>
-          <a:p>
-            <a:r>
-              <a:rPr lang="en-AU" sz="1400" dirty="0" err="1"/>
-              <a:t>dataset contains</a:t>
-            </a:r>
-            <a:endParaRPr lang="en-AU" sz="1400" dirty="0"/>
-          </a:p>
-        </p:txBody>
-      </p:sp>
-      <p:sp>
-        <p:nvSpPr>
-          <p:cNvPr id="55" name="Rectangle 54">
-            <a:extLst>
-              <a:ext uri="{FF2B5EF4-FFF2-40B4-BE49-F238E27FC236}">
-                <a16:creationId xmlns:a16="http://schemas.microsoft.com/office/drawing/2014/main" id="{6E3B6078-858E-DE48-99AB-3096C3710294}"/>
-              </a:ext>
-            </a:extLst>
-          </p:cNvPr>
-          <p:cNvSpPr/>
-          <p:nvPr/>
-        </p:nvSpPr>
-        <p:spPr>
-          <a:xfrm>
-            <a:off x="398353" y="5961452"/>
+            <a:off x="402941" y="5319473"/>
             <a:ext cx="3864071" cy="215444"/>
           </a:xfrm>
           <a:prstGeom prst="rect">
@@ -14615,7 +14496,8 @@
             <a:solidFill>
               <a:srgbClr val="C00000"/>
             </a:solidFill>
-            <a:tailEnd type="triangle"/>
+            <a:headEnd type="arrow" w="med" len="med"/>
+            <a:tailEnd type="arrow" w="med" len="med"/>
           </a:ln>
         </p:spPr>
         <p:style>
@@ -15041,7 +14923,8 @@
             <a:solidFill>
               <a:srgbClr val="C00000"/>
             </a:solidFill>
-            <a:tailEnd type="triangle"/>
+            <a:headEnd type="arrow" w="med" len="med"/>
+            <a:tailEnd type="arrow" w="med" len="med"/>
           </a:ln>
         </p:spPr>
         <p:style>
@@ -15271,7 +15154,7 @@
         </p:nvSpPr>
         <p:spPr>
           <a:xfrm rot="5400000">
-            <a:off x="8214383" y="2186779"/>
+            <a:off x="8222476" y="2447523"/>
             <a:ext cx="1167564" cy="215444"/>
           </a:xfrm>
           <a:prstGeom prst="rect">
@@ -15562,6 +15445,194 @@
                 </a:solidFill>
               </a:rPr>
               <a:t>gnaf:hasState</a:t>
+            </a:r>
+            <a:endParaRPr lang="en-AU" sz="1400" dirty="0">
+              <a:solidFill>
+                <a:srgbClr val="C00000"/>
+              </a:solidFill>
+            </a:endParaRPr>
+          </a:p>
+        </p:txBody>
+      </p:sp>
+      <p:cxnSp>
+        <p:nvCxnSpPr>
+          <p:cNvPr id="47" name="Straight Arrow Connector 46">
+            <a:extLst>
+              <a:ext uri="{FF2B5EF4-FFF2-40B4-BE49-F238E27FC236}">
+                <a16:creationId xmlns:a16="http://schemas.microsoft.com/office/drawing/2014/main" id="{9599FD38-76A7-FF49-8057-C9C5BDEF720E}"/>
+              </a:ext>
+            </a:extLst>
+          </p:cNvPr>
+          <p:cNvCxnSpPr>
+            <a:cxnSpLocks/>
+            <a:stCxn id="57" idx="0"/>
+            <a:endCxn id="56" idx="4"/>
+          </p:cNvCxnSpPr>
+          <p:nvPr/>
+        </p:nvCxnSpPr>
+        <p:spPr>
+          <a:xfrm flipV="1">
+            <a:off x="7915897" y="1476953"/>
+            <a:ext cx="0" cy="519554"/>
+          </a:xfrm>
+          <a:prstGeom prst="straightConnector1">
+            <a:avLst/>
+          </a:prstGeom>
+          <a:ln>
+            <a:solidFill>
+              <a:srgbClr val="C00000"/>
+            </a:solidFill>
+            <a:prstDash val="solid"/>
+            <a:headEnd type="arrow" w="med" len="med"/>
+            <a:tailEnd type="none" w="med" len="med"/>
+          </a:ln>
+        </p:spPr>
+        <p:style>
+          <a:lnRef idx="1">
+            <a:schemeClr val="accent1"/>
+          </a:lnRef>
+          <a:fillRef idx="0">
+            <a:schemeClr val="accent1"/>
+          </a:fillRef>
+          <a:effectRef idx="0">
+            <a:schemeClr val="accent1"/>
+          </a:effectRef>
+          <a:fontRef idx="minor">
+            <a:schemeClr val="tx1"/>
+          </a:fontRef>
+        </p:style>
+      </p:cxnSp>
+      <p:cxnSp>
+        <p:nvCxnSpPr>
+          <p:cNvPr id="48" name="Straight Arrow Connector 47">
+            <a:extLst>
+              <a:ext uri="{FF2B5EF4-FFF2-40B4-BE49-F238E27FC236}">
+                <a16:creationId xmlns:a16="http://schemas.microsoft.com/office/drawing/2014/main" id="{7DE53A44-408F-7F4A-84A2-E7123BD7851D}"/>
+              </a:ext>
+            </a:extLst>
+          </p:cNvPr>
+          <p:cNvCxnSpPr>
+            <a:cxnSpLocks/>
+            <a:stCxn id="33" idx="0"/>
+            <a:endCxn id="19" idx="4"/>
+          </p:cNvCxnSpPr>
+          <p:nvPr/>
+        </p:nvCxnSpPr>
+        <p:spPr>
+          <a:xfrm flipV="1">
+            <a:off x="5109577" y="1476953"/>
+            <a:ext cx="0" cy="519553"/>
+          </a:xfrm>
+          <a:prstGeom prst="straightConnector1">
+            <a:avLst/>
+          </a:prstGeom>
+          <a:ln>
+            <a:solidFill>
+              <a:srgbClr val="C00000"/>
+            </a:solidFill>
+            <a:prstDash val="solid"/>
+            <a:headEnd type="arrow" w="med" len="med"/>
+            <a:tailEnd type="none" w="med" len="med"/>
+          </a:ln>
+        </p:spPr>
+        <p:style>
+          <a:lnRef idx="1">
+            <a:schemeClr val="accent1"/>
+          </a:lnRef>
+          <a:fillRef idx="0">
+            <a:schemeClr val="accent1"/>
+          </a:fillRef>
+          <a:effectRef idx="0">
+            <a:schemeClr val="accent1"/>
+          </a:effectRef>
+          <a:fontRef idx="minor">
+            <a:schemeClr val="tx1"/>
+          </a:fontRef>
+        </p:style>
+      </p:cxnSp>
+      <p:sp>
+        <p:nvSpPr>
+          <p:cNvPr id="59" name="Rectangle 58">
+            <a:extLst>
+              <a:ext uri="{FF2B5EF4-FFF2-40B4-BE49-F238E27FC236}">
+                <a16:creationId xmlns:a16="http://schemas.microsoft.com/office/drawing/2014/main" id="{DC4599C3-472B-7149-999B-B3A659ABD7F8}"/>
+              </a:ext>
+            </a:extLst>
+          </p:cNvPr>
+          <p:cNvSpPr/>
+          <p:nvPr/>
+        </p:nvSpPr>
+        <p:spPr>
+          <a:xfrm>
+            <a:off x="5305420" y="1625141"/>
+            <a:ext cx="829714" cy="215444"/>
+          </a:xfrm>
+          <a:prstGeom prst="rect">
+            <a:avLst/>
+          </a:prstGeom>
+          <a:solidFill>
+            <a:schemeClr val="bg1"/>
+          </a:solidFill>
+        </p:spPr>
+        <p:txBody>
+          <a:bodyPr wrap="none" lIns="0" tIns="0" rIns="0" bIns="0">
+            <a:spAutoFit/>
+          </a:bodyPr>
+          <a:lstStyle/>
+          <a:p>
+            <a:r>
+              <a:rPr lang="en-AU" sz="1400" dirty="0" err="1">
+                <a:solidFill>
+                  <a:srgbClr val="C00000"/>
+                </a:solidFill>
+              </a:rPr>
+              <a:t>dct:hasPart</a:t>
+            </a:r>
+            <a:endParaRPr lang="en-AU" sz="1400" dirty="0">
+              <a:solidFill>
+                <a:srgbClr val="C00000"/>
+              </a:solidFill>
+            </a:endParaRPr>
+          </a:p>
+        </p:txBody>
+      </p:sp>
+      <p:sp>
+        <p:nvSpPr>
+          <p:cNvPr id="60" name="Rectangle 59">
+            <a:extLst>
+              <a:ext uri="{FF2B5EF4-FFF2-40B4-BE49-F238E27FC236}">
+                <a16:creationId xmlns:a16="http://schemas.microsoft.com/office/drawing/2014/main" id="{058388F7-1030-A44D-AB3E-94402F9A2C61}"/>
+              </a:ext>
+            </a:extLst>
+          </p:cNvPr>
+          <p:cNvSpPr/>
+          <p:nvPr/>
+        </p:nvSpPr>
+        <p:spPr>
+          <a:xfrm>
+            <a:off x="8063146" y="1632065"/>
+            <a:ext cx="829714" cy="215444"/>
+          </a:xfrm>
+          <a:prstGeom prst="rect">
+            <a:avLst/>
+          </a:prstGeom>
+          <a:solidFill>
+            <a:schemeClr val="bg1"/>
+          </a:solidFill>
+        </p:spPr>
+        <p:txBody>
+          <a:bodyPr wrap="none" lIns="0" tIns="0" rIns="0" bIns="0">
+            <a:spAutoFit/>
+          </a:bodyPr>
+          <a:lstStyle/>
+          <a:p>
+            <a:r>
+              <a:rPr lang="en-AU" sz="1400" dirty="0" err="1">
+                <a:solidFill>
+                  <a:srgbClr val="C00000"/>
+                </a:solidFill>
+              </a:rPr>
+              <a:t>dct:hasPart</a:t>
             </a:r>
             <a:endParaRPr lang="en-AU" sz="1400" dirty="0">
               <a:solidFill>
@@ -15657,7 +15728,10 @@
             <a:avLst/>
           </a:prstGeom>
           <a:solidFill>
-            <a:srgbClr val="FFFFD6"/>
+            <a:schemeClr val="accent2">
+              <a:lumMod val="20000"/>
+              <a:lumOff val="80000"/>
+            </a:schemeClr>
           </a:solidFill>
           <a:ln w="12700">
             <a:solidFill>
@@ -15725,11 +15799,11 @@
           </a:prstGeom>
           <a:ln>
             <a:solidFill>
-              <a:schemeClr val="tx1"/>
+              <a:srgbClr val="C00000"/>
             </a:solidFill>
-            <a:prstDash val="dashDot"/>
-            <a:headEnd type="none" w="med" len="med"/>
-            <a:tailEnd type="arrow" w="med" len="med"/>
+            <a:prstDash val="solid"/>
+            <a:headEnd type="arrow" w="med" len="med"/>
+            <a:tailEnd type="none" w="med" len="med"/>
           </a:ln>
         </p:spPr>
         <p:style>
@@ -15768,7 +15842,10 @@
             <a:avLst/>
           </a:prstGeom>
           <a:solidFill>
-            <a:srgbClr val="FFFFD6"/>
+            <a:schemeClr val="accent2">
+              <a:lumMod val="20000"/>
+              <a:lumOff val="80000"/>
+            </a:schemeClr>
           </a:solidFill>
           <a:ln>
             <a:solidFill>
@@ -15805,16 +15882,28 @@
                   <a:schemeClr val="tx1"/>
                 </a:solidFill>
               </a:rPr>
-              <a:t>prov: </a:t>
-            </a:r>
-            <a:r>
-              <a:rPr lang="en-US" sz="1400">
+              <a:t>dcat:</a:t>
+            </a:r>
+            <a:br>
+              <a:rPr lang="en-US" sz="1400" dirty="0">
                 <a:solidFill>
                   <a:schemeClr val="tx1"/>
                 </a:solidFill>
               </a:rPr>
-              <a:t>Entity</a:t>
-            </a:r>
+            </a:br>
+            <a:r>
+              <a:rPr lang="en-US" sz="1400" dirty="0">
+                <a:solidFill>
+                  <a:schemeClr val="tx1"/>
+                </a:solidFill>
+              </a:rPr>
+              <a:t>Dataset</a:t>
+            </a:r>
+            <a:endParaRPr lang="en-US" sz="1400">
+              <a:solidFill>
+                <a:schemeClr val="tx1"/>
+              </a:solidFill>
+            </a:endParaRPr>
           </a:p>
         </p:txBody>
       </p:sp>
@@ -15874,7 +15963,10 @@
             <a:avLst/>
           </a:prstGeom>
           <a:solidFill>
-            <a:srgbClr val="FFFFD6"/>
+            <a:schemeClr val="accent2">
+              <a:lumMod val="20000"/>
+              <a:lumOff val="80000"/>
+            </a:schemeClr>
           </a:solidFill>
           <a:ln w="12700">
             <a:solidFill>
@@ -16055,11 +16147,11 @@
           </a:prstGeom>
           <a:ln>
             <a:solidFill>
-              <a:schemeClr val="tx1"/>
+              <a:srgbClr val="C00000"/>
             </a:solidFill>
-            <a:prstDash val="dashDot"/>
-            <a:headEnd type="none" w="med" len="med"/>
-            <a:tailEnd type="arrow" w="med" len="med"/>
+            <a:prstDash val="solid"/>
+            <a:headEnd type="arrow" w="med" len="med"/>
+            <a:tailEnd type="none" w="med" len="med"/>
           </a:ln>
         </p:spPr>
         <p:style>
@@ -16091,7 +16183,7 @@
         </p:nvSpPr>
         <p:spPr>
           <a:xfrm>
-            <a:off x="332703" y="4055807"/>
+            <a:off x="332703" y="3410050"/>
             <a:ext cx="3271921" cy="1815882"/>
           </a:xfrm>
           <a:prstGeom prst="rect">
@@ -16115,15 +16207,26 @@
           <a:p>
             <a:r>
               <a:rPr lang="en-US" sz="1400" dirty="0"/>
+              <a:t>dcat:   https://www.w3.org/ns/dcat#</a:t>
+            </a:r>
+          </a:p>
+          <a:p>
+            <a:r>
+              <a:rPr lang="en-US" sz="1400" dirty="0"/>
+              <a:t>dct:     </a:t>
+            </a:r>
+            <a:r>
+              <a:rPr lang="en-AU" sz="1400"/>
+              <a:t>http://purl.org/dc/terms/</a:t>
+            </a:r>
+            <a:endParaRPr lang="en-US" sz="1400" dirty="0"/>
+          </a:p>
+          <a:p>
+            <a:r>
+              <a:rPr lang="en-US" sz="1400" dirty="0"/>
               <a:t>owl:    http://www.w3.org/2002/07/owl#</a:t>
             </a:r>
             <a:endParaRPr lang="en-AU" sz="1400" dirty="0" err="1"/>
-          </a:p>
-          <a:p>
-            <a:r>
-              <a:rPr lang="en-AU" sz="1400" dirty="0" err="1"/>
-              <a:t>prov:  https://www.w3.org/TR/prov-o/</a:t>
-            </a:r>
           </a:p>
           <a:p>
             <a:r>
@@ -16135,7 +16238,7 @@
             </a:br>
             <a:r>
               <a:rPr lang="en-AU" sz="1400" dirty="0" err="1"/>
-              <a:t>png:      http://linked.data.gov.au/def/pz#</a:t>
+              <a:t>png:    http://linked.data.gov.au/def/pz#</a:t>
             </a:r>
           </a:p>
           <a:p>
@@ -16143,9 +16246,6 @@
               <a:rPr lang="en-AU" sz="1400" dirty="0" err="1"/>
               <a:t>asgs:   http://linked.data.gov.au/def/asgs#</a:t>
             </a:r>
-            <a:br>
-              <a:rPr lang="en-AU" sz="1400" dirty="0" err="1"/>
-            </a:br>
             <a:endParaRPr lang="en-AU" sz="1400" dirty="0"/>
           </a:p>
         </p:txBody>
@@ -16340,105 +16440,21 @@
           </a:p>
         </p:txBody>
       </p:sp>
-      <p:cxnSp>
-        <p:nvCxnSpPr>
-          <p:cNvPr id="51" name="Straight Arrow Connector 50">
-            <a:extLst>
-              <a:ext uri="{FF2B5EF4-FFF2-40B4-BE49-F238E27FC236}">
-                <a16:creationId xmlns:a16="http://schemas.microsoft.com/office/drawing/2014/main" id="{5F6B02AB-E6B8-404B-9788-F14A24AEE267}"/>
-              </a:ext>
-            </a:extLst>
-          </p:cNvPr>
-          <p:cNvCxnSpPr>
-            <a:cxnSpLocks/>
-          </p:cNvCxnSpPr>
-          <p:nvPr/>
-        </p:nvCxnSpPr>
+      <p:sp>
+        <p:nvSpPr>
+          <p:cNvPr id="55" name="Rectangle 54">
+            <a:extLst>
+              <a:ext uri="{FF2B5EF4-FFF2-40B4-BE49-F238E27FC236}">
+                <a16:creationId xmlns:a16="http://schemas.microsoft.com/office/drawing/2014/main" id="{6E3B6078-858E-DE48-99AB-3096C3710294}"/>
+              </a:ext>
+            </a:extLst>
+          </p:cNvPr>
+          <p:cNvSpPr/>
+          <p:nvPr/>
+        </p:nvSpPr>
         <p:spPr>
           <a:xfrm>
-            <a:off x="478976" y="3750599"/>
-            <a:ext cx="1038233" cy="1"/>
-          </a:xfrm>
-          <a:prstGeom prst="straightConnector1">
-            <a:avLst/>
-          </a:prstGeom>
-          <a:ln>
-            <a:solidFill>
-              <a:schemeClr val="tx1"/>
-            </a:solidFill>
-            <a:prstDash val="dashDot"/>
-            <a:headEnd type="none" w="med" len="med"/>
-            <a:tailEnd type="arrow" w="med" len="med"/>
-          </a:ln>
-        </p:spPr>
-        <p:style>
-          <a:lnRef idx="1">
-            <a:schemeClr val="accent1"/>
-          </a:lnRef>
-          <a:fillRef idx="0">
-            <a:schemeClr val="accent1"/>
-          </a:fillRef>
-          <a:effectRef idx="0">
-            <a:schemeClr val="accent1"/>
-          </a:effectRef>
-          <a:fontRef idx="minor">
-            <a:schemeClr val="tx1"/>
-          </a:fontRef>
-        </p:style>
-      </p:cxnSp>
-      <p:sp>
-        <p:nvSpPr>
-          <p:cNvPr id="54" name="Rectangle 53">
-            <a:extLst>
-              <a:ext uri="{FF2B5EF4-FFF2-40B4-BE49-F238E27FC236}">
-                <a16:creationId xmlns:a16="http://schemas.microsoft.com/office/drawing/2014/main" id="{ADFF7DDD-5583-CD4B-A1FC-F4BC753F7086}"/>
-              </a:ext>
-            </a:extLst>
-          </p:cNvPr>
-          <p:cNvSpPr/>
-          <p:nvPr/>
-        </p:nvSpPr>
-        <p:spPr>
-          <a:xfrm>
-            <a:off x="398353" y="3412634"/>
-            <a:ext cx="1198533" cy="215444"/>
-          </a:xfrm>
-          <a:prstGeom prst="rect">
-            <a:avLst/>
-          </a:prstGeom>
-          <a:solidFill>
-            <a:schemeClr val="bg1"/>
-          </a:solidFill>
-        </p:spPr>
-        <p:txBody>
-          <a:bodyPr wrap="none" lIns="0" tIns="0" rIns="0" bIns="0">
-            <a:spAutoFit/>
-          </a:bodyPr>
-          <a:lstStyle/>
-          <a:p>
-            <a:r>
-              <a:rPr lang="en-AU" sz="1400" dirty="0" err="1"/>
-              <a:t>dataset contains</a:t>
-            </a:r>
-            <a:endParaRPr lang="en-AU" sz="1400" dirty="0"/>
-          </a:p>
-        </p:txBody>
-      </p:sp>
-      <p:sp>
-        <p:nvSpPr>
-          <p:cNvPr id="55" name="Rectangle 54">
-            <a:extLst>
-              <a:ext uri="{FF2B5EF4-FFF2-40B4-BE49-F238E27FC236}">
-                <a16:creationId xmlns:a16="http://schemas.microsoft.com/office/drawing/2014/main" id="{6E3B6078-858E-DE48-99AB-3096C3710294}"/>
-              </a:ext>
-            </a:extLst>
-          </p:cNvPr>
-          <p:cNvSpPr/>
-          <p:nvPr/>
-        </p:nvSpPr>
-        <p:spPr>
-          <a:xfrm>
-            <a:off x="398353" y="5961452"/>
+            <a:off x="394695" y="5299923"/>
             <a:ext cx="3867277" cy="215444"/>
           </a:xfrm>
           <a:prstGeom prst="rect">
@@ -16491,7 +16507,10 @@
             <a:avLst/>
           </a:prstGeom>
           <a:solidFill>
-            <a:srgbClr val="FFFFD6"/>
+            <a:schemeClr val="accent2">
+              <a:lumMod val="20000"/>
+              <a:lumOff val="80000"/>
+            </a:schemeClr>
           </a:solidFill>
           <a:ln w="12700">
             <a:solidFill>
@@ -16559,11 +16578,11 @@
           </a:prstGeom>
           <a:ln>
             <a:solidFill>
-              <a:schemeClr val="tx1"/>
+              <a:srgbClr val="C00000"/>
             </a:solidFill>
-            <a:prstDash val="dashDot"/>
-            <a:headEnd type="none" w="med" len="med"/>
-            <a:tailEnd type="arrow" w="med" len="med"/>
+            <a:prstDash val="solid"/>
+            <a:headEnd type="arrow" w="med" len="med"/>
+            <a:tailEnd type="none" w="med" len="med"/>
           </a:ln>
         </p:spPr>
         <p:style>
@@ -16735,10 +16754,2755 @@
           </a:p>
         </p:txBody>
       </p:sp>
+      <p:sp>
+        <p:nvSpPr>
+          <p:cNvPr id="23" name="Rectangle 22">
+            <a:extLst>
+              <a:ext uri="{FF2B5EF4-FFF2-40B4-BE49-F238E27FC236}">
+                <a16:creationId xmlns:a16="http://schemas.microsoft.com/office/drawing/2014/main" id="{64E6FAE6-DC42-2A48-9445-1D2350B1AA7F}"/>
+              </a:ext>
+            </a:extLst>
+          </p:cNvPr>
+          <p:cNvSpPr/>
+          <p:nvPr/>
+        </p:nvSpPr>
+        <p:spPr>
+          <a:xfrm>
+            <a:off x="3983041" y="2408339"/>
+            <a:ext cx="829714" cy="215444"/>
+          </a:xfrm>
+          <a:prstGeom prst="rect">
+            <a:avLst/>
+          </a:prstGeom>
+          <a:solidFill>
+            <a:schemeClr val="bg1"/>
+          </a:solidFill>
+        </p:spPr>
+        <p:txBody>
+          <a:bodyPr wrap="none" lIns="0" tIns="0" rIns="0" bIns="0">
+            <a:spAutoFit/>
+          </a:bodyPr>
+          <a:lstStyle/>
+          <a:p>
+            <a:r>
+              <a:rPr lang="en-AU" sz="1400" dirty="0" err="1">
+                <a:solidFill>
+                  <a:srgbClr val="C00000"/>
+                </a:solidFill>
+              </a:rPr>
+              <a:t>dct:hasPart</a:t>
+            </a:r>
+            <a:endParaRPr lang="en-AU" sz="1400" dirty="0">
+              <a:solidFill>
+                <a:srgbClr val="C00000"/>
+              </a:solidFill>
+            </a:endParaRPr>
+          </a:p>
+        </p:txBody>
+      </p:sp>
+      <p:sp>
+        <p:nvSpPr>
+          <p:cNvPr id="24" name="Rectangle 23">
+            <a:extLst>
+              <a:ext uri="{FF2B5EF4-FFF2-40B4-BE49-F238E27FC236}">
+                <a16:creationId xmlns:a16="http://schemas.microsoft.com/office/drawing/2014/main" id="{F32C25DF-3112-9745-BED2-DC6CA60EB5B0}"/>
+              </a:ext>
+            </a:extLst>
+          </p:cNvPr>
+          <p:cNvSpPr/>
+          <p:nvPr/>
+        </p:nvSpPr>
+        <p:spPr>
+          <a:xfrm>
+            <a:off x="6947539" y="2438978"/>
+            <a:ext cx="829714" cy="215444"/>
+          </a:xfrm>
+          <a:prstGeom prst="rect">
+            <a:avLst/>
+          </a:prstGeom>
+          <a:solidFill>
+            <a:schemeClr val="bg1"/>
+          </a:solidFill>
+        </p:spPr>
+        <p:txBody>
+          <a:bodyPr wrap="none" lIns="0" tIns="0" rIns="0" bIns="0">
+            <a:spAutoFit/>
+          </a:bodyPr>
+          <a:lstStyle/>
+          <a:p>
+            <a:r>
+              <a:rPr lang="en-AU" sz="1400" dirty="0" err="1">
+                <a:solidFill>
+                  <a:srgbClr val="C00000"/>
+                </a:solidFill>
+              </a:rPr>
+              <a:t>dct:hasPart</a:t>
+            </a:r>
+            <a:endParaRPr lang="en-AU" sz="1400" dirty="0">
+              <a:solidFill>
+                <a:srgbClr val="C00000"/>
+              </a:solidFill>
+            </a:endParaRPr>
+          </a:p>
+        </p:txBody>
+      </p:sp>
+      <p:sp>
+        <p:nvSpPr>
+          <p:cNvPr id="25" name="Rectangle 24">
+            <a:extLst>
+              <a:ext uri="{FF2B5EF4-FFF2-40B4-BE49-F238E27FC236}">
+                <a16:creationId xmlns:a16="http://schemas.microsoft.com/office/drawing/2014/main" id="{8CC50F49-438B-F645-A0F6-D41866E082E7}"/>
+              </a:ext>
+            </a:extLst>
+          </p:cNvPr>
+          <p:cNvSpPr/>
+          <p:nvPr/>
+        </p:nvSpPr>
+        <p:spPr>
+          <a:xfrm>
+            <a:off x="9911506" y="2438978"/>
+            <a:ext cx="829714" cy="215444"/>
+          </a:xfrm>
+          <a:prstGeom prst="rect">
+            <a:avLst/>
+          </a:prstGeom>
+          <a:solidFill>
+            <a:schemeClr val="bg1"/>
+          </a:solidFill>
+        </p:spPr>
+        <p:txBody>
+          <a:bodyPr wrap="none" lIns="0" tIns="0" rIns="0" bIns="0">
+            <a:spAutoFit/>
+          </a:bodyPr>
+          <a:lstStyle/>
+          <a:p>
+            <a:r>
+              <a:rPr lang="en-AU" sz="1400" dirty="0" err="1">
+                <a:solidFill>
+                  <a:srgbClr val="C00000"/>
+                </a:solidFill>
+              </a:rPr>
+              <a:t>dct:hasPart</a:t>
+            </a:r>
+            <a:endParaRPr lang="en-AU" sz="1400" dirty="0">
+              <a:solidFill>
+                <a:srgbClr val="C00000"/>
+              </a:solidFill>
+            </a:endParaRPr>
+          </a:p>
+        </p:txBody>
+      </p:sp>
     </p:spTree>
     <p:extLst>
       <p:ext uri="{BB962C8B-B14F-4D97-AF65-F5344CB8AC3E}">
         <p14:creationId xmlns:p14="http://schemas.microsoft.com/office/powerpoint/2010/main" val="1087305740"/>
+      </p:ext>
+    </p:extLst>
+  </p:cSld>
+  <p:clrMapOvr>
+    <a:masterClrMapping/>
+  </p:clrMapOvr>
+</p:sld>
+</file>
+
+<file path=ppt/slides/slide7.xml><?xml version="1.0" encoding="utf-8"?>
+<p:sld xmlns:a="http://schemas.openxmlformats.org/drawingml/2006/main" xmlns:r="http://schemas.openxmlformats.org/officeDocument/2006/relationships" xmlns:p="http://schemas.openxmlformats.org/presentationml/2006/main">
+  <p:cSld>
+    <p:spTree>
+      <p:nvGrpSpPr>
+        <p:cNvPr id="1" name=""/>
+        <p:cNvGrpSpPr/>
+        <p:nvPr/>
+      </p:nvGrpSpPr>
+      <p:grpSpPr>
+        <a:xfrm>
+          <a:off x="0" y="0"/>
+          <a:ext cx="0" cy="0"/>
+          <a:chOff x="0" y="0"/>
+          <a:chExt cx="0" cy="0"/>
+        </a:xfrm>
+      </p:grpSpPr>
+      <p:sp>
+        <p:nvSpPr>
+          <p:cNvPr id="3" name="TextBox 2">
+            <a:extLst>
+              <a:ext uri="{FF2B5EF4-FFF2-40B4-BE49-F238E27FC236}">
+                <a16:creationId xmlns:a16="http://schemas.microsoft.com/office/drawing/2014/main" id="{4FD455C2-8504-4E57-A8ED-D440D09FBA7B}"/>
+              </a:ext>
+            </a:extLst>
+          </p:cNvPr>
+          <p:cNvSpPr txBox="1"/>
+          <p:nvPr/>
+        </p:nvSpPr>
+        <p:spPr>
+          <a:xfrm>
+            <a:off x="4022360" y="23884"/>
+            <a:ext cx="864276" cy="369332"/>
+          </a:xfrm>
+          <a:prstGeom prst="rect">
+            <a:avLst/>
+          </a:prstGeom>
+          <a:noFill/>
+        </p:spPr>
+        <p:txBody>
+          <a:bodyPr wrap="none" rtlCol="0">
+            <a:spAutoFit/>
+          </a:bodyPr>
+          <a:lstStyle/>
+          <a:p>
+            <a:r>
+              <a:rPr lang="en-US" u="sng" dirty="0"/>
+              <a:t>FSDF-O</a:t>
+            </a:r>
+          </a:p>
+        </p:txBody>
+      </p:sp>
+      <p:sp>
+        <p:nvSpPr>
+          <p:cNvPr id="19" name="Oval 18">
+            <a:extLst>
+              <a:ext uri="{FF2B5EF4-FFF2-40B4-BE49-F238E27FC236}">
+                <a16:creationId xmlns:a16="http://schemas.microsoft.com/office/drawing/2014/main" id="{384A3F9E-19F1-40F8-BC7C-BFC18F1BFF04}"/>
+              </a:ext>
+            </a:extLst>
+          </p:cNvPr>
+          <p:cNvSpPr/>
+          <p:nvPr/>
+        </p:nvSpPr>
+        <p:spPr>
+          <a:xfrm>
+            <a:off x="5133616" y="1701094"/>
+            <a:ext cx="1330778" cy="595993"/>
+          </a:xfrm>
+          <a:prstGeom prst="ellipse">
+            <a:avLst/>
+          </a:prstGeom>
+          <a:solidFill>
+            <a:schemeClr val="accent2">
+              <a:lumMod val="20000"/>
+              <a:lumOff val="80000"/>
+            </a:schemeClr>
+          </a:solidFill>
+          <a:ln w="12700">
+            <a:solidFill>
+              <a:schemeClr val="bg1">
+                <a:lumMod val="50000"/>
+              </a:schemeClr>
+            </a:solidFill>
+          </a:ln>
+        </p:spPr>
+        <p:style>
+          <a:lnRef idx="2">
+            <a:schemeClr val="accent1">
+              <a:shade val="50000"/>
+            </a:schemeClr>
+          </a:lnRef>
+          <a:fillRef idx="1">
+            <a:schemeClr val="accent1"/>
+          </a:fillRef>
+          <a:effectRef idx="0">
+            <a:schemeClr val="accent1"/>
+          </a:effectRef>
+          <a:fontRef idx="minor">
+            <a:schemeClr val="lt1"/>
+          </a:fontRef>
+        </p:style>
+        <p:txBody>
+          <a:bodyPr rtlCol="0" anchor="ctr"/>
+          <a:lstStyle/>
+          <a:p>
+            <a:pPr algn="ctr"/>
+            <a:r>
+              <a:rPr lang="en-US" sz="1200" dirty="0">
+                <a:solidFill>
+                  <a:schemeClr val="tx1"/>
+                </a:solidFill>
+              </a:rPr>
+              <a:t>Place Name Gazetteer</a:t>
+            </a:r>
+          </a:p>
+        </p:txBody>
+      </p:sp>
+      <p:sp>
+        <p:nvSpPr>
+          <p:cNvPr id="76" name="Oval 75">
+            <a:extLst>
+              <a:ext uri="{FF2B5EF4-FFF2-40B4-BE49-F238E27FC236}">
+                <a16:creationId xmlns:a16="http://schemas.microsoft.com/office/drawing/2014/main" id="{0019B802-6C79-4B66-842E-984C1F1076CC}"/>
+              </a:ext>
+            </a:extLst>
+          </p:cNvPr>
+          <p:cNvSpPr/>
+          <p:nvPr/>
+        </p:nvSpPr>
+        <p:spPr>
+          <a:xfrm>
+            <a:off x="332704" y="1698511"/>
+            <a:ext cx="1330778" cy="595993"/>
+          </a:xfrm>
+          <a:prstGeom prst="ellipse">
+            <a:avLst/>
+          </a:prstGeom>
+          <a:solidFill>
+            <a:schemeClr val="accent2">
+              <a:lumMod val="20000"/>
+              <a:lumOff val="80000"/>
+            </a:schemeClr>
+          </a:solidFill>
+          <a:ln>
+            <a:solidFill>
+              <a:schemeClr val="bg1">
+                <a:lumMod val="50000"/>
+              </a:schemeClr>
+            </a:solidFill>
+          </a:ln>
+        </p:spPr>
+        <p:style>
+          <a:lnRef idx="2">
+            <a:schemeClr val="accent1">
+              <a:shade val="50000"/>
+            </a:schemeClr>
+          </a:lnRef>
+          <a:fillRef idx="1">
+            <a:schemeClr val="accent1"/>
+          </a:fillRef>
+          <a:effectRef idx="0">
+            <a:schemeClr val="accent1"/>
+          </a:effectRef>
+          <a:fontRef idx="minor">
+            <a:schemeClr val="lt1"/>
+          </a:fontRef>
+        </p:style>
+        <p:txBody>
+          <a:bodyPr rtlCol="0" anchor="ctr"/>
+          <a:lstStyle/>
+          <a:p>
+            <a:pPr algn="ctr"/>
+            <a:r>
+              <a:rPr lang="en-US" sz="1400" dirty="0">
+                <a:solidFill>
+                  <a:schemeClr val="tx1"/>
+                </a:solidFill>
+              </a:rPr>
+              <a:t>dcat:</a:t>
+            </a:r>
+            <a:br>
+              <a:rPr lang="en-US" sz="1400" dirty="0">
+                <a:solidFill>
+                  <a:schemeClr val="tx1"/>
+                </a:solidFill>
+              </a:rPr>
+            </a:br>
+            <a:r>
+              <a:rPr lang="en-US" sz="1400" dirty="0">
+                <a:solidFill>
+                  <a:schemeClr val="tx1"/>
+                </a:solidFill>
+              </a:rPr>
+              <a:t>Dataset</a:t>
+            </a:r>
+            <a:endParaRPr lang="en-US" sz="1400">
+              <a:solidFill>
+                <a:schemeClr val="tx1"/>
+              </a:solidFill>
+            </a:endParaRPr>
+          </a:p>
+        </p:txBody>
+      </p:sp>
+      <p:sp>
+        <p:nvSpPr>
+          <p:cNvPr id="85" name="TextBox 84">
+            <a:extLst>
+              <a:ext uri="{FF2B5EF4-FFF2-40B4-BE49-F238E27FC236}">
+                <a16:creationId xmlns:a16="http://schemas.microsoft.com/office/drawing/2014/main" id="{E24EC5A6-358D-4E1D-A019-DA0F709E7E99}"/>
+              </a:ext>
+            </a:extLst>
+          </p:cNvPr>
+          <p:cNvSpPr txBox="1"/>
+          <p:nvPr/>
+        </p:nvSpPr>
+        <p:spPr>
+          <a:xfrm>
+            <a:off x="572470" y="1215114"/>
+            <a:ext cx="850297" cy="307777"/>
+          </a:xfrm>
+          <a:prstGeom prst="rect">
+            <a:avLst/>
+          </a:prstGeom>
+          <a:noFill/>
+        </p:spPr>
+        <p:txBody>
+          <a:bodyPr wrap="none" rtlCol="0">
+            <a:spAutoFit/>
+          </a:bodyPr>
+          <a:lstStyle/>
+          <a:p>
+            <a:r>
+              <a:rPr lang="en-US" sz="1400" u="sng" dirty="0"/>
+              <a:t>Class Key</a:t>
+            </a:r>
+          </a:p>
+        </p:txBody>
+      </p:sp>
+      <p:sp>
+        <p:nvSpPr>
+          <p:cNvPr id="56" name="Oval 55">
+            <a:extLst>
+              <a:ext uri="{FF2B5EF4-FFF2-40B4-BE49-F238E27FC236}">
+                <a16:creationId xmlns:a16="http://schemas.microsoft.com/office/drawing/2014/main" id="{95E741A5-E60D-4402-8750-7415D6A35EFE}"/>
+              </a:ext>
+            </a:extLst>
+          </p:cNvPr>
+          <p:cNvSpPr/>
+          <p:nvPr/>
+        </p:nvSpPr>
+        <p:spPr>
+          <a:xfrm>
+            <a:off x="7407915" y="1701094"/>
+            <a:ext cx="1330778" cy="595993"/>
+          </a:xfrm>
+          <a:prstGeom prst="ellipse">
+            <a:avLst/>
+          </a:prstGeom>
+          <a:solidFill>
+            <a:schemeClr val="accent2">
+              <a:lumMod val="20000"/>
+              <a:lumOff val="80000"/>
+            </a:schemeClr>
+          </a:solidFill>
+          <a:ln w="12700">
+            <a:solidFill>
+              <a:schemeClr val="bg1">
+                <a:lumMod val="50000"/>
+              </a:schemeClr>
+            </a:solidFill>
+          </a:ln>
+        </p:spPr>
+        <p:style>
+          <a:lnRef idx="2">
+            <a:schemeClr val="accent1">
+              <a:shade val="50000"/>
+            </a:schemeClr>
+          </a:lnRef>
+          <a:fillRef idx="1">
+            <a:schemeClr val="accent1"/>
+          </a:fillRef>
+          <a:effectRef idx="0">
+            <a:schemeClr val="accent1"/>
+          </a:effectRef>
+          <a:fontRef idx="minor">
+            <a:schemeClr val="lt1"/>
+          </a:fontRef>
+        </p:style>
+        <p:txBody>
+          <a:bodyPr rtlCol="0" anchor="ctr"/>
+          <a:lstStyle/>
+          <a:p>
+            <a:pPr algn="ctr"/>
+            <a:r>
+              <a:rPr lang="en-US" sz="1200" dirty="0">
+                <a:solidFill>
+                  <a:schemeClr val="tx1"/>
+                </a:solidFill>
+              </a:rPr>
+              <a:t>G-NAF</a:t>
+            </a:r>
+          </a:p>
+        </p:txBody>
+      </p:sp>
+      <p:cxnSp>
+        <p:nvCxnSpPr>
+          <p:cNvPr id="68" name="Straight Arrow Connector 67">
+            <a:extLst>
+              <a:ext uri="{FF2B5EF4-FFF2-40B4-BE49-F238E27FC236}">
+                <a16:creationId xmlns:a16="http://schemas.microsoft.com/office/drawing/2014/main" id="{9CCFD714-D81D-4214-B67C-7CE8F91F26E4}"/>
+              </a:ext>
+            </a:extLst>
+          </p:cNvPr>
+          <p:cNvCxnSpPr>
+            <a:cxnSpLocks/>
+            <a:stCxn id="34" idx="3"/>
+            <a:endCxn id="57" idx="1"/>
+          </p:cNvCxnSpPr>
+          <p:nvPr/>
+        </p:nvCxnSpPr>
+        <p:spPr>
+          <a:xfrm>
+            <a:off x="6464394" y="3114637"/>
+            <a:ext cx="943521" cy="1"/>
+          </a:xfrm>
+          <a:prstGeom prst="straightConnector1">
+            <a:avLst/>
+          </a:prstGeom>
+          <a:ln>
+            <a:solidFill>
+              <a:schemeClr val="tx1"/>
+            </a:solidFill>
+            <a:headEnd type="none"/>
+            <a:tailEnd type="arrow"/>
+          </a:ln>
+        </p:spPr>
+        <p:style>
+          <a:lnRef idx="1">
+            <a:schemeClr val="accent1"/>
+          </a:lnRef>
+          <a:fillRef idx="0">
+            <a:schemeClr val="accent1"/>
+          </a:fillRef>
+          <a:effectRef idx="0">
+            <a:schemeClr val="accent1"/>
+          </a:effectRef>
+          <a:fontRef idx="minor">
+            <a:schemeClr val="tx1"/>
+          </a:fontRef>
+        </p:style>
+      </p:cxnSp>
+      <p:sp>
+        <p:nvSpPr>
+          <p:cNvPr id="26" name="Rectangle 25">
+            <a:extLst>
+              <a:ext uri="{FF2B5EF4-FFF2-40B4-BE49-F238E27FC236}">
+                <a16:creationId xmlns:a16="http://schemas.microsoft.com/office/drawing/2014/main" id="{58FCD938-2FF0-894F-81A0-9DBE1DF01D36}"/>
+              </a:ext>
+            </a:extLst>
+          </p:cNvPr>
+          <p:cNvSpPr/>
+          <p:nvPr/>
+        </p:nvSpPr>
+        <p:spPr>
+          <a:xfrm>
+            <a:off x="332703" y="4776579"/>
+            <a:ext cx="3618683" cy="2246769"/>
+          </a:xfrm>
+          <a:prstGeom prst="rect">
+            <a:avLst/>
+          </a:prstGeom>
+        </p:spPr>
+        <p:txBody>
+          <a:bodyPr wrap="none">
+            <a:spAutoFit/>
+          </a:bodyPr>
+          <a:lstStyle/>
+          <a:p>
+            <a:r>
+              <a:rPr lang="en-AU" sz="1400" u="sng" dirty="0" err="1"/>
+              <a:t>Namespace Prefixes</a:t>
+            </a:r>
+          </a:p>
+          <a:p>
+            <a:endParaRPr lang="en-AU" sz="1400" dirty="0" err="1"/>
+          </a:p>
+          <a:p>
+            <a:r>
+              <a:rPr lang="en-US" sz="1400" dirty="0"/>
+              <a:t>dcat:   https://www.w3.org/ns/dcat#</a:t>
+            </a:r>
+            <a:br>
+              <a:rPr lang="en-US" sz="1400" dirty="0"/>
+            </a:br>
+            <a:r>
+              <a:rPr lang="en-US" sz="1400" dirty="0"/>
+              <a:t>dct:     </a:t>
+            </a:r>
+            <a:r>
+              <a:rPr lang="en-AU" sz="1400"/>
+              <a:t>http://purl.org/dc/terms/</a:t>
+            </a:r>
+            <a:endParaRPr lang="en-US" sz="1400" dirty="0"/>
+          </a:p>
+          <a:p>
+            <a:r>
+              <a:rPr lang="en-US" sz="1400" dirty="0"/>
+              <a:t>owl:    http://www.w3.org/2002/07/owl#</a:t>
+            </a:r>
+            <a:br>
+              <a:rPr lang="en-US" sz="1400" dirty="0"/>
+            </a:br>
+            <a:r>
+              <a:rPr lang="en-AU" sz="1400" dirty="0" err="1"/>
+              <a:t>geo:    http://www.opengis.net/ont/geosparql#</a:t>
+            </a:r>
+          </a:p>
+          <a:p>
+            <a:r>
+              <a:rPr lang="en-AU" sz="1400" dirty="0" err="1"/>
+              <a:t>gnaf:   http://linked.data.gov.au/def/gnaf#</a:t>
+            </a:r>
+            <a:br>
+              <a:rPr lang="en-AU" sz="1400" dirty="0" err="1"/>
+            </a:br>
+            <a:r>
+              <a:rPr lang="en-AU" sz="1400" dirty="0" err="1"/>
+              <a:t>png:    http://linked.data.gov.au/def/pz#</a:t>
+            </a:r>
+          </a:p>
+          <a:p>
+            <a:r>
+              <a:rPr lang="en-AU" sz="1400" dirty="0" err="1"/>
+              <a:t>asgs:   http://linked.data.gov.au/def/asgs#</a:t>
+            </a:r>
+            <a:br>
+              <a:rPr lang="en-AU" sz="1400" dirty="0" err="1"/>
+            </a:br>
+            <a:endParaRPr lang="en-AU" sz="1400" dirty="0"/>
+          </a:p>
+        </p:txBody>
+      </p:sp>
+      <p:sp>
+        <p:nvSpPr>
+          <p:cNvPr id="34" name="Rectangle 33">
+            <a:extLst>
+              <a:ext uri="{FF2B5EF4-FFF2-40B4-BE49-F238E27FC236}">
+                <a16:creationId xmlns:a16="http://schemas.microsoft.com/office/drawing/2014/main" id="{C22D81CE-EDFA-804B-A2F3-9708A1ED312D}"/>
+              </a:ext>
+            </a:extLst>
+          </p:cNvPr>
+          <p:cNvSpPr/>
+          <p:nvPr/>
+        </p:nvSpPr>
+        <p:spPr>
+          <a:xfrm>
+            <a:off x="5133616" y="2816640"/>
+            <a:ext cx="1330778" cy="595993"/>
+          </a:xfrm>
+          <a:prstGeom prst="rect">
+            <a:avLst/>
+          </a:prstGeom>
+          <a:solidFill>
+            <a:schemeClr val="bg1"/>
+          </a:solidFill>
+          <a:ln>
+            <a:solidFill>
+              <a:schemeClr val="tx1"/>
+            </a:solidFill>
+          </a:ln>
+        </p:spPr>
+        <p:style>
+          <a:lnRef idx="2">
+            <a:schemeClr val="accent1">
+              <a:shade val="50000"/>
+            </a:schemeClr>
+          </a:lnRef>
+          <a:fillRef idx="1">
+            <a:schemeClr val="accent1"/>
+          </a:fillRef>
+          <a:effectRef idx="0">
+            <a:schemeClr val="accent1"/>
+          </a:effectRef>
+          <a:fontRef idx="minor">
+            <a:schemeClr val="lt1"/>
+          </a:fontRef>
+        </p:style>
+        <p:txBody>
+          <a:bodyPr rtlCol="0" anchor="ctr"/>
+          <a:lstStyle/>
+          <a:p>
+            <a:pPr algn="ctr"/>
+            <a:r>
+              <a:rPr lang="en-US" sz="1400" dirty="0">
+                <a:solidFill>
+                  <a:schemeClr val="tx1"/>
+                </a:solidFill>
+              </a:rPr>
+              <a:t>png:</a:t>
+            </a:r>
+            <a:br>
+              <a:rPr lang="en-US" sz="1400" dirty="0">
+                <a:solidFill>
+                  <a:schemeClr val="tx1"/>
+                </a:solidFill>
+              </a:rPr>
+            </a:br>
+            <a:r>
+              <a:rPr lang="en-US" sz="1400" dirty="0">
+                <a:solidFill>
+                  <a:schemeClr val="tx1"/>
+                </a:solidFill>
+              </a:rPr>
+              <a:t>Place</a:t>
+            </a:r>
+          </a:p>
+        </p:txBody>
+      </p:sp>
+      <p:sp>
+        <p:nvSpPr>
+          <p:cNvPr id="7" name="Rectangle 6">
+            <a:extLst>
+              <a:ext uri="{FF2B5EF4-FFF2-40B4-BE49-F238E27FC236}">
+                <a16:creationId xmlns:a16="http://schemas.microsoft.com/office/drawing/2014/main" id="{6EE52F69-BE1B-496F-8DC0-B659859E6F43}"/>
+              </a:ext>
+            </a:extLst>
+          </p:cNvPr>
+          <p:cNvSpPr/>
+          <p:nvPr/>
+        </p:nvSpPr>
+        <p:spPr>
+          <a:xfrm rot="16200000">
+            <a:off x="6346907" y="2821852"/>
+            <a:ext cx="1158202" cy="215444"/>
+          </a:xfrm>
+          <a:prstGeom prst="rect">
+            <a:avLst/>
+          </a:prstGeom>
+          <a:solidFill>
+            <a:schemeClr val="bg1"/>
+          </a:solidFill>
+        </p:spPr>
+        <p:txBody>
+          <a:bodyPr wrap="none" lIns="0" tIns="0" rIns="0" bIns="0">
+            <a:spAutoFit/>
+          </a:bodyPr>
+          <a:lstStyle/>
+          <a:p>
+            <a:r>
+              <a:rPr lang="en-AU" sz="1400" dirty="0" err="1"/>
+              <a:t>png:hasAddress</a:t>
+            </a:r>
+            <a:endParaRPr lang="en-AU" sz="1400" dirty="0"/>
+          </a:p>
+        </p:txBody>
+      </p:sp>
+      <p:sp>
+        <p:nvSpPr>
+          <p:cNvPr id="50" name="Rectangle 49">
+            <a:extLst>
+              <a:ext uri="{FF2B5EF4-FFF2-40B4-BE49-F238E27FC236}">
+                <a16:creationId xmlns:a16="http://schemas.microsoft.com/office/drawing/2014/main" id="{1D5FC9C8-73F0-B84D-B55B-2CA48DF8DBA0}"/>
+              </a:ext>
+            </a:extLst>
+          </p:cNvPr>
+          <p:cNvSpPr/>
+          <p:nvPr/>
+        </p:nvSpPr>
+        <p:spPr>
+          <a:xfrm>
+            <a:off x="332703" y="2557431"/>
+            <a:ext cx="1330778" cy="595993"/>
+          </a:xfrm>
+          <a:prstGeom prst="rect">
+            <a:avLst/>
+          </a:prstGeom>
+          <a:solidFill>
+            <a:schemeClr val="bg1"/>
+          </a:solidFill>
+          <a:ln>
+            <a:solidFill>
+              <a:schemeClr val="bg1">
+                <a:lumMod val="50000"/>
+              </a:schemeClr>
+            </a:solidFill>
+          </a:ln>
+        </p:spPr>
+        <p:style>
+          <a:lnRef idx="2">
+            <a:schemeClr val="accent1">
+              <a:shade val="50000"/>
+            </a:schemeClr>
+          </a:lnRef>
+          <a:fillRef idx="1">
+            <a:schemeClr val="accent1"/>
+          </a:fillRef>
+          <a:effectRef idx="0">
+            <a:schemeClr val="accent1"/>
+          </a:effectRef>
+          <a:fontRef idx="minor">
+            <a:schemeClr val="lt1"/>
+          </a:fontRef>
+        </p:style>
+        <p:txBody>
+          <a:bodyPr rtlCol="0" anchor="ctr"/>
+          <a:lstStyle/>
+          <a:p>
+            <a:pPr algn="ctr"/>
+            <a:r>
+              <a:rPr lang="en-US" sz="1400" dirty="0" err="1">
+                <a:solidFill>
+                  <a:schemeClr val="tx1"/>
+                </a:solidFill>
+              </a:rPr>
+              <a:t>dataset class</a:t>
+            </a:r>
+            <a:endParaRPr lang="en-US" sz="1400" dirty="0">
+              <a:solidFill>
+                <a:schemeClr val="tx1"/>
+              </a:solidFill>
+            </a:endParaRPr>
+          </a:p>
+        </p:txBody>
+      </p:sp>
+      <p:sp>
+        <p:nvSpPr>
+          <p:cNvPr id="35" name="Oval 34">
+            <a:extLst>
+              <a:ext uri="{FF2B5EF4-FFF2-40B4-BE49-F238E27FC236}">
+                <a16:creationId xmlns:a16="http://schemas.microsoft.com/office/drawing/2014/main" id="{D25FDDF3-78D9-BA45-B514-4A8DDDE39906}"/>
+              </a:ext>
+            </a:extLst>
+          </p:cNvPr>
+          <p:cNvSpPr/>
+          <p:nvPr/>
+        </p:nvSpPr>
+        <p:spPr>
+          <a:xfrm>
+            <a:off x="2983303" y="1698511"/>
+            <a:ext cx="1330778" cy="595993"/>
+          </a:xfrm>
+          <a:prstGeom prst="ellipse">
+            <a:avLst/>
+          </a:prstGeom>
+          <a:solidFill>
+            <a:schemeClr val="accent2">
+              <a:lumMod val="20000"/>
+              <a:lumOff val="80000"/>
+            </a:schemeClr>
+          </a:solidFill>
+          <a:ln w="12700">
+            <a:solidFill>
+              <a:schemeClr val="bg1">
+                <a:lumMod val="50000"/>
+              </a:schemeClr>
+            </a:solidFill>
+          </a:ln>
+        </p:spPr>
+        <p:style>
+          <a:lnRef idx="2">
+            <a:schemeClr val="accent1">
+              <a:shade val="50000"/>
+            </a:schemeClr>
+          </a:lnRef>
+          <a:fillRef idx="1">
+            <a:schemeClr val="accent1"/>
+          </a:fillRef>
+          <a:effectRef idx="0">
+            <a:schemeClr val="accent1"/>
+          </a:effectRef>
+          <a:fontRef idx="minor">
+            <a:schemeClr val="lt1"/>
+          </a:fontRef>
+        </p:style>
+        <p:txBody>
+          <a:bodyPr rtlCol="0" anchor="ctr"/>
+          <a:lstStyle/>
+          <a:p>
+            <a:pPr algn="ctr"/>
+            <a:r>
+              <a:rPr lang="en-US" sz="1200" dirty="0">
+                <a:solidFill>
+                  <a:schemeClr val="tx1"/>
+                </a:solidFill>
+              </a:rPr>
+              <a:t>ASGS</a:t>
+            </a:r>
+          </a:p>
+        </p:txBody>
+      </p:sp>
+      <p:cxnSp>
+        <p:nvCxnSpPr>
+          <p:cNvPr id="39" name="Straight Arrow Connector 38">
+            <a:extLst>
+              <a:ext uri="{FF2B5EF4-FFF2-40B4-BE49-F238E27FC236}">
+                <a16:creationId xmlns:a16="http://schemas.microsoft.com/office/drawing/2014/main" id="{E5688F37-BC8D-2143-9110-F3328BB333DA}"/>
+              </a:ext>
+            </a:extLst>
+          </p:cNvPr>
+          <p:cNvCxnSpPr>
+            <a:cxnSpLocks/>
+            <a:stCxn id="34" idx="1"/>
+            <a:endCxn id="38" idx="3"/>
+          </p:cNvCxnSpPr>
+          <p:nvPr/>
+        </p:nvCxnSpPr>
+        <p:spPr>
+          <a:xfrm flipH="1" flipV="1">
+            <a:off x="4314081" y="3112054"/>
+            <a:ext cx="819535" cy="2583"/>
+          </a:xfrm>
+          <a:prstGeom prst="straightConnector1">
+            <a:avLst/>
+          </a:prstGeom>
+          <a:ln>
+            <a:solidFill>
+              <a:schemeClr val="tx1"/>
+            </a:solidFill>
+            <a:headEnd type="none"/>
+            <a:tailEnd type="arrow"/>
+          </a:ln>
+        </p:spPr>
+        <p:style>
+          <a:lnRef idx="1">
+            <a:schemeClr val="accent1"/>
+          </a:lnRef>
+          <a:fillRef idx="0">
+            <a:schemeClr val="accent1"/>
+          </a:fillRef>
+          <a:effectRef idx="0">
+            <a:schemeClr val="accent1"/>
+          </a:effectRef>
+          <a:fontRef idx="minor">
+            <a:schemeClr val="tx1"/>
+          </a:fontRef>
+        </p:style>
+      </p:cxnSp>
+      <p:sp>
+        <p:nvSpPr>
+          <p:cNvPr id="41" name="Rectangle 40">
+            <a:extLst>
+              <a:ext uri="{FF2B5EF4-FFF2-40B4-BE49-F238E27FC236}">
+                <a16:creationId xmlns:a16="http://schemas.microsoft.com/office/drawing/2014/main" id="{18A0FD44-826B-494C-8082-D6A606683C06}"/>
+              </a:ext>
+            </a:extLst>
+          </p:cNvPr>
+          <p:cNvSpPr/>
+          <p:nvPr/>
+        </p:nvSpPr>
+        <p:spPr>
+          <a:xfrm rot="16200000">
+            <a:off x="4084793" y="2814057"/>
+            <a:ext cx="1288814" cy="215444"/>
+          </a:xfrm>
+          <a:prstGeom prst="rect">
+            <a:avLst/>
+          </a:prstGeom>
+          <a:solidFill>
+            <a:schemeClr val="bg1"/>
+          </a:solidFill>
+        </p:spPr>
+        <p:txBody>
+          <a:bodyPr wrap="none" lIns="0" tIns="0" rIns="0" bIns="0">
+            <a:spAutoFit/>
+          </a:bodyPr>
+          <a:lstStyle/>
+          <a:p>
+            <a:r>
+              <a:rPr lang="en-AU" sz="1400" dirty="0" err="1"/>
+              <a:t>png:inJurisdiction</a:t>
+            </a:r>
+            <a:endParaRPr lang="en-AU" sz="1400" dirty="0"/>
+          </a:p>
+        </p:txBody>
+      </p:sp>
+      <p:cxnSp>
+        <p:nvCxnSpPr>
+          <p:cNvPr id="23" name="Straight Arrow Connector 22">
+            <a:extLst>
+              <a:ext uri="{FF2B5EF4-FFF2-40B4-BE49-F238E27FC236}">
+                <a16:creationId xmlns:a16="http://schemas.microsoft.com/office/drawing/2014/main" id="{8291F783-03B0-9E44-9ED8-CA763EB617BD}"/>
+              </a:ext>
+            </a:extLst>
+          </p:cNvPr>
+          <p:cNvCxnSpPr>
+            <a:cxnSpLocks/>
+            <a:stCxn id="57" idx="0"/>
+            <a:endCxn id="56" idx="4"/>
+          </p:cNvCxnSpPr>
+          <p:nvPr/>
+        </p:nvCxnSpPr>
+        <p:spPr>
+          <a:xfrm flipV="1">
+            <a:off x="8073304" y="2297087"/>
+            <a:ext cx="0" cy="519554"/>
+          </a:xfrm>
+          <a:prstGeom prst="straightConnector1">
+            <a:avLst/>
+          </a:prstGeom>
+          <a:ln>
+            <a:solidFill>
+              <a:schemeClr val="tx1"/>
+            </a:solidFill>
+            <a:prstDash val="solid"/>
+            <a:headEnd type="arrow" w="med" len="med"/>
+            <a:tailEnd type="none" w="med" len="med"/>
+          </a:ln>
+        </p:spPr>
+        <p:style>
+          <a:lnRef idx="1">
+            <a:schemeClr val="accent1"/>
+          </a:lnRef>
+          <a:fillRef idx="0">
+            <a:schemeClr val="accent1"/>
+          </a:fillRef>
+          <a:effectRef idx="0">
+            <a:schemeClr val="accent1"/>
+          </a:effectRef>
+          <a:fontRef idx="minor">
+            <a:schemeClr val="tx1"/>
+          </a:fontRef>
+        </p:style>
+      </p:cxnSp>
+      <p:cxnSp>
+        <p:nvCxnSpPr>
+          <p:cNvPr id="24" name="Straight Arrow Connector 23">
+            <a:extLst>
+              <a:ext uri="{FF2B5EF4-FFF2-40B4-BE49-F238E27FC236}">
+                <a16:creationId xmlns:a16="http://schemas.microsoft.com/office/drawing/2014/main" id="{04EFE7E8-6C47-7549-AAAA-EA41D9E26AC2}"/>
+              </a:ext>
+            </a:extLst>
+          </p:cNvPr>
+          <p:cNvCxnSpPr>
+            <a:cxnSpLocks/>
+            <a:stCxn id="34" idx="0"/>
+            <a:endCxn id="19" idx="4"/>
+          </p:cNvCxnSpPr>
+          <p:nvPr/>
+        </p:nvCxnSpPr>
+        <p:spPr>
+          <a:xfrm flipV="1">
+            <a:off x="5799005" y="2297087"/>
+            <a:ext cx="0" cy="519553"/>
+          </a:xfrm>
+          <a:prstGeom prst="straightConnector1">
+            <a:avLst/>
+          </a:prstGeom>
+          <a:ln>
+            <a:solidFill>
+              <a:schemeClr val="tx1"/>
+            </a:solidFill>
+            <a:prstDash val="solid"/>
+            <a:headEnd type="arrow" w="med" len="med"/>
+            <a:tailEnd type="none" w="med" len="med"/>
+          </a:ln>
+        </p:spPr>
+        <p:style>
+          <a:lnRef idx="1">
+            <a:schemeClr val="accent1"/>
+          </a:lnRef>
+          <a:fillRef idx="0">
+            <a:schemeClr val="accent1"/>
+          </a:fillRef>
+          <a:effectRef idx="0">
+            <a:schemeClr val="accent1"/>
+          </a:effectRef>
+          <a:fontRef idx="minor">
+            <a:schemeClr val="tx1"/>
+          </a:fontRef>
+        </p:style>
+      </p:cxnSp>
+      <p:cxnSp>
+        <p:nvCxnSpPr>
+          <p:cNvPr id="25" name="Straight Arrow Connector 24">
+            <a:extLst>
+              <a:ext uri="{FF2B5EF4-FFF2-40B4-BE49-F238E27FC236}">
+                <a16:creationId xmlns:a16="http://schemas.microsoft.com/office/drawing/2014/main" id="{2423BDE9-8A7F-E145-AC9F-235EFD5851A4}"/>
+              </a:ext>
+            </a:extLst>
+          </p:cNvPr>
+          <p:cNvCxnSpPr>
+            <a:cxnSpLocks/>
+            <a:stCxn id="38" idx="0"/>
+            <a:endCxn id="35" idx="4"/>
+          </p:cNvCxnSpPr>
+          <p:nvPr/>
+        </p:nvCxnSpPr>
+        <p:spPr>
+          <a:xfrm flipV="1">
+            <a:off x="3648692" y="2294504"/>
+            <a:ext cx="0" cy="519553"/>
+          </a:xfrm>
+          <a:prstGeom prst="straightConnector1">
+            <a:avLst/>
+          </a:prstGeom>
+          <a:ln>
+            <a:solidFill>
+              <a:schemeClr val="tx1"/>
+            </a:solidFill>
+            <a:prstDash val="solid"/>
+            <a:headEnd type="arrow" w="med" len="med"/>
+            <a:tailEnd type="none" w="med" len="med"/>
+          </a:ln>
+        </p:spPr>
+        <p:style>
+          <a:lnRef idx="1">
+            <a:schemeClr val="accent1"/>
+          </a:lnRef>
+          <a:fillRef idx="0">
+            <a:schemeClr val="accent1"/>
+          </a:fillRef>
+          <a:effectRef idx="0">
+            <a:schemeClr val="accent1"/>
+          </a:effectRef>
+          <a:fontRef idx="minor">
+            <a:schemeClr val="tx1"/>
+          </a:fontRef>
+        </p:style>
+      </p:cxnSp>
+      <p:sp>
+        <p:nvSpPr>
+          <p:cNvPr id="27" name="Rectangle 26">
+            <a:extLst>
+              <a:ext uri="{FF2B5EF4-FFF2-40B4-BE49-F238E27FC236}">
+                <a16:creationId xmlns:a16="http://schemas.microsoft.com/office/drawing/2014/main" id="{D08E9254-9455-E040-B144-408775360F9D}"/>
+              </a:ext>
+            </a:extLst>
+          </p:cNvPr>
+          <p:cNvSpPr/>
+          <p:nvPr/>
+        </p:nvSpPr>
+        <p:spPr>
+          <a:xfrm>
+            <a:off x="3742819" y="2408339"/>
+            <a:ext cx="829714" cy="215444"/>
+          </a:xfrm>
+          <a:prstGeom prst="rect">
+            <a:avLst/>
+          </a:prstGeom>
+          <a:solidFill>
+            <a:schemeClr val="bg1"/>
+          </a:solidFill>
+        </p:spPr>
+        <p:txBody>
+          <a:bodyPr wrap="none" lIns="0" tIns="0" rIns="0" bIns="0">
+            <a:spAutoFit/>
+          </a:bodyPr>
+          <a:lstStyle/>
+          <a:p>
+            <a:r>
+              <a:rPr lang="en-AU" sz="1400" dirty="0" err="1"/>
+              <a:t>dct:hasPart</a:t>
+            </a:r>
+            <a:endParaRPr lang="en-AU" sz="1400" dirty="0"/>
+          </a:p>
+        </p:txBody>
+      </p:sp>
+      <p:sp>
+        <p:nvSpPr>
+          <p:cNvPr id="28" name="Rectangle 27">
+            <a:extLst>
+              <a:ext uri="{FF2B5EF4-FFF2-40B4-BE49-F238E27FC236}">
+                <a16:creationId xmlns:a16="http://schemas.microsoft.com/office/drawing/2014/main" id="{3A96A5F2-6711-0846-BE84-51AA37BEBD4A}"/>
+              </a:ext>
+            </a:extLst>
+          </p:cNvPr>
+          <p:cNvSpPr/>
+          <p:nvPr/>
+        </p:nvSpPr>
+        <p:spPr>
+          <a:xfrm>
+            <a:off x="5893662" y="2438978"/>
+            <a:ext cx="829714" cy="215444"/>
+          </a:xfrm>
+          <a:prstGeom prst="rect">
+            <a:avLst/>
+          </a:prstGeom>
+          <a:solidFill>
+            <a:schemeClr val="bg1"/>
+          </a:solidFill>
+        </p:spPr>
+        <p:txBody>
+          <a:bodyPr wrap="none" lIns="0" tIns="0" rIns="0" bIns="0">
+            <a:spAutoFit/>
+          </a:bodyPr>
+          <a:lstStyle/>
+          <a:p>
+            <a:r>
+              <a:rPr lang="en-AU" sz="1400" dirty="0" err="1"/>
+              <a:t>dct:hasPart</a:t>
+            </a:r>
+            <a:endParaRPr lang="en-AU" sz="1400" dirty="0"/>
+          </a:p>
+        </p:txBody>
+      </p:sp>
+      <p:sp>
+        <p:nvSpPr>
+          <p:cNvPr id="29" name="Rectangle 28">
+            <a:extLst>
+              <a:ext uri="{FF2B5EF4-FFF2-40B4-BE49-F238E27FC236}">
+                <a16:creationId xmlns:a16="http://schemas.microsoft.com/office/drawing/2014/main" id="{69EF052B-1D02-E447-9806-FC32599C5A21}"/>
+              </a:ext>
+            </a:extLst>
+          </p:cNvPr>
+          <p:cNvSpPr/>
+          <p:nvPr/>
+        </p:nvSpPr>
+        <p:spPr>
+          <a:xfrm>
+            <a:off x="8167960" y="2438978"/>
+            <a:ext cx="829714" cy="215444"/>
+          </a:xfrm>
+          <a:prstGeom prst="rect">
+            <a:avLst/>
+          </a:prstGeom>
+          <a:solidFill>
+            <a:schemeClr val="bg1"/>
+          </a:solidFill>
+        </p:spPr>
+        <p:txBody>
+          <a:bodyPr wrap="none" lIns="0" tIns="0" rIns="0" bIns="0">
+            <a:spAutoFit/>
+          </a:bodyPr>
+          <a:lstStyle/>
+          <a:p>
+            <a:r>
+              <a:rPr lang="en-AU" sz="1400" dirty="0" err="1"/>
+              <a:t>dct:hasPart</a:t>
+            </a:r>
+            <a:endParaRPr lang="en-AU" sz="1400" dirty="0"/>
+          </a:p>
+        </p:txBody>
+      </p:sp>
+      <p:cxnSp>
+        <p:nvCxnSpPr>
+          <p:cNvPr id="40" name="Elbow Connector 39">
+            <a:extLst>
+              <a:ext uri="{FF2B5EF4-FFF2-40B4-BE49-F238E27FC236}">
+                <a16:creationId xmlns:a16="http://schemas.microsoft.com/office/drawing/2014/main" id="{FBC22A33-37CA-634F-B5F8-67721CECA07D}"/>
+              </a:ext>
+            </a:extLst>
+          </p:cNvPr>
+          <p:cNvCxnSpPr>
+            <a:cxnSpLocks/>
+            <a:stCxn id="36" idx="1"/>
+            <a:endCxn id="38" idx="2"/>
+          </p:cNvCxnSpPr>
+          <p:nvPr/>
+        </p:nvCxnSpPr>
+        <p:spPr>
+          <a:xfrm rot="10800000">
+            <a:off x="3648692" y="3410050"/>
+            <a:ext cx="3759222" cy="540944"/>
+          </a:xfrm>
+          <a:prstGeom prst="bentConnector2">
+            <a:avLst/>
+          </a:prstGeom>
+          <a:ln>
+            <a:solidFill>
+              <a:schemeClr val="tx1"/>
+            </a:solidFill>
+            <a:headEnd type="none" w="med" len="med"/>
+            <a:tailEnd type="arrow" w="med" len="med"/>
+          </a:ln>
+        </p:spPr>
+        <p:style>
+          <a:lnRef idx="1">
+            <a:schemeClr val="accent1"/>
+          </a:lnRef>
+          <a:fillRef idx="0">
+            <a:schemeClr val="accent1"/>
+          </a:fillRef>
+          <a:effectRef idx="0">
+            <a:schemeClr val="accent1"/>
+          </a:effectRef>
+          <a:fontRef idx="minor">
+            <a:schemeClr val="tx1"/>
+          </a:fontRef>
+        </p:style>
+      </p:cxnSp>
+      <p:sp>
+        <p:nvSpPr>
+          <p:cNvPr id="44" name="Rectangle 43">
+            <a:extLst>
+              <a:ext uri="{FF2B5EF4-FFF2-40B4-BE49-F238E27FC236}">
+                <a16:creationId xmlns:a16="http://schemas.microsoft.com/office/drawing/2014/main" id="{5BFD5142-C1E1-9C40-90B2-A8DD184DC9A4}"/>
+              </a:ext>
+            </a:extLst>
+          </p:cNvPr>
+          <p:cNvSpPr/>
+          <p:nvPr/>
+        </p:nvSpPr>
+        <p:spPr>
+          <a:xfrm>
+            <a:off x="6149170" y="4530628"/>
+            <a:ext cx="1167564" cy="215444"/>
+          </a:xfrm>
+          <a:prstGeom prst="rect">
+            <a:avLst/>
+          </a:prstGeom>
+          <a:solidFill>
+            <a:schemeClr val="bg1"/>
+          </a:solidFill>
+        </p:spPr>
+        <p:txBody>
+          <a:bodyPr wrap="none" lIns="0" tIns="0" rIns="0" bIns="0">
+            <a:spAutoFit/>
+          </a:bodyPr>
+          <a:lstStyle/>
+          <a:p>
+            <a:r>
+              <a:rPr lang="en-AU" sz="1400" dirty="0" err="1"/>
+              <a:t>gnaf:MeshBlock</a:t>
+            </a:r>
+            <a:endParaRPr lang="en-AU" sz="1400" dirty="0"/>
+          </a:p>
+        </p:txBody>
+      </p:sp>
+      <p:sp>
+        <p:nvSpPr>
+          <p:cNvPr id="45" name="Rectangle 44">
+            <a:extLst>
+              <a:ext uri="{FF2B5EF4-FFF2-40B4-BE49-F238E27FC236}">
+                <a16:creationId xmlns:a16="http://schemas.microsoft.com/office/drawing/2014/main" id="{A20D2ACA-3360-6648-A7C0-0E7AC968950F}"/>
+              </a:ext>
+            </a:extLst>
+          </p:cNvPr>
+          <p:cNvSpPr/>
+          <p:nvPr/>
+        </p:nvSpPr>
+        <p:spPr>
+          <a:xfrm>
+            <a:off x="6232664" y="3708047"/>
+            <a:ext cx="993477" cy="215444"/>
+          </a:xfrm>
+          <a:prstGeom prst="rect">
+            <a:avLst/>
+          </a:prstGeom>
+          <a:solidFill>
+            <a:schemeClr val="bg1"/>
+          </a:solidFill>
+        </p:spPr>
+        <p:txBody>
+          <a:bodyPr wrap="none" lIns="0" tIns="0" rIns="0" bIns="0">
+            <a:spAutoFit/>
+          </a:bodyPr>
+          <a:lstStyle/>
+          <a:p>
+            <a:r>
+              <a:rPr lang="en-AU" sz="1400" dirty="0" err="1"/>
+              <a:t>gnaf:hasState</a:t>
+            </a:r>
+            <a:endParaRPr lang="en-AU" sz="1400" dirty="0"/>
+          </a:p>
+        </p:txBody>
+      </p:sp>
+      <p:sp>
+        <p:nvSpPr>
+          <p:cNvPr id="46" name="Rectangle 45">
+            <a:extLst>
+              <a:ext uri="{FF2B5EF4-FFF2-40B4-BE49-F238E27FC236}">
+                <a16:creationId xmlns:a16="http://schemas.microsoft.com/office/drawing/2014/main" id="{14509C83-C246-6E44-84C4-A6F7CB00ABBF}"/>
+              </a:ext>
+            </a:extLst>
+          </p:cNvPr>
+          <p:cNvSpPr/>
+          <p:nvPr/>
+        </p:nvSpPr>
+        <p:spPr>
+          <a:xfrm>
+            <a:off x="2983303" y="4489351"/>
+            <a:ext cx="1330778" cy="595993"/>
+          </a:xfrm>
+          <a:prstGeom prst="rect">
+            <a:avLst/>
+          </a:prstGeom>
+          <a:solidFill>
+            <a:schemeClr val="bg1"/>
+          </a:solidFill>
+          <a:ln>
+            <a:solidFill>
+              <a:schemeClr val="tx1"/>
+            </a:solidFill>
+          </a:ln>
+        </p:spPr>
+        <p:style>
+          <a:lnRef idx="2">
+            <a:schemeClr val="accent1">
+              <a:shade val="50000"/>
+            </a:schemeClr>
+          </a:lnRef>
+          <a:fillRef idx="1">
+            <a:schemeClr val="accent1"/>
+          </a:fillRef>
+          <a:effectRef idx="0">
+            <a:schemeClr val="accent1"/>
+          </a:effectRef>
+          <a:fontRef idx="minor">
+            <a:schemeClr val="lt1"/>
+          </a:fontRef>
+        </p:style>
+        <p:txBody>
+          <a:bodyPr rtlCol="0" anchor="ctr"/>
+          <a:lstStyle/>
+          <a:p>
+            <a:pPr algn="ctr"/>
+            <a:r>
+              <a:rPr lang="en-US" sz="1400" dirty="0">
+                <a:solidFill>
+                  <a:schemeClr val="tx1"/>
+                </a:solidFill>
+              </a:rPr>
+              <a:t>asgs: MeshBlock</a:t>
+            </a:r>
+          </a:p>
+        </p:txBody>
+      </p:sp>
+      <p:cxnSp>
+        <p:nvCxnSpPr>
+          <p:cNvPr id="52" name="Straight Arrow Connector 51">
+            <a:extLst>
+              <a:ext uri="{FF2B5EF4-FFF2-40B4-BE49-F238E27FC236}">
+                <a16:creationId xmlns:a16="http://schemas.microsoft.com/office/drawing/2014/main" id="{1361D053-2500-B848-A043-542C5590547F}"/>
+              </a:ext>
+            </a:extLst>
+          </p:cNvPr>
+          <p:cNvCxnSpPr>
+            <a:cxnSpLocks/>
+            <a:stCxn id="43" idx="1"/>
+            <a:endCxn id="46" idx="3"/>
+          </p:cNvCxnSpPr>
+          <p:nvPr/>
+        </p:nvCxnSpPr>
+        <p:spPr>
+          <a:xfrm flipH="1" flipV="1">
+            <a:off x="4314081" y="4787348"/>
+            <a:ext cx="3093833" cy="1"/>
+          </a:xfrm>
+          <a:prstGeom prst="straightConnector1">
+            <a:avLst/>
+          </a:prstGeom>
+          <a:ln>
+            <a:solidFill>
+              <a:schemeClr val="tx1"/>
+            </a:solidFill>
+            <a:headEnd type="none"/>
+            <a:tailEnd type="arrow"/>
+          </a:ln>
+        </p:spPr>
+        <p:style>
+          <a:lnRef idx="1">
+            <a:schemeClr val="accent1"/>
+          </a:lnRef>
+          <a:fillRef idx="0">
+            <a:schemeClr val="accent1"/>
+          </a:fillRef>
+          <a:effectRef idx="0">
+            <a:schemeClr val="accent1"/>
+          </a:effectRef>
+          <a:fontRef idx="minor">
+            <a:schemeClr val="tx1"/>
+          </a:fontRef>
+        </p:style>
+      </p:cxnSp>
+      <p:sp>
+        <p:nvSpPr>
+          <p:cNvPr id="58" name="Oval 57">
+            <a:extLst>
+              <a:ext uri="{FF2B5EF4-FFF2-40B4-BE49-F238E27FC236}">
+                <a16:creationId xmlns:a16="http://schemas.microsoft.com/office/drawing/2014/main" id="{C4ADBBF7-D037-C244-A2E6-DC99B8CCFB1E}"/>
+              </a:ext>
+            </a:extLst>
+          </p:cNvPr>
+          <p:cNvSpPr/>
+          <p:nvPr/>
+        </p:nvSpPr>
+        <p:spPr>
+          <a:xfrm>
+            <a:off x="9426847" y="1702723"/>
+            <a:ext cx="1330778" cy="595993"/>
+          </a:xfrm>
+          <a:prstGeom prst="ellipse">
+            <a:avLst/>
+          </a:prstGeom>
+          <a:solidFill>
+            <a:schemeClr val="accent2">
+              <a:lumMod val="20000"/>
+              <a:lumOff val="80000"/>
+            </a:schemeClr>
+          </a:solidFill>
+          <a:ln w="12700">
+            <a:solidFill>
+              <a:schemeClr val="bg1">
+                <a:lumMod val="50000"/>
+              </a:schemeClr>
+            </a:solidFill>
+          </a:ln>
+        </p:spPr>
+        <p:style>
+          <a:lnRef idx="2">
+            <a:schemeClr val="accent1">
+              <a:shade val="50000"/>
+            </a:schemeClr>
+          </a:lnRef>
+          <a:fillRef idx="1">
+            <a:schemeClr val="accent1"/>
+          </a:fillRef>
+          <a:effectRef idx="0">
+            <a:schemeClr val="accent1"/>
+          </a:effectRef>
+          <a:fontRef idx="minor">
+            <a:schemeClr val="lt1"/>
+          </a:fontRef>
+        </p:style>
+        <p:txBody>
+          <a:bodyPr rtlCol="0" anchor="ctr"/>
+          <a:lstStyle/>
+          <a:p>
+            <a:pPr algn="ctr"/>
+            <a:r>
+              <a:rPr lang="en-US" sz="1200" dirty="0">
+                <a:solidFill>
+                  <a:schemeClr val="tx1"/>
+                </a:solidFill>
+              </a:rPr>
+              <a:t>Geofabric:</a:t>
+            </a:r>
+            <a:br>
+              <a:rPr lang="en-US" sz="1200" dirty="0">
+                <a:solidFill>
+                  <a:schemeClr val="tx1"/>
+                </a:solidFill>
+              </a:rPr>
+            </a:br>
+            <a:r>
+              <a:rPr lang="en-US" sz="1200" dirty="0">
+                <a:solidFill>
+                  <a:schemeClr val="tx1"/>
+                </a:solidFill>
+              </a:rPr>
+              <a:t>Catchments</a:t>
+            </a:r>
+          </a:p>
+        </p:txBody>
+      </p:sp>
+      <p:sp>
+        <p:nvSpPr>
+          <p:cNvPr id="60" name="Rectangle 59">
+            <a:extLst>
+              <a:ext uri="{FF2B5EF4-FFF2-40B4-BE49-F238E27FC236}">
+                <a16:creationId xmlns:a16="http://schemas.microsoft.com/office/drawing/2014/main" id="{E1F3DCD0-291E-524F-8410-F77F43DCB45C}"/>
+              </a:ext>
+            </a:extLst>
+          </p:cNvPr>
+          <p:cNvSpPr/>
+          <p:nvPr/>
+        </p:nvSpPr>
+        <p:spPr>
+          <a:xfrm>
+            <a:off x="7415740" y="6161159"/>
+            <a:ext cx="1330778" cy="595993"/>
+          </a:xfrm>
+          <a:prstGeom prst="rect">
+            <a:avLst/>
+          </a:prstGeom>
+          <a:solidFill>
+            <a:schemeClr val="bg1"/>
+          </a:solidFill>
+          <a:ln>
+            <a:solidFill>
+              <a:schemeClr val="tx1"/>
+            </a:solidFill>
+          </a:ln>
+        </p:spPr>
+        <p:style>
+          <a:lnRef idx="2">
+            <a:schemeClr val="accent1">
+              <a:shade val="50000"/>
+            </a:schemeClr>
+          </a:lnRef>
+          <a:fillRef idx="1">
+            <a:schemeClr val="accent1"/>
+          </a:fillRef>
+          <a:effectRef idx="0">
+            <a:schemeClr val="accent1"/>
+          </a:effectRef>
+          <a:fontRef idx="minor">
+            <a:schemeClr val="lt1"/>
+          </a:fontRef>
+        </p:style>
+        <p:txBody>
+          <a:bodyPr rtlCol="0" anchor="ctr"/>
+          <a:lstStyle/>
+          <a:p>
+            <a:pPr algn="ctr"/>
+            <a:r>
+              <a:rPr lang="en-US" sz="1400" dirty="0" err="1">
+                <a:solidFill>
+                  <a:schemeClr val="tx1"/>
+                </a:solidFill>
+              </a:rPr>
+              <a:t>gnaf</a:t>
+            </a:r>
+            <a:r>
+              <a:rPr lang="en-US" sz="1400" dirty="0">
+                <a:solidFill>
+                  <a:schemeClr val="tx1"/>
+                </a:solidFill>
+              </a:rPr>
+              <a:t>:</a:t>
+            </a:r>
+            <a:br>
+              <a:rPr lang="en-US" sz="1400" dirty="0">
+                <a:solidFill>
+                  <a:schemeClr val="tx1"/>
+                </a:solidFill>
+              </a:rPr>
+            </a:br>
+            <a:r>
+              <a:rPr lang="en-US" sz="1400" dirty="0" err="1">
+                <a:solidFill>
+                  <a:schemeClr val="tx1"/>
+                </a:solidFill>
+              </a:rPr>
+              <a:t>StreetLocality</a:t>
+            </a:r>
+            <a:endParaRPr lang="en-US" sz="1400" dirty="0">
+              <a:solidFill>
+                <a:schemeClr val="tx1"/>
+              </a:solidFill>
+            </a:endParaRPr>
+          </a:p>
+        </p:txBody>
+      </p:sp>
+      <p:sp>
+        <p:nvSpPr>
+          <p:cNvPr id="62" name="Rectangle 61">
+            <a:extLst>
+              <a:ext uri="{FF2B5EF4-FFF2-40B4-BE49-F238E27FC236}">
+                <a16:creationId xmlns:a16="http://schemas.microsoft.com/office/drawing/2014/main" id="{C852E23A-5A5E-4747-9FC9-8D75CA95E19C}"/>
+              </a:ext>
+            </a:extLst>
+          </p:cNvPr>
+          <p:cNvSpPr/>
+          <p:nvPr/>
+        </p:nvSpPr>
+        <p:spPr>
+          <a:xfrm>
+            <a:off x="9426847" y="3652996"/>
+            <a:ext cx="1330778" cy="595993"/>
+          </a:xfrm>
+          <a:prstGeom prst="rect">
+            <a:avLst/>
+          </a:prstGeom>
+          <a:solidFill>
+            <a:schemeClr val="bg1"/>
+          </a:solidFill>
+          <a:ln>
+            <a:solidFill>
+              <a:schemeClr val="tx1"/>
+            </a:solidFill>
+          </a:ln>
+        </p:spPr>
+        <p:style>
+          <a:lnRef idx="2">
+            <a:schemeClr val="accent1">
+              <a:shade val="50000"/>
+            </a:schemeClr>
+          </a:lnRef>
+          <a:fillRef idx="1">
+            <a:schemeClr val="accent1"/>
+          </a:fillRef>
+          <a:effectRef idx="0">
+            <a:schemeClr val="accent1"/>
+          </a:effectRef>
+          <a:fontRef idx="minor">
+            <a:schemeClr val="lt1"/>
+          </a:fontRef>
+        </p:style>
+        <p:txBody>
+          <a:bodyPr rtlCol="0" anchor="ctr"/>
+          <a:lstStyle/>
+          <a:p>
+            <a:pPr algn="ctr"/>
+            <a:r>
+              <a:rPr lang="en-US" sz="1400" dirty="0">
+                <a:solidFill>
+                  <a:schemeClr val="tx1"/>
+                </a:solidFill>
+              </a:rPr>
+              <a:t>ahgf:</a:t>
+            </a:r>
+            <a:br>
+              <a:rPr lang="en-US" sz="1400" dirty="0">
+                <a:solidFill>
+                  <a:schemeClr val="tx1"/>
+                </a:solidFill>
+              </a:rPr>
+            </a:br>
+            <a:r>
+              <a:rPr lang="en-US" sz="1400" dirty="0">
+                <a:solidFill>
+                  <a:schemeClr val="tx1"/>
+                </a:solidFill>
+              </a:rPr>
+              <a:t>Waterbody</a:t>
+            </a:r>
+          </a:p>
+        </p:txBody>
+      </p:sp>
+      <p:cxnSp>
+        <p:nvCxnSpPr>
+          <p:cNvPr id="67" name="Straight Arrow Connector 66">
+            <a:extLst>
+              <a:ext uri="{FF2B5EF4-FFF2-40B4-BE49-F238E27FC236}">
+                <a16:creationId xmlns:a16="http://schemas.microsoft.com/office/drawing/2014/main" id="{F1C14DB1-5BE2-9D4F-A7B0-5EA3E89B90A7}"/>
+              </a:ext>
+            </a:extLst>
+          </p:cNvPr>
+          <p:cNvCxnSpPr>
+            <a:cxnSpLocks/>
+            <a:stCxn id="59" idx="0"/>
+            <a:endCxn id="58" idx="4"/>
+          </p:cNvCxnSpPr>
+          <p:nvPr/>
+        </p:nvCxnSpPr>
+        <p:spPr>
+          <a:xfrm flipV="1">
+            <a:off x="10092236" y="2298716"/>
+            <a:ext cx="0" cy="519553"/>
+          </a:xfrm>
+          <a:prstGeom prst="straightConnector1">
+            <a:avLst/>
+          </a:prstGeom>
+          <a:ln>
+            <a:solidFill>
+              <a:schemeClr val="tx1"/>
+            </a:solidFill>
+            <a:prstDash val="solid"/>
+            <a:headEnd type="arrow" w="med" len="med"/>
+            <a:tailEnd type="none" w="med" len="med"/>
+          </a:ln>
+        </p:spPr>
+        <p:style>
+          <a:lnRef idx="1">
+            <a:schemeClr val="accent1"/>
+          </a:lnRef>
+          <a:fillRef idx="0">
+            <a:schemeClr val="accent1"/>
+          </a:fillRef>
+          <a:effectRef idx="0">
+            <a:schemeClr val="accent1"/>
+          </a:effectRef>
+          <a:fontRef idx="minor">
+            <a:schemeClr val="tx1"/>
+          </a:fontRef>
+        </p:style>
+      </p:cxnSp>
+      <p:cxnSp>
+        <p:nvCxnSpPr>
+          <p:cNvPr id="70" name="Elbow Connector 69">
+            <a:extLst>
+              <a:ext uri="{FF2B5EF4-FFF2-40B4-BE49-F238E27FC236}">
+                <a16:creationId xmlns:a16="http://schemas.microsoft.com/office/drawing/2014/main" id="{574161D0-996E-774F-9B58-2EB49CEF8DC5}"/>
+              </a:ext>
+            </a:extLst>
+          </p:cNvPr>
+          <p:cNvCxnSpPr>
+            <a:cxnSpLocks/>
+            <a:stCxn id="60" idx="3"/>
+            <a:endCxn id="62" idx="1"/>
+          </p:cNvCxnSpPr>
+          <p:nvPr/>
+        </p:nvCxnSpPr>
+        <p:spPr>
+          <a:xfrm flipV="1">
+            <a:off x="8746518" y="3950993"/>
+            <a:ext cx="680329" cy="2508163"/>
+          </a:xfrm>
+          <a:prstGeom prst="bentConnector3">
+            <a:avLst>
+              <a:gd name="adj1" fmla="val 61390"/>
+            </a:avLst>
+          </a:prstGeom>
+          <a:ln>
+            <a:solidFill>
+              <a:schemeClr val="tx1"/>
+            </a:solidFill>
+            <a:headEnd type="none" w="med" len="med"/>
+            <a:tailEnd type="arrow" w="med" len="med"/>
+          </a:ln>
+        </p:spPr>
+        <p:style>
+          <a:lnRef idx="1">
+            <a:schemeClr val="accent1"/>
+          </a:lnRef>
+          <a:fillRef idx="0">
+            <a:schemeClr val="accent1"/>
+          </a:fillRef>
+          <a:effectRef idx="0">
+            <a:schemeClr val="accent1"/>
+          </a:effectRef>
+          <a:fontRef idx="minor">
+            <a:schemeClr val="tx1"/>
+          </a:fontRef>
+        </p:style>
+      </p:cxnSp>
+      <p:cxnSp>
+        <p:nvCxnSpPr>
+          <p:cNvPr id="72" name="Elbow Connector 71">
+            <a:extLst>
+              <a:ext uri="{FF2B5EF4-FFF2-40B4-BE49-F238E27FC236}">
+                <a16:creationId xmlns:a16="http://schemas.microsoft.com/office/drawing/2014/main" id="{449C7998-1D10-8B44-ADEF-7A8A05C2CDD4}"/>
+              </a:ext>
+            </a:extLst>
+          </p:cNvPr>
+          <p:cNvCxnSpPr>
+            <a:cxnSpLocks/>
+            <a:stCxn id="64" idx="3"/>
+            <a:endCxn id="59" idx="1"/>
+          </p:cNvCxnSpPr>
+          <p:nvPr/>
+        </p:nvCxnSpPr>
+        <p:spPr>
+          <a:xfrm flipV="1">
+            <a:off x="8738692" y="3116266"/>
+            <a:ext cx="688155" cy="2508162"/>
+          </a:xfrm>
+          <a:prstGeom prst="bentConnector3">
+            <a:avLst>
+              <a:gd name="adj1" fmla="val 30857"/>
+            </a:avLst>
+          </a:prstGeom>
+          <a:ln>
+            <a:solidFill>
+              <a:schemeClr val="tx1"/>
+            </a:solidFill>
+            <a:headEnd type="none" w="med" len="med"/>
+            <a:tailEnd type="arrow" w="med" len="med"/>
+          </a:ln>
+        </p:spPr>
+        <p:style>
+          <a:lnRef idx="1">
+            <a:schemeClr val="accent1"/>
+          </a:lnRef>
+          <a:fillRef idx="0">
+            <a:schemeClr val="accent1"/>
+          </a:fillRef>
+          <a:effectRef idx="0">
+            <a:schemeClr val="accent1"/>
+          </a:effectRef>
+          <a:fontRef idx="minor">
+            <a:schemeClr val="tx1"/>
+          </a:fontRef>
+        </p:style>
+      </p:cxnSp>
+      <p:sp>
+        <p:nvSpPr>
+          <p:cNvPr id="63" name="Rectangle 62">
+            <a:extLst>
+              <a:ext uri="{FF2B5EF4-FFF2-40B4-BE49-F238E27FC236}">
+                <a16:creationId xmlns:a16="http://schemas.microsoft.com/office/drawing/2014/main" id="{D4EFB7B4-64C5-2B47-B7F6-BDFEEB71FE8A}"/>
+              </a:ext>
+            </a:extLst>
+          </p:cNvPr>
+          <p:cNvSpPr/>
+          <p:nvPr/>
+        </p:nvSpPr>
+        <p:spPr>
+          <a:xfrm>
+            <a:off x="8445758" y="3424275"/>
+            <a:ext cx="1030860" cy="215444"/>
+          </a:xfrm>
+          <a:prstGeom prst="rect">
+            <a:avLst/>
+          </a:prstGeom>
+          <a:solidFill>
+            <a:schemeClr val="bg1"/>
+          </a:solidFill>
+        </p:spPr>
+        <p:txBody>
+          <a:bodyPr wrap="none" lIns="0" tIns="0" rIns="0" bIns="0">
+            <a:spAutoFit/>
+          </a:bodyPr>
+          <a:lstStyle/>
+          <a:p>
+            <a:r>
+              <a:rPr lang="en-AU" sz="1400" dirty="0" err="1"/>
+              <a:t>geo:sfTouches</a:t>
+            </a:r>
+            <a:endParaRPr lang="en-AU" sz="1400" dirty="0"/>
+          </a:p>
+        </p:txBody>
+      </p:sp>
+      <p:sp>
+        <p:nvSpPr>
+          <p:cNvPr id="69" name="Rectangle 68">
+            <a:extLst>
+              <a:ext uri="{FF2B5EF4-FFF2-40B4-BE49-F238E27FC236}">
+                <a16:creationId xmlns:a16="http://schemas.microsoft.com/office/drawing/2014/main" id="{9FBE13F6-04D1-D741-9C90-1F8D0E25BDA9}"/>
+              </a:ext>
+            </a:extLst>
+          </p:cNvPr>
+          <p:cNvSpPr/>
+          <p:nvPr/>
+        </p:nvSpPr>
+        <p:spPr>
+          <a:xfrm>
+            <a:off x="8746518" y="5926039"/>
+            <a:ext cx="829714" cy="215444"/>
+          </a:xfrm>
+          <a:prstGeom prst="rect">
+            <a:avLst/>
+          </a:prstGeom>
+          <a:solidFill>
+            <a:schemeClr val="bg1"/>
+          </a:solidFill>
+        </p:spPr>
+        <p:txBody>
+          <a:bodyPr wrap="none" lIns="0" tIns="0" rIns="0" bIns="0">
+            <a:spAutoFit/>
+          </a:bodyPr>
+          <a:lstStyle/>
+          <a:p>
+            <a:r>
+              <a:rPr lang="en-AU" sz="1400" dirty="0" err="1"/>
+              <a:t>dct:hasPart</a:t>
+            </a:r>
+            <a:endParaRPr lang="en-AU" sz="1400" dirty="0"/>
+          </a:p>
+        </p:txBody>
+      </p:sp>
+      <p:cxnSp>
+        <p:nvCxnSpPr>
+          <p:cNvPr id="84" name="Straight Arrow Connector 83">
+            <a:extLst>
+              <a:ext uri="{FF2B5EF4-FFF2-40B4-BE49-F238E27FC236}">
+                <a16:creationId xmlns:a16="http://schemas.microsoft.com/office/drawing/2014/main" id="{3916679B-47E7-1E4C-A366-3016620F5DD7}"/>
+              </a:ext>
+            </a:extLst>
+          </p:cNvPr>
+          <p:cNvCxnSpPr>
+            <a:cxnSpLocks/>
+          </p:cNvCxnSpPr>
+          <p:nvPr/>
+        </p:nvCxnSpPr>
+        <p:spPr>
+          <a:xfrm flipV="1">
+            <a:off x="7962233" y="2277371"/>
+            <a:ext cx="0" cy="1362348"/>
+          </a:xfrm>
+          <a:prstGeom prst="straightConnector1">
+            <a:avLst/>
+          </a:prstGeom>
+          <a:ln>
+            <a:solidFill>
+              <a:schemeClr val="tx1"/>
+            </a:solidFill>
+            <a:prstDash val="solid"/>
+            <a:headEnd type="arrow" w="med" len="med"/>
+            <a:tailEnd type="none" w="med" len="med"/>
+          </a:ln>
+        </p:spPr>
+        <p:style>
+          <a:lnRef idx="1">
+            <a:schemeClr val="accent1"/>
+          </a:lnRef>
+          <a:fillRef idx="0">
+            <a:schemeClr val="accent1"/>
+          </a:fillRef>
+          <a:effectRef idx="0">
+            <a:schemeClr val="accent1"/>
+          </a:effectRef>
+          <a:fontRef idx="minor">
+            <a:schemeClr val="tx1"/>
+          </a:fontRef>
+        </p:style>
+      </p:cxnSp>
+      <p:cxnSp>
+        <p:nvCxnSpPr>
+          <p:cNvPr id="86" name="Straight Arrow Connector 85">
+            <a:extLst>
+              <a:ext uri="{FF2B5EF4-FFF2-40B4-BE49-F238E27FC236}">
+                <a16:creationId xmlns:a16="http://schemas.microsoft.com/office/drawing/2014/main" id="{A412F133-95A2-004C-B78D-F312A24F73C7}"/>
+              </a:ext>
+            </a:extLst>
+          </p:cNvPr>
+          <p:cNvCxnSpPr>
+            <a:cxnSpLocks/>
+          </p:cNvCxnSpPr>
+          <p:nvPr/>
+        </p:nvCxnSpPr>
+        <p:spPr>
+          <a:xfrm flipV="1">
+            <a:off x="7843413" y="2277371"/>
+            <a:ext cx="0" cy="2211980"/>
+          </a:xfrm>
+          <a:prstGeom prst="straightConnector1">
+            <a:avLst/>
+          </a:prstGeom>
+          <a:ln>
+            <a:solidFill>
+              <a:schemeClr val="tx1"/>
+            </a:solidFill>
+            <a:prstDash val="solid"/>
+            <a:headEnd type="arrow" w="med" len="med"/>
+            <a:tailEnd type="none" w="med" len="med"/>
+          </a:ln>
+        </p:spPr>
+        <p:style>
+          <a:lnRef idx="1">
+            <a:schemeClr val="accent1"/>
+          </a:lnRef>
+          <a:fillRef idx="0">
+            <a:schemeClr val="accent1"/>
+          </a:fillRef>
+          <a:effectRef idx="0">
+            <a:schemeClr val="accent1"/>
+          </a:effectRef>
+          <a:fontRef idx="minor">
+            <a:schemeClr val="tx1"/>
+          </a:fontRef>
+        </p:style>
+      </p:cxnSp>
+      <p:cxnSp>
+        <p:nvCxnSpPr>
+          <p:cNvPr id="87" name="Straight Arrow Connector 86">
+            <a:extLst>
+              <a:ext uri="{FF2B5EF4-FFF2-40B4-BE49-F238E27FC236}">
+                <a16:creationId xmlns:a16="http://schemas.microsoft.com/office/drawing/2014/main" id="{EEA05E63-A3B1-EA4D-8643-82FAD2A9D282}"/>
+              </a:ext>
+            </a:extLst>
+          </p:cNvPr>
+          <p:cNvCxnSpPr>
+            <a:cxnSpLocks/>
+          </p:cNvCxnSpPr>
+          <p:nvPr/>
+        </p:nvCxnSpPr>
+        <p:spPr>
+          <a:xfrm flipV="1">
+            <a:off x="7716843" y="2256284"/>
+            <a:ext cx="0" cy="3070147"/>
+          </a:xfrm>
+          <a:prstGeom prst="straightConnector1">
+            <a:avLst/>
+          </a:prstGeom>
+          <a:ln>
+            <a:solidFill>
+              <a:schemeClr val="tx1"/>
+            </a:solidFill>
+            <a:prstDash val="solid"/>
+            <a:headEnd type="arrow" w="med" len="med"/>
+            <a:tailEnd type="none" w="med" len="med"/>
+          </a:ln>
+        </p:spPr>
+        <p:style>
+          <a:lnRef idx="1">
+            <a:schemeClr val="accent1"/>
+          </a:lnRef>
+          <a:fillRef idx="0">
+            <a:schemeClr val="accent1"/>
+          </a:fillRef>
+          <a:effectRef idx="0">
+            <a:schemeClr val="accent1"/>
+          </a:effectRef>
+          <a:fontRef idx="minor">
+            <a:schemeClr val="tx1"/>
+          </a:fontRef>
+        </p:style>
+      </p:cxnSp>
+      <p:cxnSp>
+        <p:nvCxnSpPr>
+          <p:cNvPr id="88" name="Straight Arrow Connector 87">
+            <a:extLst>
+              <a:ext uri="{FF2B5EF4-FFF2-40B4-BE49-F238E27FC236}">
+                <a16:creationId xmlns:a16="http://schemas.microsoft.com/office/drawing/2014/main" id="{3E806B43-B92C-B240-8513-509B38EE54C9}"/>
+              </a:ext>
+            </a:extLst>
+          </p:cNvPr>
+          <p:cNvCxnSpPr>
+            <a:cxnSpLocks/>
+          </p:cNvCxnSpPr>
+          <p:nvPr/>
+        </p:nvCxnSpPr>
+        <p:spPr>
+          <a:xfrm flipV="1">
+            <a:off x="7590274" y="2190825"/>
+            <a:ext cx="0" cy="3950658"/>
+          </a:xfrm>
+          <a:prstGeom prst="straightConnector1">
+            <a:avLst/>
+          </a:prstGeom>
+          <a:ln>
+            <a:solidFill>
+              <a:schemeClr val="tx1"/>
+            </a:solidFill>
+            <a:prstDash val="solid"/>
+            <a:headEnd type="arrow" w="med" len="med"/>
+            <a:tailEnd type="none" w="med" len="med"/>
+          </a:ln>
+        </p:spPr>
+        <p:style>
+          <a:lnRef idx="1">
+            <a:schemeClr val="accent1"/>
+          </a:lnRef>
+          <a:fillRef idx="0">
+            <a:schemeClr val="accent1"/>
+          </a:fillRef>
+          <a:effectRef idx="0">
+            <a:schemeClr val="accent1"/>
+          </a:effectRef>
+          <a:fontRef idx="minor">
+            <a:schemeClr val="tx1"/>
+          </a:fontRef>
+        </p:style>
+      </p:cxnSp>
+      <p:cxnSp>
+        <p:nvCxnSpPr>
+          <p:cNvPr id="92" name="Elbow Connector 91">
+            <a:extLst>
+              <a:ext uri="{FF2B5EF4-FFF2-40B4-BE49-F238E27FC236}">
+                <a16:creationId xmlns:a16="http://schemas.microsoft.com/office/drawing/2014/main" id="{15D70580-4211-C74A-B805-25A37352024C}"/>
+              </a:ext>
+            </a:extLst>
+          </p:cNvPr>
+          <p:cNvCxnSpPr>
+            <a:cxnSpLocks/>
+            <a:stCxn id="58" idx="4"/>
+            <a:endCxn id="62" idx="3"/>
+          </p:cNvCxnSpPr>
+          <p:nvPr/>
+        </p:nvCxnSpPr>
+        <p:spPr>
+          <a:xfrm rot="16200000" flipH="1">
+            <a:off x="9598792" y="2792159"/>
+            <a:ext cx="1652277" cy="665389"/>
+          </a:xfrm>
+          <a:prstGeom prst="bentConnector4">
+            <a:avLst>
+              <a:gd name="adj1" fmla="val 19877"/>
+              <a:gd name="adj2" fmla="val 134356"/>
+            </a:avLst>
+          </a:prstGeom>
+          <a:ln>
+            <a:solidFill>
+              <a:schemeClr val="tx1"/>
+            </a:solidFill>
+            <a:headEnd type="none" w="med" len="med"/>
+            <a:tailEnd type="arrow" w="med" len="med"/>
+          </a:ln>
+        </p:spPr>
+        <p:style>
+          <a:lnRef idx="1">
+            <a:schemeClr val="accent1"/>
+          </a:lnRef>
+          <a:fillRef idx="0">
+            <a:schemeClr val="accent1"/>
+          </a:fillRef>
+          <a:effectRef idx="0">
+            <a:schemeClr val="accent1"/>
+          </a:effectRef>
+          <a:fontRef idx="minor">
+            <a:schemeClr val="tx1"/>
+          </a:fontRef>
+        </p:style>
+      </p:cxnSp>
+      <p:sp>
+        <p:nvSpPr>
+          <p:cNvPr id="57" name="Rectangle 56">
+            <a:extLst>
+              <a:ext uri="{FF2B5EF4-FFF2-40B4-BE49-F238E27FC236}">
+                <a16:creationId xmlns:a16="http://schemas.microsoft.com/office/drawing/2014/main" id="{B6B63762-D378-42DE-AD03-60B243F1B4AF}"/>
+              </a:ext>
+            </a:extLst>
+          </p:cNvPr>
+          <p:cNvSpPr/>
+          <p:nvPr/>
+        </p:nvSpPr>
+        <p:spPr>
+          <a:xfrm>
+            <a:off x="7407915" y="2816641"/>
+            <a:ext cx="1330778" cy="595993"/>
+          </a:xfrm>
+          <a:prstGeom prst="rect">
+            <a:avLst/>
+          </a:prstGeom>
+          <a:solidFill>
+            <a:srgbClr val="FFFFFF">
+              <a:alpha val="85098"/>
+            </a:srgbClr>
+          </a:solidFill>
+          <a:ln>
+            <a:solidFill>
+              <a:schemeClr val="tx1"/>
+            </a:solidFill>
+          </a:ln>
+        </p:spPr>
+        <p:style>
+          <a:lnRef idx="2">
+            <a:schemeClr val="accent1">
+              <a:shade val="50000"/>
+            </a:schemeClr>
+          </a:lnRef>
+          <a:fillRef idx="1">
+            <a:schemeClr val="accent1"/>
+          </a:fillRef>
+          <a:effectRef idx="0">
+            <a:schemeClr val="accent1"/>
+          </a:effectRef>
+          <a:fontRef idx="minor">
+            <a:schemeClr val="lt1"/>
+          </a:fontRef>
+        </p:style>
+        <p:txBody>
+          <a:bodyPr rtlCol="0" anchor="ctr"/>
+          <a:lstStyle/>
+          <a:p>
+            <a:pPr algn="ctr"/>
+            <a:r>
+              <a:rPr lang="en-US" sz="1400" dirty="0" err="1">
+                <a:solidFill>
+                  <a:schemeClr val="tx1"/>
+                </a:solidFill>
+              </a:rPr>
+              <a:t>gnaf:Address</a:t>
+            </a:r>
+            <a:endParaRPr lang="en-US" sz="1400" dirty="0">
+              <a:solidFill>
+                <a:schemeClr val="tx1"/>
+              </a:solidFill>
+            </a:endParaRPr>
+          </a:p>
+        </p:txBody>
+      </p:sp>
+      <p:sp>
+        <p:nvSpPr>
+          <p:cNvPr id="36" name="Rectangle 35">
+            <a:extLst>
+              <a:ext uri="{FF2B5EF4-FFF2-40B4-BE49-F238E27FC236}">
+                <a16:creationId xmlns:a16="http://schemas.microsoft.com/office/drawing/2014/main" id="{A15ED747-FDDC-C44D-A7AC-30015FBD426B}"/>
+              </a:ext>
+            </a:extLst>
+          </p:cNvPr>
+          <p:cNvSpPr/>
+          <p:nvPr/>
+        </p:nvSpPr>
+        <p:spPr>
+          <a:xfrm>
+            <a:off x="7407914" y="3652997"/>
+            <a:ext cx="1330778" cy="595993"/>
+          </a:xfrm>
+          <a:prstGeom prst="rect">
+            <a:avLst/>
+          </a:prstGeom>
+          <a:solidFill>
+            <a:srgbClr val="FFFFFF">
+              <a:alpha val="85098"/>
+            </a:srgbClr>
+          </a:solidFill>
+          <a:ln>
+            <a:solidFill>
+              <a:schemeClr val="tx1"/>
+            </a:solidFill>
+          </a:ln>
+        </p:spPr>
+        <p:style>
+          <a:lnRef idx="2">
+            <a:schemeClr val="accent1">
+              <a:shade val="50000"/>
+            </a:schemeClr>
+          </a:lnRef>
+          <a:fillRef idx="1">
+            <a:schemeClr val="accent1"/>
+          </a:fillRef>
+          <a:effectRef idx="0">
+            <a:schemeClr val="accent1"/>
+          </a:effectRef>
+          <a:fontRef idx="minor">
+            <a:schemeClr val="lt1"/>
+          </a:fontRef>
+        </p:style>
+        <p:txBody>
+          <a:bodyPr rtlCol="0" anchor="ctr"/>
+          <a:lstStyle/>
+          <a:p>
+            <a:pPr algn="ctr"/>
+            <a:r>
+              <a:rPr lang="en-US" sz="1400" dirty="0" err="1">
+                <a:solidFill>
+                  <a:schemeClr val="tx1"/>
+                </a:solidFill>
+              </a:rPr>
+              <a:t>gnaf</a:t>
+            </a:r>
+            <a:r>
+              <a:rPr lang="en-US" sz="1400" dirty="0">
+                <a:solidFill>
+                  <a:schemeClr val="tx1"/>
+                </a:solidFill>
+              </a:rPr>
+              <a:t>:</a:t>
+            </a:r>
+            <a:br>
+              <a:rPr lang="en-US" sz="1400" dirty="0">
+                <a:solidFill>
+                  <a:schemeClr val="tx1"/>
+                </a:solidFill>
+              </a:rPr>
+            </a:br>
+            <a:r>
+              <a:rPr lang="en-US" sz="1400" dirty="0" err="1">
+                <a:solidFill>
+                  <a:schemeClr val="tx1"/>
+                </a:solidFill>
+              </a:rPr>
+              <a:t>Locality</a:t>
+            </a:r>
+            <a:endParaRPr lang="en-US" sz="1400" dirty="0">
+              <a:solidFill>
+                <a:schemeClr val="tx1"/>
+              </a:solidFill>
+            </a:endParaRPr>
+          </a:p>
+        </p:txBody>
+      </p:sp>
+      <p:sp>
+        <p:nvSpPr>
+          <p:cNvPr id="43" name="Rectangle 42">
+            <a:extLst>
+              <a:ext uri="{FF2B5EF4-FFF2-40B4-BE49-F238E27FC236}">
+                <a16:creationId xmlns:a16="http://schemas.microsoft.com/office/drawing/2014/main" id="{1F1B6973-FA73-F540-B36E-D6B36B348F12}"/>
+              </a:ext>
+            </a:extLst>
+          </p:cNvPr>
+          <p:cNvSpPr/>
+          <p:nvPr/>
+        </p:nvSpPr>
+        <p:spPr>
+          <a:xfrm>
+            <a:off x="7407914" y="4489352"/>
+            <a:ext cx="1330778" cy="595993"/>
+          </a:xfrm>
+          <a:prstGeom prst="rect">
+            <a:avLst/>
+          </a:prstGeom>
+          <a:solidFill>
+            <a:srgbClr val="FFFFFF">
+              <a:alpha val="85098"/>
+            </a:srgbClr>
+          </a:solidFill>
+          <a:ln>
+            <a:solidFill>
+              <a:schemeClr val="tx1"/>
+            </a:solidFill>
+          </a:ln>
+        </p:spPr>
+        <p:style>
+          <a:lnRef idx="2">
+            <a:schemeClr val="accent1">
+              <a:shade val="50000"/>
+            </a:schemeClr>
+          </a:lnRef>
+          <a:fillRef idx="1">
+            <a:schemeClr val="accent1"/>
+          </a:fillRef>
+          <a:effectRef idx="0">
+            <a:schemeClr val="accent1"/>
+          </a:effectRef>
+          <a:fontRef idx="minor">
+            <a:schemeClr val="lt1"/>
+          </a:fontRef>
+        </p:style>
+        <p:txBody>
+          <a:bodyPr rtlCol="0" anchor="ctr"/>
+          <a:lstStyle/>
+          <a:p>
+            <a:pPr algn="ctr"/>
+            <a:r>
+              <a:rPr lang="en-US" sz="1400" dirty="0" err="1">
+                <a:solidFill>
+                  <a:schemeClr val="tx1"/>
+                </a:solidFill>
+              </a:rPr>
+              <a:t>gnaf</a:t>
+            </a:r>
+            <a:r>
+              <a:rPr lang="en-US" sz="1400" dirty="0">
+                <a:solidFill>
+                  <a:schemeClr val="tx1"/>
+                </a:solidFill>
+              </a:rPr>
+              <a:t>:</a:t>
+            </a:r>
+            <a:br>
+              <a:rPr lang="en-US" sz="1400" dirty="0">
+                <a:solidFill>
+                  <a:schemeClr val="tx1"/>
+                </a:solidFill>
+              </a:rPr>
+            </a:br>
+            <a:r>
+              <a:rPr lang="en-US" sz="1400" dirty="0" err="1">
+                <a:solidFill>
+                  <a:schemeClr val="tx1"/>
+                </a:solidFill>
+              </a:rPr>
+              <a:t>MeshBlock</a:t>
+            </a:r>
+            <a:br>
+              <a:rPr lang="en-US" sz="1400" dirty="0" err="1">
+                <a:solidFill>
+                  <a:schemeClr val="tx1"/>
+                </a:solidFill>
+              </a:rPr>
+            </a:br>
+            <a:r>
+              <a:rPr lang="en-US" sz="1400" dirty="0" err="1">
+                <a:solidFill>
+                  <a:schemeClr val="tx1"/>
+                </a:solidFill>
+              </a:rPr>
+              <a:t>Match</a:t>
+            </a:r>
+            <a:endParaRPr lang="en-US" sz="1400" dirty="0">
+              <a:solidFill>
+                <a:schemeClr val="tx1"/>
+              </a:solidFill>
+            </a:endParaRPr>
+          </a:p>
+        </p:txBody>
+      </p:sp>
+      <p:sp>
+        <p:nvSpPr>
+          <p:cNvPr id="64" name="Rectangle 63">
+            <a:extLst>
+              <a:ext uri="{FF2B5EF4-FFF2-40B4-BE49-F238E27FC236}">
+                <a16:creationId xmlns:a16="http://schemas.microsoft.com/office/drawing/2014/main" id="{2A9DC3D6-9E31-EF43-811A-37E8423C9A39}"/>
+              </a:ext>
+            </a:extLst>
+          </p:cNvPr>
+          <p:cNvSpPr/>
+          <p:nvPr/>
+        </p:nvSpPr>
+        <p:spPr>
+          <a:xfrm>
+            <a:off x="7407914" y="5326431"/>
+            <a:ext cx="1330778" cy="595993"/>
+          </a:xfrm>
+          <a:prstGeom prst="rect">
+            <a:avLst/>
+          </a:prstGeom>
+          <a:solidFill>
+            <a:srgbClr val="FFFFFF">
+              <a:alpha val="85098"/>
+            </a:srgbClr>
+          </a:solidFill>
+          <a:ln>
+            <a:solidFill>
+              <a:schemeClr val="tx1"/>
+            </a:solidFill>
+          </a:ln>
+        </p:spPr>
+        <p:style>
+          <a:lnRef idx="2">
+            <a:schemeClr val="accent1">
+              <a:shade val="50000"/>
+            </a:schemeClr>
+          </a:lnRef>
+          <a:fillRef idx="1">
+            <a:schemeClr val="accent1"/>
+          </a:fillRef>
+          <a:effectRef idx="0">
+            <a:schemeClr val="accent1"/>
+          </a:effectRef>
+          <a:fontRef idx="minor">
+            <a:schemeClr val="lt1"/>
+          </a:fontRef>
+        </p:style>
+        <p:txBody>
+          <a:bodyPr rtlCol="0" anchor="ctr"/>
+          <a:lstStyle/>
+          <a:p>
+            <a:pPr algn="ctr"/>
+            <a:r>
+              <a:rPr lang="en-US" sz="1400" dirty="0" err="1">
+                <a:solidFill>
+                  <a:schemeClr val="tx1"/>
+                </a:solidFill>
+              </a:rPr>
+              <a:t>gnaf:</a:t>
+            </a:r>
+            <a:br>
+              <a:rPr lang="en-US" sz="1400" dirty="0" err="1">
+                <a:solidFill>
+                  <a:schemeClr val="tx1"/>
+                </a:solidFill>
+              </a:rPr>
+            </a:br>
+            <a:r>
+              <a:rPr lang="en-US" sz="1400" dirty="0" err="1">
+                <a:solidFill>
+                  <a:schemeClr val="tx1"/>
+                </a:solidFill>
+              </a:rPr>
+              <a:t>GeocodedPoint</a:t>
+            </a:r>
+            <a:endParaRPr lang="en-US" sz="1400" dirty="0">
+              <a:solidFill>
+                <a:schemeClr val="tx1"/>
+              </a:solidFill>
+            </a:endParaRPr>
+          </a:p>
+        </p:txBody>
+      </p:sp>
+      <p:sp>
+        <p:nvSpPr>
+          <p:cNvPr id="96" name="Rectangle 95">
+            <a:extLst>
+              <a:ext uri="{FF2B5EF4-FFF2-40B4-BE49-F238E27FC236}">
+                <a16:creationId xmlns:a16="http://schemas.microsoft.com/office/drawing/2014/main" id="{9D89C4F1-377C-7943-9785-D3D7522A3B9B}"/>
+              </a:ext>
+            </a:extLst>
+          </p:cNvPr>
+          <p:cNvSpPr/>
+          <p:nvPr/>
+        </p:nvSpPr>
+        <p:spPr>
+          <a:xfrm>
+            <a:off x="10145597" y="2364091"/>
+            <a:ext cx="829714" cy="215444"/>
+          </a:xfrm>
+          <a:prstGeom prst="rect">
+            <a:avLst/>
+          </a:prstGeom>
+          <a:solidFill>
+            <a:schemeClr val="bg1"/>
+          </a:solidFill>
+        </p:spPr>
+        <p:txBody>
+          <a:bodyPr wrap="none" lIns="0" tIns="0" rIns="0" bIns="0">
+            <a:spAutoFit/>
+          </a:bodyPr>
+          <a:lstStyle/>
+          <a:p>
+            <a:r>
+              <a:rPr lang="en-AU" sz="1400" dirty="0" err="1"/>
+              <a:t>dct:hasPart</a:t>
+            </a:r>
+            <a:endParaRPr lang="en-AU" sz="1400" dirty="0"/>
+          </a:p>
+        </p:txBody>
+      </p:sp>
+      <p:cxnSp>
+        <p:nvCxnSpPr>
+          <p:cNvPr id="98" name="Straight Arrow Connector 97">
+            <a:extLst>
+              <a:ext uri="{FF2B5EF4-FFF2-40B4-BE49-F238E27FC236}">
+                <a16:creationId xmlns:a16="http://schemas.microsoft.com/office/drawing/2014/main" id="{0A62EA64-8ABA-B04E-A61F-6B5A125E158E}"/>
+              </a:ext>
+            </a:extLst>
+          </p:cNvPr>
+          <p:cNvCxnSpPr>
+            <a:cxnSpLocks/>
+          </p:cNvCxnSpPr>
+          <p:nvPr/>
+        </p:nvCxnSpPr>
+        <p:spPr>
+          <a:xfrm flipV="1">
+            <a:off x="9966680" y="2290635"/>
+            <a:ext cx="0" cy="1362348"/>
+          </a:xfrm>
+          <a:prstGeom prst="straightConnector1">
+            <a:avLst/>
+          </a:prstGeom>
+          <a:ln>
+            <a:solidFill>
+              <a:schemeClr val="tx1"/>
+            </a:solidFill>
+            <a:prstDash val="solid"/>
+            <a:headEnd type="arrow" w="med" len="med"/>
+            <a:tailEnd type="none" w="med" len="med"/>
+          </a:ln>
+        </p:spPr>
+        <p:style>
+          <a:lnRef idx="1">
+            <a:schemeClr val="accent1"/>
+          </a:lnRef>
+          <a:fillRef idx="0">
+            <a:schemeClr val="accent1"/>
+          </a:fillRef>
+          <a:effectRef idx="0">
+            <a:schemeClr val="accent1"/>
+          </a:effectRef>
+          <a:fontRef idx="minor">
+            <a:schemeClr val="tx1"/>
+          </a:fontRef>
+        </p:style>
+      </p:cxnSp>
+      <p:sp>
+        <p:nvSpPr>
+          <p:cNvPr id="59" name="Rectangle 58">
+            <a:extLst>
+              <a:ext uri="{FF2B5EF4-FFF2-40B4-BE49-F238E27FC236}">
+                <a16:creationId xmlns:a16="http://schemas.microsoft.com/office/drawing/2014/main" id="{F678792D-A8D3-F945-8DC1-A53659915E2B}"/>
+              </a:ext>
+            </a:extLst>
+          </p:cNvPr>
+          <p:cNvSpPr/>
+          <p:nvPr/>
+        </p:nvSpPr>
+        <p:spPr>
+          <a:xfrm>
+            <a:off x="9426847" y="2818269"/>
+            <a:ext cx="1330778" cy="595993"/>
+          </a:xfrm>
+          <a:prstGeom prst="rect">
+            <a:avLst/>
+          </a:prstGeom>
+          <a:solidFill>
+            <a:srgbClr val="FFFFFF">
+              <a:alpha val="84706"/>
+            </a:srgbClr>
+          </a:solidFill>
+          <a:ln>
+            <a:solidFill>
+              <a:schemeClr val="tx1"/>
+            </a:solidFill>
+          </a:ln>
+        </p:spPr>
+        <p:style>
+          <a:lnRef idx="2">
+            <a:schemeClr val="accent1">
+              <a:shade val="50000"/>
+            </a:schemeClr>
+          </a:lnRef>
+          <a:fillRef idx="1">
+            <a:schemeClr val="accent1"/>
+          </a:fillRef>
+          <a:effectRef idx="0">
+            <a:schemeClr val="accent1"/>
+          </a:effectRef>
+          <a:fontRef idx="minor">
+            <a:schemeClr val="lt1"/>
+          </a:fontRef>
+        </p:style>
+        <p:txBody>
+          <a:bodyPr rtlCol="0" anchor="ctr"/>
+          <a:lstStyle/>
+          <a:p>
+            <a:pPr algn="ctr"/>
+            <a:r>
+              <a:rPr lang="en-US" sz="1400" dirty="0" err="1">
+                <a:solidFill>
+                  <a:schemeClr val="tx1"/>
+                </a:solidFill>
+              </a:rPr>
+              <a:t>ahgf</a:t>
+            </a:r>
+            <a:r>
+              <a:rPr lang="en-US" sz="1400" dirty="0">
+                <a:solidFill>
+                  <a:schemeClr val="tx1"/>
+                </a:solidFill>
+              </a:rPr>
+              <a:t>:</a:t>
+            </a:r>
+            <a:br>
+              <a:rPr lang="en-US" sz="1400" dirty="0">
+                <a:solidFill>
+                  <a:schemeClr val="tx1"/>
+                </a:solidFill>
+              </a:rPr>
+            </a:br>
+            <a:r>
+              <a:rPr lang="en-US" sz="1400" dirty="0">
+                <a:solidFill>
+                  <a:schemeClr val="tx1"/>
+                </a:solidFill>
+              </a:rPr>
+              <a:t>Catchment</a:t>
+            </a:r>
+          </a:p>
+        </p:txBody>
+      </p:sp>
+      <p:cxnSp>
+        <p:nvCxnSpPr>
+          <p:cNvPr id="99" name="Straight Arrow Connector 98">
+            <a:extLst>
+              <a:ext uri="{FF2B5EF4-FFF2-40B4-BE49-F238E27FC236}">
+                <a16:creationId xmlns:a16="http://schemas.microsoft.com/office/drawing/2014/main" id="{E9A1F2F3-79A2-2749-A5C5-9C85136BA4AC}"/>
+              </a:ext>
+            </a:extLst>
+          </p:cNvPr>
+          <p:cNvCxnSpPr>
+            <a:cxnSpLocks/>
+          </p:cNvCxnSpPr>
+          <p:nvPr/>
+        </p:nvCxnSpPr>
+        <p:spPr>
+          <a:xfrm flipV="1">
+            <a:off x="3524552" y="2277371"/>
+            <a:ext cx="0" cy="2211980"/>
+          </a:xfrm>
+          <a:prstGeom prst="straightConnector1">
+            <a:avLst/>
+          </a:prstGeom>
+          <a:ln>
+            <a:solidFill>
+              <a:schemeClr val="tx1"/>
+            </a:solidFill>
+            <a:prstDash val="solid"/>
+            <a:headEnd type="arrow" w="med" len="med"/>
+            <a:tailEnd type="none" w="med" len="med"/>
+          </a:ln>
+        </p:spPr>
+        <p:style>
+          <a:lnRef idx="1">
+            <a:schemeClr val="accent1"/>
+          </a:lnRef>
+          <a:fillRef idx="0">
+            <a:schemeClr val="accent1"/>
+          </a:fillRef>
+          <a:effectRef idx="0">
+            <a:schemeClr val="accent1"/>
+          </a:effectRef>
+          <a:fontRef idx="minor">
+            <a:schemeClr val="tx1"/>
+          </a:fontRef>
+        </p:style>
+      </p:cxnSp>
+      <p:sp>
+        <p:nvSpPr>
+          <p:cNvPr id="38" name="Rectangle 37">
+            <a:extLst>
+              <a:ext uri="{FF2B5EF4-FFF2-40B4-BE49-F238E27FC236}">
+                <a16:creationId xmlns:a16="http://schemas.microsoft.com/office/drawing/2014/main" id="{2078838A-B6DB-764C-96A6-133495B2C356}"/>
+              </a:ext>
+            </a:extLst>
+          </p:cNvPr>
+          <p:cNvSpPr/>
+          <p:nvPr/>
+        </p:nvSpPr>
+        <p:spPr>
+          <a:xfrm>
+            <a:off x="2983303" y="2814057"/>
+            <a:ext cx="1330778" cy="595993"/>
+          </a:xfrm>
+          <a:prstGeom prst="rect">
+            <a:avLst/>
+          </a:prstGeom>
+          <a:solidFill>
+            <a:srgbClr val="FFFFFF">
+              <a:alpha val="85098"/>
+            </a:srgbClr>
+          </a:solidFill>
+          <a:ln>
+            <a:solidFill>
+              <a:schemeClr val="tx1"/>
+            </a:solidFill>
+          </a:ln>
+        </p:spPr>
+        <p:style>
+          <a:lnRef idx="2">
+            <a:schemeClr val="accent1">
+              <a:shade val="50000"/>
+            </a:schemeClr>
+          </a:lnRef>
+          <a:fillRef idx="1">
+            <a:schemeClr val="accent1"/>
+          </a:fillRef>
+          <a:effectRef idx="0">
+            <a:schemeClr val="accent1"/>
+          </a:effectRef>
+          <a:fontRef idx="minor">
+            <a:schemeClr val="lt1"/>
+          </a:fontRef>
+        </p:style>
+        <p:txBody>
+          <a:bodyPr rtlCol="0" anchor="ctr"/>
+          <a:lstStyle/>
+          <a:p>
+            <a:pPr algn="ctr"/>
+            <a:r>
+              <a:rPr lang="en-US" sz="1400" dirty="0">
+                <a:solidFill>
+                  <a:schemeClr val="tx1"/>
+                </a:solidFill>
+              </a:rPr>
+              <a:t>asgs:State</a:t>
+            </a:r>
+          </a:p>
+        </p:txBody>
+      </p:sp>
+    </p:spTree>
+    <p:extLst>
+      <p:ext uri="{BB962C8B-B14F-4D97-AF65-F5344CB8AC3E}">
+        <p14:creationId xmlns:p14="http://schemas.microsoft.com/office/powerpoint/2010/main" val="50695083"/>
       </p:ext>
     </p:extLst>
   </p:cSld>

--- a/docs/fsdf-ont-images.pptx
+++ b/docs/fsdf-ont-images.pptx
@@ -11,7 +11,8 @@
     <p:sldId id="259" r:id="rId5"/>
     <p:sldId id="261" r:id="rId6"/>
     <p:sldId id="260" r:id="rId7"/>
-    <p:sldId id="262" r:id="rId8"/>
+    <p:sldId id="263" r:id="rId8"/>
+    <p:sldId id="262" r:id="rId9"/>
   </p:sldIdLst>
   <p:sldSz cx="12192000" cy="6858000"/>
   <p:notesSz cx="6858000" cy="9144000"/>
@@ -267,7 +268,7 @@
           <a:p>
             <a:fld id="{8C85DE42-2BBB-4BEC-98E8-2E54C2B244F5}" type="datetimeFigureOut">
               <a:rPr lang="en-AU" smtClean="0"/>
-              <a:t>21/6/18</a:t>
+              <a:t>28/6/18</a:t>
             </a:fld>
             <a:endParaRPr lang="en-AU"/>
           </a:p>
@@ -467,7 +468,7 @@
           <a:p>
             <a:fld id="{8C85DE42-2BBB-4BEC-98E8-2E54C2B244F5}" type="datetimeFigureOut">
               <a:rPr lang="en-AU" smtClean="0"/>
-              <a:t>21/6/18</a:t>
+              <a:t>28/6/18</a:t>
             </a:fld>
             <a:endParaRPr lang="en-AU"/>
           </a:p>
@@ -677,7 +678,7 @@
           <a:p>
             <a:fld id="{8C85DE42-2BBB-4BEC-98E8-2E54C2B244F5}" type="datetimeFigureOut">
               <a:rPr lang="en-AU" smtClean="0"/>
-              <a:t>21/6/18</a:t>
+              <a:t>28/6/18</a:t>
             </a:fld>
             <a:endParaRPr lang="en-AU"/>
           </a:p>
@@ -877,7 +878,7 @@
           <a:p>
             <a:fld id="{8C85DE42-2BBB-4BEC-98E8-2E54C2B244F5}" type="datetimeFigureOut">
               <a:rPr lang="en-AU" smtClean="0"/>
-              <a:t>21/6/18</a:t>
+              <a:t>28/6/18</a:t>
             </a:fld>
             <a:endParaRPr lang="en-AU"/>
           </a:p>
@@ -1153,7 +1154,7 @@
           <a:p>
             <a:fld id="{8C85DE42-2BBB-4BEC-98E8-2E54C2B244F5}" type="datetimeFigureOut">
               <a:rPr lang="en-AU" smtClean="0"/>
-              <a:t>21/6/18</a:t>
+              <a:t>28/6/18</a:t>
             </a:fld>
             <a:endParaRPr lang="en-AU"/>
           </a:p>
@@ -1421,7 +1422,7 @@
           <a:p>
             <a:fld id="{8C85DE42-2BBB-4BEC-98E8-2E54C2B244F5}" type="datetimeFigureOut">
               <a:rPr lang="en-AU" smtClean="0"/>
-              <a:t>21/6/18</a:t>
+              <a:t>28/6/18</a:t>
             </a:fld>
             <a:endParaRPr lang="en-AU"/>
           </a:p>
@@ -1836,7 +1837,7 @@
           <a:p>
             <a:fld id="{8C85DE42-2BBB-4BEC-98E8-2E54C2B244F5}" type="datetimeFigureOut">
               <a:rPr lang="en-AU" smtClean="0"/>
-              <a:t>21/6/18</a:t>
+              <a:t>28/6/18</a:t>
             </a:fld>
             <a:endParaRPr lang="en-AU"/>
           </a:p>
@@ -1978,7 +1979,7 @@
           <a:p>
             <a:fld id="{8C85DE42-2BBB-4BEC-98E8-2E54C2B244F5}" type="datetimeFigureOut">
               <a:rPr lang="en-AU" smtClean="0"/>
-              <a:t>21/6/18</a:t>
+              <a:t>28/6/18</a:t>
             </a:fld>
             <a:endParaRPr lang="en-AU"/>
           </a:p>
@@ -2091,7 +2092,7 @@
           <a:p>
             <a:fld id="{8C85DE42-2BBB-4BEC-98E8-2E54C2B244F5}" type="datetimeFigureOut">
               <a:rPr lang="en-AU" smtClean="0"/>
-              <a:t>21/6/18</a:t>
+              <a:t>28/6/18</a:t>
             </a:fld>
             <a:endParaRPr lang="en-AU"/>
           </a:p>
@@ -2404,7 +2405,7 @@
           <a:p>
             <a:fld id="{8C85DE42-2BBB-4BEC-98E8-2E54C2B244F5}" type="datetimeFigureOut">
               <a:rPr lang="en-AU" smtClean="0"/>
-              <a:t>21/6/18</a:t>
+              <a:t>28/6/18</a:t>
             </a:fld>
             <a:endParaRPr lang="en-AU"/>
           </a:p>
@@ -2693,7 +2694,7 @@
           <a:p>
             <a:fld id="{8C85DE42-2BBB-4BEC-98E8-2E54C2B244F5}" type="datetimeFigureOut">
               <a:rPr lang="en-AU" smtClean="0"/>
-              <a:t>21/6/18</a:t>
+              <a:t>28/6/18</a:t>
             </a:fld>
             <a:endParaRPr lang="en-AU"/>
           </a:p>
@@ -2936,7 +2937,7 @@
           <a:p>
             <a:fld id="{8C85DE42-2BBB-4BEC-98E8-2E54C2B244F5}" type="datetimeFigureOut">
               <a:rPr lang="en-AU" smtClean="0"/>
-              <a:t>21/6/18</a:t>
+              <a:t>28/6/18</a:t>
             </a:fld>
             <a:endParaRPr lang="en-AU"/>
           </a:p>
@@ -16937,7 +16938,7 @@
         <p:spPr>
           <a:xfrm>
             <a:off x="4022360" y="23884"/>
-            <a:ext cx="864276" cy="369332"/>
+            <a:ext cx="1783180" cy="369332"/>
           </a:xfrm>
           <a:prstGeom prst="rect">
             <a:avLst/>
@@ -16952,17 +16953,17 @@
           <a:p>
             <a:r>
               <a:rPr lang="en-US" u="sng" dirty="0"/>
-              <a:t>FSDF-O</a:t>
-            </a:r>
-          </a:p>
-        </p:txBody>
-      </p:sp>
-      <p:sp>
-        <p:nvSpPr>
-          <p:cNvPr id="19" name="Oval 18">
-            <a:extLst>
-              <a:ext uri="{FF2B5EF4-FFF2-40B4-BE49-F238E27FC236}">
-                <a16:creationId xmlns:a16="http://schemas.microsoft.com/office/drawing/2014/main" id="{384A3F9E-19F1-40F8-BC7C-BFC18F1BFF04}"/>
+              <a:t>ASGS / Geofabric</a:t>
+            </a:r>
+          </a:p>
+        </p:txBody>
+      </p:sp>
+      <p:sp>
+        <p:nvSpPr>
+          <p:cNvPr id="76" name="Oval 75">
+            <a:extLst>
+              <a:ext uri="{FF2B5EF4-FFF2-40B4-BE49-F238E27FC236}">
+                <a16:creationId xmlns:a16="http://schemas.microsoft.com/office/drawing/2014/main" id="{0019B802-6C79-4B66-842E-984C1F1076CC}"/>
               </a:ext>
             </a:extLst>
           </p:cNvPr>
@@ -16971,7 +16972,323 @@
         </p:nvSpPr>
         <p:spPr>
           <a:xfrm>
-            <a:off x="5133616" y="1701094"/>
+            <a:off x="332704" y="1698511"/>
+            <a:ext cx="1330778" cy="595993"/>
+          </a:xfrm>
+          <a:prstGeom prst="ellipse">
+            <a:avLst/>
+          </a:prstGeom>
+          <a:solidFill>
+            <a:schemeClr val="accent2">
+              <a:lumMod val="20000"/>
+              <a:lumOff val="80000"/>
+            </a:schemeClr>
+          </a:solidFill>
+          <a:ln>
+            <a:solidFill>
+              <a:schemeClr val="bg1">
+                <a:lumMod val="50000"/>
+              </a:schemeClr>
+            </a:solidFill>
+          </a:ln>
+        </p:spPr>
+        <p:style>
+          <a:lnRef idx="2">
+            <a:schemeClr val="accent1">
+              <a:shade val="50000"/>
+            </a:schemeClr>
+          </a:lnRef>
+          <a:fillRef idx="1">
+            <a:schemeClr val="accent1"/>
+          </a:fillRef>
+          <a:effectRef idx="0">
+            <a:schemeClr val="accent1"/>
+          </a:effectRef>
+          <a:fontRef idx="minor">
+            <a:schemeClr val="lt1"/>
+          </a:fontRef>
+        </p:style>
+        <p:txBody>
+          <a:bodyPr rtlCol="0" anchor="ctr"/>
+          <a:lstStyle/>
+          <a:p>
+            <a:pPr algn="ctr"/>
+            <a:r>
+              <a:rPr lang="en-US" sz="1400" dirty="0">
+                <a:solidFill>
+                  <a:schemeClr val="tx1"/>
+                </a:solidFill>
+              </a:rPr>
+              <a:t>dcat:</a:t>
+            </a:r>
+            <a:br>
+              <a:rPr lang="en-US" sz="1400" dirty="0">
+                <a:solidFill>
+                  <a:schemeClr val="tx1"/>
+                </a:solidFill>
+              </a:rPr>
+            </a:br>
+            <a:r>
+              <a:rPr lang="en-US" sz="1400" dirty="0">
+                <a:solidFill>
+                  <a:schemeClr val="tx1"/>
+                </a:solidFill>
+              </a:rPr>
+              <a:t>Dataset</a:t>
+            </a:r>
+            <a:endParaRPr lang="en-US" sz="1400">
+              <a:solidFill>
+                <a:schemeClr val="tx1"/>
+              </a:solidFill>
+            </a:endParaRPr>
+          </a:p>
+        </p:txBody>
+      </p:sp>
+      <p:sp>
+        <p:nvSpPr>
+          <p:cNvPr id="85" name="TextBox 84">
+            <a:extLst>
+              <a:ext uri="{FF2B5EF4-FFF2-40B4-BE49-F238E27FC236}">
+                <a16:creationId xmlns:a16="http://schemas.microsoft.com/office/drawing/2014/main" id="{E24EC5A6-358D-4E1D-A019-DA0F709E7E99}"/>
+              </a:ext>
+            </a:extLst>
+          </p:cNvPr>
+          <p:cNvSpPr txBox="1"/>
+          <p:nvPr/>
+        </p:nvSpPr>
+        <p:spPr>
+          <a:xfrm>
+            <a:off x="572470" y="1215114"/>
+            <a:ext cx="850297" cy="307777"/>
+          </a:xfrm>
+          <a:prstGeom prst="rect">
+            <a:avLst/>
+          </a:prstGeom>
+          <a:noFill/>
+        </p:spPr>
+        <p:txBody>
+          <a:bodyPr wrap="none" rtlCol="0">
+            <a:spAutoFit/>
+          </a:bodyPr>
+          <a:lstStyle/>
+          <a:p>
+            <a:r>
+              <a:rPr lang="en-US" sz="1400" u="sng" dirty="0"/>
+              <a:t>Class Key</a:t>
+            </a:r>
+          </a:p>
+        </p:txBody>
+      </p:sp>
+      <p:sp>
+        <p:nvSpPr>
+          <p:cNvPr id="26" name="Rectangle 25">
+            <a:extLst>
+              <a:ext uri="{FF2B5EF4-FFF2-40B4-BE49-F238E27FC236}">
+                <a16:creationId xmlns:a16="http://schemas.microsoft.com/office/drawing/2014/main" id="{58FCD938-2FF0-894F-81A0-9DBE1DF01D36}"/>
+              </a:ext>
+            </a:extLst>
+          </p:cNvPr>
+          <p:cNvSpPr/>
+          <p:nvPr/>
+        </p:nvSpPr>
+        <p:spPr>
+          <a:xfrm>
+            <a:off x="332703" y="3410050"/>
+            <a:ext cx="3271921" cy="1815882"/>
+          </a:xfrm>
+          <a:prstGeom prst="rect">
+            <a:avLst/>
+          </a:prstGeom>
+        </p:spPr>
+        <p:txBody>
+          <a:bodyPr wrap="none">
+            <a:spAutoFit/>
+          </a:bodyPr>
+          <a:lstStyle/>
+          <a:p>
+            <a:r>
+              <a:rPr lang="en-AU" sz="1400" u="sng" dirty="0" err="1"/>
+              <a:t>Namespace Prefixes</a:t>
+            </a:r>
+          </a:p>
+          <a:p>
+            <a:endParaRPr lang="en-AU" sz="1400" dirty="0" err="1"/>
+          </a:p>
+          <a:p>
+            <a:r>
+              <a:rPr lang="en-US" sz="1400" dirty="0"/>
+              <a:t>dcat:   https://www.w3.org/ns/dcat#</a:t>
+            </a:r>
+          </a:p>
+          <a:p>
+            <a:r>
+              <a:rPr lang="en-US" sz="1400" dirty="0"/>
+              <a:t>dct:     </a:t>
+            </a:r>
+            <a:r>
+              <a:rPr lang="en-AU" sz="1400"/>
+              <a:t>http://purl.org/dc/terms/</a:t>
+            </a:r>
+            <a:endParaRPr lang="en-US" sz="1400" dirty="0"/>
+          </a:p>
+          <a:p>
+            <a:r>
+              <a:rPr lang="en-US" sz="1400" dirty="0"/>
+              <a:t>owl:    http://www.w3.org/2002/07/owl#</a:t>
+            </a:r>
+            <a:endParaRPr lang="en-AU" sz="1400" dirty="0" err="1"/>
+          </a:p>
+          <a:p>
+            <a:r>
+              <a:rPr lang="en-AU" sz="1400" dirty="0" err="1"/>
+              <a:t>gnaf:   http://linked.data.gov.au/def/gnaf#</a:t>
+            </a:r>
+            <a:br>
+              <a:rPr lang="en-AU" sz="1400" dirty="0" err="1"/>
+            </a:br>
+            <a:r>
+              <a:rPr lang="en-AU" sz="1400" dirty="0" err="1"/>
+              <a:t>png:    http://linked.data.gov.au/def/pz#</a:t>
+            </a:r>
+          </a:p>
+          <a:p>
+            <a:r>
+              <a:rPr lang="en-AU" sz="1400" dirty="0" err="1"/>
+              <a:t>asgs:   http://linked.data.gov.au/def/asgs#</a:t>
+            </a:r>
+            <a:endParaRPr lang="en-AU" sz="1400" dirty="0"/>
+          </a:p>
+        </p:txBody>
+      </p:sp>
+      <p:sp>
+        <p:nvSpPr>
+          <p:cNvPr id="50" name="Rectangle 49">
+            <a:extLst>
+              <a:ext uri="{FF2B5EF4-FFF2-40B4-BE49-F238E27FC236}">
+                <a16:creationId xmlns:a16="http://schemas.microsoft.com/office/drawing/2014/main" id="{1D5FC9C8-73F0-B84D-B55B-2CA48DF8DBA0}"/>
+              </a:ext>
+            </a:extLst>
+          </p:cNvPr>
+          <p:cNvSpPr/>
+          <p:nvPr/>
+        </p:nvSpPr>
+        <p:spPr>
+          <a:xfrm>
+            <a:off x="332703" y="2557431"/>
+            <a:ext cx="1330778" cy="595993"/>
+          </a:xfrm>
+          <a:prstGeom prst="rect">
+            <a:avLst/>
+          </a:prstGeom>
+          <a:solidFill>
+            <a:schemeClr val="bg1"/>
+          </a:solidFill>
+          <a:ln>
+            <a:solidFill>
+              <a:schemeClr val="bg1">
+                <a:lumMod val="50000"/>
+              </a:schemeClr>
+            </a:solidFill>
+          </a:ln>
+        </p:spPr>
+        <p:style>
+          <a:lnRef idx="2">
+            <a:schemeClr val="accent1">
+              <a:shade val="50000"/>
+            </a:schemeClr>
+          </a:lnRef>
+          <a:fillRef idx="1">
+            <a:schemeClr val="accent1"/>
+          </a:fillRef>
+          <a:effectRef idx="0">
+            <a:schemeClr val="accent1"/>
+          </a:effectRef>
+          <a:fontRef idx="minor">
+            <a:schemeClr val="lt1"/>
+          </a:fontRef>
+        </p:style>
+        <p:txBody>
+          <a:bodyPr rtlCol="0" anchor="ctr"/>
+          <a:lstStyle/>
+          <a:p>
+            <a:pPr algn="ctr"/>
+            <a:r>
+              <a:rPr lang="en-US" sz="1400" dirty="0" err="1">
+                <a:solidFill>
+                  <a:schemeClr val="tx1"/>
+                </a:solidFill>
+              </a:rPr>
+              <a:t>dataset class</a:t>
+            </a:r>
+            <a:endParaRPr lang="en-US" sz="1400" dirty="0">
+              <a:solidFill>
+                <a:schemeClr val="tx1"/>
+              </a:solidFill>
+            </a:endParaRPr>
+          </a:p>
+        </p:txBody>
+      </p:sp>
+      <p:sp>
+        <p:nvSpPr>
+          <p:cNvPr id="55" name="Rectangle 54">
+            <a:extLst>
+              <a:ext uri="{FF2B5EF4-FFF2-40B4-BE49-F238E27FC236}">
+                <a16:creationId xmlns:a16="http://schemas.microsoft.com/office/drawing/2014/main" id="{6E3B6078-858E-DE48-99AB-3096C3710294}"/>
+              </a:ext>
+            </a:extLst>
+          </p:cNvPr>
+          <p:cNvSpPr/>
+          <p:nvPr/>
+        </p:nvSpPr>
+        <p:spPr>
+          <a:xfrm>
+            <a:off x="394695" y="5299923"/>
+            <a:ext cx="3867277" cy="215444"/>
+          </a:xfrm>
+          <a:prstGeom prst="rect">
+            <a:avLst/>
+          </a:prstGeom>
+          <a:solidFill>
+            <a:schemeClr val="bg1"/>
+          </a:solidFill>
+        </p:spPr>
+        <p:txBody>
+          <a:bodyPr wrap="none" lIns="0" tIns="0" rIns="0" bIns="0">
+            <a:spAutoFit/>
+          </a:bodyPr>
+          <a:lstStyle/>
+          <a:p>
+            <a:r>
+              <a:rPr lang="en-AU" sz="1400" dirty="0" err="1">
+                <a:solidFill>
+                  <a:srgbClr val="C00000"/>
+                </a:solidFill>
+              </a:rPr>
+              <a:t>Colour indicating FSDF Ontology Classes &amp; Properties</a:t>
+            </a:r>
+            <a:endParaRPr lang="en-AU" sz="1400" dirty="0">
+              <a:solidFill>
+                <a:srgbClr val="C00000"/>
+              </a:solidFill>
+            </a:endParaRPr>
+          </a:p>
+        </p:txBody>
+      </p:sp>
+      <p:sp>
+        <p:nvSpPr>
+          <p:cNvPr id="35" name="Oval 34">
+            <a:extLst>
+              <a:ext uri="{FF2B5EF4-FFF2-40B4-BE49-F238E27FC236}">
+                <a16:creationId xmlns:a16="http://schemas.microsoft.com/office/drawing/2014/main" id="{D25FDDF3-78D9-BA45-B514-4A8DDDE39906}"/>
+              </a:ext>
+            </a:extLst>
+          </p:cNvPr>
+          <p:cNvSpPr/>
+          <p:nvPr/>
+        </p:nvSpPr>
+        <p:spPr>
+          <a:xfrm>
+            <a:off x="3223525" y="1698511"/>
             <a:ext cx="1330778" cy="595993"/>
           </a:xfrm>
           <a:prstGeom prst="ellipse">
@@ -17018,6 +17335,674 @@
                   <a:schemeClr val="tx1"/>
                 </a:solidFill>
               </a:rPr>
+              <a:t>ASGS</a:t>
+            </a:r>
+          </a:p>
+        </p:txBody>
+      </p:sp>
+      <p:cxnSp>
+        <p:nvCxnSpPr>
+          <p:cNvPr id="37" name="Straight Arrow Connector 36">
+            <a:extLst>
+              <a:ext uri="{FF2B5EF4-FFF2-40B4-BE49-F238E27FC236}">
+                <a16:creationId xmlns:a16="http://schemas.microsoft.com/office/drawing/2014/main" id="{762AA805-CCB5-5D43-8F31-C1491D08437E}"/>
+              </a:ext>
+            </a:extLst>
+          </p:cNvPr>
+          <p:cNvCxnSpPr>
+            <a:cxnSpLocks/>
+            <a:stCxn id="38" idx="0"/>
+            <a:endCxn id="35" idx="4"/>
+          </p:cNvCxnSpPr>
+          <p:nvPr/>
+        </p:nvCxnSpPr>
+        <p:spPr>
+          <a:xfrm flipV="1">
+            <a:off x="3888914" y="2294504"/>
+            <a:ext cx="0" cy="519553"/>
+          </a:xfrm>
+          <a:prstGeom prst="straightConnector1">
+            <a:avLst/>
+          </a:prstGeom>
+          <a:ln>
+            <a:solidFill>
+              <a:srgbClr val="C00000"/>
+            </a:solidFill>
+            <a:prstDash val="solid"/>
+            <a:headEnd type="arrow" w="med" len="med"/>
+            <a:tailEnd type="none" w="med" len="med"/>
+          </a:ln>
+        </p:spPr>
+        <p:style>
+          <a:lnRef idx="1">
+            <a:schemeClr val="accent1"/>
+          </a:lnRef>
+          <a:fillRef idx="0">
+            <a:schemeClr val="accent1"/>
+          </a:fillRef>
+          <a:effectRef idx="0">
+            <a:schemeClr val="accent1"/>
+          </a:effectRef>
+          <a:fontRef idx="minor">
+            <a:schemeClr val="tx1"/>
+          </a:fontRef>
+        </p:style>
+      </p:cxnSp>
+      <p:sp>
+        <p:nvSpPr>
+          <p:cNvPr id="38" name="Rectangle 37">
+            <a:extLst>
+              <a:ext uri="{FF2B5EF4-FFF2-40B4-BE49-F238E27FC236}">
+                <a16:creationId xmlns:a16="http://schemas.microsoft.com/office/drawing/2014/main" id="{2078838A-B6DB-764C-96A6-133495B2C356}"/>
+              </a:ext>
+            </a:extLst>
+          </p:cNvPr>
+          <p:cNvSpPr/>
+          <p:nvPr/>
+        </p:nvSpPr>
+        <p:spPr>
+          <a:xfrm>
+            <a:off x="3223525" y="2814057"/>
+            <a:ext cx="1330778" cy="595993"/>
+          </a:xfrm>
+          <a:prstGeom prst="rect">
+            <a:avLst/>
+          </a:prstGeom>
+          <a:solidFill>
+            <a:schemeClr val="bg1"/>
+          </a:solidFill>
+          <a:ln>
+            <a:solidFill>
+              <a:srgbClr val="C00000"/>
+            </a:solidFill>
+          </a:ln>
+        </p:spPr>
+        <p:style>
+          <a:lnRef idx="2">
+            <a:schemeClr val="accent1">
+              <a:shade val="50000"/>
+            </a:schemeClr>
+          </a:lnRef>
+          <a:fillRef idx="1">
+            <a:schemeClr val="accent1"/>
+          </a:fillRef>
+          <a:effectRef idx="0">
+            <a:schemeClr val="accent1"/>
+          </a:effectRef>
+          <a:fontRef idx="minor">
+            <a:schemeClr val="lt1"/>
+          </a:fontRef>
+        </p:style>
+        <p:txBody>
+          <a:bodyPr rtlCol="0" anchor="ctr"/>
+          <a:lstStyle/>
+          <a:p>
+            <a:pPr algn="ctr"/>
+            <a:r>
+              <a:rPr lang="en-US" sz="1400" dirty="0">
+                <a:solidFill>
+                  <a:srgbClr val="C00000"/>
+                </a:solidFill>
+              </a:rPr>
+              <a:t>asgs:</a:t>
+            </a:r>
+            <a:br>
+              <a:rPr lang="en-US" sz="1400" dirty="0">
+                <a:solidFill>
+                  <a:srgbClr val="C00000"/>
+                </a:solidFill>
+              </a:rPr>
+            </a:br>
+            <a:r>
+              <a:rPr lang="en-US" sz="1400" dirty="0">
+                <a:solidFill>
+                  <a:srgbClr val="C00000"/>
+                </a:solidFill>
+              </a:rPr>
+              <a:t>MeshBlock</a:t>
+            </a:r>
+          </a:p>
+        </p:txBody>
+      </p:sp>
+      <p:sp>
+        <p:nvSpPr>
+          <p:cNvPr id="23" name="Rectangle 22">
+            <a:extLst>
+              <a:ext uri="{FF2B5EF4-FFF2-40B4-BE49-F238E27FC236}">
+                <a16:creationId xmlns:a16="http://schemas.microsoft.com/office/drawing/2014/main" id="{64E6FAE6-DC42-2A48-9445-1D2350B1AA7F}"/>
+              </a:ext>
+            </a:extLst>
+          </p:cNvPr>
+          <p:cNvSpPr/>
+          <p:nvPr/>
+        </p:nvSpPr>
+        <p:spPr>
+          <a:xfrm>
+            <a:off x="3983041" y="2408339"/>
+            <a:ext cx="829714" cy="215444"/>
+          </a:xfrm>
+          <a:prstGeom prst="rect">
+            <a:avLst/>
+          </a:prstGeom>
+          <a:solidFill>
+            <a:schemeClr val="bg1"/>
+          </a:solidFill>
+        </p:spPr>
+        <p:txBody>
+          <a:bodyPr wrap="none" lIns="0" tIns="0" rIns="0" bIns="0">
+            <a:spAutoFit/>
+          </a:bodyPr>
+          <a:lstStyle/>
+          <a:p>
+            <a:r>
+              <a:rPr lang="en-AU" sz="1400" dirty="0" err="1">
+                <a:solidFill>
+                  <a:srgbClr val="C00000"/>
+                </a:solidFill>
+              </a:rPr>
+              <a:t>dct:hasPart</a:t>
+            </a:r>
+            <a:endParaRPr lang="en-AU" sz="1400" dirty="0">
+              <a:solidFill>
+                <a:srgbClr val="C00000"/>
+              </a:solidFill>
+            </a:endParaRPr>
+          </a:p>
+        </p:txBody>
+      </p:sp>
+      <p:sp>
+        <p:nvSpPr>
+          <p:cNvPr id="27" name="Oval 26">
+            <a:extLst>
+              <a:ext uri="{FF2B5EF4-FFF2-40B4-BE49-F238E27FC236}">
+                <a16:creationId xmlns:a16="http://schemas.microsoft.com/office/drawing/2014/main" id="{7296E0F5-19C2-F54B-BAA2-67B97F5716C0}"/>
+              </a:ext>
+            </a:extLst>
+          </p:cNvPr>
+          <p:cNvSpPr/>
+          <p:nvPr/>
+        </p:nvSpPr>
+        <p:spPr>
+          <a:xfrm>
+            <a:off x="5638509" y="1698511"/>
+            <a:ext cx="1330778" cy="595993"/>
+          </a:xfrm>
+          <a:prstGeom prst="ellipse">
+            <a:avLst/>
+          </a:prstGeom>
+          <a:solidFill>
+            <a:schemeClr val="accent2">
+              <a:lumMod val="20000"/>
+              <a:lumOff val="80000"/>
+            </a:schemeClr>
+          </a:solidFill>
+          <a:ln w="12700">
+            <a:solidFill>
+              <a:schemeClr val="bg1">
+                <a:lumMod val="50000"/>
+              </a:schemeClr>
+            </a:solidFill>
+          </a:ln>
+        </p:spPr>
+        <p:style>
+          <a:lnRef idx="2">
+            <a:schemeClr val="accent1">
+              <a:shade val="50000"/>
+            </a:schemeClr>
+          </a:lnRef>
+          <a:fillRef idx="1">
+            <a:schemeClr val="accent1"/>
+          </a:fillRef>
+          <a:effectRef idx="0">
+            <a:schemeClr val="accent1"/>
+          </a:effectRef>
+          <a:fontRef idx="minor">
+            <a:schemeClr val="lt1"/>
+          </a:fontRef>
+        </p:style>
+        <p:txBody>
+          <a:bodyPr rtlCol="0" anchor="ctr"/>
+          <a:lstStyle/>
+          <a:p>
+            <a:pPr algn="ctr"/>
+            <a:r>
+              <a:rPr lang="en-US" sz="1200" dirty="0">
+                <a:solidFill>
+                  <a:schemeClr val="tx1"/>
+                </a:solidFill>
+              </a:rPr>
+              <a:t>Geofabric:</a:t>
+            </a:r>
+            <a:br>
+              <a:rPr lang="en-US" sz="1200" dirty="0">
+                <a:solidFill>
+                  <a:schemeClr val="tx1"/>
+                </a:solidFill>
+              </a:rPr>
+            </a:br>
+            <a:r>
+              <a:rPr lang="en-US" sz="1200" dirty="0">
+                <a:solidFill>
+                  <a:schemeClr val="tx1"/>
+                </a:solidFill>
+              </a:rPr>
+              <a:t>Catchments</a:t>
+            </a:r>
+          </a:p>
+        </p:txBody>
+      </p:sp>
+      <p:sp>
+        <p:nvSpPr>
+          <p:cNvPr id="28" name="Rectangle 27">
+            <a:extLst>
+              <a:ext uri="{FF2B5EF4-FFF2-40B4-BE49-F238E27FC236}">
+                <a16:creationId xmlns:a16="http://schemas.microsoft.com/office/drawing/2014/main" id="{41B0F3EB-8592-4640-9B73-8F26723C6F00}"/>
+              </a:ext>
+            </a:extLst>
+          </p:cNvPr>
+          <p:cNvSpPr/>
+          <p:nvPr/>
+        </p:nvSpPr>
+        <p:spPr>
+          <a:xfrm>
+            <a:off x="5638509" y="2814057"/>
+            <a:ext cx="1330778" cy="595993"/>
+          </a:xfrm>
+          <a:prstGeom prst="rect">
+            <a:avLst/>
+          </a:prstGeom>
+          <a:solidFill>
+            <a:schemeClr val="bg1"/>
+          </a:solidFill>
+          <a:ln>
+            <a:solidFill>
+              <a:srgbClr val="C00000"/>
+            </a:solidFill>
+          </a:ln>
+        </p:spPr>
+        <p:style>
+          <a:lnRef idx="2">
+            <a:schemeClr val="accent1">
+              <a:shade val="50000"/>
+            </a:schemeClr>
+          </a:lnRef>
+          <a:fillRef idx="1">
+            <a:schemeClr val="accent1"/>
+          </a:fillRef>
+          <a:effectRef idx="0">
+            <a:schemeClr val="accent1"/>
+          </a:effectRef>
+          <a:fontRef idx="minor">
+            <a:schemeClr val="lt1"/>
+          </a:fontRef>
+        </p:style>
+        <p:txBody>
+          <a:bodyPr rtlCol="0" anchor="ctr"/>
+          <a:lstStyle/>
+          <a:p>
+            <a:pPr algn="ctr"/>
+            <a:r>
+              <a:rPr lang="en-US" sz="1400" dirty="0" err="1">
+                <a:solidFill>
+                  <a:srgbClr val="C00000"/>
+                </a:solidFill>
+              </a:rPr>
+              <a:t>ahgf</a:t>
+            </a:r>
+            <a:r>
+              <a:rPr lang="en-US" sz="1400" dirty="0">
+                <a:solidFill>
+                  <a:srgbClr val="C00000"/>
+                </a:solidFill>
+              </a:rPr>
+              <a:t>:</a:t>
+            </a:r>
+            <a:br>
+              <a:rPr lang="en-US" sz="1400" dirty="0">
+                <a:solidFill>
+                  <a:srgbClr val="C00000"/>
+                </a:solidFill>
+              </a:rPr>
+            </a:br>
+            <a:r>
+              <a:rPr lang="en-US" sz="1400" dirty="0">
+                <a:solidFill>
+                  <a:srgbClr val="C00000"/>
+                </a:solidFill>
+              </a:rPr>
+              <a:t>Drainage</a:t>
+            </a:r>
+            <a:br>
+              <a:rPr lang="en-US" sz="1400" dirty="0">
+                <a:solidFill>
+                  <a:srgbClr val="C00000"/>
+                </a:solidFill>
+              </a:rPr>
+            </a:br>
+            <a:r>
+              <a:rPr lang="en-US" sz="1400" dirty="0">
+                <a:solidFill>
+                  <a:srgbClr val="C00000"/>
+                </a:solidFill>
+              </a:rPr>
+              <a:t>Division</a:t>
+            </a:r>
+          </a:p>
+        </p:txBody>
+      </p:sp>
+      <p:cxnSp>
+        <p:nvCxnSpPr>
+          <p:cNvPr id="40" name="Straight Arrow Connector 39">
+            <a:extLst>
+              <a:ext uri="{FF2B5EF4-FFF2-40B4-BE49-F238E27FC236}">
+                <a16:creationId xmlns:a16="http://schemas.microsoft.com/office/drawing/2014/main" id="{728742E6-DB72-6047-840D-52B42DD3E805}"/>
+              </a:ext>
+            </a:extLst>
+          </p:cNvPr>
+          <p:cNvCxnSpPr>
+            <a:cxnSpLocks/>
+            <a:stCxn id="28" idx="1"/>
+            <a:endCxn id="38" idx="3"/>
+          </p:cNvCxnSpPr>
+          <p:nvPr/>
+        </p:nvCxnSpPr>
+        <p:spPr>
+          <a:xfrm flipH="1">
+            <a:off x="4554303" y="3112054"/>
+            <a:ext cx="1084206" cy="0"/>
+          </a:xfrm>
+          <a:prstGeom prst="straightConnector1">
+            <a:avLst/>
+          </a:prstGeom>
+          <a:ln>
+            <a:solidFill>
+              <a:srgbClr val="C00000"/>
+            </a:solidFill>
+            <a:headEnd type="none"/>
+            <a:tailEnd type="arrow"/>
+          </a:ln>
+        </p:spPr>
+        <p:style>
+          <a:lnRef idx="1">
+            <a:schemeClr val="accent1"/>
+          </a:lnRef>
+          <a:fillRef idx="0">
+            <a:schemeClr val="accent1"/>
+          </a:fillRef>
+          <a:effectRef idx="0">
+            <a:schemeClr val="accent1"/>
+          </a:effectRef>
+          <a:fontRef idx="minor">
+            <a:schemeClr val="tx1"/>
+          </a:fontRef>
+        </p:style>
+      </p:cxnSp>
+      <p:sp>
+        <p:nvSpPr>
+          <p:cNvPr id="42" name="Rectangle 41">
+            <a:extLst>
+              <a:ext uri="{FF2B5EF4-FFF2-40B4-BE49-F238E27FC236}">
+                <a16:creationId xmlns:a16="http://schemas.microsoft.com/office/drawing/2014/main" id="{06EA39B9-07C7-7F49-80A7-B6465D296E7A}"/>
+              </a:ext>
+            </a:extLst>
+          </p:cNvPr>
+          <p:cNvSpPr/>
+          <p:nvPr/>
+        </p:nvSpPr>
+        <p:spPr>
+          <a:xfrm rot="16200000">
+            <a:off x="4607111" y="3004331"/>
+            <a:ext cx="933012" cy="215444"/>
+          </a:xfrm>
+          <a:prstGeom prst="rect">
+            <a:avLst/>
+          </a:prstGeom>
+          <a:solidFill>
+            <a:schemeClr val="bg1"/>
+          </a:solidFill>
+        </p:spPr>
+        <p:txBody>
+          <a:bodyPr wrap="none" lIns="0" tIns="0" rIns="0" bIns="0">
+            <a:spAutoFit/>
+          </a:bodyPr>
+          <a:lstStyle/>
+          <a:p>
+            <a:r>
+              <a:rPr lang="en-AU" sz="1400" dirty="0" err="1">
+                <a:solidFill>
+                  <a:srgbClr val="C00000"/>
+                </a:solidFill>
+              </a:rPr>
+              <a:t>geo:sfWithin</a:t>
+            </a:r>
+            <a:endParaRPr lang="en-AU" sz="1400" dirty="0">
+              <a:solidFill>
+                <a:srgbClr val="C00000"/>
+              </a:solidFill>
+            </a:endParaRPr>
+          </a:p>
+        </p:txBody>
+      </p:sp>
+      <p:cxnSp>
+        <p:nvCxnSpPr>
+          <p:cNvPr id="43" name="Straight Arrow Connector 42">
+            <a:extLst>
+              <a:ext uri="{FF2B5EF4-FFF2-40B4-BE49-F238E27FC236}">
+                <a16:creationId xmlns:a16="http://schemas.microsoft.com/office/drawing/2014/main" id="{C9EAE35C-C8C6-B045-B269-A11A9C1284C7}"/>
+              </a:ext>
+            </a:extLst>
+          </p:cNvPr>
+          <p:cNvCxnSpPr>
+            <a:cxnSpLocks/>
+            <a:stCxn id="28" idx="0"/>
+            <a:endCxn id="27" idx="4"/>
+          </p:cNvCxnSpPr>
+          <p:nvPr/>
+        </p:nvCxnSpPr>
+        <p:spPr>
+          <a:xfrm flipV="1">
+            <a:off x="6303898" y="2294504"/>
+            <a:ext cx="0" cy="519553"/>
+          </a:xfrm>
+          <a:prstGeom prst="straightConnector1">
+            <a:avLst/>
+          </a:prstGeom>
+          <a:ln>
+            <a:solidFill>
+              <a:srgbClr val="C00000"/>
+            </a:solidFill>
+            <a:prstDash val="solid"/>
+            <a:headEnd type="arrow" w="med" len="med"/>
+            <a:tailEnd type="none" w="med" len="med"/>
+          </a:ln>
+        </p:spPr>
+        <p:style>
+          <a:lnRef idx="1">
+            <a:schemeClr val="accent1"/>
+          </a:lnRef>
+          <a:fillRef idx="0">
+            <a:schemeClr val="accent1"/>
+          </a:fillRef>
+          <a:effectRef idx="0">
+            <a:schemeClr val="accent1"/>
+          </a:effectRef>
+          <a:fontRef idx="minor">
+            <a:schemeClr val="tx1"/>
+          </a:fontRef>
+        </p:style>
+      </p:cxnSp>
+      <p:sp>
+        <p:nvSpPr>
+          <p:cNvPr id="44" name="Rectangle 43">
+            <a:extLst>
+              <a:ext uri="{FF2B5EF4-FFF2-40B4-BE49-F238E27FC236}">
+                <a16:creationId xmlns:a16="http://schemas.microsoft.com/office/drawing/2014/main" id="{D90FCE71-4CCE-4045-A586-6903BA23E211}"/>
+              </a:ext>
+            </a:extLst>
+          </p:cNvPr>
+          <p:cNvSpPr/>
+          <p:nvPr/>
+        </p:nvSpPr>
+        <p:spPr>
+          <a:xfrm>
+            <a:off x="6398025" y="2396000"/>
+            <a:ext cx="829714" cy="215444"/>
+          </a:xfrm>
+          <a:prstGeom prst="rect">
+            <a:avLst/>
+          </a:prstGeom>
+          <a:solidFill>
+            <a:schemeClr val="bg1"/>
+          </a:solidFill>
+        </p:spPr>
+        <p:txBody>
+          <a:bodyPr wrap="none" lIns="0" tIns="0" rIns="0" bIns="0">
+            <a:spAutoFit/>
+          </a:bodyPr>
+          <a:lstStyle/>
+          <a:p>
+            <a:r>
+              <a:rPr lang="en-AU" sz="1400" dirty="0" err="1">
+                <a:solidFill>
+                  <a:srgbClr val="C00000"/>
+                </a:solidFill>
+              </a:rPr>
+              <a:t>dct:hasPart</a:t>
+            </a:r>
+            <a:endParaRPr lang="en-AU" sz="1400" dirty="0">
+              <a:solidFill>
+                <a:srgbClr val="C00000"/>
+              </a:solidFill>
+            </a:endParaRPr>
+          </a:p>
+        </p:txBody>
+      </p:sp>
+    </p:spTree>
+    <p:extLst>
+      <p:ext uri="{BB962C8B-B14F-4D97-AF65-F5344CB8AC3E}">
+        <p14:creationId xmlns:p14="http://schemas.microsoft.com/office/powerpoint/2010/main" val="2210500094"/>
+      </p:ext>
+    </p:extLst>
+  </p:cSld>
+  <p:clrMapOvr>
+    <a:masterClrMapping/>
+  </p:clrMapOvr>
+</p:sld>
+</file>
+
+<file path=ppt/slides/slide8.xml><?xml version="1.0" encoding="utf-8"?>
+<p:sld xmlns:a="http://schemas.openxmlformats.org/drawingml/2006/main" xmlns:r="http://schemas.openxmlformats.org/officeDocument/2006/relationships" xmlns:p="http://schemas.openxmlformats.org/presentationml/2006/main">
+  <p:cSld>
+    <p:spTree>
+      <p:nvGrpSpPr>
+        <p:cNvPr id="1" name=""/>
+        <p:cNvGrpSpPr/>
+        <p:nvPr/>
+      </p:nvGrpSpPr>
+      <p:grpSpPr>
+        <a:xfrm>
+          <a:off x="0" y="0"/>
+          <a:ext cx="0" cy="0"/>
+          <a:chOff x="0" y="0"/>
+          <a:chExt cx="0" cy="0"/>
+        </a:xfrm>
+      </p:grpSpPr>
+      <p:sp>
+        <p:nvSpPr>
+          <p:cNvPr id="3" name="TextBox 2">
+            <a:extLst>
+              <a:ext uri="{FF2B5EF4-FFF2-40B4-BE49-F238E27FC236}">
+                <a16:creationId xmlns:a16="http://schemas.microsoft.com/office/drawing/2014/main" id="{4FD455C2-8504-4E57-A8ED-D440D09FBA7B}"/>
+              </a:ext>
+            </a:extLst>
+          </p:cNvPr>
+          <p:cNvSpPr txBox="1"/>
+          <p:nvPr/>
+        </p:nvSpPr>
+        <p:spPr>
+          <a:xfrm>
+            <a:off x="4022360" y="23884"/>
+            <a:ext cx="864276" cy="369332"/>
+          </a:xfrm>
+          <a:prstGeom prst="rect">
+            <a:avLst/>
+          </a:prstGeom>
+          <a:noFill/>
+        </p:spPr>
+        <p:txBody>
+          <a:bodyPr wrap="none" rtlCol="0">
+            <a:spAutoFit/>
+          </a:bodyPr>
+          <a:lstStyle/>
+          <a:p>
+            <a:r>
+              <a:rPr lang="en-US" u="sng" dirty="0"/>
+              <a:t>FSDF-O</a:t>
+            </a:r>
+          </a:p>
+        </p:txBody>
+      </p:sp>
+      <p:sp>
+        <p:nvSpPr>
+          <p:cNvPr id="19" name="Oval 18">
+            <a:extLst>
+              <a:ext uri="{FF2B5EF4-FFF2-40B4-BE49-F238E27FC236}">
+                <a16:creationId xmlns:a16="http://schemas.microsoft.com/office/drawing/2014/main" id="{384A3F9E-19F1-40F8-BC7C-BFC18F1BFF04}"/>
+              </a:ext>
+            </a:extLst>
+          </p:cNvPr>
+          <p:cNvSpPr/>
+          <p:nvPr/>
+        </p:nvSpPr>
+        <p:spPr>
+          <a:xfrm>
+            <a:off x="5410074" y="1520333"/>
+            <a:ext cx="1330778" cy="595993"/>
+          </a:xfrm>
+          <a:prstGeom prst="ellipse">
+            <a:avLst/>
+          </a:prstGeom>
+          <a:solidFill>
+            <a:schemeClr val="accent2">
+              <a:lumMod val="20000"/>
+              <a:lumOff val="80000"/>
+            </a:schemeClr>
+          </a:solidFill>
+          <a:ln w="12700">
+            <a:solidFill>
+              <a:schemeClr val="bg1">
+                <a:lumMod val="50000"/>
+              </a:schemeClr>
+            </a:solidFill>
+          </a:ln>
+        </p:spPr>
+        <p:style>
+          <a:lnRef idx="2">
+            <a:schemeClr val="accent1">
+              <a:shade val="50000"/>
+            </a:schemeClr>
+          </a:lnRef>
+          <a:fillRef idx="1">
+            <a:schemeClr val="accent1"/>
+          </a:fillRef>
+          <a:effectRef idx="0">
+            <a:schemeClr val="accent1"/>
+          </a:effectRef>
+          <a:fontRef idx="minor">
+            <a:schemeClr val="lt1"/>
+          </a:fontRef>
+        </p:style>
+        <p:txBody>
+          <a:bodyPr rtlCol="0" anchor="ctr"/>
+          <a:lstStyle/>
+          <a:p>
+            <a:pPr algn="ctr"/>
+            <a:r>
+              <a:rPr lang="en-US" sz="1200" dirty="0">
+                <a:solidFill>
+                  <a:schemeClr val="tx1"/>
+                </a:solidFill>
+              </a:rPr>
               <a:t>Place Name Gazetteer</a:t>
             </a:r>
           </a:p>
@@ -17037,7 +18022,7 @@
         </p:nvSpPr>
         <p:spPr>
           <a:xfrm>
-            <a:off x="332704" y="1698511"/>
+            <a:off x="332704" y="1517750"/>
             <a:ext cx="1330778" cy="595993"/>
           </a:xfrm>
           <a:prstGeom prst="ellipse">
@@ -17123,7 +18108,7 @@
         </p:nvSpPr>
         <p:spPr>
           <a:xfrm>
-            <a:off x="572470" y="1215114"/>
+            <a:off x="572470" y="1034353"/>
             <a:ext cx="850297" cy="307777"/>
           </a:xfrm>
           <a:prstGeom prst="rect">
@@ -17158,7 +18143,7 @@
         </p:nvSpPr>
         <p:spPr>
           <a:xfrm>
-            <a:off x="7407915" y="1701094"/>
+            <a:off x="7684373" y="1520333"/>
             <a:ext cx="1330778" cy="595993"/>
           </a:xfrm>
           <a:prstGeom prst="ellipse">
@@ -17228,7 +18213,7 @@
         </p:nvCxnSpPr>
         <p:spPr>
           <a:xfrm>
-            <a:off x="6464394" y="3114637"/>
+            <a:off x="6740852" y="2933876"/>
             <a:ext cx="943521" cy="1"/>
           </a:xfrm>
           <a:prstGeom prst="straightConnector1">
@@ -17271,7 +18256,7 @@
         </p:nvSpPr>
         <p:spPr>
           <a:xfrm>
-            <a:off x="332703" y="4776579"/>
+            <a:off x="332703" y="4595818"/>
             <a:ext cx="3618683" cy="2246769"/>
           </a:xfrm>
           <a:prstGeom prst="rect">
@@ -17362,7 +18347,7 @@
         </p:nvSpPr>
         <p:spPr>
           <a:xfrm>
-            <a:off x="5133616" y="2816640"/>
+            <a:off x="5410074" y="2635879"/>
             <a:ext cx="1330778" cy="595993"/>
           </a:xfrm>
           <a:prstGeom prst="rect">
@@ -17438,7 +18423,7 @@
         </p:nvSpPr>
         <p:spPr>
           <a:xfrm rot="16200000">
-            <a:off x="6346907" y="2821852"/>
+            <a:off x="6623365" y="2641091"/>
             <a:ext cx="1158202" cy="215444"/>
           </a:xfrm>
           <a:prstGeom prst="rect">
@@ -17476,7 +18461,7 @@
         </p:nvSpPr>
         <p:spPr>
           <a:xfrm>
-            <a:off x="332703" y="2557431"/>
+            <a:off x="332703" y="2376670"/>
             <a:ext cx="1330778" cy="595993"/>
           </a:xfrm>
           <a:prstGeom prst="rect">
@@ -17544,7 +18529,7 @@
         </p:nvSpPr>
         <p:spPr>
           <a:xfrm>
-            <a:off x="2983303" y="1698511"/>
+            <a:off x="3259761" y="1517750"/>
             <a:ext cx="1330778" cy="595993"/>
           </a:xfrm>
           <a:prstGeom prst="ellipse">
@@ -17614,7 +18599,7 @@
         </p:nvCxnSpPr>
         <p:spPr>
           <a:xfrm flipH="1" flipV="1">
-            <a:off x="4314081" y="3112054"/>
+            <a:off x="4590539" y="2931293"/>
             <a:ext cx="819535" cy="2583"/>
           </a:xfrm>
           <a:prstGeom prst="straightConnector1">
@@ -17657,7 +18642,7 @@
         </p:nvSpPr>
         <p:spPr>
           <a:xfrm rot="16200000">
-            <a:off x="4084793" y="2814057"/>
+            <a:off x="4361251" y="2633296"/>
             <a:ext cx="1288814" cy="215444"/>
           </a:xfrm>
           <a:prstGeom prst="rect">
@@ -17699,7 +18684,7 @@
         </p:nvCxnSpPr>
         <p:spPr>
           <a:xfrm flipV="1">
-            <a:off x="8073304" y="2297087"/>
+            <a:off x="8349762" y="2116326"/>
             <a:ext cx="0" cy="519554"/>
           </a:xfrm>
           <a:prstGeom prst="straightConnector1">
@@ -17747,7 +18732,7 @@
         </p:nvCxnSpPr>
         <p:spPr>
           <a:xfrm flipV="1">
-            <a:off x="5799005" y="2297087"/>
+            <a:off x="6075463" y="2116326"/>
             <a:ext cx="0" cy="519553"/>
           </a:xfrm>
           <a:prstGeom prst="straightConnector1">
@@ -17795,7 +18780,7 @@
         </p:nvCxnSpPr>
         <p:spPr>
           <a:xfrm flipV="1">
-            <a:off x="3648692" y="2294504"/>
+            <a:off x="3925150" y="2113743"/>
             <a:ext cx="0" cy="519553"/>
           </a:xfrm>
           <a:prstGeom prst="straightConnector1">
@@ -17839,7 +18824,7 @@
         </p:nvSpPr>
         <p:spPr>
           <a:xfrm>
-            <a:off x="3742819" y="2408339"/>
+            <a:off x="4019277" y="2227578"/>
             <a:ext cx="829714" cy="215444"/>
           </a:xfrm>
           <a:prstGeom prst="rect">
@@ -17877,7 +18862,7 @@
         </p:nvSpPr>
         <p:spPr>
           <a:xfrm>
-            <a:off x="5893662" y="2438978"/>
+            <a:off x="6170120" y="2258217"/>
             <a:ext cx="829714" cy="215444"/>
           </a:xfrm>
           <a:prstGeom prst="rect">
@@ -17915,7 +18900,7 @@
         </p:nvSpPr>
         <p:spPr>
           <a:xfrm>
-            <a:off x="8167960" y="2438978"/>
+            <a:off x="8444418" y="2258217"/>
             <a:ext cx="829714" cy="215444"/>
           </a:xfrm>
           <a:prstGeom prst="rect">
@@ -17957,7 +18942,7 @@
         </p:nvCxnSpPr>
         <p:spPr>
           <a:xfrm rot="10800000">
-            <a:off x="3648692" y="3410050"/>
+            <a:off x="3925150" y="3229289"/>
             <a:ext cx="3759222" cy="540944"/>
           </a:xfrm>
           <a:prstGeom prst="bentConnector2">
@@ -18000,7 +18985,7 @@
         </p:nvSpPr>
         <p:spPr>
           <a:xfrm>
-            <a:off x="6149170" y="4530628"/>
+            <a:off x="6425628" y="4349867"/>
             <a:ext cx="1167564" cy="215444"/>
           </a:xfrm>
           <a:prstGeom prst="rect">
@@ -18038,7 +19023,7 @@
         </p:nvSpPr>
         <p:spPr>
           <a:xfrm>
-            <a:off x="6232664" y="3708047"/>
+            <a:off x="6509122" y="3527286"/>
             <a:ext cx="993477" cy="215444"/>
           </a:xfrm>
           <a:prstGeom prst="rect">
@@ -18076,7 +19061,7 @@
         </p:nvSpPr>
         <p:spPr>
           <a:xfrm>
-            <a:off x="2983303" y="4489351"/>
+            <a:off x="3259761" y="4308590"/>
             <a:ext cx="1330778" cy="595993"/>
           </a:xfrm>
           <a:prstGeom prst="rect">
@@ -18141,7 +19126,7 @@
         </p:nvCxnSpPr>
         <p:spPr>
           <a:xfrm flipH="1" flipV="1">
-            <a:off x="4314081" y="4787348"/>
+            <a:off x="4590539" y="4606587"/>
             <a:ext cx="3093833" cy="1"/>
           </a:xfrm>
           <a:prstGeom prst="straightConnector1">
@@ -18184,7 +19169,7 @@
         </p:nvSpPr>
         <p:spPr>
           <a:xfrm>
-            <a:off x="9426847" y="1702723"/>
+            <a:off x="9703305" y="1521962"/>
             <a:ext cx="1330778" cy="595993"/>
           </a:xfrm>
           <a:prstGeom prst="ellipse">
@@ -18265,7 +19250,7 @@
         </p:nvSpPr>
         <p:spPr>
           <a:xfrm>
-            <a:off x="7415740" y="6161159"/>
+            <a:off x="7692198" y="5980398"/>
             <a:ext cx="1330778" cy="595993"/>
           </a:xfrm>
           <a:prstGeom prst="rect">
@@ -18340,82 +19325,6 @@
           </a:p>
         </p:txBody>
       </p:sp>
-      <p:sp>
-        <p:nvSpPr>
-          <p:cNvPr id="62" name="Rectangle 61">
-            <a:extLst>
-              <a:ext uri="{FF2B5EF4-FFF2-40B4-BE49-F238E27FC236}">
-                <a16:creationId xmlns:a16="http://schemas.microsoft.com/office/drawing/2014/main" id="{C852E23A-5A5E-4747-9FC9-8D75CA95E19C}"/>
-              </a:ext>
-            </a:extLst>
-          </p:cNvPr>
-          <p:cNvSpPr/>
-          <p:nvPr/>
-        </p:nvSpPr>
-        <p:spPr>
-          <a:xfrm>
-            <a:off x="9426847" y="3652996"/>
-            <a:ext cx="1330778" cy="595993"/>
-          </a:xfrm>
-          <a:prstGeom prst="rect">
-            <a:avLst/>
-          </a:prstGeom>
-          <a:solidFill>
-            <a:schemeClr val="bg1"/>
-          </a:solidFill>
-          <a:ln>
-            <a:solidFill>
-              <a:schemeClr val="tx1"/>
-            </a:solidFill>
-          </a:ln>
-        </p:spPr>
-        <p:style>
-          <a:lnRef idx="2">
-            <a:schemeClr val="accent1">
-              <a:shade val="50000"/>
-            </a:schemeClr>
-          </a:lnRef>
-          <a:fillRef idx="1">
-            <a:schemeClr val="accent1"/>
-          </a:fillRef>
-          <a:effectRef idx="0">
-            <a:schemeClr val="accent1"/>
-          </a:effectRef>
-          <a:fontRef idx="minor">
-            <a:schemeClr val="lt1"/>
-          </a:fontRef>
-        </p:style>
-        <p:txBody>
-          <a:bodyPr rtlCol="0" anchor="ctr"/>
-          <a:lstStyle/>
-          <a:p>
-            <a:pPr algn="ctr"/>
-            <a:r>
-              <a:rPr lang="en-US" sz="1400" dirty="0">
-                <a:solidFill>
-                  <a:schemeClr val="tx1"/>
-                </a:solidFill>
-              </a:rPr>
-              <a:t>ahgf:</a:t>
-            </a:r>
-            <a:br>
-              <a:rPr lang="en-US" sz="1400" dirty="0">
-                <a:solidFill>
-                  <a:schemeClr val="tx1"/>
-                </a:solidFill>
-              </a:rPr>
-            </a:br>
-            <a:r>
-              <a:rPr lang="en-US" sz="1400" dirty="0">
-                <a:solidFill>
-                  <a:schemeClr val="tx1"/>
-                </a:solidFill>
-              </a:rPr>
-              <a:t>Waterbody</a:t>
-            </a:r>
-          </a:p>
-        </p:txBody>
-      </p:sp>
       <p:cxnSp>
         <p:nvCxnSpPr>
           <p:cNvPr id="67" name="Straight Arrow Connector 66">
@@ -18434,7 +19343,7 @@
         </p:nvCxnSpPr>
         <p:spPr>
           <a:xfrm flipV="1">
-            <a:off x="10092236" y="2298716"/>
+            <a:off x="10368694" y="2117955"/>
             <a:ext cx="0" cy="519553"/>
           </a:xfrm>
           <a:prstGeom prst="straightConnector1">
@@ -18482,7 +19391,7 @@
         </p:nvCxnSpPr>
         <p:spPr>
           <a:xfrm flipV="1">
-            <a:off x="8746518" y="3950993"/>
+            <a:off x="9022976" y="3770232"/>
             <a:ext cx="680329" cy="2508163"/>
           </a:xfrm>
           <a:prstGeom prst="bentConnector3">
@@ -18531,7 +19440,7 @@
         </p:nvCxnSpPr>
         <p:spPr>
           <a:xfrm flipV="1">
-            <a:off x="8738692" y="3116266"/>
+            <a:off x="9015150" y="2935505"/>
             <a:ext cx="688155" cy="2508162"/>
           </a:xfrm>
           <a:prstGeom prst="bentConnector3">
@@ -18576,7 +19485,7 @@
         </p:nvSpPr>
         <p:spPr>
           <a:xfrm>
-            <a:off x="8445758" y="3424275"/>
+            <a:off x="8722216" y="3243514"/>
             <a:ext cx="1030860" cy="215444"/>
           </a:xfrm>
           <a:prstGeom prst="rect">
@@ -18614,7 +19523,7 @@
         </p:nvSpPr>
         <p:spPr>
           <a:xfrm>
-            <a:off x="8746518" y="5926039"/>
+            <a:off x="9022976" y="5745278"/>
             <a:ext cx="829714" cy="215444"/>
           </a:xfrm>
           <a:prstGeom prst="rect">
@@ -18654,7 +19563,7 @@
         </p:nvCxnSpPr>
         <p:spPr>
           <a:xfrm flipV="1">
-            <a:off x="7962233" y="2277371"/>
+            <a:off x="8238691" y="2096610"/>
             <a:ext cx="0" cy="1362348"/>
           </a:xfrm>
           <a:prstGeom prst="straightConnector1">
@@ -18700,7 +19609,7 @@
         </p:nvCxnSpPr>
         <p:spPr>
           <a:xfrm flipV="1">
-            <a:off x="7843413" y="2277371"/>
+            <a:off x="8119871" y="2096610"/>
             <a:ext cx="0" cy="2211980"/>
           </a:xfrm>
           <a:prstGeom prst="straightConnector1">
@@ -18746,7 +19655,7 @@
         </p:nvCxnSpPr>
         <p:spPr>
           <a:xfrm flipV="1">
-            <a:off x="7716843" y="2256284"/>
+            <a:off x="7993301" y="2075523"/>
             <a:ext cx="0" cy="3070147"/>
           </a:xfrm>
           <a:prstGeom prst="straightConnector1">
@@ -18792,7 +19701,7 @@
         </p:nvCxnSpPr>
         <p:spPr>
           <a:xfrm flipV="1">
-            <a:off x="7590274" y="2190825"/>
+            <a:off x="7866732" y="2010064"/>
             <a:ext cx="0" cy="3950658"/>
           </a:xfrm>
           <a:prstGeom prst="straightConnector1">
@@ -18822,56 +19731,6 @@
           </a:fontRef>
         </p:style>
       </p:cxnSp>
-      <p:cxnSp>
-        <p:nvCxnSpPr>
-          <p:cNvPr id="92" name="Elbow Connector 91">
-            <a:extLst>
-              <a:ext uri="{FF2B5EF4-FFF2-40B4-BE49-F238E27FC236}">
-                <a16:creationId xmlns:a16="http://schemas.microsoft.com/office/drawing/2014/main" id="{15D70580-4211-C74A-B805-25A37352024C}"/>
-              </a:ext>
-            </a:extLst>
-          </p:cNvPr>
-          <p:cNvCxnSpPr>
-            <a:cxnSpLocks/>
-            <a:stCxn id="58" idx="4"/>
-            <a:endCxn id="62" idx="3"/>
-          </p:cNvCxnSpPr>
-          <p:nvPr/>
-        </p:nvCxnSpPr>
-        <p:spPr>
-          <a:xfrm rot="16200000" flipH="1">
-            <a:off x="9598792" y="2792159"/>
-            <a:ext cx="1652277" cy="665389"/>
-          </a:xfrm>
-          <a:prstGeom prst="bentConnector4">
-            <a:avLst>
-              <a:gd name="adj1" fmla="val 19877"/>
-              <a:gd name="adj2" fmla="val 134356"/>
-            </a:avLst>
-          </a:prstGeom>
-          <a:ln>
-            <a:solidFill>
-              <a:schemeClr val="tx1"/>
-            </a:solidFill>
-            <a:headEnd type="none" w="med" len="med"/>
-            <a:tailEnd type="arrow" w="med" len="med"/>
-          </a:ln>
-        </p:spPr>
-        <p:style>
-          <a:lnRef idx="1">
-            <a:schemeClr val="accent1"/>
-          </a:lnRef>
-          <a:fillRef idx="0">
-            <a:schemeClr val="accent1"/>
-          </a:fillRef>
-          <a:effectRef idx="0">
-            <a:schemeClr val="accent1"/>
-          </a:effectRef>
-          <a:fontRef idx="minor">
-            <a:schemeClr val="tx1"/>
-          </a:fontRef>
-        </p:style>
-      </p:cxnSp>
       <p:sp>
         <p:nvSpPr>
           <p:cNvPr id="57" name="Rectangle 56">
@@ -18886,7 +19745,7 @@
         </p:nvSpPr>
         <p:spPr>
           <a:xfrm>
-            <a:off x="7407915" y="2816641"/>
+            <a:off x="7684373" y="2635880"/>
             <a:ext cx="1330778" cy="595993"/>
           </a:xfrm>
           <a:prstGeom prst="rect">
@@ -18954,7 +19813,7 @@
         </p:nvSpPr>
         <p:spPr>
           <a:xfrm>
-            <a:off x="7407914" y="3652997"/>
+            <a:off x="7684372" y="3472236"/>
             <a:ext cx="1330778" cy="595993"/>
           </a:xfrm>
           <a:prstGeom prst="rect">
@@ -19045,7 +19904,7 @@
         </p:nvSpPr>
         <p:spPr>
           <a:xfrm>
-            <a:off x="7407914" y="4489352"/>
+            <a:off x="7684372" y="4308591"/>
             <a:ext cx="1330778" cy="595993"/>
           </a:xfrm>
           <a:prstGeom prst="rect">
@@ -19151,7 +20010,7 @@
         </p:nvSpPr>
         <p:spPr>
           <a:xfrm>
-            <a:off x="7407914" y="5326431"/>
+            <a:off x="7684372" y="5145670"/>
             <a:ext cx="1330778" cy="595993"/>
           </a:xfrm>
           <a:prstGeom prst="rect">
@@ -19234,7 +20093,7 @@
         </p:nvSpPr>
         <p:spPr>
           <a:xfrm>
-            <a:off x="10145597" y="2364091"/>
+            <a:off x="10422055" y="2183330"/>
             <a:ext cx="829714" cy="215444"/>
           </a:xfrm>
           <a:prstGeom prst="rect">
@@ -19274,7 +20133,7 @@
         </p:nvCxnSpPr>
         <p:spPr>
           <a:xfrm flipV="1">
-            <a:off x="9966680" y="2290635"/>
+            <a:off x="10243138" y="2109874"/>
             <a:ext cx="0" cy="1362348"/>
           </a:xfrm>
           <a:prstGeom prst="straightConnector1">
@@ -19304,6 +20163,330 @@
           </a:fontRef>
         </p:style>
       </p:cxnSp>
+      <p:cxnSp>
+        <p:nvCxnSpPr>
+          <p:cNvPr id="99" name="Straight Arrow Connector 98">
+            <a:extLst>
+              <a:ext uri="{FF2B5EF4-FFF2-40B4-BE49-F238E27FC236}">
+                <a16:creationId xmlns:a16="http://schemas.microsoft.com/office/drawing/2014/main" id="{E9A1F2F3-79A2-2749-A5C5-9C85136BA4AC}"/>
+              </a:ext>
+            </a:extLst>
+          </p:cNvPr>
+          <p:cNvCxnSpPr>
+            <a:cxnSpLocks/>
+          </p:cNvCxnSpPr>
+          <p:nvPr/>
+        </p:nvCxnSpPr>
+        <p:spPr>
+          <a:xfrm flipV="1">
+            <a:off x="3801010" y="2096610"/>
+            <a:ext cx="0" cy="2211980"/>
+          </a:xfrm>
+          <a:prstGeom prst="straightConnector1">
+            <a:avLst/>
+          </a:prstGeom>
+          <a:ln>
+            <a:solidFill>
+              <a:schemeClr val="tx1"/>
+            </a:solidFill>
+            <a:prstDash val="solid"/>
+            <a:headEnd type="arrow" w="med" len="med"/>
+            <a:tailEnd type="none" w="med" len="med"/>
+          </a:ln>
+        </p:spPr>
+        <p:style>
+          <a:lnRef idx="1">
+            <a:schemeClr val="accent1"/>
+          </a:lnRef>
+          <a:fillRef idx="0">
+            <a:schemeClr val="accent1"/>
+          </a:fillRef>
+          <a:effectRef idx="0">
+            <a:schemeClr val="accent1"/>
+          </a:effectRef>
+          <a:fontRef idx="minor">
+            <a:schemeClr val="tx1"/>
+          </a:fontRef>
+        </p:style>
+      </p:cxnSp>
+      <p:sp>
+        <p:nvSpPr>
+          <p:cNvPr id="38" name="Rectangle 37">
+            <a:extLst>
+              <a:ext uri="{FF2B5EF4-FFF2-40B4-BE49-F238E27FC236}">
+                <a16:creationId xmlns:a16="http://schemas.microsoft.com/office/drawing/2014/main" id="{2078838A-B6DB-764C-96A6-133495B2C356}"/>
+              </a:ext>
+            </a:extLst>
+          </p:cNvPr>
+          <p:cNvSpPr/>
+          <p:nvPr/>
+        </p:nvSpPr>
+        <p:spPr>
+          <a:xfrm>
+            <a:off x="3259761" y="2633296"/>
+            <a:ext cx="1330778" cy="595993"/>
+          </a:xfrm>
+          <a:prstGeom prst="rect">
+            <a:avLst/>
+          </a:prstGeom>
+          <a:solidFill>
+            <a:srgbClr val="FFFFFF">
+              <a:alpha val="85098"/>
+            </a:srgbClr>
+          </a:solidFill>
+          <a:ln>
+            <a:solidFill>
+              <a:schemeClr val="tx1"/>
+            </a:solidFill>
+          </a:ln>
+        </p:spPr>
+        <p:style>
+          <a:lnRef idx="2">
+            <a:schemeClr val="accent1">
+              <a:shade val="50000"/>
+            </a:schemeClr>
+          </a:lnRef>
+          <a:fillRef idx="1">
+            <a:schemeClr val="accent1"/>
+          </a:fillRef>
+          <a:effectRef idx="0">
+            <a:schemeClr val="accent1"/>
+          </a:effectRef>
+          <a:fontRef idx="minor">
+            <a:schemeClr val="lt1"/>
+          </a:fontRef>
+        </p:style>
+        <p:txBody>
+          <a:bodyPr rtlCol="0" anchor="ctr"/>
+          <a:lstStyle/>
+          <a:p>
+            <a:pPr algn="ctr"/>
+            <a:r>
+              <a:rPr lang="en-US" sz="1400" dirty="0">
+                <a:solidFill>
+                  <a:schemeClr val="tx1"/>
+                </a:solidFill>
+              </a:rPr>
+              <a:t>asgs:State</a:t>
+            </a:r>
+          </a:p>
+        </p:txBody>
+      </p:sp>
+      <p:sp>
+        <p:nvSpPr>
+          <p:cNvPr id="48" name="Rectangle 47">
+            <a:extLst>
+              <a:ext uri="{FF2B5EF4-FFF2-40B4-BE49-F238E27FC236}">
+                <a16:creationId xmlns:a16="http://schemas.microsoft.com/office/drawing/2014/main" id="{BEE7CE46-3DC2-864D-AFFA-A4EAC424DC5E}"/>
+              </a:ext>
+            </a:extLst>
+          </p:cNvPr>
+          <p:cNvSpPr/>
+          <p:nvPr/>
+        </p:nvSpPr>
+        <p:spPr>
+          <a:xfrm>
+            <a:off x="9703305" y="4314558"/>
+            <a:ext cx="1330778" cy="595993"/>
+          </a:xfrm>
+          <a:prstGeom prst="rect">
+            <a:avLst/>
+          </a:prstGeom>
+          <a:solidFill>
+            <a:schemeClr val="bg1"/>
+          </a:solidFill>
+          <a:ln>
+            <a:solidFill>
+              <a:schemeClr val="tx1"/>
+            </a:solidFill>
+          </a:ln>
+        </p:spPr>
+        <p:style>
+          <a:lnRef idx="2">
+            <a:schemeClr val="accent1">
+              <a:shade val="50000"/>
+            </a:schemeClr>
+          </a:lnRef>
+          <a:fillRef idx="1">
+            <a:schemeClr val="accent1"/>
+          </a:fillRef>
+          <a:effectRef idx="0">
+            <a:schemeClr val="accent1"/>
+          </a:effectRef>
+          <a:fontRef idx="minor">
+            <a:schemeClr val="lt1"/>
+          </a:fontRef>
+        </p:style>
+        <p:txBody>
+          <a:bodyPr rtlCol="0" anchor="ctr"/>
+          <a:lstStyle/>
+          <a:p>
+            <a:pPr algn="ctr"/>
+            <a:r>
+              <a:rPr lang="en-US" sz="1400" dirty="0">
+                <a:solidFill>
+                  <a:schemeClr val="tx1"/>
+                </a:solidFill>
+              </a:rPr>
+              <a:t>ahgf:</a:t>
+            </a:r>
+            <a:br>
+              <a:rPr lang="en-US" sz="1400" dirty="0">
+                <a:solidFill>
+                  <a:schemeClr val="tx1"/>
+                </a:solidFill>
+              </a:rPr>
+            </a:br>
+            <a:r>
+              <a:rPr lang="en-US" sz="1400" dirty="0">
+                <a:solidFill>
+                  <a:schemeClr val="tx1"/>
+                </a:solidFill>
+              </a:rPr>
+              <a:t>Drainage</a:t>
+            </a:r>
+            <a:br>
+              <a:rPr lang="en-US" sz="1400" dirty="0">
+                <a:solidFill>
+                  <a:schemeClr val="tx1"/>
+                </a:solidFill>
+              </a:rPr>
+            </a:br>
+            <a:r>
+              <a:rPr lang="en-US" sz="1400" dirty="0">
+                <a:solidFill>
+                  <a:schemeClr val="tx1"/>
+                </a:solidFill>
+              </a:rPr>
+              <a:t>Division</a:t>
+            </a:r>
+          </a:p>
+        </p:txBody>
+      </p:sp>
+      <p:cxnSp>
+        <p:nvCxnSpPr>
+          <p:cNvPr id="49" name="Straight Arrow Connector 48">
+            <a:extLst>
+              <a:ext uri="{FF2B5EF4-FFF2-40B4-BE49-F238E27FC236}">
+                <a16:creationId xmlns:a16="http://schemas.microsoft.com/office/drawing/2014/main" id="{7A441DE8-1673-B549-8E1F-C09E1F01ACAE}"/>
+              </a:ext>
+            </a:extLst>
+          </p:cNvPr>
+          <p:cNvCxnSpPr>
+            <a:cxnSpLocks/>
+          </p:cNvCxnSpPr>
+          <p:nvPr/>
+        </p:nvCxnSpPr>
+        <p:spPr>
+          <a:xfrm flipV="1">
+            <a:off x="10111704" y="2096789"/>
+            <a:ext cx="0" cy="2211980"/>
+          </a:xfrm>
+          <a:prstGeom prst="straightConnector1">
+            <a:avLst/>
+          </a:prstGeom>
+          <a:ln>
+            <a:solidFill>
+              <a:schemeClr val="tx1"/>
+            </a:solidFill>
+            <a:prstDash val="solid"/>
+            <a:headEnd type="arrow" w="med" len="med"/>
+            <a:tailEnd type="none" w="med" len="med"/>
+          </a:ln>
+        </p:spPr>
+        <p:style>
+          <a:lnRef idx="1">
+            <a:schemeClr val="accent1"/>
+          </a:lnRef>
+          <a:fillRef idx="0">
+            <a:schemeClr val="accent1"/>
+          </a:fillRef>
+          <a:effectRef idx="0">
+            <a:schemeClr val="accent1"/>
+          </a:effectRef>
+          <a:fontRef idx="minor">
+            <a:schemeClr val="tx1"/>
+          </a:fontRef>
+        </p:style>
+      </p:cxnSp>
+      <p:sp>
+        <p:nvSpPr>
+          <p:cNvPr id="62" name="Rectangle 61">
+            <a:extLst>
+              <a:ext uri="{FF2B5EF4-FFF2-40B4-BE49-F238E27FC236}">
+                <a16:creationId xmlns:a16="http://schemas.microsoft.com/office/drawing/2014/main" id="{C852E23A-5A5E-4747-9FC9-8D75CA95E19C}"/>
+              </a:ext>
+            </a:extLst>
+          </p:cNvPr>
+          <p:cNvSpPr/>
+          <p:nvPr/>
+        </p:nvSpPr>
+        <p:spPr>
+          <a:xfrm>
+            <a:off x="9703305" y="3472235"/>
+            <a:ext cx="1330778" cy="595993"/>
+          </a:xfrm>
+          <a:prstGeom prst="rect">
+            <a:avLst/>
+          </a:prstGeom>
+          <a:solidFill>
+            <a:srgbClr val="FFFFFF">
+              <a:alpha val="85098"/>
+            </a:srgbClr>
+          </a:solidFill>
+          <a:ln>
+            <a:solidFill>
+              <a:schemeClr val="tx1"/>
+            </a:solidFill>
+          </a:ln>
+        </p:spPr>
+        <p:style>
+          <a:lnRef idx="2">
+            <a:schemeClr val="accent1">
+              <a:shade val="50000"/>
+            </a:schemeClr>
+          </a:lnRef>
+          <a:fillRef idx="1">
+            <a:schemeClr val="accent1"/>
+          </a:fillRef>
+          <a:effectRef idx="0">
+            <a:schemeClr val="accent1"/>
+          </a:effectRef>
+          <a:fontRef idx="minor">
+            <a:schemeClr val="lt1"/>
+          </a:fontRef>
+        </p:style>
+        <p:txBody>
+          <a:bodyPr rtlCol="0" anchor="ctr"/>
+          <a:lstStyle/>
+          <a:p>
+            <a:pPr algn="ctr"/>
+            <a:r>
+              <a:rPr lang="en-US" sz="1400" dirty="0">
+                <a:solidFill>
+                  <a:schemeClr val="tx1"/>
+                </a:solidFill>
+              </a:rPr>
+              <a:t>ahgf:</a:t>
+            </a:r>
+            <a:br>
+              <a:rPr lang="en-US" sz="1400" dirty="0">
+                <a:solidFill>
+                  <a:schemeClr val="tx1"/>
+                </a:solidFill>
+              </a:rPr>
+            </a:br>
+            <a:r>
+              <a:rPr lang="en-US" sz="1400" dirty="0">
+                <a:solidFill>
+                  <a:schemeClr val="tx1"/>
+                </a:solidFill>
+              </a:rPr>
+              <a:t>Waterbody</a:t>
+            </a:r>
+          </a:p>
+        </p:txBody>
+      </p:sp>
       <p:sp>
         <p:nvSpPr>
           <p:cNvPr id="59" name="Rectangle 58">
@@ -19318,7 +20501,7 @@
         </p:nvSpPr>
         <p:spPr>
           <a:xfrm>
-            <a:off x="9426847" y="2818269"/>
+            <a:off x="9703305" y="2637508"/>
             <a:ext cx="1330778" cy="595993"/>
           </a:xfrm>
           <a:prstGeom prst="rect">
@@ -19392,33 +20575,36 @@
       </p:sp>
       <p:cxnSp>
         <p:nvCxnSpPr>
-          <p:cNvPr id="99" name="Straight Arrow Connector 98">
-            <a:extLst>
-              <a:ext uri="{FF2B5EF4-FFF2-40B4-BE49-F238E27FC236}">
-                <a16:creationId xmlns:a16="http://schemas.microsoft.com/office/drawing/2014/main" id="{E9A1F2F3-79A2-2749-A5C5-9C85136BA4AC}"/>
+          <p:cNvPr id="51" name="Elbow Connector 50">
+            <a:extLst>
+              <a:ext uri="{FF2B5EF4-FFF2-40B4-BE49-F238E27FC236}">
+                <a16:creationId xmlns:a16="http://schemas.microsoft.com/office/drawing/2014/main" id="{12BA9680-E819-AA4E-83A5-CED0C0E92A07}"/>
               </a:ext>
             </a:extLst>
           </p:cNvPr>
           <p:cNvCxnSpPr>
             <a:cxnSpLocks/>
+            <a:stCxn id="46" idx="2"/>
+            <a:endCxn id="48" idx="2"/>
           </p:cNvCxnSpPr>
           <p:nvPr/>
         </p:nvCxnSpPr>
         <p:spPr>
-          <a:xfrm flipV="1">
-            <a:off x="3524552" y="2277371"/>
-            <a:ext cx="0" cy="2211980"/>
-          </a:xfrm>
-          <a:prstGeom prst="straightConnector1">
-            <a:avLst/>
+          <a:xfrm rot="16200000" flipH="1">
+            <a:off x="7143938" y="1685795"/>
+            <a:ext cx="5968" cy="6443544"/>
+          </a:xfrm>
+          <a:prstGeom prst="bentConnector3">
+            <a:avLst>
+              <a:gd name="adj1" fmla="val 30832523"/>
+            </a:avLst>
           </a:prstGeom>
           <a:ln>
             <a:solidFill>
               <a:schemeClr val="tx1"/>
             </a:solidFill>
-            <a:prstDash val="solid"/>
-            <a:headEnd type="arrow" w="med" len="med"/>
-            <a:tailEnd type="none" w="med" len="med"/>
+            <a:headEnd type="none" w="med" len="med"/>
+            <a:tailEnd type="arrow" w="med" len="med"/>
           </a:ln>
         </p:spPr>
         <p:style>
@@ -19438,10 +20624,10 @@
       </p:cxnSp>
       <p:sp>
         <p:nvSpPr>
-          <p:cNvPr id="38" name="Rectangle 37">
-            <a:extLst>
-              <a:ext uri="{FF2B5EF4-FFF2-40B4-BE49-F238E27FC236}">
-                <a16:creationId xmlns:a16="http://schemas.microsoft.com/office/drawing/2014/main" id="{2078838A-B6DB-764C-96A6-133495B2C356}"/>
+          <p:cNvPr id="54" name="Rectangle 53">
+            <a:extLst>
+              <a:ext uri="{FF2B5EF4-FFF2-40B4-BE49-F238E27FC236}">
+                <a16:creationId xmlns:a16="http://schemas.microsoft.com/office/drawing/2014/main" id="{962FC4DC-8399-BA4D-A1EC-5843D0401F36}"/>
               </a:ext>
             </a:extLst>
           </p:cNvPr>
@@ -19450,52 +20636,27 @@
         </p:nvSpPr>
         <p:spPr>
           <a:xfrm>
-            <a:off x="2983303" y="2814057"/>
-            <a:ext cx="1330778" cy="595993"/>
+            <a:off x="3443782" y="5176022"/>
+            <a:ext cx="933012" cy="215444"/>
           </a:xfrm>
           <a:prstGeom prst="rect">
             <a:avLst/>
           </a:prstGeom>
           <a:solidFill>
-            <a:srgbClr val="FFFFFF">
-              <a:alpha val="85098"/>
-            </a:srgbClr>
+            <a:schemeClr val="bg1"/>
           </a:solidFill>
-          <a:ln>
-            <a:solidFill>
-              <a:schemeClr val="tx1"/>
-            </a:solidFill>
-          </a:ln>
-        </p:spPr>
-        <p:style>
-          <a:lnRef idx="2">
-            <a:schemeClr val="accent1">
-              <a:shade val="50000"/>
-            </a:schemeClr>
-          </a:lnRef>
-          <a:fillRef idx="1">
-            <a:schemeClr val="accent1"/>
-          </a:fillRef>
-          <a:effectRef idx="0">
-            <a:schemeClr val="accent1"/>
-          </a:effectRef>
-          <a:fontRef idx="minor">
-            <a:schemeClr val="lt1"/>
-          </a:fontRef>
-        </p:style>
-        <p:txBody>
-          <a:bodyPr rtlCol="0" anchor="ctr"/>
-          <a:lstStyle/>
-          <a:p>
-            <a:pPr algn="ctr"/>
-            <a:r>
-              <a:rPr lang="en-US" sz="1400" dirty="0">
-                <a:solidFill>
-                  <a:schemeClr val="tx1"/>
-                </a:solidFill>
-              </a:rPr>
-              <a:t>asgs:State</a:t>
-            </a:r>
+        </p:spPr>
+        <p:txBody>
+          <a:bodyPr wrap="none" lIns="0" tIns="0" rIns="0" bIns="0">
+            <a:spAutoFit/>
+          </a:bodyPr>
+          <a:lstStyle/>
+          <a:p>
+            <a:r>
+              <a:rPr lang="en-AU" sz="1400" dirty="0" err="1"/>
+              <a:t>geo:sfWithin</a:t>
+            </a:r>
+            <a:endParaRPr lang="en-AU" sz="1400" dirty="0"/>
           </a:p>
         </p:txBody>
       </p:sp>

--- a/docs/fsdf-ont-images.pptx
+++ b/docs/fsdf-ont-images.pptx
@@ -119,6 +119,10 @@
 </p:presentation>
 </file>
 
+<file path=ppt/revisionInfo.xml><?xml version="1.0" encoding="utf-8"?>
+<p1510:revInfo xmlns:a="http://schemas.openxmlformats.org/drawingml/2006/main" xmlns:r="http://schemas.openxmlformats.org/officeDocument/2006/relationships" xmlns:p1510="http://schemas.microsoft.com/office/powerpoint/2015/10/main"/>
+</file>
+
 <file path=ppt/slideLayouts/slideLayout1.xml><?xml version="1.0" encoding="utf-8"?>
 <p:sldLayout xmlns:a="http://schemas.openxmlformats.org/drawingml/2006/main" xmlns:r="http://schemas.openxmlformats.org/officeDocument/2006/relationships" xmlns:p="http://schemas.openxmlformats.org/presentationml/2006/main" type="title" preserve="1">
   <p:cSld name="Title Slide">
@@ -268,7 +272,7 @@
           <a:p>
             <a:fld id="{8C85DE42-2BBB-4BEC-98E8-2E54C2B244F5}" type="datetimeFigureOut">
               <a:rPr lang="en-AU" smtClean="0"/>
-              <a:t>28/6/18</a:t>
+              <a:t>19/07/2018</a:t>
             </a:fld>
             <a:endParaRPr lang="en-AU"/>
           </a:p>
@@ -468,7 +472,7 @@
           <a:p>
             <a:fld id="{8C85DE42-2BBB-4BEC-98E8-2E54C2B244F5}" type="datetimeFigureOut">
               <a:rPr lang="en-AU" smtClean="0"/>
-              <a:t>28/6/18</a:t>
+              <a:t>19/07/2018</a:t>
             </a:fld>
             <a:endParaRPr lang="en-AU"/>
           </a:p>
@@ -678,7 +682,7 @@
           <a:p>
             <a:fld id="{8C85DE42-2BBB-4BEC-98E8-2E54C2B244F5}" type="datetimeFigureOut">
               <a:rPr lang="en-AU" smtClean="0"/>
-              <a:t>28/6/18</a:t>
+              <a:t>19/07/2018</a:t>
             </a:fld>
             <a:endParaRPr lang="en-AU"/>
           </a:p>
@@ -878,7 +882,7 @@
           <a:p>
             <a:fld id="{8C85DE42-2BBB-4BEC-98E8-2E54C2B244F5}" type="datetimeFigureOut">
               <a:rPr lang="en-AU" smtClean="0"/>
-              <a:t>28/6/18</a:t>
+              <a:t>19/07/2018</a:t>
             </a:fld>
             <a:endParaRPr lang="en-AU"/>
           </a:p>
@@ -1154,7 +1158,7 @@
           <a:p>
             <a:fld id="{8C85DE42-2BBB-4BEC-98E8-2E54C2B244F5}" type="datetimeFigureOut">
               <a:rPr lang="en-AU" smtClean="0"/>
-              <a:t>28/6/18</a:t>
+              <a:t>19/07/2018</a:t>
             </a:fld>
             <a:endParaRPr lang="en-AU"/>
           </a:p>
@@ -1422,7 +1426,7 @@
           <a:p>
             <a:fld id="{8C85DE42-2BBB-4BEC-98E8-2E54C2B244F5}" type="datetimeFigureOut">
               <a:rPr lang="en-AU" smtClean="0"/>
-              <a:t>28/6/18</a:t>
+              <a:t>19/07/2018</a:t>
             </a:fld>
             <a:endParaRPr lang="en-AU"/>
           </a:p>
@@ -1837,7 +1841,7 @@
           <a:p>
             <a:fld id="{8C85DE42-2BBB-4BEC-98E8-2E54C2B244F5}" type="datetimeFigureOut">
               <a:rPr lang="en-AU" smtClean="0"/>
-              <a:t>28/6/18</a:t>
+              <a:t>19/07/2018</a:t>
             </a:fld>
             <a:endParaRPr lang="en-AU"/>
           </a:p>
@@ -1979,7 +1983,7 @@
           <a:p>
             <a:fld id="{8C85DE42-2BBB-4BEC-98E8-2E54C2B244F5}" type="datetimeFigureOut">
               <a:rPr lang="en-AU" smtClean="0"/>
-              <a:t>28/6/18</a:t>
+              <a:t>19/07/2018</a:t>
             </a:fld>
             <a:endParaRPr lang="en-AU"/>
           </a:p>
@@ -2092,7 +2096,7 @@
           <a:p>
             <a:fld id="{8C85DE42-2BBB-4BEC-98E8-2E54C2B244F5}" type="datetimeFigureOut">
               <a:rPr lang="en-AU" smtClean="0"/>
-              <a:t>28/6/18</a:t>
+              <a:t>19/07/2018</a:t>
             </a:fld>
             <a:endParaRPr lang="en-AU"/>
           </a:p>
@@ -2405,7 +2409,7 @@
           <a:p>
             <a:fld id="{8C85DE42-2BBB-4BEC-98E8-2E54C2B244F5}" type="datetimeFigureOut">
               <a:rPr lang="en-AU" smtClean="0"/>
-              <a:t>28/6/18</a:t>
+              <a:t>19/07/2018</a:t>
             </a:fld>
             <a:endParaRPr lang="en-AU"/>
           </a:p>
@@ -2694,7 +2698,7 @@
           <a:p>
             <a:fld id="{8C85DE42-2BBB-4BEC-98E8-2E54C2B244F5}" type="datetimeFigureOut">
               <a:rPr lang="en-AU" smtClean="0"/>
-              <a:t>28/6/18</a:t>
+              <a:t>19/07/2018</a:t>
             </a:fld>
             <a:endParaRPr lang="en-AU"/>
           </a:p>
@@ -2937,7 +2941,7 @@
           <a:p>
             <a:fld id="{8C85DE42-2BBB-4BEC-98E8-2E54C2B244F5}" type="datetimeFigureOut">
               <a:rPr lang="en-AU" smtClean="0"/>
-              <a:t>28/6/18</a:t>
+              <a:t>19/07/2018</a:t>
             </a:fld>
             <a:endParaRPr lang="en-AU"/>
           </a:p>
@@ -18985,8 +18989,8 @@
         </p:nvSpPr>
         <p:spPr>
           <a:xfrm>
-            <a:off x="6425628" y="4349867"/>
-            <a:ext cx="1167564" cy="215444"/>
+            <a:off x="6192365" y="4349867"/>
+            <a:ext cx="1419235" cy="215444"/>
           </a:xfrm>
           <a:prstGeom prst="rect">
             <a:avLst/>
@@ -19003,7 +19007,7 @@
           <a:p>
             <a:r>
               <a:rPr lang="en-AU" sz="1400" dirty="0" err="1"/>
-              <a:t>gnaf:MeshBlock</a:t>
+              <a:t>gnaf:hasMeshBlock</a:t>
             </a:r>
             <a:endParaRPr lang="en-AU" sz="1400" dirty="0"/>
           </a:p>
@@ -19403,7 +19407,7 @@
             <a:solidFill>
               <a:schemeClr val="tx1"/>
             </a:solidFill>
-            <a:headEnd type="none" w="med" len="med"/>
+            <a:headEnd type="arrow" w="med" len="med"/>
             <a:tailEnd type="arrow" w="med" len="med"/>
           </a:ln>
         </p:spPr>
@@ -19485,8 +19489,8 @@
         </p:nvSpPr>
         <p:spPr>
           <a:xfrm>
-            <a:off x="8722216" y="3243514"/>
-            <a:ext cx="1030860" cy="215444"/>
+            <a:off x="8750209" y="3224852"/>
+            <a:ext cx="933012" cy="215444"/>
           </a:xfrm>
           <a:prstGeom prst="rect">
             <a:avLst/>
@@ -19503,7 +19507,7 @@
           <a:p>
             <a:r>
               <a:rPr lang="en-AU" sz="1400" dirty="0" err="1"/>
-              <a:t>geo:sfTouches</a:t>
+              <a:t>geo:sfWithin</a:t>
             </a:r>
             <a:endParaRPr lang="en-AU" sz="1400" dirty="0"/>
           </a:p>
@@ -19523,8 +19527,8 @@
         </p:nvSpPr>
         <p:spPr>
           <a:xfrm>
-            <a:off x="9022976" y="5745278"/>
-            <a:ext cx="829714" cy="215444"/>
+            <a:off x="9022976" y="5707954"/>
+            <a:ext cx="1030860" cy="215444"/>
           </a:xfrm>
           <a:prstGeom prst="rect">
             <a:avLst/>
@@ -19541,7 +19545,7 @@
           <a:p>
             <a:r>
               <a:rPr lang="en-AU" sz="1400" dirty="0" err="1"/>
-              <a:t>dct:hasPart</a:t>
+              <a:t>geo:sfTouches</a:t>
             </a:r>
             <a:endParaRPr lang="en-AU" sz="1400" dirty="0"/>
           </a:p>
@@ -20274,143 +20278,6 @@
       </p:sp>
       <p:sp>
         <p:nvSpPr>
-          <p:cNvPr id="48" name="Rectangle 47">
-            <a:extLst>
-              <a:ext uri="{FF2B5EF4-FFF2-40B4-BE49-F238E27FC236}">
-                <a16:creationId xmlns:a16="http://schemas.microsoft.com/office/drawing/2014/main" id="{BEE7CE46-3DC2-864D-AFFA-A4EAC424DC5E}"/>
-              </a:ext>
-            </a:extLst>
-          </p:cNvPr>
-          <p:cNvSpPr/>
-          <p:nvPr/>
-        </p:nvSpPr>
-        <p:spPr>
-          <a:xfrm>
-            <a:off x="9703305" y="4314558"/>
-            <a:ext cx="1330778" cy="595993"/>
-          </a:xfrm>
-          <a:prstGeom prst="rect">
-            <a:avLst/>
-          </a:prstGeom>
-          <a:solidFill>
-            <a:schemeClr val="bg1"/>
-          </a:solidFill>
-          <a:ln>
-            <a:solidFill>
-              <a:schemeClr val="tx1"/>
-            </a:solidFill>
-          </a:ln>
-        </p:spPr>
-        <p:style>
-          <a:lnRef idx="2">
-            <a:schemeClr val="accent1">
-              <a:shade val="50000"/>
-            </a:schemeClr>
-          </a:lnRef>
-          <a:fillRef idx="1">
-            <a:schemeClr val="accent1"/>
-          </a:fillRef>
-          <a:effectRef idx="0">
-            <a:schemeClr val="accent1"/>
-          </a:effectRef>
-          <a:fontRef idx="minor">
-            <a:schemeClr val="lt1"/>
-          </a:fontRef>
-        </p:style>
-        <p:txBody>
-          <a:bodyPr rtlCol="0" anchor="ctr"/>
-          <a:lstStyle/>
-          <a:p>
-            <a:pPr algn="ctr"/>
-            <a:r>
-              <a:rPr lang="en-US" sz="1400" dirty="0">
-                <a:solidFill>
-                  <a:schemeClr val="tx1"/>
-                </a:solidFill>
-              </a:rPr>
-              <a:t>ahgf:</a:t>
-            </a:r>
-            <a:br>
-              <a:rPr lang="en-US" sz="1400" dirty="0">
-                <a:solidFill>
-                  <a:schemeClr val="tx1"/>
-                </a:solidFill>
-              </a:rPr>
-            </a:br>
-            <a:r>
-              <a:rPr lang="en-US" sz="1400" dirty="0">
-                <a:solidFill>
-                  <a:schemeClr val="tx1"/>
-                </a:solidFill>
-              </a:rPr>
-              <a:t>Drainage</a:t>
-            </a:r>
-            <a:br>
-              <a:rPr lang="en-US" sz="1400" dirty="0">
-                <a:solidFill>
-                  <a:schemeClr val="tx1"/>
-                </a:solidFill>
-              </a:rPr>
-            </a:br>
-            <a:r>
-              <a:rPr lang="en-US" sz="1400" dirty="0">
-                <a:solidFill>
-                  <a:schemeClr val="tx1"/>
-                </a:solidFill>
-              </a:rPr>
-              <a:t>Division</a:t>
-            </a:r>
-          </a:p>
-        </p:txBody>
-      </p:sp>
-      <p:cxnSp>
-        <p:nvCxnSpPr>
-          <p:cNvPr id="49" name="Straight Arrow Connector 48">
-            <a:extLst>
-              <a:ext uri="{FF2B5EF4-FFF2-40B4-BE49-F238E27FC236}">
-                <a16:creationId xmlns:a16="http://schemas.microsoft.com/office/drawing/2014/main" id="{7A441DE8-1673-B549-8E1F-C09E1F01ACAE}"/>
-              </a:ext>
-            </a:extLst>
-          </p:cNvPr>
-          <p:cNvCxnSpPr>
-            <a:cxnSpLocks/>
-          </p:cNvCxnSpPr>
-          <p:nvPr/>
-        </p:nvCxnSpPr>
-        <p:spPr>
-          <a:xfrm flipV="1">
-            <a:off x="10111704" y="2096789"/>
-            <a:ext cx="0" cy="2211980"/>
-          </a:xfrm>
-          <a:prstGeom prst="straightConnector1">
-            <a:avLst/>
-          </a:prstGeom>
-          <a:ln>
-            <a:solidFill>
-              <a:schemeClr val="tx1"/>
-            </a:solidFill>
-            <a:prstDash val="solid"/>
-            <a:headEnd type="arrow" w="med" len="med"/>
-            <a:tailEnd type="none" w="med" len="med"/>
-          </a:ln>
-        </p:spPr>
-        <p:style>
-          <a:lnRef idx="1">
-            <a:schemeClr val="accent1"/>
-          </a:lnRef>
-          <a:fillRef idx="0">
-            <a:schemeClr val="accent1"/>
-          </a:fillRef>
-          <a:effectRef idx="0">
-            <a:schemeClr val="accent1"/>
-          </a:effectRef>
-          <a:fontRef idx="minor">
-            <a:schemeClr val="tx1"/>
-          </a:fontRef>
-        </p:style>
-      </p:cxnSp>
-      <p:sp>
-        <p:nvSpPr>
           <p:cNvPr id="62" name="Rectangle 61">
             <a:extLst>
               <a:ext uri="{FF2B5EF4-FFF2-40B4-BE49-F238E27FC236}">
@@ -20585,18 +20452,19 @@
           <p:cNvCxnSpPr>
             <a:cxnSpLocks/>
             <a:stCxn id="46" idx="2"/>
-            <a:endCxn id="48" idx="2"/>
+            <a:endCxn id="59" idx="3"/>
           </p:cNvCxnSpPr>
           <p:nvPr/>
         </p:nvCxnSpPr>
         <p:spPr>
-          <a:xfrm rot="16200000" flipH="1">
-            <a:off x="7143938" y="1685795"/>
-            <a:ext cx="5968" cy="6443544"/>
-          </a:xfrm>
-          <a:prstGeom prst="bentConnector3">
+          <a:xfrm rot="5400000" flipH="1" flipV="1">
+            <a:off x="6495077" y="365577"/>
+            <a:ext cx="1969078" cy="7108933"/>
+          </a:xfrm>
+          <a:prstGeom prst="bentConnector4">
             <a:avLst>
-              <a:gd name="adj1" fmla="val 30832523"/>
+              <a:gd name="adj1" fmla="val -92639"/>
+              <a:gd name="adj2" fmla="val 103216"/>
             </a:avLst>
           </a:prstGeom>
           <a:ln>

--- a/docs/fsdf-ont-images.pptx
+++ b/docs/fsdf-ont-images.pptx
@@ -119,10 +119,6 @@
 </p:presentation>
 </file>
 
-<file path=ppt/revisionInfo.xml><?xml version="1.0" encoding="utf-8"?>
-<p1510:revInfo xmlns:a="http://schemas.openxmlformats.org/drawingml/2006/main" xmlns:r="http://schemas.openxmlformats.org/officeDocument/2006/relationships" xmlns:p1510="http://schemas.microsoft.com/office/powerpoint/2015/10/main"/>
-</file>
-
 <file path=ppt/slideLayouts/slideLayout1.xml><?xml version="1.0" encoding="utf-8"?>
 <p:sldLayout xmlns:a="http://schemas.openxmlformats.org/drawingml/2006/main" xmlns:r="http://schemas.openxmlformats.org/officeDocument/2006/relationships" xmlns:p="http://schemas.openxmlformats.org/presentationml/2006/main" type="title" preserve="1">
   <p:cSld name="Title Slide">
@@ -272,7 +268,7 @@
           <a:p>
             <a:fld id="{8C85DE42-2BBB-4BEC-98E8-2E54C2B244F5}" type="datetimeFigureOut">
               <a:rPr lang="en-AU" smtClean="0"/>
-              <a:t>19/07/2018</a:t>
+              <a:t>15/8/18</a:t>
             </a:fld>
             <a:endParaRPr lang="en-AU"/>
           </a:p>
@@ -472,7 +468,7 @@
           <a:p>
             <a:fld id="{8C85DE42-2BBB-4BEC-98E8-2E54C2B244F5}" type="datetimeFigureOut">
               <a:rPr lang="en-AU" smtClean="0"/>
-              <a:t>19/07/2018</a:t>
+              <a:t>15/8/18</a:t>
             </a:fld>
             <a:endParaRPr lang="en-AU"/>
           </a:p>
@@ -682,7 +678,7 @@
           <a:p>
             <a:fld id="{8C85DE42-2BBB-4BEC-98E8-2E54C2B244F5}" type="datetimeFigureOut">
               <a:rPr lang="en-AU" smtClean="0"/>
-              <a:t>19/07/2018</a:t>
+              <a:t>15/8/18</a:t>
             </a:fld>
             <a:endParaRPr lang="en-AU"/>
           </a:p>
@@ -882,7 +878,7 @@
           <a:p>
             <a:fld id="{8C85DE42-2BBB-4BEC-98E8-2E54C2B244F5}" type="datetimeFigureOut">
               <a:rPr lang="en-AU" smtClean="0"/>
-              <a:t>19/07/2018</a:t>
+              <a:t>15/8/18</a:t>
             </a:fld>
             <a:endParaRPr lang="en-AU"/>
           </a:p>
@@ -1158,7 +1154,7 @@
           <a:p>
             <a:fld id="{8C85DE42-2BBB-4BEC-98E8-2E54C2B244F5}" type="datetimeFigureOut">
               <a:rPr lang="en-AU" smtClean="0"/>
-              <a:t>19/07/2018</a:t>
+              <a:t>15/8/18</a:t>
             </a:fld>
             <a:endParaRPr lang="en-AU"/>
           </a:p>
@@ -1426,7 +1422,7 @@
           <a:p>
             <a:fld id="{8C85DE42-2BBB-4BEC-98E8-2E54C2B244F5}" type="datetimeFigureOut">
               <a:rPr lang="en-AU" smtClean="0"/>
-              <a:t>19/07/2018</a:t>
+              <a:t>15/8/18</a:t>
             </a:fld>
             <a:endParaRPr lang="en-AU"/>
           </a:p>
@@ -1841,7 +1837,7 @@
           <a:p>
             <a:fld id="{8C85DE42-2BBB-4BEC-98E8-2E54C2B244F5}" type="datetimeFigureOut">
               <a:rPr lang="en-AU" smtClean="0"/>
-              <a:t>19/07/2018</a:t>
+              <a:t>15/8/18</a:t>
             </a:fld>
             <a:endParaRPr lang="en-AU"/>
           </a:p>
@@ -1983,7 +1979,7 @@
           <a:p>
             <a:fld id="{8C85DE42-2BBB-4BEC-98E8-2E54C2B244F5}" type="datetimeFigureOut">
               <a:rPr lang="en-AU" smtClean="0"/>
-              <a:t>19/07/2018</a:t>
+              <a:t>15/8/18</a:t>
             </a:fld>
             <a:endParaRPr lang="en-AU"/>
           </a:p>
@@ -2096,7 +2092,7 @@
           <a:p>
             <a:fld id="{8C85DE42-2BBB-4BEC-98E8-2E54C2B244F5}" type="datetimeFigureOut">
               <a:rPr lang="en-AU" smtClean="0"/>
-              <a:t>19/07/2018</a:t>
+              <a:t>15/8/18</a:t>
             </a:fld>
             <a:endParaRPr lang="en-AU"/>
           </a:p>
@@ -2409,7 +2405,7 @@
           <a:p>
             <a:fld id="{8C85DE42-2BBB-4BEC-98E8-2E54C2B244F5}" type="datetimeFigureOut">
               <a:rPr lang="en-AU" smtClean="0"/>
-              <a:t>19/07/2018</a:t>
+              <a:t>15/8/18</a:t>
             </a:fld>
             <a:endParaRPr lang="en-AU"/>
           </a:p>
@@ -2698,7 +2694,7 @@
           <a:p>
             <a:fld id="{8C85DE42-2BBB-4BEC-98E8-2E54C2B244F5}" type="datetimeFigureOut">
               <a:rPr lang="en-AU" smtClean="0"/>
-              <a:t>19/07/2018</a:t>
+              <a:t>15/8/18</a:t>
             </a:fld>
             <a:endParaRPr lang="en-AU"/>
           </a:p>
@@ -2941,7 +2937,7 @@
           <a:p>
             <a:fld id="{8C85DE42-2BBB-4BEC-98E8-2E54C2B244F5}" type="datetimeFigureOut">
               <a:rPr lang="en-AU" smtClean="0"/>
-              <a:t>19/07/2018</a:t>
+              <a:t>15/8/18</a:t>
             </a:fld>
             <a:endParaRPr lang="en-AU"/>
           </a:p>
@@ -17674,22 +17670,7 @@
                   <a:srgbClr val="C00000"/>
                 </a:solidFill>
               </a:rPr>
-              <a:t>Drainage</a:t>
-            </a:r>
-            <a:br>
-              <a:rPr lang="en-US" sz="1400" dirty="0">
-                <a:solidFill>
-                  <a:srgbClr val="C00000"/>
-                </a:solidFill>
-              </a:rPr>
-            </a:br>
-            <a:r>
-              <a:rPr lang="en-US" sz="1400" dirty="0">
-                <a:solidFill>
-                  <a:srgbClr val="C00000"/>
-                </a:solidFill>
-              </a:rPr>
-              <a:t>Division</a:t>
+              <a:t>Catchment</a:t>
             </a:r>
           </a:p>
         </p:txBody>
@@ -17755,8 +17736,8 @@
         </p:nvSpPr>
         <p:spPr>
           <a:xfrm rot="16200000">
-            <a:off x="4607111" y="3004331"/>
-            <a:ext cx="933012" cy="215444"/>
+            <a:off x="4536611" y="3004331"/>
+            <a:ext cx="1074012" cy="215444"/>
           </a:xfrm>
           <a:prstGeom prst="rect">
             <a:avLst/>
@@ -17777,7 +17758,7 @@
                   <a:srgbClr val="C00000"/>
                 </a:solidFill>
               </a:rPr>
-              <a:t>geo:sfWithin</a:t>
+              <a:t>geo:ehOverlap</a:t>
             </a:r>
             <a:endParaRPr lang="en-AU" sz="1400" dirty="0">
               <a:solidFill>
@@ -20471,7 +20452,7 @@
             <a:solidFill>
               <a:schemeClr val="tx1"/>
             </a:solidFill>
-            <a:headEnd type="none" w="med" len="med"/>
+            <a:headEnd type="arrow" w="med" len="med"/>
             <a:tailEnd type="arrow" w="med" len="med"/>
           </a:ln>
         </p:spPr>
@@ -20505,7 +20486,7 @@
         <p:spPr>
           <a:xfrm>
             <a:off x="3443782" y="5176022"/>
-            <a:ext cx="933012" cy="215444"/>
+            <a:ext cx="1074012" cy="215444"/>
           </a:xfrm>
           <a:prstGeom prst="rect">
             <a:avLst/>
@@ -20522,7 +20503,7 @@
           <a:p>
             <a:r>
               <a:rPr lang="en-AU" sz="1400" dirty="0" err="1"/>
-              <a:t>geo:sfWithin</a:t>
+              <a:t>geo:ehOverlap</a:t>
             </a:r>
             <a:endParaRPr lang="en-AU" sz="1400" dirty="0"/>
           </a:p>
